--- a/translations/en-us/intermediate/TurnDegrees.pptx
+++ b/translations/en-us/intermediate/TurnDegrees.pptx
@@ -5,25 +5,26 @@
     <p:sldMasterId id="2147483714" r:id="rId1"/>
   </p:sldMasterIdLst>
   <p:notesMasterIdLst>
-    <p:notesMasterId r:id="rId15"/>
+    <p:notesMasterId r:id="rId16"/>
   </p:notesMasterIdLst>
   <p:handoutMasterIdLst>
-    <p:handoutMasterId r:id="rId16"/>
+    <p:handoutMasterId r:id="rId17"/>
   </p:handoutMasterIdLst>
   <p:sldIdLst>
     <p:sldId id="370" r:id="rId2"/>
     <p:sldId id="372" r:id="rId3"/>
-    <p:sldId id="352" r:id="rId4"/>
-    <p:sldId id="286" r:id="rId5"/>
+    <p:sldId id="376" r:id="rId4"/>
+    <p:sldId id="377" r:id="rId5"/>
     <p:sldId id="287" r:id="rId6"/>
     <p:sldId id="361" r:id="rId7"/>
     <p:sldId id="362" r:id="rId8"/>
-    <p:sldId id="363" r:id="rId9"/>
-    <p:sldId id="364" r:id="rId10"/>
-    <p:sldId id="365" r:id="rId11"/>
-    <p:sldId id="366" r:id="rId12"/>
-    <p:sldId id="367" r:id="rId13"/>
-    <p:sldId id="371" r:id="rId14"/>
+    <p:sldId id="375" r:id="rId9"/>
+    <p:sldId id="379" r:id="rId10"/>
+    <p:sldId id="367" r:id="rId11"/>
+    <p:sldId id="373" r:id="rId12"/>
+    <p:sldId id="374" r:id="rId13"/>
+    <p:sldId id="378" r:id="rId14"/>
+    <p:sldId id="371" r:id="rId15"/>
   </p:sldIdLst>
   <p:sldSz cx="9144000" cy="6858000" type="screen4x3"/>
   <p:notesSz cx="6858000" cy="9144000"/>
@@ -223,7 +224,7 @@
           <a:p>
             <a:fld id="{E00FA3B4-5499-9244-86B5-B0871A9DDD84}" type="datetimeFigureOut">
               <a:rPr lang="en-US" smtClean="0"/>
-              <a:t>2/28/2015</a:t>
+              <a:t>11/2/2015</a:t>
             </a:fld>
             <a:endParaRPr lang="en-US"/>
           </a:p>
@@ -389,7 +390,7 @@
           <a:p>
             <a:fld id="{FD3EFF1E-85A1-6640-AFB9-C38833E80A84}" type="datetimeFigureOut">
               <a:rPr lang="en-US" smtClean="0"/>
-              <a:t>2/28/2015</a:t>
+              <a:t>11/2/2015</a:t>
             </a:fld>
             <a:endParaRPr lang="en-US"/>
           </a:p>
@@ -807,7 +808,7 @@
           <a:p>
             <a:fld id="{13967457-1E83-1040-AFF7-8D09C473DBD5}" type="slidenum">
               <a:rPr lang="en-US" smtClean="0"/>
-              <a:t>3</a:t>
+              <a:t>2</a:t>
             </a:fld>
             <a:endParaRPr lang="en-US"/>
           </a:p>
@@ -816,7 +817,7 @@
     </p:spTree>
     <p:extLst>
       <p:ext uri="{BB962C8B-B14F-4D97-AF65-F5344CB8AC3E}">
-        <p14:creationId xmlns:p14="http://schemas.microsoft.com/office/powerpoint/2010/main" val="2375391209"/>
+        <p14:creationId xmlns:p14="http://schemas.microsoft.com/office/powerpoint/2010/main" val="1108472779"/>
       </p:ext>
     </p:extLst>
   </p:cSld>
@@ -891,7 +892,91 @@
           <a:p>
             <a:fld id="{13967457-1E83-1040-AFF7-8D09C473DBD5}" type="slidenum">
               <a:rPr lang="en-US" smtClean="0"/>
-              <a:t>13</a:t>
+              <a:t>4</a:t>
+            </a:fld>
+            <a:endParaRPr lang="en-US"/>
+          </a:p>
+        </p:txBody>
+      </p:sp>
+    </p:spTree>
+    <p:extLst>
+      <p:ext uri="{BB962C8B-B14F-4D97-AF65-F5344CB8AC3E}">
+        <p14:creationId xmlns:p14="http://schemas.microsoft.com/office/powerpoint/2010/main" val="1276312104"/>
+      </p:ext>
+    </p:extLst>
+  </p:cSld>
+  <p:clrMapOvr>
+    <a:masterClrMapping/>
+  </p:clrMapOvr>
+</p:notes>
+</file>
+
+<file path=ppt/notesSlides/notesSlide4.xml><?xml version="1.0" encoding="utf-8"?>
+<p:notes xmlns:a="http://schemas.openxmlformats.org/drawingml/2006/main" xmlns:r="http://schemas.openxmlformats.org/officeDocument/2006/relationships" xmlns:p="http://schemas.openxmlformats.org/presentationml/2006/main">
+  <p:cSld>
+    <p:spTree>
+      <p:nvGrpSpPr>
+        <p:cNvPr id="1" name=""/>
+        <p:cNvGrpSpPr/>
+        <p:nvPr/>
+      </p:nvGrpSpPr>
+      <p:grpSpPr>
+        <a:xfrm>
+          <a:off x="0" y="0"/>
+          <a:ext cx="0" cy="0"/>
+          <a:chOff x="0" y="0"/>
+          <a:chExt cx="0" cy="0"/>
+        </a:xfrm>
+      </p:grpSpPr>
+      <p:sp>
+        <p:nvSpPr>
+          <p:cNvPr id="2" name="Slide Image Placeholder 1"/>
+          <p:cNvSpPr>
+            <a:spLocks noGrp="1" noRot="1" noChangeAspect="1"/>
+          </p:cNvSpPr>
+          <p:nvPr>
+            <p:ph type="sldImg"/>
+          </p:nvPr>
+        </p:nvSpPr>
+        <p:spPr/>
+      </p:sp>
+      <p:sp>
+        <p:nvSpPr>
+          <p:cNvPr id="3" name="Notes Placeholder 2"/>
+          <p:cNvSpPr>
+            <a:spLocks noGrp="1"/>
+          </p:cNvSpPr>
+          <p:nvPr>
+            <p:ph type="body" idx="1"/>
+          </p:nvPr>
+        </p:nvSpPr>
+        <p:spPr/>
+        <p:txBody>
+          <a:bodyPr/>
+          <a:lstStyle/>
+          <a:p>
+            <a:endParaRPr lang="en-US"/>
+          </a:p>
+        </p:txBody>
+      </p:sp>
+      <p:sp>
+        <p:nvSpPr>
+          <p:cNvPr id="4" name="Slide Number Placeholder 3"/>
+          <p:cNvSpPr>
+            <a:spLocks noGrp="1"/>
+          </p:cNvSpPr>
+          <p:nvPr>
+            <p:ph type="sldNum" sz="quarter" idx="10"/>
+          </p:nvPr>
+        </p:nvSpPr>
+        <p:spPr/>
+        <p:txBody>
+          <a:bodyPr/>
+          <a:lstStyle/>
+          <a:p>
+            <a:fld id="{13967457-1E83-1040-AFF7-8D09C473DBD5}" type="slidenum">
+              <a:rPr lang="en-US" smtClean="0"/>
+              <a:t>14</a:t>
             </a:fld>
             <a:endParaRPr lang="en-US"/>
           </a:p>
@@ -1101,9 +1186,9 @@
           <a:bodyPr/>
           <a:lstStyle/>
           <a:p>
-            <a:fld id="{1513B2E8-9F3A-4798-8858-A24CED2A0EBC}" type="datetime1">
-              <a:rPr lang="en-US" smtClean="0"/>
-              <a:t>2/28/2015</a:t>
+            <a:fld id="{AE923CF0-CB60-4C7B-97E9-B9CB60A78D22}" type="datetime1">
+              <a:rPr lang="en-US" smtClean="0"/>
+              <a:t>11/2/2015</a:t>
             </a:fld>
             <a:endParaRPr lang="en-US"/>
           </a:p>
@@ -1126,7 +1211,7 @@
           <a:p>
             <a:r>
               <a:rPr lang="en-US" smtClean="0"/>
-              <a:t>© 2015, EV3Lessons.com (last edit 2/28/15)</a:t>
+              <a:t>© 2015, EV3Lessons.com (last edit 11/02/15)</a:t>
             </a:r>
             <a:endParaRPr lang="en-US"/>
           </a:p>
@@ -1392,9 +1477,9 @@
           <a:bodyPr/>
           <a:lstStyle/>
           <a:p>
-            <a:fld id="{4AD44EEF-22E8-486F-A7CC-B0A2D2A00269}" type="datetime1">
-              <a:rPr lang="en-US" smtClean="0"/>
-              <a:t>2/28/2015</a:t>
+            <a:fld id="{4705EFA9-4B69-4A67-BFCF-73D69EBB1C86}" type="datetime1">
+              <a:rPr lang="en-US" smtClean="0"/>
+              <a:t>11/2/2015</a:t>
             </a:fld>
             <a:endParaRPr lang="en-US"/>
           </a:p>
@@ -1417,7 +1502,7 @@
           <a:p>
             <a:r>
               <a:rPr lang="en-US" smtClean="0"/>
-              <a:t>© 2015, EV3Lessons.com (last edit 2/28/15)</a:t>
+              <a:t>© 2015, EV3Lessons.com (last edit 11/02/15)</a:t>
             </a:r>
             <a:endParaRPr lang="en-US"/>
           </a:p>
@@ -1571,9 +1656,9 @@
           <a:bodyPr/>
           <a:lstStyle/>
           <a:p>
-            <a:fld id="{0BC32E21-3DAD-48D0-B769-86CAE6FF8312}" type="datetime1">
-              <a:rPr lang="en-US" smtClean="0"/>
-              <a:t>2/28/2015</a:t>
+            <a:fld id="{F425330F-2C79-43A3-8FB4-D3B1505F6C01}" type="datetime1">
+              <a:rPr lang="en-US" smtClean="0"/>
+              <a:t>11/2/2015</a:t>
             </a:fld>
             <a:endParaRPr lang="en-US"/>
           </a:p>
@@ -1596,7 +1681,7 @@
           <a:p>
             <a:r>
               <a:rPr lang="en-US" smtClean="0"/>
-              <a:t>© 2015, EV3Lessons.com (last edit 2/28/15)</a:t>
+              <a:t>© 2015, EV3Lessons.com (last edit 11/02/15)</a:t>
             </a:r>
             <a:endParaRPr lang="en-US"/>
           </a:p>
@@ -1750,9 +1835,9 @@
           <a:bodyPr/>
           <a:lstStyle/>
           <a:p>
-            <a:fld id="{4A8F83AE-6DA7-43E5-81CC-B42B905F83E7}" type="datetime1">
-              <a:rPr lang="en-US" smtClean="0"/>
-              <a:t>2/28/2015</a:t>
+            <a:fld id="{E9F371A7-56E1-4588-BBEC-E2428955CE10}" type="datetime1">
+              <a:rPr lang="en-US" smtClean="0"/>
+              <a:t>11/2/2015</a:t>
             </a:fld>
             <a:endParaRPr lang="en-US"/>
           </a:p>
@@ -1775,7 +1860,7 @@
           <a:p>
             <a:r>
               <a:rPr lang="en-US" smtClean="0"/>
-              <a:t>© 2015, EV3Lessons.com (last edit 2/28/15)</a:t>
+              <a:t>© 2015, EV3Lessons.com (last edit 11/02/15)</a:t>
             </a:r>
             <a:endParaRPr lang="en-US"/>
           </a:p>
@@ -2003,9 +2088,9 @@
           <a:bodyPr/>
           <a:lstStyle/>
           <a:p>
-            <a:fld id="{8B3EF5FC-0D0A-41B0-8822-39085D7BEEBA}" type="datetime1">
-              <a:rPr lang="en-US" smtClean="0"/>
-              <a:t>2/28/2015</a:t>
+            <a:fld id="{BCD33F1B-FFDB-45E8-8142-3514A0AE8551}" type="datetime1">
+              <a:rPr lang="en-US" smtClean="0"/>
+              <a:t>11/2/2015</a:t>
             </a:fld>
             <a:endParaRPr lang="en-US"/>
           </a:p>
@@ -2051,7 +2136,7 @@
           <a:p>
             <a:r>
               <a:rPr lang="en-US" smtClean="0"/>
-              <a:t>© 2015, EV3Lessons.com (last edit 2/28/15)</a:t>
+              <a:t>© 2015, EV3Lessons.com (last edit 11/02/15)</a:t>
             </a:r>
             <a:endParaRPr lang="en-US"/>
           </a:p>
@@ -2295,9 +2380,9 @@
           <a:bodyPr/>
           <a:lstStyle/>
           <a:p>
-            <a:fld id="{BF631AC1-580A-4A60-95AA-5E56A699011C}" type="datetime1">
-              <a:rPr lang="en-US" smtClean="0"/>
-              <a:t>2/28/2015</a:t>
+            <a:fld id="{E53379DA-4C0F-44D4-9710-A6C0D92B5F07}" type="datetime1">
+              <a:rPr lang="en-US" smtClean="0"/>
+              <a:t>11/2/2015</a:t>
             </a:fld>
             <a:endParaRPr lang="en-US"/>
           </a:p>
@@ -2320,7 +2405,7 @@
           <a:p>
             <a:r>
               <a:rPr lang="en-US" smtClean="0"/>
-              <a:t>© 2015, EV3Lessons.com (last edit 2/28/15)</a:t>
+              <a:t>© 2015, EV3Lessons.com (last edit 11/02/15)</a:t>
             </a:r>
             <a:endParaRPr lang="en-US"/>
           </a:p>
@@ -2738,9 +2823,9 @@
           <a:bodyPr/>
           <a:lstStyle/>
           <a:p>
-            <a:fld id="{47EA05A9-A3BD-4767-8F20-909A2121C350}" type="datetime1">
-              <a:rPr lang="en-US" smtClean="0"/>
-              <a:t>2/28/2015</a:t>
+            <a:fld id="{78C8D720-C659-4EE8-9820-1EFABFCE3871}" type="datetime1">
+              <a:rPr lang="en-US" smtClean="0"/>
+              <a:t>11/2/2015</a:t>
             </a:fld>
             <a:endParaRPr lang="en-US"/>
           </a:p>
@@ -2763,7 +2848,7 @@
           <a:p>
             <a:r>
               <a:rPr lang="en-US" smtClean="0"/>
-              <a:t>© 2015, EV3Lessons.com (last edit 2/28/15)</a:t>
+              <a:t>© 2015, EV3Lessons.com (last edit 11/02/15)</a:t>
             </a:r>
             <a:endParaRPr lang="en-US"/>
           </a:p>
@@ -2855,9 +2940,9 @@
           <a:bodyPr/>
           <a:lstStyle/>
           <a:p>
-            <a:fld id="{2F370896-11DF-4AF2-AA13-8FCB78DE624D}" type="datetime1">
-              <a:rPr lang="en-US" smtClean="0"/>
-              <a:t>2/28/2015</a:t>
+            <a:fld id="{10043641-80DF-419A-AD50-6D94EF609967}" type="datetime1">
+              <a:rPr lang="en-US" smtClean="0"/>
+              <a:t>11/2/2015</a:t>
             </a:fld>
             <a:endParaRPr lang="en-US"/>
           </a:p>
@@ -2880,7 +2965,7 @@
           <a:p>
             <a:r>
               <a:rPr lang="en-US" smtClean="0"/>
-              <a:t>© 2015, EV3Lessons.com (last edit 2/28/15)</a:t>
+              <a:t>© 2015, EV3Lessons.com (last edit 11/02/15)</a:t>
             </a:r>
             <a:endParaRPr lang="en-US"/>
           </a:p>
@@ -2949,9 +3034,9 @@
           <a:bodyPr/>
           <a:lstStyle/>
           <a:p>
-            <a:fld id="{F9FC8E25-1492-433E-B3A5-5BB78549A3AC}" type="datetime1">
-              <a:rPr lang="en-US" smtClean="0"/>
-              <a:t>2/28/2015</a:t>
+            <a:fld id="{8CF8CDBE-49F4-4255-B9EA-BAC4B9653F98}" type="datetime1">
+              <a:rPr lang="en-US" smtClean="0"/>
+              <a:t>11/2/2015</a:t>
             </a:fld>
             <a:endParaRPr lang="en-US"/>
           </a:p>
@@ -2974,7 +3059,7 @@
           <a:p>
             <a:r>
               <a:rPr lang="en-US" smtClean="0"/>
-              <a:t>© 2015, EV3Lessons.com (last edit 2/28/15)</a:t>
+              <a:t>© 2015, EV3Lessons.com (last edit 11/02/15)</a:t>
             </a:r>
             <a:endParaRPr lang="en-US"/>
           </a:p>
@@ -3195,9 +3280,9 @@
           <a:bodyPr/>
           <a:lstStyle/>
           <a:p>
-            <a:fld id="{B15A6900-05DA-4BE7-8CE1-A8844A2165AA}" type="datetime1">
-              <a:rPr lang="en-US" smtClean="0"/>
-              <a:t>2/28/2015</a:t>
+            <a:fld id="{9866554A-94AB-4B6C-B088-D50C47B5E481}" type="datetime1">
+              <a:rPr lang="en-US" smtClean="0"/>
+              <a:t>11/2/2015</a:t>
             </a:fld>
             <a:endParaRPr lang="en-US"/>
           </a:p>
@@ -3220,7 +3305,7 @@
           <a:p>
             <a:r>
               <a:rPr lang="en-US" smtClean="0"/>
-              <a:t>© 2015, EV3Lessons.com (last edit 2/28/15)</a:t>
+              <a:t>© 2015, EV3Lessons.com (last edit 11/02/15)</a:t>
             </a:r>
             <a:endParaRPr lang="en-US"/>
           </a:p>
@@ -3493,9 +3578,9 @@
           <a:bodyPr/>
           <a:lstStyle/>
           <a:p>
-            <a:fld id="{DBF33A58-6CC4-4F73-9C23-3EA22CE9D7D7}" type="datetime1">
-              <a:rPr lang="en-US" smtClean="0"/>
-              <a:t>2/28/2015</a:t>
+            <a:fld id="{91527C36-FED2-4929-9127-7964448B9E1F}" type="datetime1">
+              <a:rPr lang="en-US" smtClean="0"/>
+              <a:t>11/2/2015</a:t>
             </a:fld>
             <a:endParaRPr lang="en-US"/>
           </a:p>
@@ -3518,7 +3603,7 @@
           <a:p>
             <a:r>
               <a:rPr lang="en-US" smtClean="0"/>
-              <a:t>© 2015, EV3Lessons.com (last edit 2/28/15)</a:t>
+              <a:t>© 2015, EV3Lessons.com (last edit 11/02/15)</a:t>
             </a:r>
             <a:endParaRPr lang="en-US"/>
           </a:p>
@@ -3791,9 +3876,9 @@
             </a:lvl1pPr>
           </a:lstStyle>
           <a:p>
-            <a:fld id="{EA78CF66-11E1-42A4-AC73-178274BE6D0D}" type="datetime1">
-              <a:rPr lang="en-US" smtClean="0"/>
-              <a:t>2/28/2015</a:t>
+            <a:fld id="{7644706D-55FC-4799-9DA6-17652D7ABD2A}" type="datetime1">
+              <a:rPr lang="en-US" smtClean="0"/>
+              <a:t>11/2/2015</a:t>
             </a:fld>
             <a:endParaRPr lang="en-US"/>
           </a:p>
@@ -3832,7 +3917,7 @@
           <a:p>
             <a:r>
               <a:rPr lang="en-US" smtClean="0"/>
-              <a:t>© 2015, EV3Lessons.com (last edit 2/28/15)</a:t>
+              <a:t>© 2015, EV3Lessons.com (last edit 11/02/15)</a:t>
             </a:r>
             <a:endParaRPr lang="en-US"/>
           </a:p>
@@ -4353,8 +4438,8 @@
         </p:nvSpPr>
         <p:spPr>
           <a:xfrm>
-            <a:off x="1487501" y="5949643"/>
-            <a:ext cx="4750545" cy="523220"/>
+            <a:off x="1650339" y="6062377"/>
+            <a:ext cx="4750545" cy="400110"/>
           </a:xfrm>
           <a:prstGeom prst="rect">
             <a:avLst/>
@@ -4368,42 +4453,12 @@
           <a:lstStyle/>
           <a:p>
             <a:r>
-              <a:rPr lang="en-US" sz="2800" dirty="0" smtClean="0"/>
+              <a:rPr lang="en-US" sz="2000" dirty="0" smtClean="0"/>
               <a:t>By: Droids Robotics</a:t>
             </a:r>
           </a:p>
         </p:txBody>
       </p:sp>
-      <p:pic>
-        <p:nvPicPr>
-          <p:cNvPr id="3" name="Picture 2" descr="Droidslogo2.png"/>
-          <p:cNvPicPr>
-            <a:picLocks noChangeAspect="1"/>
-          </p:cNvPicPr>
-          <p:nvPr/>
-        </p:nvPicPr>
-        <p:blipFill>
-          <a:blip r:embed="rId3">
-            <a:extLst>
-              <a:ext uri="{28A0092B-C50C-407E-A947-70E740481C1C}">
-                <a14:useLocalDpi xmlns:a14="http://schemas.microsoft.com/office/drawing/2010/main" val="0"/>
-              </a:ext>
-            </a:extLst>
-          </a:blip>
-          <a:stretch>
-            <a:fillRect/>
-          </a:stretch>
-        </p:blipFill>
-        <p:spPr>
-          <a:xfrm>
-            <a:off x="402306" y="5456830"/>
-            <a:ext cx="1085195" cy="1085195"/>
-          </a:xfrm>
-          <a:prstGeom prst="rect">
-            <a:avLst/>
-          </a:prstGeom>
-        </p:spPr>
-      </p:pic>
       <p:sp>
         <p:nvSpPr>
           <p:cNvPr id="4" name="TextBox 3"/>
@@ -4427,12 +4482,20 @@
           <a:lstStyle/>
           <a:p>
             <a:r>
+              <a:rPr lang="en-US" sz="2800" dirty="0" err="1" smtClean="0">
+                <a:solidFill>
+                  <a:srgbClr val="FF0000"/>
+                </a:solidFill>
+              </a:rPr>
+              <a:t>Turn_Degrees</a:t>
+            </a:r>
+            <a:r>
               <a:rPr lang="en-US" sz="2800" dirty="0" smtClean="0">
                 <a:solidFill>
                   <a:srgbClr val="FF0000"/>
                 </a:solidFill>
               </a:rPr>
-              <a:t>Turn Degrees My Block</a:t>
+              <a:t> My Block</a:t>
             </a:r>
             <a:endParaRPr lang="en-US" sz="2800" dirty="0">
               <a:solidFill>
@@ -4454,7 +4517,7 @@
           <p:nvPr/>
         </p:nvPicPr>
         <p:blipFill>
-          <a:blip r:embed="rId4">
+          <a:blip r:embed="rId3">
             <a:extLst>
               <a:ext uri="{28A0092B-C50C-407E-A947-70E740481C1C}">
                 <a14:useLocalDpi xmlns:a14="http://schemas.microsoft.com/office/drawing/2010/main" val="0"/>
@@ -4484,6 +4547,36 @@
               </a14:hiddenFill>
             </a:ext>
           </a:extLst>
+        </p:spPr>
+      </p:pic>
+      <p:pic>
+        <p:nvPicPr>
+          <p:cNvPr id="8" name="Picture 7"/>
+          <p:cNvPicPr>
+            <a:picLocks noChangeAspect="1"/>
+          </p:cNvPicPr>
+          <p:nvPr/>
+        </p:nvPicPr>
+        <p:blipFill>
+          <a:blip r:embed="rId4">
+            <a:extLst>
+              <a:ext uri="{28A0092B-C50C-407E-A947-70E740481C1C}">
+                <a14:useLocalDpi xmlns:a14="http://schemas.microsoft.com/office/drawing/2010/main" val="0"/>
+              </a:ext>
+            </a:extLst>
+          </a:blip>
+          <a:stretch>
+            <a:fillRect/>
+          </a:stretch>
+        </p:blipFill>
+        <p:spPr>
+          <a:xfrm>
+            <a:off x="402305" y="5241747"/>
+            <a:ext cx="1286881" cy="1231116"/>
+          </a:xfrm>
+          <a:prstGeom prst="rect">
+            <a:avLst/>
+          </a:prstGeom>
         </p:spPr>
       </p:pic>
     </p:spTree>
@@ -4533,19 +4626,26 @@
             <p:ph type="title"/>
           </p:nvPr>
         </p:nvSpPr>
-        <p:spPr>
-          <a:xfrm>
-            <a:off x="457199" y="152718"/>
-            <a:ext cx="8245475" cy="797021"/>
-          </a:xfrm>
-        </p:spPr>
+        <p:spPr/>
         <p:txBody>
           <a:bodyPr/>
           <a:lstStyle/>
           <a:p>
             <a:r>
               <a:rPr lang="en-US" dirty="0" smtClean="0"/>
-              <a:t>STAGE 5: ANOTHER MY BLOCK</a:t>
+              <a:t>Step 3b: </a:t>
+            </a:r>
+            <a:r>
+              <a:rPr lang="en-US" dirty="0" err="1" smtClean="0"/>
+              <a:t>Turn_DEGREES</a:t>
+            </a:r>
+            <a:r>
+              <a:rPr lang="en-US" dirty="0" smtClean="0"/>
+              <a:t> MY </a:t>
+            </a:r>
+            <a:r>
+              <a:rPr lang="en-US" dirty="0" err="1" smtClean="0"/>
+              <a:t>BLock</a:t>
             </a:r>
             <a:endParaRPr lang="en-US" dirty="0"/>
           </a:p>
@@ -4568,15 +4668,38 @@
           <a:p>
             <a:r>
               <a:rPr lang="en-US" smtClean="0"/>
-              <a:t>© 2015, EV3Lessons.com (last edit 2/28/15)</a:t>
-            </a:r>
+              <a:t>© 2015, EV3Lessons.com (last edit 11/02/15)</a:t>
+            </a:r>
+            <a:endParaRPr lang="en-US"/>
+          </a:p>
+        </p:txBody>
+      </p:sp>
+      <p:sp>
+        <p:nvSpPr>
+          <p:cNvPr id="3" name="Slide Number Placeholder 2"/>
+          <p:cNvSpPr>
+            <a:spLocks noGrp="1"/>
+          </p:cNvSpPr>
+          <p:nvPr>
+            <p:ph type="sldNum" sz="quarter" idx="12"/>
+          </p:nvPr>
+        </p:nvSpPr>
+        <p:spPr/>
+        <p:txBody>
+          <a:bodyPr/>
+          <a:lstStyle/>
+          <a:p>
+            <a:fld id="{4DBC7FC8-25FB-FC45-8177-2B991DA6778C}" type="slidenum">
+              <a:rPr lang="en-US" smtClean="0"/>
+              <a:t>10</a:t>
+            </a:fld>
             <a:endParaRPr lang="en-US"/>
           </a:p>
         </p:txBody>
       </p:sp>
       <p:pic>
         <p:nvPicPr>
-          <p:cNvPr id="5" name="Picture 4" descr="Screen Shot 2014-09-25 at 5.32.24 PM.png"/>
+          <p:cNvPr id="9" name="Picture 8" descr="Screen Clipping"/>
           <p:cNvPicPr>
             <a:picLocks noChangeAspect="1"/>
           </p:cNvPicPr>
@@ -4596,41 +4719,18 @@
         </p:blipFill>
         <p:spPr>
           <a:xfrm>
-            <a:off x="265828" y="1447319"/>
-            <a:ext cx="8436846" cy="2627726"/>
+            <a:off x="203766" y="1605104"/>
+            <a:ext cx="8529387" cy="3647616"/>
           </a:xfrm>
           <a:prstGeom prst="rect">
             <a:avLst/>
           </a:prstGeom>
         </p:spPr>
       </p:pic>
-      <p:sp>
-        <p:nvSpPr>
-          <p:cNvPr id="3" name="Slide Number Placeholder 2"/>
-          <p:cNvSpPr>
-            <a:spLocks noGrp="1"/>
-          </p:cNvSpPr>
-          <p:nvPr>
-            <p:ph type="sldNum" sz="quarter" idx="12"/>
-          </p:nvPr>
-        </p:nvSpPr>
-        <p:spPr/>
-        <p:txBody>
-          <a:bodyPr/>
-          <a:lstStyle/>
-          <a:p>
-            <a:fld id="{4DBC7FC8-25FB-FC45-8177-2B991DA6778C}" type="slidenum">
-              <a:rPr lang="en-US" smtClean="0"/>
-              <a:t>10</a:t>
-            </a:fld>
-            <a:endParaRPr lang="en-US"/>
-          </a:p>
-        </p:txBody>
-      </p:sp>
     </p:spTree>
     <p:extLst>
       <p:ext uri="{BB962C8B-B14F-4D97-AF65-F5344CB8AC3E}">
-        <p14:creationId xmlns:p14="http://schemas.microsoft.com/office/powerpoint/2010/main" val="1461497077"/>
+        <p14:creationId xmlns:p14="http://schemas.microsoft.com/office/powerpoint/2010/main" val="2279022026"/>
       </p:ext>
     </p:extLst>
   </p:cSld>
@@ -4681,7 +4781,15 @@
           <a:p>
             <a:r>
               <a:rPr lang="en-US" dirty="0" smtClean="0"/>
-              <a:t>STAGE 6: TURN DEGREES Right</a:t>
+              <a:t>STEP 3B: A look inside: </a:t>
+            </a:r>
+            <a:r>
+              <a:rPr lang="en-US" dirty="0" err="1" smtClean="0"/>
+              <a:t>Turn_degrees</a:t>
+            </a:r>
+            <a:r>
+              <a:rPr lang="en-US" dirty="0" smtClean="0"/>
+              <a:t> right</a:t>
             </a:r>
             <a:endParaRPr lang="en-US" dirty="0"/>
           </a:p>
@@ -4704,21 +4812,44 @@
           <a:p>
             <a:r>
               <a:rPr lang="en-US" smtClean="0"/>
-              <a:t>© 2015, EV3Lessons.com (last edit 2/28/15)</a:t>
-            </a:r>
+              <a:t>© 2015, EV3Lessons.com (last edit 11/02/15)</a:t>
+            </a:r>
+            <a:endParaRPr lang="en-US"/>
+          </a:p>
+        </p:txBody>
+      </p:sp>
+      <p:sp>
+        <p:nvSpPr>
+          <p:cNvPr id="5" name="Slide Number Placeholder 4"/>
+          <p:cNvSpPr>
+            <a:spLocks noGrp="1"/>
+          </p:cNvSpPr>
+          <p:nvPr>
+            <p:ph type="sldNum" sz="quarter" idx="12"/>
+          </p:nvPr>
+        </p:nvSpPr>
+        <p:spPr/>
+        <p:txBody>
+          <a:bodyPr/>
+          <a:lstStyle/>
+          <a:p>
+            <a:fld id="{4DBC7FC8-25FB-FC45-8177-2B991DA6778C}" type="slidenum">
+              <a:rPr lang="en-US" smtClean="0"/>
+              <a:t>11</a:t>
+            </a:fld>
             <a:endParaRPr lang="en-US"/>
           </a:p>
         </p:txBody>
       </p:sp>
       <p:pic>
         <p:nvPicPr>
-          <p:cNvPr id="5" name="Picture 4" descr="Screen Shot 2014-09-25 at 5.33.16 PM.png"/>
+          <p:cNvPr id="6" name="Picture 5" descr="Screen Clipping"/>
           <p:cNvPicPr>
             <a:picLocks noChangeAspect="1"/>
           </p:cNvPicPr>
           <p:nvPr/>
         </p:nvPicPr>
-        <p:blipFill>
+        <p:blipFill rotWithShape="1">
           <a:blip r:embed="rId2">
             <a:extLst>
               <a:ext uri="{28A0092B-C50C-407E-A947-70E740481C1C}">
@@ -4726,60 +4857,29 @@
               </a:ext>
             </a:extLst>
           </a:blip>
-          <a:stretch>
-            <a:fillRect/>
-          </a:stretch>
+          <a:srcRect r="5146" b="10441"/>
+          <a:stretch/>
         </p:blipFill>
         <p:spPr>
           <a:xfrm>
-            <a:off x="457199" y="1363894"/>
-            <a:ext cx="8077200" cy="3949700"/>
+            <a:off x="396240" y="1524319"/>
+            <a:ext cx="8245474" cy="4503204"/>
           </a:xfrm>
           <a:prstGeom prst="rect">
             <a:avLst/>
           </a:prstGeom>
         </p:spPr>
       </p:pic>
-      <p:sp>
-        <p:nvSpPr>
-          <p:cNvPr id="3" name="Slide Number Placeholder 2"/>
-          <p:cNvSpPr>
-            <a:spLocks noGrp="1"/>
-          </p:cNvSpPr>
-          <p:nvPr>
-            <p:ph type="sldNum" sz="quarter" idx="12"/>
-          </p:nvPr>
-        </p:nvSpPr>
-        <p:spPr/>
-        <p:txBody>
-          <a:bodyPr/>
-          <a:lstStyle/>
-          <a:p>
-            <a:fld id="{4DBC7FC8-25FB-FC45-8177-2B991DA6778C}" type="slidenum">
-              <a:rPr lang="en-US" smtClean="0"/>
-              <a:t>11</a:t>
-            </a:fld>
-            <a:endParaRPr lang="en-US"/>
-          </a:p>
-        </p:txBody>
-      </p:sp>
     </p:spTree>
     <p:extLst>
       <p:ext uri="{BB962C8B-B14F-4D97-AF65-F5344CB8AC3E}">
-        <p14:creationId xmlns:p14="http://schemas.microsoft.com/office/powerpoint/2010/main" val="1688947526"/>
+        <p14:creationId xmlns:p14="http://schemas.microsoft.com/office/powerpoint/2010/main" val="3031772352"/>
       </p:ext>
     </p:extLst>
   </p:cSld>
   <p:clrMapOvr>
     <a:masterClrMapping/>
   </p:clrMapOvr>
-  <p:timing>
-    <p:tnLst>
-      <p:par>
-        <p:cTn id="1" dur="indefinite" restart="never" nodeType="tmRoot"/>
-      </p:par>
-    </p:tnLst>
-  </p:timing>
 </p:sld>
 </file>
 
@@ -4817,7 +4917,15 @@
           <a:p>
             <a:r>
               <a:rPr lang="en-US" dirty="0" smtClean="0"/>
-              <a:t>STAGE 7: Final Turn DEGREES</a:t>
+              <a:t>STEP 3B: A look inside: </a:t>
+            </a:r>
+            <a:r>
+              <a:rPr lang="en-US" dirty="0" err="1" smtClean="0"/>
+              <a:t>Turn_degrees</a:t>
+            </a:r>
+            <a:r>
+              <a:rPr lang="en-US" dirty="0" smtClean="0"/>
+              <a:t> left</a:t>
             </a:r>
             <a:endParaRPr lang="en-US" dirty="0"/>
           </a:p>
@@ -4840,21 +4948,44 @@
           <a:p>
             <a:r>
               <a:rPr lang="en-US" smtClean="0"/>
-              <a:t>© 2015, EV3Lessons.com (last edit 2/28/15)</a:t>
-            </a:r>
+              <a:t>© 2015, EV3Lessons.com (last edit 11/02/15)</a:t>
+            </a:r>
+            <a:endParaRPr lang="en-US"/>
+          </a:p>
+        </p:txBody>
+      </p:sp>
+      <p:sp>
+        <p:nvSpPr>
+          <p:cNvPr id="5" name="Slide Number Placeholder 4"/>
+          <p:cNvSpPr>
+            <a:spLocks noGrp="1"/>
+          </p:cNvSpPr>
+          <p:nvPr>
+            <p:ph type="sldNum" sz="quarter" idx="12"/>
+          </p:nvPr>
+        </p:nvSpPr>
+        <p:spPr/>
+        <p:txBody>
+          <a:bodyPr/>
+          <a:lstStyle/>
+          <a:p>
+            <a:fld id="{4DBC7FC8-25FB-FC45-8177-2B991DA6778C}" type="slidenum">
+              <a:rPr lang="en-US" smtClean="0"/>
+              <a:t>12</a:t>
+            </a:fld>
             <a:endParaRPr lang="en-US"/>
           </a:p>
         </p:txBody>
       </p:sp>
       <p:pic>
         <p:nvPicPr>
-          <p:cNvPr id="5" name="Picture 4" descr="Screen Shot 2014-09-25 at 5.33.59 PM.png"/>
+          <p:cNvPr id="7" name="Picture 6" descr="LEGO MINDSTORMS Education EV3 Teacher Edition"/>
           <p:cNvPicPr>
             <a:picLocks noChangeAspect="1"/>
           </p:cNvPicPr>
           <p:nvPr/>
         </p:nvPicPr>
-        <p:blipFill>
+        <p:blipFill rotWithShape="1">
           <a:blip r:embed="rId2">
             <a:extLst>
               <a:ext uri="{28A0092B-C50C-407E-A947-70E740481C1C}">
@@ -4862,60 +4993,29 @@
               </a:ext>
             </a:extLst>
           </a:blip>
-          <a:stretch>
-            <a:fillRect/>
-          </a:stretch>
+          <a:srcRect l="6500" t="23174" r="45500" b="42271"/>
+          <a:stretch/>
         </p:blipFill>
         <p:spPr>
           <a:xfrm>
-            <a:off x="457199" y="1331984"/>
-            <a:ext cx="8286165" cy="2809320"/>
+            <a:off x="401520" y="1722120"/>
+            <a:ext cx="7941744" cy="4191476"/>
           </a:xfrm>
           <a:prstGeom prst="rect">
             <a:avLst/>
           </a:prstGeom>
         </p:spPr>
       </p:pic>
-      <p:sp>
-        <p:nvSpPr>
-          <p:cNvPr id="3" name="Slide Number Placeholder 2"/>
-          <p:cNvSpPr>
-            <a:spLocks noGrp="1"/>
-          </p:cNvSpPr>
-          <p:nvPr>
-            <p:ph type="sldNum" sz="quarter" idx="12"/>
-          </p:nvPr>
-        </p:nvSpPr>
-        <p:spPr/>
-        <p:txBody>
-          <a:bodyPr/>
-          <a:lstStyle/>
-          <a:p>
-            <a:fld id="{4DBC7FC8-25FB-FC45-8177-2B991DA6778C}" type="slidenum">
-              <a:rPr lang="en-US" smtClean="0"/>
-              <a:t>12</a:t>
-            </a:fld>
-            <a:endParaRPr lang="en-US"/>
-          </a:p>
-        </p:txBody>
-      </p:sp>
     </p:spTree>
     <p:extLst>
       <p:ext uri="{BB962C8B-B14F-4D97-AF65-F5344CB8AC3E}">
-        <p14:creationId xmlns:p14="http://schemas.microsoft.com/office/powerpoint/2010/main" val="2279022026"/>
+        <p14:creationId xmlns:p14="http://schemas.microsoft.com/office/powerpoint/2010/main" val="2225033909"/>
       </p:ext>
     </p:extLst>
   </p:cSld>
   <p:clrMapOvr>
     <a:masterClrMapping/>
   </p:clrMapOvr>
-  <p:timing>
-    <p:tnLst>
-      <p:par>
-        <p:cTn id="1" dur="indefinite" restart="never" nodeType="tmRoot"/>
-      </p:par>
-    </p:tnLst>
-  </p:timing>
 </p:sld>
 </file>
 
@@ -4952,6 +5052,208 @@
           <a:lstStyle/>
           <a:p>
             <a:r>
+              <a:rPr lang="en-US" dirty="0" smtClean="0"/>
+              <a:t>DISCUSSION</a:t>
+            </a:r>
+            <a:endParaRPr lang="en-US" dirty="0"/>
+          </a:p>
+        </p:txBody>
+      </p:sp>
+      <p:sp>
+        <p:nvSpPr>
+          <p:cNvPr id="3" name="Content Placeholder 2"/>
+          <p:cNvSpPr>
+            <a:spLocks noGrp="1"/>
+          </p:cNvSpPr>
+          <p:nvPr>
+            <p:ph idx="1"/>
+          </p:nvPr>
+        </p:nvSpPr>
+        <p:spPr>
+          <a:xfrm>
+            <a:off x="457200" y="1244600"/>
+            <a:ext cx="8245474" cy="4965700"/>
+          </a:xfrm>
+        </p:spPr>
+        <p:txBody>
+          <a:bodyPr>
+            <a:normAutofit lnSpcReduction="10000"/>
+          </a:bodyPr>
+          <a:lstStyle/>
+          <a:p>
+            <a:r>
+              <a:rPr lang="en-US" dirty="0" smtClean="0"/>
+              <a:t>Why is a </a:t>
+            </a:r>
+            <a:r>
+              <a:rPr lang="en-US" dirty="0" err="1" smtClean="0"/>
+              <a:t>Turn_Degree</a:t>
+            </a:r>
+            <a:r>
+              <a:rPr lang="en-US" dirty="0" smtClean="0"/>
+              <a:t> My Block useful?</a:t>
+            </a:r>
+          </a:p>
+          <a:p>
+            <a:pPr lvl="1"/>
+            <a:r>
+              <a:rPr lang="en-US" b="0" dirty="0" smtClean="0"/>
+              <a:t>You can measure turns using a protractor and input this number into your turn block</a:t>
+            </a:r>
+          </a:p>
+          <a:p>
+            <a:pPr lvl="1"/>
+            <a:endParaRPr lang="en-US" b="0" dirty="0"/>
+          </a:p>
+          <a:p>
+            <a:r>
+              <a:rPr lang="en-US" dirty="0" smtClean="0"/>
+              <a:t>Will changing the inputs in one copy of </a:t>
+            </a:r>
+            <a:r>
+              <a:rPr lang="en-US" dirty="0" err="1" smtClean="0"/>
+              <a:t>Turn_Degrees</a:t>
+            </a:r>
+            <a:r>
+              <a:rPr lang="en-US" dirty="0" smtClean="0"/>
+              <a:t> impact another copy of it?</a:t>
+            </a:r>
+          </a:p>
+          <a:p>
+            <a:pPr lvl="1"/>
+            <a:r>
+              <a:rPr lang="en-US" dirty="0" smtClean="0"/>
+              <a:t>No. That is exactly why a My Block is useful.  You can use the same block multiple times, each time using a different number for power and degrees (or any other parameter you set up).</a:t>
+            </a:r>
+          </a:p>
+          <a:p>
+            <a:pPr lvl="1"/>
+            <a:endParaRPr lang="en-US" dirty="0"/>
+          </a:p>
+          <a:p>
+            <a:r>
+              <a:rPr lang="en-US" dirty="0"/>
+              <a:t>Can you alter a My Block after it is made?</a:t>
+            </a:r>
+          </a:p>
+          <a:p>
+            <a:pPr lvl="1"/>
+            <a:r>
+              <a:rPr lang="en-US" dirty="0"/>
+              <a:t>You can change any of the contents, but not the grey blocks (input and output parameters).  </a:t>
+            </a:r>
+            <a:r>
+              <a:rPr lang="en-US" dirty="0" smtClean="0"/>
+              <a:t>If you need to make changes to the parameters, you must </a:t>
+            </a:r>
+            <a:r>
+              <a:rPr lang="en-US" dirty="0"/>
+              <a:t>remake your My </a:t>
+            </a:r>
+            <a:r>
+              <a:rPr lang="en-US" dirty="0" smtClean="0"/>
+              <a:t>Block.</a:t>
+            </a:r>
+            <a:endParaRPr lang="en-US" dirty="0"/>
+          </a:p>
+          <a:p>
+            <a:pPr lvl="1"/>
+            <a:endParaRPr lang="en-US" dirty="0"/>
+          </a:p>
+        </p:txBody>
+      </p:sp>
+      <p:sp>
+        <p:nvSpPr>
+          <p:cNvPr id="4" name="Footer Placeholder 3"/>
+          <p:cNvSpPr>
+            <a:spLocks noGrp="1"/>
+          </p:cNvSpPr>
+          <p:nvPr>
+            <p:ph type="ftr" sz="quarter" idx="11"/>
+          </p:nvPr>
+        </p:nvSpPr>
+        <p:spPr/>
+        <p:txBody>
+          <a:bodyPr/>
+          <a:lstStyle/>
+          <a:p>
+            <a:r>
+              <a:rPr lang="en-US" smtClean="0"/>
+              <a:t>© 2015, EV3Lessons.com (last edit 11/02/15)</a:t>
+            </a:r>
+            <a:endParaRPr lang="en-US"/>
+          </a:p>
+        </p:txBody>
+      </p:sp>
+      <p:sp>
+        <p:nvSpPr>
+          <p:cNvPr id="5" name="Slide Number Placeholder 4"/>
+          <p:cNvSpPr>
+            <a:spLocks noGrp="1"/>
+          </p:cNvSpPr>
+          <p:nvPr>
+            <p:ph type="sldNum" sz="quarter" idx="12"/>
+          </p:nvPr>
+        </p:nvSpPr>
+        <p:spPr/>
+        <p:txBody>
+          <a:bodyPr/>
+          <a:lstStyle/>
+          <a:p>
+            <a:fld id="{4DBC7FC8-25FB-FC45-8177-2B991DA6778C}" type="slidenum">
+              <a:rPr lang="en-US" smtClean="0"/>
+              <a:t>13</a:t>
+            </a:fld>
+            <a:endParaRPr lang="en-US"/>
+          </a:p>
+        </p:txBody>
+      </p:sp>
+    </p:spTree>
+    <p:extLst>
+      <p:ext uri="{BB962C8B-B14F-4D97-AF65-F5344CB8AC3E}">
+        <p14:creationId xmlns:p14="http://schemas.microsoft.com/office/powerpoint/2010/main" val="1241721732"/>
+      </p:ext>
+    </p:extLst>
+  </p:cSld>
+  <p:clrMapOvr>
+    <a:masterClrMapping/>
+  </p:clrMapOvr>
+</p:sld>
+</file>
+
+<file path=ppt/slides/slide14.xml><?xml version="1.0" encoding="utf-8"?>
+<p:sld xmlns:a="http://schemas.openxmlformats.org/drawingml/2006/main" xmlns:r="http://schemas.openxmlformats.org/officeDocument/2006/relationships" xmlns:p="http://schemas.openxmlformats.org/presentationml/2006/main">
+  <p:cSld>
+    <p:spTree>
+      <p:nvGrpSpPr>
+        <p:cNvPr id="1" name=""/>
+        <p:cNvGrpSpPr/>
+        <p:nvPr/>
+      </p:nvGrpSpPr>
+      <p:grpSpPr>
+        <a:xfrm>
+          <a:off x="0" y="0"/>
+          <a:ext cx="0" cy="0"/>
+          <a:chOff x="0" y="0"/>
+          <a:chExt cx="0" cy="0"/>
+        </a:xfrm>
+      </p:grpSpPr>
+      <p:sp>
+        <p:nvSpPr>
+          <p:cNvPr id="2" name="Title 1"/>
+          <p:cNvSpPr>
+            <a:spLocks noGrp="1"/>
+          </p:cNvSpPr>
+          <p:nvPr>
+            <p:ph type="title"/>
+          </p:nvPr>
+        </p:nvSpPr>
+        <p:spPr/>
+        <p:txBody>
+          <a:bodyPr/>
+          <a:lstStyle/>
+          <a:p>
+            <a:r>
               <a:rPr lang="en-US" smtClean="0"/>
               <a:t>CREDITS</a:t>
             </a:r>
@@ -4975,33 +5277,33 @@
           <a:lstStyle/>
           <a:p>
             <a:r>
-              <a:rPr lang="en-US" smtClean="0"/>
+              <a:rPr lang="en-US" dirty="0" smtClean="0"/>
               <a:t>This tutorial was created by Sanjay Seshan and Arvind Seshan from Droids Robotics.</a:t>
             </a:r>
           </a:p>
           <a:p>
             <a:r>
-              <a:rPr lang="en-US" smtClean="0"/>
+              <a:rPr lang="en-US" dirty="0" smtClean="0"/>
               <a:t>More lessons are available at www.ev3lessons.com</a:t>
             </a:r>
           </a:p>
           <a:p>
             <a:r>
-              <a:rPr lang="en-US" smtClean="0"/>
+              <a:rPr lang="en-US" dirty="0" smtClean="0"/>
               <a:t>Author’s Email: </a:t>
             </a:r>
             <a:r>
-              <a:rPr lang="en-US" smtClean="0">
+              <a:rPr lang="en-US" dirty="0" smtClean="0">
                 <a:hlinkClick r:id="rId3"/>
               </a:rPr>
               <a:t>team@droidsrobotics.org</a:t>
             </a:r>
             <a:r>
-              <a:rPr lang="en-US" smtClean="0"/>
+              <a:rPr lang="en-US" dirty="0" smtClean="0"/>
               <a:t/>
             </a:r>
             <a:br>
-              <a:rPr lang="en-US" smtClean="0"/>
+              <a:rPr lang="en-US" dirty="0" smtClean="0"/>
             </a:br>
             <a:endParaRPr lang="en-US" dirty="0" smtClean="0"/>
           </a:p>
@@ -5024,7 +5326,7 @@
           <a:p>
             <a:r>
               <a:rPr lang="en-US" smtClean="0"/>
-              <a:t>© 2015, EV3Lessons.com (last edit 2/28/15)</a:t>
+              <a:t>© 2015, EV3Lessons.com (last edit 11/02/15)</a:t>
             </a:r>
             <a:endParaRPr lang="en-US" dirty="0"/>
           </a:p>
@@ -5056,7 +5358,7 @@
             <a:fld id="{4DBC7FC8-25FB-FC45-8177-2B991DA6778C}" type="slidenum">
               <a:rPr lang="en-US" smtClean="0"/>
               <a:pPr/>
-              <a:t>13</a:t>
+              <a:t>14</a:t>
             </a:fld>
             <a:endParaRPr lang="en-US"/>
           </a:p>
@@ -5550,7 +5852,7 @@
             </a:pPr>
             <a:r>
               <a:rPr lang="en-US" dirty="0" smtClean="0"/>
-              <a:t>Learn to make a My Block with Inputs and Outputs</a:t>
+              <a:t>Learn to make a My Block that will take inputs based on measurements with a protractor</a:t>
             </a:r>
           </a:p>
           <a:p>
@@ -5560,10 +5862,38 @@
             </a:pPr>
             <a:r>
               <a:rPr lang="en-US" dirty="0" smtClean="0"/>
-              <a:t>Learn to make a My Block that will take inputs based on measurements with a protractor</a:t>
-            </a:r>
+              <a:t>Make a </a:t>
+            </a:r>
+            <a:r>
+              <a:rPr lang="en-US" dirty="0" err="1" smtClean="0"/>
+              <a:t>Turn_Degrees</a:t>
+            </a:r>
+            <a:r>
+              <a:rPr lang="en-US" dirty="0" smtClean="0"/>
+              <a:t> My Block</a:t>
+            </a:r>
+          </a:p>
+          <a:p>
+            <a:pPr marL="457200" indent="-457200">
+              <a:buFont typeface="+mj-lt"/>
+              <a:buAutoNum type="arabicPeriod"/>
+            </a:pPr>
             <a:endParaRPr lang="en-US" dirty="0"/>
           </a:p>
+          <a:p>
+            <a:pPr marL="457200" indent="-457200">
+              <a:buFont typeface="+mj-lt"/>
+              <a:buAutoNum type="arabicPeriod"/>
+            </a:pPr>
+            <a:endParaRPr lang="en-US" dirty="0" smtClean="0"/>
+          </a:p>
+          <a:p>
+            <a:r>
+              <a:rPr lang="en-US" dirty="0" smtClean="0"/>
+              <a:t>Prerequisites: Turning, My Blocks with Inputs and Outputs, Data Wires, Math Blocks. Port View</a:t>
+            </a:r>
+            <a:endParaRPr lang="en-US" dirty="0"/>
+          </a:p>
         </p:txBody>
       </p:sp>
       <p:sp>
@@ -5583,7 +5913,7 @@
           <a:p>
             <a:r>
               <a:rPr lang="en-US" smtClean="0"/>
-              <a:t>© 2015, EV3Lessons.com (last edit 2/28/15)</a:t>
+              <a:t>© 2015, EV3Lessons.com (last edit 11/02/15)</a:t>
             </a:r>
             <a:endParaRPr lang="en-US"/>
           </a:p>
@@ -5626,220 +5956,6 @@
 </file>
 
 <file path=ppt/slides/slide3.xml><?xml version="1.0" encoding="utf-8"?>
-<p:sld xmlns:a="http://schemas.openxmlformats.org/drawingml/2006/main" xmlns:r="http://schemas.openxmlformats.org/officeDocument/2006/relationships" xmlns:p="http://schemas.openxmlformats.org/presentationml/2006/main">
-  <p:cSld>
-    <p:spTree>
-      <p:nvGrpSpPr>
-        <p:cNvPr id="1" name=""/>
-        <p:cNvGrpSpPr/>
-        <p:nvPr/>
-      </p:nvGrpSpPr>
-      <p:grpSpPr>
-        <a:xfrm>
-          <a:off x="0" y="0"/>
-          <a:ext cx="0" cy="0"/>
-          <a:chOff x="0" y="0"/>
-          <a:chExt cx="0" cy="0"/>
-        </a:xfrm>
-      </p:grpSpPr>
-      <p:sp>
-        <p:nvSpPr>
-          <p:cNvPr id="2" name="Title 1"/>
-          <p:cNvSpPr>
-            <a:spLocks noGrp="1"/>
-          </p:cNvSpPr>
-          <p:nvPr>
-            <p:ph type="title"/>
-          </p:nvPr>
-        </p:nvSpPr>
-        <p:spPr/>
-        <p:txBody>
-          <a:bodyPr>
-            <a:normAutofit/>
-          </a:bodyPr>
-          <a:lstStyle/>
-          <a:p>
-            <a:r>
-              <a:rPr lang="en-US" dirty="0" smtClean="0"/>
-              <a:t>My blocks with inputs and outputs (</a:t>
-            </a:r>
-            <a:r>
-              <a:rPr lang="en-US" dirty="0" smtClean="0">
-                <a:latin typeface="Courier"/>
-                <a:cs typeface="Courier"/>
-              </a:rPr>
-              <a:t>TURN DEGREES</a:t>
-            </a:r>
-            <a:r>
-              <a:rPr lang="en-US" dirty="0" smtClean="0"/>
-              <a:t>)</a:t>
-            </a:r>
-            <a:endParaRPr lang="en-US" dirty="0"/>
-          </a:p>
-        </p:txBody>
-      </p:sp>
-      <p:sp>
-        <p:nvSpPr>
-          <p:cNvPr id="3" name="Content Placeholder 2"/>
-          <p:cNvSpPr>
-            <a:spLocks noGrp="1"/>
-          </p:cNvSpPr>
-          <p:nvPr>
-            <p:ph idx="1"/>
-          </p:nvPr>
-        </p:nvSpPr>
-        <p:spPr>
-          <a:xfrm>
-            <a:off x="457200" y="1752600"/>
-            <a:ext cx="4644887" cy="4373563"/>
-          </a:xfrm>
-        </p:spPr>
-        <p:txBody>
-          <a:bodyPr/>
-          <a:lstStyle/>
-          <a:p>
-            <a:r>
-              <a:rPr lang="en-US" dirty="0" smtClean="0"/>
-              <a:t>See </a:t>
-            </a:r>
-            <a:r>
-              <a:rPr lang="en-US" dirty="0"/>
-              <a:t>the attached EV3 </a:t>
-            </a:r>
-            <a:r>
-              <a:rPr lang="en-US" dirty="0" smtClean="0"/>
-              <a:t>Files for </a:t>
-            </a:r>
-            <a:r>
-              <a:rPr lang="en-US" dirty="0"/>
-              <a:t>step-by-step instructions and the actual code for you to learn how to make a useful My </a:t>
-            </a:r>
-            <a:r>
-              <a:rPr lang="en-US" dirty="0" smtClean="0"/>
-              <a:t>Block to turn.  </a:t>
-            </a:r>
-          </a:p>
-          <a:p>
-            <a:r>
-              <a:rPr lang="en-US" dirty="0" smtClean="0"/>
-              <a:t>Start </a:t>
-            </a:r>
-            <a:r>
-              <a:rPr lang="en-US" dirty="0"/>
-              <a:t>at the </a:t>
-            </a:r>
-            <a:r>
-              <a:rPr lang="en-US" dirty="0" smtClean="0"/>
-              <a:t>Stage 1 tab </a:t>
-            </a:r>
-            <a:r>
-              <a:rPr lang="en-US" dirty="0"/>
-              <a:t>and read all the comments in each </a:t>
-            </a:r>
-            <a:r>
-              <a:rPr lang="en-US" dirty="0" smtClean="0"/>
-              <a:t>one.</a:t>
-            </a:r>
-          </a:p>
-        </p:txBody>
-      </p:sp>
-      <p:sp>
-        <p:nvSpPr>
-          <p:cNvPr id="4" name="Footer Placeholder 3"/>
-          <p:cNvSpPr>
-            <a:spLocks noGrp="1"/>
-          </p:cNvSpPr>
-          <p:nvPr>
-            <p:ph type="ftr" sz="quarter" idx="11"/>
-          </p:nvPr>
-        </p:nvSpPr>
-        <p:spPr/>
-        <p:txBody>
-          <a:bodyPr/>
-          <a:lstStyle/>
-          <a:p>
-            <a:r>
-              <a:rPr lang="en-US" smtClean="0"/>
-              <a:t>© 2015, EV3Lessons.com (last edit 2/28/15)</a:t>
-            </a:r>
-            <a:endParaRPr lang="en-US"/>
-          </a:p>
-        </p:txBody>
-      </p:sp>
-      <p:pic>
-        <p:nvPicPr>
-          <p:cNvPr id="5" name="Picture 4" descr="Screen Shot 2014-09-25 at 5.36.46 PM.png"/>
-          <p:cNvPicPr>
-            <a:picLocks noChangeAspect="1"/>
-          </p:cNvPicPr>
-          <p:nvPr/>
-        </p:nvPicPr>
-        <p:blipFill>
-          <a:blip r:embed="rId3">
-            <a:extLst>
-              <a:ext uri="{28A0092B-C50C-407E-A947-70E740481C1C}">
-                <a14:useLocalDpi xmlns:a14="http://schemas.microsoft.com/office/drawing/2010/main" val="0"/>
-              </a:ext>
-            </a:extLst>
-          </a:blip>
-          <a:stretch>
-            <a:fillRect/>
-          </a:stretch>
-        </p:blipFill>
-        <p:spPr>
-          <a:xfrm>
-            <a:off x="5528579" y="1524318"/>
-            <a:ext cx="2985941" cy="4649304"/>
-          </a:xfrm>
-          <a:prstGeom prst="rect">
-            <a:avLst/>
-          </a:prstGeom>
-        </p:spPr>
-      </p:pic>
-      <p:sp>
-        <p:nvSpPr>
-          <p:cNvPr id="6" name="Slide Number Placeholder 5"/>
-          <p:cNvSpPr>
-            <a:spLocks noGrp="1"/>
-          </p:cNvSpPr>
-          <p:nvPr>
-            <p:ph type="sldNum" sz="quarter" idx="12"/>
-          </p:nvPr>
-        </p:nvSpPr>
-        <p:spPr/>
-        <p:txBody>
-          <a:bodyPr/>
-          <a:lstStyle/>
-          <a:p>
-            <a:fld id="{4DBC7FC8-25FB-FC45-8177-2B991DA6778C}" type="slidenum">
-              <a:rPr lang="en-US" smtClean="0"/>
-              <a:t>3</a:t>
-            </a:fld>
-            <a:endParaRPr lang="en-US"/>
-          </a:p>
-        </p:txBody>
-      </p:sp>
-    </p:spTree>
-    <p:extLst>
-      <p:ext uri="{BB962C8B-B14F-4D97-AF65-F5344CB8AC3E}">
-        <p14:creationId xmlns:p14="http://schemas.microsoft.com/office/powerpoint/2010/main" val="3202444720"/>
-      </p:ext>
-    </p:extLst>
-  </p:cSld>
-  <p:clrMapOvr>
-    <a:masterClrMapping/>
-  </p:clrMapOvr>
-  <p:timing>
-    <p:tnLst>
-      <p:par>
-        <p:cTn id="1" dur="indefinite" restart="never" nodeType="tmRoot"/>
-      </p:par>
-    </p:tnLst>
-  </p:timing>
-</p:sld>
-</file>
-
-<file path=ppt/slides/slide4.xml><?xml version="1.0" encoding="utf-8"?>
 <p:sld xmlns:a="http://schemas.openxmlformats.org/drawingml/2006/main" xmlns:r="http://schemas.openxmlformats.org/officeDocument/2006/relationships" xmlns:p="http://schemas.openxmlformats.org/presentationml/2006/main">
   <p:cSld>
     <p:spTree>
@@ -5901,7 +6017,7 @@
         </p:blipFill>
         <p:spPr>
           <a:xfrm>
-            <a:off x="3038343" y="5314531"/>
+            <a:off x="2324609" y="1540970"/>
             <a:ext cx="1875868" cy="1094256"/>
           </a:xfrm>
           <a:prstGeom prst="rect">
@@ -5926,125 +6042,12 @@
           <a:p>
             <a:r>
               <a:rPr lang="en-US" dirty="0" smtClean="0"/>
-              <a:t>Making a Turn My Block</a:t>
+              <a:t>ROTATION DEGREES vs PROTRACTOR DEGREES</a:t>
             </a:r>
             <a:endParaRPr lang="en-US" dirty="0"/>
           </a:p>
         </p:txBody>
       </p:sp>
-      <p:sp>
-        <p:nvSpPr>
-          <p:cNvPr id="3" name="Content Placeholder 2"/>
-          <p:cNvSpPr>
-            <a:spLocks noGrp="1"/>
-          </p:cNvSpPr>
-          <p:nvPr>
-            <p:ph idx="1"/>
-          </p:nvPr>
-        </p:nvSpPr>
-        <p:spPr>
-          <a:xfrm>
-            <a:off x="237384" y="1087618"/>
-            <a:ext cx="5074996" cy="4688462"/>
-          </a:xfrm>
-        </p:spPr>
-        <p:txBody>
-          <a:bodyPr>
-            <a:noAutofit/>
-          </a:bodyPr>
-          <a:lstStyle/>
-          <a:p>
-            <a:r>
-              <a:rPr lang="en-US" sz="2000" dirty="0" smtClean="0"/>
-              <a:t>Just like Move Inches, you can also create a My Block for turns. In Move Inches, we had to figure out how much the robot wheels rotate for one inch on a ruler.</a:t>
-            </a:r>
-          </a:p>
-          <a:p>
-            <a:r>
-              <a:rPr lang="en-US" sz="2000" dirty="0" smtClean="0"/>
-              <a:t>To make a </a:t>
-            </a:r>
-            <a:r>
-              <a:rPr lang="en-US" sz="2000" dirty="0" smtClean="0">
-                <a:latin typeface="Courier"/>
-                <a:cs typeface="Courier"/>
-              </a:rPr>
-              <a:t>Turn Degrees </a:t>
-            </a:r>
-            <a:r>
-              <a:rPr lang="en-US" sz="2000" dirty="0" smtClean="0"/>
-              <a:t>My Block, you have to figure out how much your rotation sensor on the motor turns for one degree on a protractor</a:t>
-            </a:r>
-          </a:p>
-          <a:p>
-            <a:r>
-              <a:rPr lang="en-US" sz="2000" dirty="0" smtClean="0">
-                <a:solidFill>
-                  <a:srgbClr val="FF0000"/>
-                </a:solidFill>
-              </a:rPr>
-              <a:t>A Turn My Block will be extremely useful to any FLL team because now you can measure your turns using a protractor!!!</a:t>
-            </a:r>
-          </a:p>
-        </p:txBody>
-      </p:sp>
-      <p:pic>
-        <p:nvPicPr>
-          <p:cNvPr id="4" name="Picture 3"/>
-          <p:cNvPicPr>
-            <a:picLocks noChangeAspect="1"/>
-          </p:cNvPicPr>
-          <p:nvPr/>
-        </p:nvPicPr>
-        <p:blipFill rotWithShape="1">
-          <a:blip r:embed="rId4"/>
-          <a:srcRect r="43406" b="76658"/>
-          <a:stretch/>
-        </p:blipFill>
-        <p:spPr>
-          <a:xfrm>
-            <a:off x="237384" y="5314531"/>
-            <a:ext cx="1358434" cy="1061279"/>
-          </a:xfrm>
-          <a:prstGeom prst="rect">
-            <a:avLst/>
-          </a:prstGeom>
-        </p:spPr>
-      </p:pic>
-      <p:pic>
-        <p:nvPicPr>
-          <p:cNvPr id="5" name="Picture 4"/>
-          <p:cNvPicPr>
-            <a:picLocks noChangeAspect="1"/>
-          </p:cNvPicPr>
-          <p:nvPr/>
-        </p:nvPicPr>
-        <p:blipFill rotWithShape="1">
-          <a:blip r:embed="rId4">
-            <a:clrChange>
-              <a:clrFrom>
-                <a:srgbClr val="FFFFFF"/>
-              </a:clrFrom>
-              <a:clrTo>
-                <a:srgbClr val="FFFFFF">
-                  <a:alpha val="0"/>
-                </a:srgbClr>
-              </a:clrTo>
-            </a:clrChange>
-          </a:blip>
-          <a:srcRect r="43406" b="76658"/>
-          <a:stretch/>
-        </p:blipFill>
-        <p:spPr>
-          <a:xfrm rot="18900000">
-            <a:off x="3324532" y="5427772"/>
-            <a:ext cx="1358434" cy="1061279"/>
-          </a:xfrm>
-          <a:prstGeom prst="rect">
-            <a:avLst/>
-          </a:prstGeom>
-        </p:spPr>
-      </p:pic>
       <p:sp>
         <p:nvSpPr>
           <p:cNvPr id="10" name="Right Arrow 9"/>
@@ -6053,12 +6056,15 @@
         </p:nvSpPr>
         <p:spPr>
           <a:xfrm>
-            <a:off x="2015045" y="5634021"/>
+            <a:off x="1393370" y="1755311"/>
             <a:ext cx="830440" cy="598339"/>
           </a:xfrm>
           <a:prstGeom prst="rightArrow">
             <a:avLst/>
           </a:prstGeom>
+          <a:solidFill>
+            <a:srgbClr val="FF0000"/>
+          </a:solidFill>
         </p:spPr>
         <p:style>
           <a:lnRef idx="1">
@@ -6091,7 +6097,7 @@
         </p:nvSpPr>
         <p:spPr>
           <a:xfrm>
-            <a:off x="4914211" y="5314531"/>
+            <a:off x="457199" y="2743570"/>
             <a:ext cx="4098507" cy="923330"/>
           </a:xfrm>
           <a:prstGeom prst="rect">
@@ -6134,11 +6140,11 @@
           <p:nvPr/>
         </p:nvPicPr>
         <p:blipFill>
-          <a:blip r:embed="rId5">
+          <a:blip r:embed="rId4">
             <a:extLst>
               <a:ext uri="{BEBA8EAE-BF5A-486C-A8C5-ECC9F3942E4B}">
                 <a14:imgProps xmlns:a14="http://schemas.microsoft.com/office/drawing/2010/main">
-                  <a14:imgLayer r:embed="rId6">
+                  <a14:imgLayer r:embed="rId5">
                     <a14:imgEffect>
                       <a14:backgroundRemoval t="10000" b="90000" l="10000" r="90000"/>
                     </a14:imgEffect>
@@ -6153,8 +6159,8 @@
         </p:blipFill>
         <p:spPr>
           <a:xfrm>
-            <a:off x="6197137" y="1339561"/>
-            <a:ext cx="2605047" cy="2605047"/>
+            <a:off x="6131177" y="1214615"/>
+            <a:ext cx="1679730" cy="1679730"/>
           </a:xfrm>
           <a:prstGeom prst="rect">
             <a:avLst/>
@@ -6169,8 +6175,8 @@
         </p:nvSpPr>
         <p:spPr>
           <a:xfrm>
-            <a:off x="5593259" y="3944608"/>
-            <a:ext cx="3419459" cy="923330"/>
+            <a:off x="5751838" y="2743570"/>
+            <a:ext cx="2748935" cy="1200329"/>
           </a:xfrm>
           <a:prstGeom prst="rect">
             <a:avLst/>
@@ -6210,12 +6216,15 @@
           <p:nvPr/>
         </p:nvSpPr>
         <p:spPr>
-          <a:xfrm>
-            <a:off x="6411486" y="1600200"/>
+          <a:xfrm rot="900000">
+            <a:off x="5596815" y="1172273"/>
             <a:ext cx="2161589" cy="1831649"/>
           </a:xfrm>
           <a:prstGeom prst="arc">
-            <a:avLst/>
+            <a:avLst>
+              <a:gd name="adj1" fmla="val 18185168"/>
+              <a:gd name="adj2" fmla="val 0"/>
+            </a:avLst>
           </a:prstGeom>
           <a:ln w="76200" cmpd="sng">
             <a:headEnd type="none"/>
@@ -6262,7 +6271,7 @@
           <a:p>
             <a:r>
               <a:rPr lang="en-US" smtClean="0"/>
-              <a:t>© 2015, EV3Lessons.com (last edit 2/28/15)</a:t>
+              <a:t>© 2015, EV3Lessons.com (last edit 11/02/15)</a:t>
             </a:r>
             <a:endParaRPr lang="en-US"/>
           </a:p>
@@ -6285,16 +6294,360 @@
           <a:p>
             <a:fld id="{4DBC7FC8-25FB-FC45-8177-2B991DA6778C}" type="slidenum">
               <a:rPr lang="en-US" smtClean="0"/>
-              <a:t>4</a:t>
+              <a:t>3</a:t>
             </a:fld>
             <a:endParaRPr lang="en-US"/>
+          </a:p>
+        </p:txBody>
+      </p:sp>
+      <p:grpSp>
+        <p:nvGrpSpPr>
+          <p:cNvPr id="9" name="Group 8"/>
+          <p:cNvGrpSpPr/>
+          <p:nvPr/>
+        </p:nvGrpSpPr>
+        <p:grpSpPr>
+          <a:xfrm>
+            <a:off x="482600" y="1764527"/>
+            <a:ext cx="710669" cy="588090"/>
+            <a:chOff x="533402" y="4477827"/>
+            <a:chExt cx="710669" cy="588090"/>
+          </a:xfrm>
+        </p:grpSpPr>
+        <p:sp>
+          <p:nvSpPr>
+            <p:cNvPr id="15" name="Oval 14"/>
+            <p:cNvSpPr/>
+            <p:nvPr/>
+          </p:nvSpPr>
+          <p:spPr>
+            <a:xfrm>
+              <a:off x="939269" y="4477827"/>
+              <a:ext cx="254000" cy="135467"/>
+            </a:xfrm>
+            <a:prstGeom prst="ellipse">
+              <a:avLst/>
+            </a:prstGeom>
+          </p:spPr>
+          <p:style>
+            <a:lnRef idx="2">
+              <a:schemeClr val="accent1">
+                <a:shade val="50000"/>
+              </a:schemeClr>
+            </a:lnRef>
+            <a:fillRef idx="1">
+              <a:schemeClr val="accent1"/>
+            </a:fillRef>
+            <a:effectRef idx="0">
+              <a:schemeClr val="accent1"/>
+            </a:effectRef>
+            <a:fontRef idx="minor">
+              <a:schemeClr val="lt1"/>
+            </a:fontRef>
+          </p:style>
+          <p:txBody>
+            <a:bodyPr rtlCol="0" anchor="ctr"/>
+            <a:lstStyle/>
+            <a:p>
+              <a:pPr algn="ctr"/>
+              <a:endParaRPr lang="en-US"/>
+            </a:p>
+          </p:txBody>
+        </p:sp>
+        <p:sp>
+          <p:nvSpPr>
+            <p:cNvPr id="17" name="Oval 16"/>
+            <p:cNvSpPr/>
+            <p:nvPr/>
+          </p:nvSpPr>
+          <p:spPr>
+            <a:xfrm>
+              <a:off x="930272" y="4930450"/>
+              <a:ext cx="254000" cy="135467"/>
+            </a:xfrm>
+            <a:prstGeom prst="ellipse">
+              <a:avLst/>
+            </a:prstGeom>
+          </p:spPr>
+          <p:style>
+            <a:lnRef idx="2">
+              <a:schemeClr val="accent1">
+                <a:shade val="50000"/>
+              </a:schemeClr>
+            </a:lnRef>
+            <a:fillRef idx="1">
+              <a:schemeClr val="accent1"/>
+            </a:fillRef>
+            <a:effectRef idx="0">
+              <a:schemeClr val="accent1"/>
+            </a:effectRef>
+            <a:fontRef idx="minor">
+              <a:schemeClr val="lt1"/>
+            </a:fontRef>
+          </p:style>
+          <p:txBody>
+            <a:bodyPr rtlCol="0" anchor="ctr"/>
+            <a:lstStyle/>
+            <a:p>
+              <a:pPr algn="ctr"/>
+              <a:endParaRPr lang="en-US"/>
+            </a:p>
+          </p:txBody>
+        </p:sp>
+        <p:sp>
+          <p:nvSpPr>
+            <p:cNvPr id="18" name="Rounded Rectangle 17"/>
+            <p:cNvSpPr/>
+            <p:nvPr/>
+          </p:nvSpPr>
+          <p:spPr>
+            <a:xfrm>
+              <a:off x="533402" y="4548480"/>
+              <a:ext cx="710669" cy="415910"/>
+            </a:xfrm>
+            <a:prstGeom prst="roundRect">
+              <a:avLst/>
+            </a:prstGeom>
+            <a:solidFill>
+              <a:srgbClr val="00B050"/>
+            </a:solidFill>
+          </p:spPr>
+          <p:style>
+            <a:lnRef idx="2">
+              <a:schemeClr val="accent1">
+                <a:shade val="50000"/>
+              </a:schemeClr>
+            </a:lnRef>
+            <a:fillRef idx="1">
+              <a:schemeClr val="accent1"/>
+            </a:fillRef>
+            <a:effectRef idx="0">
+              <a:schemeClr val="accent1"/>
+            </a:effectRef>
+            <a:fontRef idx="minor">
+              <a:schemeClr val="lt1"/>
+            </a:fontRef>
+          </p:style>
+          <p:txBody>
+            <a:bodyPr rtlCol="0" anchor="ctr"/>
+            <a:lstStyle/>
+            <a:p>
+              <a:pPr algn="ctr"/>
+              <a:endParaRPr lang="en-US"/>
+            </a:p>
+          </p:txBody>
+        </p:sp>
+      </p:grpSp>
+      <p:grpSp>
+        <p:nvGrpSpPr>
+          <p:cNvPr id="23" name="Group 22"/>
+          <p:cNvGrpSpPr/>
+          <p:nvPr/>
+        </p:nvGrpSpPr>
+        <p:grpSpPr>
+          <a:xfrm rot="19139359">
+            <a:off x="3041858" y="1678191"/>
+            <a:ext cx="710669" cy="588090"/>
+            <a:chOff x="533402" y="4477827"/>
+            <a:chExt cx="710669" cy="588090"/>
+          </a:xfrm>
+        </p:grpSpPr>
+        <p:sp>
+          <p:nvSpPr>
+            <p:cNvPr id="24" name="Oval 23"/>
+            <p:cNvSpPr/>
+            <p:nvPr/>
+          </p:nvSpPr>
+          <p:spPr>
+            <a:xfrm>
+              <a:off x="939269" y="4477827"/>
+              <a:ext cx="254000" cy="135467"/>
+            </a:xfrm>
+            <a:prstGeom prst="ellipse">
+              <a:avLst/>
+            </a:prstGeom>
+          </p:spPr>
+          <p:style>
+            <a:lnRef idx="2">
+              <a:schemeClr val="accent1">
+                <a:shade val="50000"/>
+              </a:schemeClr>
+            </a:lnRef>
+            <a:fillRef idx="1">
+              <a:schemeClr val="accent1"/>
+            </a:fillRef>
+            <a:effectRef idx="0">
+              <a:schemeClr val="accent1"/>
+            </a:effectRef>
+            <a:fontRef idx="minor">
+              <a:schemeClr val="lt1"/>
+            </a:fontRef>
+          </p:style>
+          <p:txBody>
+            <a:bodyPr rtlCol="0" anchor="ctr"/>
+            <a:lstStyle/>
+            <a:p>
+              <a:pPr algn="ctr"/>
+              <a:endParaRPr lang="en-US"/>
+            </a:p>
+          </p:txBody>
+        </p:sp>
+        <p:sp>
+          <p:nvSpPr>
+            <p:cNvPr id="25" name="Oval 24"/>
+            <p:cNvSpPr/>
+            <p:nvPr/>
+          </p:nvSpPr>
+          <p:spPr>
+            <a:xfrm>
+              <a:off x="930272" y="4930450"/>
+              <a:ext cx="254000" cy="135467"/>
+            </a:xfrm>
+            <a:prstGeom prst="ellipse">
+              <a:avLst/>
+            </a:prstGeom>
+          </p:spPr>
+          <p:style>
+            <a:lnRef idx="2">
+              <a:schemeClr val="accent1">
+                <a:shade val="50000"/>
+              </a:schemeClr>
+            </a:lnRef>
+            <a:fillRef idx="1">
+              <a:schemeClr val="accent1"/>
+            </a:fillRef>
+            <a:effectRef idx="0">
+              <a:schemeClr val="accent1"/>
+            </a:effectRef>
+            <a:fontRef idx="minor">
+              <a:schemeClr val="lt1"/>
+            </a:fontRef>
+          </p:style>
+          <p:txBody>
+            <a:bodyPr rtlCol="0" anchor="ctr"/>
+            <a:lstStyle/>
+            <a:p>
+              <a:pPr algn="ctr"/>
+              <a:endParaRPr lang="en-US"/>
+            </a:p>
+          </p:txBody>
+        </p:sp>
+        <p:sp>
+          <p:nvSpPr>
+            <p:cNvPr id="26" name="Rounded Rectangle 25"/>
+            <p:cNvSpPr/>
+            <p:nvPr/>
+          </p:nvSpPr>
+          <p:spPr>
+            <a:xfrm>
+              <a:off x="533402" y="4548480"/>
+              <a:ext cx="710669" cy="415910"/>
+            </a:xfrm>
+            <a:prstGeom prst="roundRect">
+              <a:avLst/>
+            </a:prstGeom>
+            <a:solidFill>
+              <a:srgbClr val="00B050"/>
+            </a:solidFill>
+          </p:spPr>
+          <p:style>
+            <a:lnRef idx="2">
+              <a:schemeClr val="accent1">
+                <a:shade val="50000"/>
+              </a:schemeClr>
+            </a:lnRef>
+            <a:fillRef idx="1">
+              <a:schemeClr val="accent1"/>
+            </a:fillRef>
+            <a:effectRef idx="0">
+              <a:schemeClr val="accent1"/>
+            </a:effectRef>
+            <a:fontRef idx="minor">
+              <a:schemeClr val="lt1"/>
+            </a:fontRef>
+          </p:style>
+          <p:txBody>
+            <a:bodyPr rtlCol="0" anchor="ctr"/>
+            <a:lstStyle/>
+            <a:p>
+              <a:pPr algn="ctr"/>
+              <a:endParaRPr lang="en-US"/>
+            </a:p>
+          </p:txBody>
+        </p:sp>
+      </p:grpSp>
+      <p:sp>
+        <p:nvSpPr>
+          <p:cNvPr id="27" name="Content Placeholder 2"/>
+          <p:cNvSpPr>
+            <a:spLocks noGrp="1"/>
+          </p:cNvSpPr>
+          <p:nvPr>
+            <p:ph idx="1"/>
+          </p:nvPr>
+        </p:nvSpPr>
+        <p:spPr>
+          <a:xfrm>
+            <a:off x="237383" y="4273579"/>
+            <a:ext cx="8242737" cy="407974"/>
+          </a:xfrm>
+        </p:spPr>
+        <p:txBody>
+          <a:bodyPr>
+            <a:noAutofit/>
+          </a:bodyPr>
+          <a:lstStyle/>
+          <a:p>
+            <a:pPr marL="342900" indent="-342900">
+              <a:buFont typeface="Arial" panose="020B0604020202020204" pitchFamily="34" charset="0"/>
+              <a:buChar char="•"/>
+            </a:pPr>
+            <a:r>
+              <a:rPr lang="en-US" sz="1800" dirty="0" smtClean="0"/>
+              <a:t>Just like </a:t>
+            </a:r>
+            <a:r>
+              <a:rPr lang="en-US" sz="1800" dirty="0" err="1" smtClean="0"/>
+              <a:t>Move_CM</a:t>
+            </a:r>
+            <a:r>
+              <a:rPr lang="en-US" sz="1800" dirty="0" smtClean="0"/>
+              <a:t>, you can also create a My Block for turns. In Move Centimeters, we had to figure out how much the robot wheels rotate for one CM.</a:t>
+            </a:r>
+          </a:p>
+          <a:p>
+            <a:pPr marL="342900" indent="-342900">
+              <a:buFont typeface="Arial" panose="020B0604020202020204" pitchFamily="34" charset="0"/>
+              <a:buChar char="•"/>
+            </a:pPr>
+            <a:r>
+              <a:rPr lang="en-US" sz="1800" dirty="0" smtClean="0"/>
+              <a:t>To make a </a:t>
+            </a:r>
+            <a:r>
+              <a:rPr lang="en-US" sz="1800" dirty="0" smtClean="0">
+                <a:cs typeface="Courier"/>
+              </a:rPr>
+              <a:t>Turn Degrees</a:t>
+            </a:r>
+            <a:r>
+              <a:rPr lang="en-US" sz="1800" dirty="0">
+                <a:latin typeface="Courier"/>
+                <a:cs typeface="Courier"/>
+              </a:rPr>
+              <a:t> </a:t>
+            </a:r>
+            <a:r>
+              <a:rPr lang="en-US" sz="1800" dirty="0" smtClean="0"/>
+              <a:t>My Block, you have to figure out how much your rotation sensor on the motor turns for one degree on a protractor. </a:t>
+            </a:r>
           </a:p>
         </p:txBody>
       </p:sp>
     </p:spTree>
     <p:extLst>
       <p:ext uri="{BB962C8B-B14F-4D97-AF65-F5344CB8AC3E}">
-        <p14:creationId xmlns:p14="http://schemas.microsoft.com/office/powerpoint/2010/main" val="84727892"/>
+        <p14:creationId xmlns:p14="http://schemas.microsoft.com/office/powerpoint/2010/main" val="3065732492"/>
       </p:ext>
     </p:extLst>
   </p:cSld>
@@ -6306,9 +6659,209 @@
       <p:transition spd="slow" p14:dur="2000"/>
     </mc:Choice>
     <mc:Fallback xmlns="">
-      <p:transition xmlns:p14="http://schemas.microsoft.com/office/powerpoint/2010/main" spd="slow"/>
+      <p:transition spd="slow"/>
     </mc:Fallback>
   </mc:AlternateContent>
+  <p:timing>
+    <p:tnLst>
+      <p:par>
+        <p:cTn id="1" dur="indefinite" restart="never" nodeType="tmRoot"/>
+      </p:par>
+    </p:tnLst>
+  </p:timing>
+</p:sld>
+</file>
+
+<file path=ppt/slides/slide4.xml><?xml version="1.0" encoding="utf-8"?>
+<p:sld xmlns:a="http://schemas.openxmlformats.org/drawingml/2006/main" xmlns:r="http://schemas.openxmlformats.org/officeDocument/2006/relationships" xmlns:p="http://schemas.openxmlformats.org/presentationml/2006/main">
+  <p:cSld>
+    <p:spTree>
+      <p:nvGrpSpPr>
+        <p:cNvPr id="1" name=""/>
+        <p:cNvGrpSpPr/>
+        <p:nvPr/>
+      </p:nvGrpSpPr>
+      <p:grpSpPr>
+        <a:xfrm>
+          <a:off x="0" y="0"/>
+          <a:ext cx="0" cy="0"/>
+          <a:chOff x="0" y="0"/>
+          <a:chExt cx="0" cy="0"/>
+        </a:xfrm>
+      </p:grpSpPr>
+      <p:sp>
+        <p:nvSpPr>
+          <p:cNvPr id="2" name="Title 1"/>
+          <p:cNvSpPr>
+            <a:spLocks noGrp="1"/>
+          </p:cNvSpPr>
+          <p:nvPr>
+            <p:ph type="title"/>
+          </p:nvPr>
+        </p:nvSpPr>
+        <p:spPr/>
+        <p:txBody>
+          <a:bodyPr/>
+          <a:lstStyle/>
+          <a:p>
+            <a:r>
+              <a:rPr lang="en-US" dirty="0" smtClean="0"/>
+              <a:t>TURN_DEGREES IN THREE EASY STEPS</a:t>
+            </a:r>
+            <a:endParaRPr lang="en-US" dirty="0"/>
+          </a:p>
+        </p:txBody>
+      </p:sp>
+      <p:sp>
+        <p:nvSpPr>
+          <p:cNvPr id="3" name="Content Placeholder 2"/>
+          <p:cNvSpPr>
+            <a:spLocks noGrp="1"/>
+          </p:cNvSpPr>
+          <p:nvPr>
+            <p:ph idx="1"/>
+          </p:nvPr>
+        </p:nvSpPr>
+        <p:spPr>
+          <a:xfrm>
+            <a:off x="457200" y="1550884"/>
+            <a:ext cx="7940842" cy="4373563"/>
+          </a:xfrm>
+        </p:spPr>
+        <p:txBody>
+          <a:bodyPr>
+            <a:normAutofit/>
+          </a:bodyPr>
+          <a:lstStyle/>
+          <a:p>
+            <a:r>
+              <a:rPr lang="en-US" dirty="0" smtClean="0"/>
+              <a:t>STEP 1: </a:t>
+            </a:r>
+            <a:r>
+              <a:rPr lang="en-US" b="0" dirty="0" smtClean="0"/>
+              <a:t>How many rotation degrees does the robot turn for every 1 protractor degree?</a:t>
+            </a:r>
+          </a:p>
+          <a:p>
+            <a:r>
+              <a:rPr lang="en-US" b="0" dirty="0"/>
+              <a:t>	</a:t>
+            </a:r>
+            <a:r>
+              <a:rPr lang="en-US" b="0" dirty="0" smtClean="0"/>
+              <a:t>STEP 1A: Rotation Sensor Measurement</a:t>
+            </a:r>
+          </a:p>
+          <a:p>
+            <a:r>
+              <a:rPr lang="en-US" b="0" dirty="0"/>
+              <a:t>	</a:t>
+            </a:r>
+            <a:r>
+              <a:rPr lang="en-US" b="0" dirty="0" smtClean="0"/>
+              <a:t>STEP 1B: Program the robot to turn 1 protractor degree</a:t>
+            </a:r>
+          </a:p>
+          <a:p>
+            <a:endParaRPr lang="en-US" b="0" dirty="0"/>
+          </a:p>
+          <a:p>
+            <a:r>
+              <a:rPr lang="en-US" dirty="0" smtClean="0"/>
+              <a:t>STEP 2: </a:t>
+            </a:r>
+            <a:r>
+              <a:rPr lang="en-US" b="0" dirty="0" smtClean="0"/>
+              <a:t>Add a Math Block to convert protractor degrees to rotation degrees.</a:t>
+            </a:r>
+          </a:p>
+          <a:p>
+            <a:endParaRPr lang="en-US" b="0" dirty="0"/>
+          </a:p>
+          <a:p>
+            <a:r>
+              <a:rPr lang="en-US" dirty="0" smtClean="0"/>
+              <a:t>STEP 3: </a:t>
+            </a:r>
+            <a:r>
+              <a:rPr lang="en-US" b="0" dirty="0" smtClean="0"/>
+              <a:t>Create a </a:t>
+            </a:r>
+            <a:r>
+              <a:rPr lang="en-US" b="0" dirty="0" err="1" smtClean="0"/>
+              <a:t>Turn_Degrees</a:t>
+            </a:r>
+            <a:r>
+              <a:rPr lang="en-US" b="0" dirty="0" smtClean="0"/>
+              <a:t> My Block with 2 inputs (power and degrees)</a:t>
+            </a:r>
+          </a:p>
+          <a:p>
+            <a:pPr marL="342900" indent="-342900">
+              <a:buFont typeface="Arial" panose="020B0604020202020204" pitchFamily="34" charset="0"/>
+              <a:buChar char="•"/>
+            </a:pPr>
+            <a:endParaRPr lang="en-US" b="0" dirty="0"/>
+          </a:p>
+        </p:txBody>
+      </p:sp>
+      <p:sp>
+        <p:nvSpPr>
+          <p:cNvPr id="4" name="Footer Placeholder 3"/>
+          <p:cNvSpPr>
+            <a:spLocks noGrp="1"/>
+          </p:cNvSpPr>
+          <p:nvPr>
+            <p:ph type="ftr" sz="quarter" idx="11"/>
+          </p:nvPr>
+        </p:nvSpPr>
+        <p:spPr/>
+        <p:txBody>
+          <a:bodyPr/>
+          <a:lstStyle/>
+          <a:p>
+            <a:r>
+              <a:rPr lang="en-US" smtClean="0"/>
+              <a:t>© 2015, EV3Lessons.com (last edit 11/02/15)</a:t>
+            </a:r>
+            <a:endParaRPr lang="en-US"/>
+          </a:p>
+        </p:txBody>
+      </p:sp>
+      <p:sp>
+        <p:nvSpPr>
+          <p:cNvPr id="6" name="Slide Number Placeholder 5"/>
+          <p:cNvSpPr>
+            <a:spLocks noGrp="1"/>
+          </p:cNvSpPr>
+          <p:nvPr>
+            <p:ph type="sldNum" sz="quarter" idx="12"/>
+          </p:nvPr>
+        </p:nvSpPr>
+        <p:spPr/>
+        <p:txBody>
+          <a:bodyPr/>
+          <a:lstStyle/>
+          <a:p>
+            <a:fld id="{4DBC7FC8-25FB-FC45-8177-2B991DA6778C}" type="slidenum">
+              <a:rPr lang="en-US" smtClean="0"/>
+              <a:t>4</a:t>
+            </a:fld>
+            <a:endParaRPr lang="en-US"/>
+          </a:p>
+        </p:txBody>
+      </p:sp>
+    </p:spTree>
+    <p:extLst>
+      <p:ext uri="{BB962C8B-B14F-4D97-AF65-F5344CB8AC3E}">
+        <p14:creationId xmlns:p14="http://schemas.microsoft.com/office/powerpoint/2010/main" val="3879843782"/>
+      </p:ext>
+    </p:extLst>
+  </p:cSld>
+  <p:clrMapOvr>
+    <a:masterClrMapping/>
+  </p:clrMapOvr>
   <p:timing>
     <p:tnLst>
       <p:par>
@@ -6348,287 +6901,190 @@
         </p:nvSpPr>
         <p:spPr/>
         <p:txBody>
+          <a:bodyPr/>
+          <a:lstStyle/>
+          <a:p>
+            <a:r>
+              <a:rPr lang="en-US" dirty="0" err="1" smtClean="0"/>
+              <a:t>STEp</a:t>
+            </a:r>
+            <a:r>
+              <a:rPr lang="en-US" dirty="0" smtClean="0"/>
+              <a:t> 1A: Measuring the Rotation Sensor</a:t>
+            </a:r>
+            <a:endParaRPr lang="en-US" dirty="0"/>
+          </a:p>
+        </p:txBody>
+      </p:sp>
+      <p:sp>
+        <p:nvSpPr>
+          <p:cNvPr id="3" name="Content Placeholder 2"/>
+          <p:cNvSpPr>
+            <a:spLocks noGrp="1"/>
+          </p:cNvSpPr>
+          <p:nvPr>
+            <p:ph idx="1"/>
+          </p:nvPr>
+        </p:nvSpPr>
+        <p:spPr/>
+        <p:txBody>
           <a:bodyPr>
-            <a:normAutofit/>
+            <a:normAutofit fontScale="92500" lnSpcReduction="10000"/>
           </a:bodyPr>
           <a:lstStyle/>
           <a:p>
             <a:r>
               <a:rPr lang="en-US" dirty="0" smtClean="0"/>
-              <a:t>Measuring the Rotation Sensor</a:t>
-            </a:r>
-            <a:endParaRPr lang="en-US" dirty="0"/>
-          </a:p>
-        </p:txBody>
-      </p:sp>
-      <p:sp>
-        <p:nvSpPr>
-          <p:cNvPr id="3" name="Content Placeholder 2"/>
-          <p:cNvSpPr>
-            <a:spLocks noGrp="1"/>
-          </p:cNvSpPr>
-          <p:nvPr>
-            <p:ph idx="1"/>
-          </p:nvPr>
-        </p:nvSpPr>
+              <a:t>Calculate how many motor degrees are in 1 protractor degree</a:t>
+            </a:r>
+          </a:p>
+          <a:p>
+            <a:pPr lvl="1"/>
+            <a:r>
+              <a:rPr lang="en-US" dirty="0" smtClean="0"/>
+              <a:t>Go to Port View and pick the rotation sensor on your motor</a:t>
+            </a:r>
+          </a:p>
+          <a:p>
+            <a:pPr lvl="1"/>
+            <a:r>
+              <a:rPr lang="en-US" dirty="0" smtClean="0"/>
+              <a:t>Hold one wheel in place and only turn the other wheel (Pivot Turn). </a:t>
+            </a:r>
+            <a:r>
+              <a:rPr lang="en-US" dirty="0"/>
+              <a:t>Turn the robot any number of degrees you choose.</a:t>
+            </a:r>
+            <a:r>
+              <a:rPr lang="en-US" dirty="0" smtClean="0"/>
+              <a:t> Make sure the wheels don’t slip when you do this.</a:t>
+            </a:r>
+          </a:p>
+          <a:p>
+            <a:pPr lvl="1"/>
+            <a:r>
+              <a:rPr lang="en-US" dirty="0" smtClean="0"/>
+              <a:t>Look at the Motor Degree value and divide by the number of protractor degrees you turned.</a:t>
+            </a:r>
+          </a:p>
+          <a:p>
+            <a:pPr lvl="1"/>
+            <a:r>
+              <a:rPr lang="en-US" dirty="0" smtClean="0"/>
+              <a:t>This is the number of rotation </a:t>
+            </a:r>
+            <a:r>
+              <a:rPr lang="en-US" dirty="0"/>
+              <a:t>d</a:t>
+            </a:r>
+            <a:r>
+              <a:rPr lang="en-US" dirty="0" smtClean="0"/>
+              <a:t>egrees in 1 protractor degree.</a:t>
+            </a:r>
+          </a:p>
+          <a:p>
+            <a:endParaRPr lang="en-US" dirty="0" smtClean="0"/>
+          </a:p>
+          <a:p>
+            <a:r>
+              <a:rPr lang="en-US" dirty="0" smtClean="0"/>
+              <a:t>An example using Droid Bot </a:t>
+            </a:r>
+          </a:p>
+          <a:p>
+            <a:pPr lvl="1"/>
+            <a:r>
+              <a:rPr lang="en-US" dirty="0" smtClean="0"/>
+              <a:t>Robot was turned 90 protractor degrees</a:t>
+            </a:r>
+          </a:p>
+          <a:p>
+            <a:pPr lvl="1"/>
+            <a:r>
+              <a:rPr lang="en-US" dirty="0" smtClean="0"/>
+              <a:t>Using Port View, the motor moved 330 degrees</a:t>
+            </a:r>
+          </a:p>
+          <a:p>
+            <a:pPr lvl="1"/>
+            <a:r>
+              <a:rPr lang="en-US" dirty="0" smtClean="0"/>
+              <a:t>330 motor degrees/90 protractor degrees = 3.7</a:t>
+            </a:r>
+          </a:p>
+        </p:txBody>
+      </p:sp>
+      <p:sp>
+        <p:nvSpPr>
+          <p:cNvPr id="4" name="Footer Placeholder 3"/>
+          <p:cNvSpPr>
+            <a:spLocks noGrp="1"/>
+          </p:cNvSpPr>
+          <p:nvPr>
+            <p:ph type="ftr" sz="quarter" idx="11"/>
+          </p:nvPr>
+        </p:nvSpPr>
+        <p:spPr/>
+        <p:txBody>
+          <a:bodyPr/>
+          <a:lstStyle/>
+          <a:p>
+            <a:r>
+              <a:rPr lang="en-US" smtClean="0"/>
+              <a:t>© 2015, EV3Lessons.com (last edit 11/02/15)</a:t>
+            </a:r>
+            <a:endParaRPr lang="en-US"/>
+          </a:p>
+        </p:txBody>
+      </p:sp>
+      <p:sp>
+        <p:nvSpPr>
+          <p:cNvPr id="5" name="Slide Number Placeholder 4"/>
+          <p:cNvSpPr>
+            <a:spLocks noGrp="1"/>
+          </p:cNvSpPr>
+          <p:nvPr>
+            <p:ph type="sldNum" sz="quarter" idx="12"/>
+          </p:nvPr>
+        </p:nvSpPr>
+        <p:spPr/>
+        <p:txBody>
+          <a:bodyPr/>
+          <a:lstStyle/>
+          <a:p>
+            <a:fld id="{4DBC7FC8-25FB-FC45-8177-2B991DA6778C}" type="slidenum">
+              <a:rPr lang="en-US" smtClean="0"/>
+              <a:pPr/>
+              <a:t>5</a:t>
+            </a:fld>
+            <a:endParaRPr lang="en-US"/>
+          </a:p>
+        </p:txBody>
+      </p:sp>
+      <p:pic>
+        <p:nvPicPr>
+          <p:cNvPr id="10" name="Picture 9"/>
+          <p:cNvPicPr>
+            <a:picLocks noChangeAspect="1"/>
+          </p:cNvPicPr>
+          <p:nvPr/>
+        </p:nvPicPr>
+        <p:blipFill>
+          <a:blip r:embed="rId2"/>
+          <a:stretch>
+            <a:fillRect/>
+          </a:stretch>
+        </p:blipFill>
         <p:spPr>
           <a:xfrm>
-            <a:off x="457200" y="1600200"/>
-            <a:ext cx="8229600" cy="4821967"/>
+            <a:off x="6411066" y="4560926"/>
+            <a:ext cx="2085975" cy="1362075"/>
           </a:xfrm>
+          <a:prstGeom prst="rect">
+            <a:avLst/>
+          </a:prstGeom>
         </p:spPr>
-        <p:txBody>
-          <a:bodyPr>
-            <a:normAutofit fontScale="85000" lnSpcReduction="10000"/>
-          </a:bodyPr>
-          <a:lstStyle/>
-          <a:p>
-            <a:r>
-              <a:rPr lang="en-US" sz="1800" dirty="0" smtClean="0">
-                <a:solidFill>
-                  <a:srgbClr val="000000"/>
-                </a:solidFill>
-              </a:rPr>
-              <a:t>The EV3 has a Port View Function which lets it display values measured by sensors</a:t>
-            </a:r>
-          </a:p>
-          <a:p>
-            <a:r>
-              <a:rPr lang="en-US" sz="1800" dirty="0" smtClean="0">
-                <a:solidFill>
-                  <a:srgbClr val="000000"/>
-                </a:solidFill>
-              </a:rPr>
-              <a:t>In this section, we will show you how to use the port view to measure turns.</a:t>
-            </a:r>
-          </a:p>
-          <a:p>
-            <a:endParaRPr lang="en-US" sz="1800" dirty="0">
-              <a:solidFill>
-                <a:srgbClr val="000000"/>
-              </a:solidFill>
-            </a:endParaRPr>
-          </a:p>
-          <a:p>
-            <a:r>
-              <a:rPr lang="en-US" sz="1800" dirty="0" smtClean="0">
-                <a:solidFill>
-                  <a:srgbClr val="FF0000"/>
-                </a:solidFill>
-              </a:rPr>
-              <a:t>Step 1: </a:t>
-            </a:r>
-            <a:r>
-              <a:rPr lang="en-US" sz="1800" dirty="0" smtClean="0">
-                <a:solidFill>
-                  <a:srgbClr val="000000"/>
-                </a:solidFill>
-              </a:rPr>
-              <a:t>Go to Port View on your brick.  On the EV3, it is on the third menu to the right.  Look for the value for one of your drive motors (motors attached to your wheels)</a:t>
-            </a:r>
-          </a:p>
-          <a:p>
-            <a:r>
-              <a:rPr lang="en-US" sz="1800" dirty="0" smtClean="0">
-                <a:solidFill>
-                  <a:srgbClr val="FF0000"/>
-                </a:solidFill>
-              </a:rPr>
-              <a:t>Step 2: </a:t>
-            </a:r>
-            <a:r>
-              <a:rPr lang="en-US" sz="1800" dirty="0" smtClean="0">
-                <a:solidFill>
-                  <a:srgbClr val="000000"/>
-                </a:solidFill>
-              </a:rPr>
-              <a:t>Turn the robot 90 degrees (Pivot Turn) yourself – using your hands to turn one wheel.  Make sure the wheels don’t slip when you do this.</a:t>
-            </a:r>
-          </a:p>
-          <a:p>
-            <a:r>
-              <a:rPr lang="en-US" sz="1800" dirty="0" smtClean="0">
-                <a:solidFill>
-                  <a:srgbClr val="FF0000"/>
-                </a:solidFill>
-              </a:rPr>
-              <a:t>Step 3: </a:t>
-            </a:r>
-            <a:r>
-              <a:rPr lang="en-US" sz="1800" dirty="0" smtClean="0">
-                <a:solidFill>
-                  <a:srgbClr val="000000"/>
-                </a:solidFill>
-              </a:rPr>
-              <a:t>Look at the </a:t>
-            </a:r>
-            <a:r>
-              <a:rPr lang="en-US" sz="1800" b="1" dirty="0" smtClean="0">
-                <a:solidFill>
-                  <a:srgbClr val="008000"/>
-                </a:solidFill>
-              </a:rPr>
-              <a:t>rotation degrees </a:t>
-            </a:r>
-            <a:r>
-              <a:rPr lang="en-US" sz="1800" dirty="0" smtClean="0">
-                <a:solidFill>
-                  <a:srgbClr val="000000"/>
-                </a:solidFill>
-              </a:rPr>
-              <a:t>value and write down the number of degrees (n)</a:t>
-            </a:r>
-          </a:p>
-          <a:p>
-            <a:r>
-              <a:rPr lang="en-US" sz="1800" dirty="0" smtClean="0">
-                <a:solidFill>
-                  <a:srgbClr val="FF0000"/>
-                </a:solidFill>
-              </a:rPr>
-              <a:t>Step 4: </a:t>
-            </a:r>
-            <a:r>
-              <a:rPr lang="en-US" sz="1800" dirty="0" smtClean="0">
-                <a:solidFill>
-                  <a:srgbClr val="000000"/>
-                </a:solidFill>
-              </a:rPr>
-              <a:t>Divide the number from step 3 (n) by 90 (n/90)</a:t>
-            </a:r>
-          </a:p>
-          <a:p>
-            <a:endParaRPr lang="en-US" sz="1800" dirty="0" smtClean="0">
-              <a:solidFill>
-                <a:srgbClr val="000000"/>
-              </a:solidFill>
-            </a:endParaRPr>
-          </a:p>
-          <a:p>
-            <a:r>
-              <a:rPr lang="en-US" sz="1800" dirty="0" smtClean="0">
-                <a:solidFill>
-                  <a:srgbClr val="000000"/>
-                </a:solidFill>
-              </a:rPr>
-              <a:t>This is the number of how many motor </a:t>
-            </a:r>
-            <a:r>
-              <a:rPr lang="en-US" sz="1800" b="1" dirty="0" smtClean="0">
-                <a:solidFill>
-                  <a:srgbClr val="008000"/>
-                </a:solidFill>
-              </a:rPr>
-              <a:t>rotation degrees </a:t>
-            </a:r>
-            <a:r>
-              <a:rPr lang="en-US" sz="1800" dirty="0" smtClean="0">
-                <a:solidFill>
-                  <a:srgbClr val="000000"/>
-                </a:solidFill>
-              </a:rPr>
-              <a:t>are in 1 </a:t>
-            </a:r>
-            <a:r>
-              <a:rPr lang="en-US" sz="1800" b="1" dirty="0" smtClean="0">
-                <a:solidFill>
-                  <a:srgbClr val="0000FF"/>
-                </a:solidFill>
-              </a:rPr>
-              <a:t>protractor degree</a:t>
-            </a:r>
-            <a:r>
-              <a:rPr lang="en-US" sz="1800" dirty="0" smtClean="0">
-                <a:solidFill>
-                  <a:srgbClr val="000000"/>
-                </a:solidFill>
-              </a:rPr>
-              <a:t>.</a:t>
-            </a:r>
-          </a:p>
-          <a:p>
-            <a:endParaRPr lang="en-US" sz="1800" dirty="0">
-              <a:solidFill>
-                <a:srgbClr val="000000"/>
-              </a:solidFill>
-            </a:endParaRPr>
-          </a:p>
-          <a:p>
-            <a:r>
-              <a:rPr lang="en-US" sz="1800" dirty="0" smtClean="0">
-                <a:solidFill>
-                  <a:srgbClr val="FF6600"/>
-                </a:solidFill>
-              </a:rPr>
-              <a:t>You can now use this information to make a Pivot Turn My Block called </a:t>
-            </a:r>
-            <a:r>
-              <a:rPr lang="en-US" sz="1800" dirty="0" smtClean="0">
-                <a:solidFill>
-                  <a:srgbClr val="FF6600"/>
-                </a:solidFill>
-                <a:latin typeface="Courier"/>
-                <a:cs typeface="Courier"/>
-              </a:rPr>
-              <a:t>Turn Degrees</a:t>
-            </a:r>
-            <a:r>
-              <a:rPr lang="en-US" sz="1800" dirty="0" smtClean="0">
-                <a:solidFill>
-                  <a:srgbClr val="FF6600"/>
-                </a:solidFill>
-              </a:rPr>
-              <a:t>. Please see my attached EV3 file.  There are Phases marked for you to follow.  Once you understand the code, you can modify this code to make a Spin Turn My Block as well.</a:t>
-            </a:r>
-          </a:p>
-        </p:txBody>
-      </p:sp>
-      <p:sp>
-        <p:nvSpPr>
-          <p:cNvPr id="4" name="Footer Placeholder 3"/>
-          <p:cNvSpPr>
-            <a:spLocks noGrp="1"/>
-          </p:cNvSpPr>
-          <p:nvPr>
-            <p:ph type="ftr" sz="quarter" idx="11"/>
-          </p:nvPr>
-        </p:nvSpPr>
-        <p:spPr/>
-        <p:txBody>
-          <a:bodyPr/>
-          <a:lstStyle/>
-          <a:p>
-            <a:r>
-              <a:rPr lang="en-US" smtClean="0"/>
-              <a:t>© 2015, EV3Lessons.com (last edit 2/28/15)</a:t>
-            </a:r>
-            <a:endParaRPr lang="en-US"/>
-          </a:p>
-        </p:txBody>
-      </p:sp>
-      <p:sp>
-        <p:nvSpPr>
-          <p:cNvPr id="5" name="Slide Number Placeholder 4"/>
-          <p:cNvSpPr>
-            <a:spLocks noGrp="1"/>
-          </p:cNvSpPr>
-          <p:nvPr>
-            <p:ph type="sldNum" sz="quarter" idx="12"/>
-          </p:nvPr>
-        </p:nvSpPr>
-        <p:spPr/>
-        <p:txBody>
-          <a:bodyPr/>
-          <a:lstStyle/>
-          <a:p>
-            <a:fld id="{4DBC7FC8-25FB-FC45-8177-2B991DA6778C}" type="slidenum">
-              <a:rPr lang="en-US" smtClean="0"/>
-              <a:t>5</a:t>
-            </a:fld>
-            <a:endParaRPr lang="en-US"/>
-          </a:p>
-        </p:txBody>
-      </p:sp>
+      </p:pic>
     </p:spTree>
     <p:extLst>
       <p:ext uri="{BB962C8B-B14F-4D97-AF65-F5344CB8AC3E}">
@@ -6691,7 +7147,7 @@
           <a:p>
             <a:r>
               <a:rPr lang="en-US" dirty="0" smtClean="0"/>
-              <a:t>STAGE 1: MEASURE TURNS </a:t>
+              <a:t>Step 1B: TURN THE ROBOT 1 degree</a:t>
             </a:r>
             <a:endParaRPr lang="en-US" dirty="0"/>
           </a:p>
@@ -6714,15 +7170,38 @@
           <a:p>
             <a:r>
               <a:rPr lang="en-US" smtClean="0"/>
-              <a:t>© 2015, EV3Lessons.com (last edit 2/28/15)</a:t>
-            </a:r>
+              <a:t>© 2015, EV3Lessons.com (last edit 11/02/15)</a:t>
+            </a:r>
+            <a:endParaRPr lang="en-US"/>
+          </a:p>
+        </p:txBody>
+      </p:sp>
+      <p:sp>
+        <p:nvSpPr>
+          <p:cNvPr id="3" name="Slide Number Placeholder 2"/>
+          <p:cNvSpPr>
+            <a:spLocks noGrp="1"/>
+          </p:cNvSpPr>
+          <p:nvPr>
+            <p:ph type="sldNum" sz="quarter" idx="12"/>
+          </p:nvPr>
+        </p:nvSpPr>
+        <p:spPr/>
+        <p:txBody>
+          <a:bodyPr/>
+          <a:lstStyle/>
+          <a:p>
+            <a:fld id="{4DBC7FC8-25FB-FC45-8177-2B991DA6778C}" type="slidenum">
+              <a:rPr lang="en-US" smtClean="0"/>
+              <a:t>6</a:t>
+            </a:fld>
             <a:endParaRPr lang="en-US"/>
           </a:p>
         </p:txBody>
       </p:sp>
       <p:pic>
         <p:nvPicPr>
-          <p:cNvPr id="5" name="Picture 4" descr="Screen Shot 2014-09-25 at 5.29.10 PM.png"/>
+          <p:cNvPr id="7" name="Picture 6" descr="Screen Clipping"/>
           <p:cNvPicPr>
             <a:picLocks noChangeAspect="1"/>
           </p:cNvPicPr>
@@ -6742,37 +7221,14 @@
         </p:blipFill>
         <p:spPr>
           <a:xfrm>
-            <a:off x="457200" y="1084263"/>
-            <a:ext cx="7327900" cy="5041900"/>
+            <a:off x="1940252" y="1524318"/>
+            <a:ext cx="5279367" cy="4435919"/>
           </a:xfrm>
           <a:prstGeom prst="rect">
             <a:avLst/>
           </a:prstGeom>
         </p:spPr>
       </p:pic>
-      <p:sp>
-        <p:nvSpPr>
-          <p:cNvPr id="3" name="Slide Number Placeholder 2"/>
-          <p:cNvSpPr>
-            <a:spLocks noGrp="1"/>
-          </p:cNvSpPr>
-          <p:nvPr>
-            <p:ph type="sldNum" sz="quarter" idx="12"/>
-          </p:nvPr>
-        </p:nvSpPr>
-        <p:spPr/>
-        <p:txBody>
-          <a:bodyPr/>
-          <a:lstStyle/>
-          <a:p>
-            <a:fld id="{4DBC7FC8-25FB-FC45-8177-2B991DA6778C}" type="slidenum">
-              <a:rPr lang="en-US" smtClean="0"/>
-              <a:t>6</a:t>
-            </a:fld>
-            <a:endParaRPr lang="en-US"/>
-          </a:p>
-        </p:txBody>
-      </p:sp>
     </p:spTree>
     <p:extLst>
       <p:ext uri="{BB962C8B-B14F-4D97-AF65-F5344CB8AC3E}">
@@ -6822,12 +7278,14 @@
         </p:nvSpPr>
         <p:spPr/>
         <p:txBody>
-          <a:bodyPr/>
+          <a:bodyPr>
+            <a:normAutofit fontScale="90000"/>
+          </a:bodyPr>
           <a:lstStyle/>
           <a:p>
             <a:r>
               <a:rPr lang="en-US" dirty="0" smtClean="0"/>
-              <a:t>STAGE 2: ADD CONSTANTS</a:t>
+              <a:t>Step 2: CREATE a PROTRACTOR DEGREE TO MOTOR DEGREE CALULATOR</a:t>
             </a:r>
             <a:endParaRPr lang="en-US" dirty="0"/>
           </a:p>
@@ -6850,21 +7308,44 @@
           <a:p>
             <a:r>
               <a:rPr lang="en-US" smtClean="0"/>
-              <a:t>© 2015, EV3Lessons.com (last edit 2/28/15)</a:t>
-            </a:r>
+              <a:t>© 2015, EV3Lessons.com (last edit 11/02/15)</a:t>
+            </a:r>
+            <a:endParaRPr lang="en-US"/>
+          </a:p>
+        </p:txBody>
+      </p:sp>
+      <p:sp>
+        <p:nvSpPr>
+          <p:cNvPr id="3" name="Slide Number Placeholder 2"/>
+          <p:cNvSpPr>
+            <a:spLocks noGrp="1"/>
+          </p:cNvSpPr>
+          <p:nvPr>
+            <p:ph type="sldNum" sz="quarter" idx="12"/>
+          </p:nvPr>
+        </p:nvSpPr>
+        <p:spPr/>
+        <p:txBody>
+          <a:bodyPr/>
+          <a:lstStyle/>
+          <a:p>
+            <a:fld id="{4DBC7FC8-25FB-FC45-8177-2B991DA6778C}" type="slidenum">
+              <a:rPr lang="en-US" smtClean="0"/>
+              <a:t>7</a:t>
+            </a:fld>
             <a:endParaRPr lang="en-US"/>
           </a:p>
         </p:txBody>
       </p:sp>
       <p:pic>
         <p:nvPicPr>
-          <p:cNvPr id="5" name="Picture 4" descr="Screen Shot 2014-09-25 at 5.29.51 PM.png"/>
+          <p:cNvPr id="7" name="Picture 6" descr="Screen Clipping"/>
           <p:cNvPicPr>
             <a:picLocks noChangeAspect="1"/>
           </p:cNvPicPr>
           <p:nvPr/>
         </p:nvPicPr>
-        <p:blipFill>
+        <p:blipFill rotWithShape="1">
           <a:blip r:embed="rId2">
             <a:extLst>
               <a:ext uri="{28A0092B-C50C-407E-A947-70E740481C1C}">
@@ -6872,43 +7353,19 @@
               </a:ext>
             </a:extLst>
           </a:blip>
-          <a:stretch>
-            <a:fillRect/>
-          </a:stretch>
+          <a:srcRect r="21086"/>
+          <a:stretch/>
         </p:blipFill>
         <p:spPr>
           <a:xfrm>
-            <a:off x="0" y="1438907"/>
-            <a:ext cx="8934174" cy="3878068"/>
+            <a:off x="1425853" y="1692499"/>
+            <a:ext cx="5843628" cy="4556979"/>
           </a:xfrm>
           <a:prstGeom prst="rect">
             <a:avLst/>
           </a:prstGeom>
         </p:spPr>
       </p:pic>
-      <p:sp>
-        <p:nvSpPr>
-          <p:cNvPr id="3" name="Slide Number Placeholder 2"/>
-          <p:cNvSpPr>
-            <a:spLocks noGrp="1"/>
-          </p:cNvSpPr>
-          <p:nvPr>
-            <p:ph type="sldNum" sz="quarter" idx="12"/>
-          </p:nvPr>
-        </p:nvSpPr>
-        <p:spPr/>
-        <p:txBody>
-          <a:bodyPr/>
-          <a:lstStyle/>
-          <a:p>
-            <a:fld id="{4DBC7FC8-25FB-FC45-8177-2B991DA6778C}" type="slidenum">
-              <a:rPr lang="en-US" smtClean="0"/>
-              <a:t>7</a:t>
-            </a:fld>
-            <a:endParaRPr lang="en-US"/>
-          </a:p>
-        </p:txBody>
-      </p:sp>
     </p:spTree>
     <p:extLst>
       <p:ext uri="{BB962C8B-B14F-4D97-AF65-F5344CB8AC3E}">
@@ -6956,49 +7413,33 @@
             <p:ph type="title"/>
           </p:nvPr>
         </p:nvSpPr>
-        <p:spPr/>
+        <p:spPr>
+          <a:xfrm>
+            <a:off x="457199" y="152718"/>
+            <a:ext cx="8402321" cy="1371600"/>
+          </a:xfrm>
+        </p:spPr>
         <p:txBody>
           <a:bodyPr/>
           <a:lstStyle/>
           <a:p>
             <a:r>
               <a:rPr lang="en-US" dirty="0" smtClean="0"/>
-              <a:t>STAGE 3: MAKE My BLOCK</a:t>
+              <a:t>Step 3a: SET Up the MY BLOCK</a:t>
             </a:r>
             <a:endParaRPr lang="en-US" dirty="0"/>
-          </a:p>
-        </p:txBody>
-      </p:sp>
-      <p:sp>
-        <p:nvSpPr>
-          <p:cNvPr id="4" name="Footer Placeholder 3"/>
-          <p:cNvSpPr>
-            <a:spLocks noGrp="1"/>
-          </p:cNvSpPr>
-          <p:nvPr>
-            <p:ph type="ftr" sz="quarter" idx="11"/>
-          </p:nvPr>
-        </p:nvSpPr>
-        <p:spPr/>
-        <p:txBody>
-          <a:bodyPr/>
-          <a:lstStyle/>
-          <a:p>
-            <a:r>
-              <a:rPr lang="en-US" smtClean="0"/>
-              <a:t>© 2015, EV3Lessons.com (last edit 2/28/15)</a:t>
-            </a:r>
-            <a:endParaRPr lang="en-US"/>
           </a:p>
         </p:txBody>
       </p:sp>
       <p:pic>
         <p:nvPicPr>
-          <p:cNvPr id="5" name="Picture 4" descr="Screen Shot 2014-09-25 at 5.30.35 PM.png"/>
+          <p:cNvPr id="6" name="Content Placeholder 5" descr="Screen Clipping"/>
           <p:cNvPicPr>
-            <a:picLocks noChangeAspect="1"/>
+            <a:picLocks noGrp="1" noChangeAspect="1"/>
           </p:cNvPicPr>
-          <p:nvPr/>
+          <p:nvPr>
+            <p:ph idx="1"/>
+          </p:nvPr>
         </p:nvPicPr>
         <p:blipFill>
           <a:blip r:embed="rId2">
@@ -7014,8 +7455,184 @@
         </p:blipFill>
         <p:spPr>
           <a:xfrm>
-            <a:off x="0" y="1420613"/>
-            <a:ext cx="8867913" cy="4206087"/>
+            <a:off x="4721556" y="2912811"/>
+            <a:ext cx="3981118" cy="3504849"/>
+          </a:xfrm>
+        </p:spPr>
+      </p:pic>
+      <p:sp>
+        <p:nvSpPr>
+          <p:cNvPr id="4" name="Footer Placeholder 3"/>
+          <p:cNvSpPr>
+            <a:spLocks noGrp="1"/>
+          </p:cNvSpPr>
+          <p:nvPr>
+            <p:ph type="ftr" sz="quarter" idx="11"/>
+          </p:nvPr>
+        </p:nvSpPr>
+        <p:spPr/>
+        <p:txBody>
+          <a:bodyPr/>
+          <a:lstStyle/>
+          <a:p>
+            <a:r>
+              <a:rPr lang="en-US" smtClean="0"/>
+              <a:t>© 2015, EV3Lessons.com (last edit 11/02/15)</a:t>
+            </a:r>
+            <a:endParaRPr lang="en-US"/>
+          </a:p>
+        </p:txBody>
+      </p:sp>
+      <p:sp>
+        <p:nvSpPr>
+          <p:cNvPr id="5" name="Slide Number Placeholder 4"/>
+          <p:cNvSpPr>
+            <a:spLocks noGrp="1"/>
+          </p:cNvSpPr>
+          <p:nvPr>
+            <p:ph type="sldNum" sz="quarter" idx="12"/>
+          </p:nvPr>
+        </p:nvSpPr>
+        <p:spPr/>
+        <p:txBody>
+          <a:bodyPr/>
+          <a:lstStyle/>
+          <a:p>
+            <a:fld id="{4DBC7FC8-25FB-FC45-8177-2B991DA6778C}" type="slidenum">
+              <a:rPr lang="en-US" smtClean="0"/>
+              <a:t>8</a:t>
+            </a:fld>
+            <a:endParaRPr lang="en-US"/>
+          </a:p>
+        </p:txBody>
+      </p:sp>
+      <p:sp>
+        <p:nvSpPr>
+          <p:cNvPr id="7" name="TextBox 6"/>
+          <p:cNvSpPr txBox="1"/>
+          <p:nvPr/>
+        </p:nvSpPr>
+        <p:spPr>
+          <a:xfrm>
+            <a:off x="343948" y="1325461"/>
+            <a:ext cx="3298411" cy="4524315"/>
+          </a:xfrm>
+          <a:prstGeom prst="rect">
+            <a:avLst/>
+          </a:prstGeom>
+          <a:noFill/>
+        </p:spPr>
+        <p:txBody>
+          <a:bodyPr wrap="square" rtlCol="0">
+            <a:spAutoFit/>
+          </a:bodyPr>
+          <a:lstStyle/>
+          <a:p>
+            <a:pPr marL="285750" indent="-285750">
+              <a:buFont typeface="Arial" panose="020B0604020202020204" pitchFamily="34" charset="0"/>
+              <a:buChar char="•"/>
+            </a:pPr>
+            <a:r>
+              <a:rPr lang="en-US" dirty="0" smtClean="0">
+                <a:solidFill>
+                  <a:srgbClr val="0070C0"/>
+                </a:solidFill>
+              </a:rPr>
+              <a:t>A. Highlight the two blocks and go to My Block Builder</a:t>
+            </a:r>
+          </a:p>
+          <a:p>
+            <a:pPr marL="285750" indent="-285750">
+              <a:buFont typeface="Arial" panose="020B0604020202020204" pitchFamily="34" charset="0"/>
+              <a:buChar char="•"/>
+            </a:pPr>
+            <a:endParaRPr lang="en-US" dirty="0">
+              <a:solidFill>
+                <a:srgbClr val="0070C0"/>
+              </a:solidFill>
+            </a:endParaRPr>
+          </a:p>
+          <a:p>
+            <a:endParaRPr lang="en-US" dirty="0"/>
+          </a:p>
+          <a:p>
+            <a:endParaRPr lang="en-US" dirty="0" smtClean="0"/>
+          </a:p>
+          <a:p>
+            <a:endParaRPr lang="en-US" dirty="0" smtClean="0"/>
+          </a:p>
+          <a:p>
+            <a:pPr marL="285750" indent="-285750">
+              <a:buFont typeface="Arial" panose="020B0604020202020204" pitchFamily="34" charset="0"/>
+              <a:buChar char="•"/>
+            </a:pPr>
+            <a:r>
+              <a:rPr lang="en-US" dirty="0">
+                <a:solidFill>
+                  <a:srgbClr val="00B050"/>
+                </a:solidFill>
+              </a:rPr>
+              <a:t>B</a:t>
+            </a:r>
+            <a:r>
+              <a:rPr lang="en-US" dirty="0" smtClean="0">
+                <a:solidFill>
+                  <a:srgbClr val="00B050"/>
+                </a:solidFill>
+              </a:rPr>
+              <a:t>. Create two inputs: one for degrees and one for power. Both inputs should be setup as numeric inputs</a:t>
+            </a:r>
+          </a:p>
+          <a:p>
+            <a:pPr marL="285750" indent="-285750">
+              <a:buFont typeface="Arial" panose="020B0604020202020204" pitchFamily="34" charset="0"/>
+              <a:buChar char="•"/>
+            </a:pPr>
+            <a:endParaRPr lang="en-US" dirty="0" smtClean="0"/>
+          </a:p>
+          <a:p>
+            <a:pPr marL="285750" indent="-285750">
+              <a:buFont typeface="Arial" panose="020B0604020202020204" pitchFamily="34" charset="0"/>
+              <a:buChar char="•"/>
+            </a:pPr>
+            <a:endParaRPr lang="en-US" dirty="0"/>
+          </a:p>
+          <a:p>
+            <a:pPr marL="285750" indent="-285750">
+              <a:buFont typeface="Arial" panose="020B0604020202020204" pitchFamily="34" charset="0"/>
+              <a:buChar char="•"/>
+            </a:pPr>
+            <a:r>
+              <a:rPr lang="en-US" i="1" dirty="0" smtClean="0"/>
+              <a:t>Refer to the My Blocks with Inputs &amp; Outputs lesson if you need help setting up the My Block</a:t>
+            </a:r>
+            <a:endParaRPr lang="en-US" i="1" dirty="0"/>
+          </a:p>
+        </p:txBody>
+      </p:sp>
+      <p:pic>
+        <p:nvPicPr>
+          <p:cNvPr id="9" name="Picture 8" descr="Screen Clipping"/>
+          <p:cNvPicPr>
+            <a:picLocks noChangeAspect="1"/>
+          </p:cNvPicPr>
+          <p:nvPr/>
+        </p:nvPicPr>
+        <p:blipFill rotWithShape="1">
+          <a:blip r:embed="rId3">
+            <a:extLst>
+              <a:ext uri="{28A0092B-C50C-407E-A947-70E740481C1C}">
+                <a14:useLocalDpi xmlns:a14="http://schemas.microsoft.com/office/drawing/2010/main" val="0"/>
+              </a:ext>
+            </a:extLst>
+          </a:blip>
+          <a:srcRect t="27404" r="21086" b="41159"/>
+          <a:stretch/>
+        </p:blipFill>
+        <p:spPr>
+          <a:xfrm>
+            <a:off x="3886200" y="1403861"/>
+            <a:ext cx="4816474" cy="1180754"/>
           </a:xfrm>
           <a:prstGeom prst="rect">
             <a:avLst/>
@@ -7024,44 +7641,136 @@
       </p:pic>
       <p:sp>
         <p:nvSpPr>
-          <p:cNvPr id="3" name="Slide Number Placeholder 2"/>
-          <p:cNvSpPr>
-            <a:spLocks noGrp="1"/>
-          </p:cNvSpPr>
-          <p:nvPr>
-            <p:ph type="sldNum" sz="quarter" idx="12"/>
-          </p:nvPr>
-        </p:nvSpPr>
-        <p:spPr/>
-        <p:txBody>
-          <a:bodyPr/>
-          <a:lstStyle/>
-          <a:p>
-            <a:fld id="{4DBC7FC8-25FB-FC45-8177-2B991DA6778C}" type="slidenum">
-              <a:rPr lang="en-US" smtClean="0"/>
-              <a:t>8</a:t>
-            </a:fld>
-            <a:endParaRPr lang="en-US"/>
+          <p:cNvPr id="10" name="Rectangle 9"/>
+          <p:cNvSpPr/>
+          <p:nvPr/>
+        </p:nvSpPr>
+        <p:spPr>
+          <a:xfrm>
+            <a:off x="4721556" y="1249680"/>
+            <a:ext cx="3858564" cy="1441615"/>
+          </a:xfrm>
+          <a:prstGeom prst="rect">
+            <a:avLst/>
+          </a:prstGeom>
+          <a:noFill/>
+          <a:ln w="57150">
+            <a:solidFill>
+              <a:srgbClr val="0070C0"/>
+            </a:solidFill>
+          </a:ln>
+        </p:spPr>
+        <p:style>
+          <a:lnRef idx="2">
+            <a:schemeClr val="accent1">
+              <a:shade val="50000"/>
+            </a:schemeClr>
+          </a:lnRef>
+          <a:fillRef idx="1">
+            <a:schemeClr val="accent1"/>
+          </a:fillRef>
+          <a:effectRef idx="0">
+            <a:schemeClr val="accent1"/>
+          </a:effectRef>
+          <a:fontRef idx="minor">
+            <a:schemeClr val="lt1"/>
+          </a:fontRef>
+        </p:style>
+        <p:txBody>
+          <a:bodyPr rtlCol="0" anchor="ctr"/>
+          <a:lstStyle/>
+          <a:p>
+            <a:pPr algn="ctr"/>
+            <a:endParaRPr lang="en-US"/>
+          </a:p>
+        </p:txBody>
+      </p:sp>
+      <p:sp>
+        <p:nvSpPr>
+          <p:cNvPr id="11" name="TextBox 10"/>
+          <p:cNvSpPr txBox="1"/>
+          <p:nvPr/>
+        </p:nvSpPr>
+        <p:spPr>
+          <a:xfrm>
+            <a:off x="4082967" y="942514"/>
+            <a:ext cx="457200" cy="461665"/>
+          </a:xfrm>
+          <a:prstGeom prst="rect">
+            <a:avLst/>
+          </a:prstGeom>
+          <a:noFill/>
+        </p:spPr>
+        <p:txBody>
+          <a:bodyPr wrap="square" rtlCol="0">
+            <a:spAutoFit/>
+          </a:bodyPr>
+          <a:lstStyle/>
+          <a:p>
+            <a:r>
+              <a:rPr lang="en-US" sz="2400" b="1" dirty="0" smtClean="0">
+                <a:solidFill>
+                  <a:srgbClr val="0070C0"/>
+                </a:solidFill>
+              </a:rPr>
+              <a:t>A</a:t>
+            </a:r>
+            <a:endParaRPr lang="en-US" sz="2400" b="1" dirty="0">
+              <a:solidFill>
+                <a:srgbClr val="0070C0"/>
+              </a:solidFill>
+            </a:endParaRPr>
+          </a:p>
+        </p:txBody>
+      </p:sp>
+      <p:sp>
+        <p:nvSpPr>
+          <p:cNvPr id="13" name="TextBox 12"/>
+          <p:cNvSpPr txBox="1"/>
+          <p:nvPr/>
+        </p:nvSpPr>
+        <p:spPr>
+          <a:xfrm>
+            <a:off x="4323962" y="3070067"/>
+            <a:ext cx="457200" cy="461665"/>
+          </a:xfrm>
+          <a:prstGeom prst="rect">
+            <a:avLst/>
+          </a:prstGeom>
+          <a:noFill/>
+        </p:spPr>
+        <p:txBody>
+          <a:bodyPr wrap="square" rtlCol="0">
+            <a:spAutoFit/>
+          </a:bodyPr>
+          <a:lstStyle/>
+          <a:p>
+            <a:r>
+              <a:rPr lang="en-US" sz="2400" b="1" dirty="0" smtClean="0">
+                <a:solidFill>
+                  <a:srgbClr val="00B050"/>
+                </a:solidFill>
+              </a:rPr>
+              <a:t>B</a:t>
+            </a:r>
+            <a:endParaRPr lang="en-US" sz="2400" b="1" dirty="0">
+              <a:solidFill>
+                <a:srgbClr val="00B050"/>
+              </a:solidFill>
+            </a:endParaRPr>
           </a:p>
         </p:txBody>
       </p:sp>
     </p:spTree>
     <p:extLst>
       <p:ext uri="{BB962C8B-B14F-4D97-AF65-F5344CB8AC3E}">
-        <p14:creationId xmlns:p14="http://schemas.microsoft.com/office/powerpoint/2010/main" val="4196143026"/>
+        <p14:creationId xmlns:p14="http://schemas.microsoft.com/office/powerpoint/2010/main" val="2608295296"/>
       </p:ext>
     </p:extLst>
   </p:cSld>
   <p:clrMapOvr>
     <a:masterClrMapping/>
   </p:clrMapOvr>
-  <p:timing>
-    <p:tnLst>
-      <p:par>
-        <p:cTn id="1" dur="indefinite" restart="never" nodeType="tmRoot"/>
-      </p:par>
-    </p:tnLst>
-  </p:timing>
 </p:sld>
 </file>
 
@@ -7099,7 +7808,11 @@
           <a:p>
             <a:r>
               <a:rPr lang="en-US" dirty="0" smtClean="0"/>
-              <a:t>STAGE 4: USE My BLOCK</a:t>
+              <a:t>STEP 3A: Wire the Inputs in your New My </a:t>
+            </a:r>
+            <a:r>
+              <a:rPr lang="en-US" dirty="0" err="1" smtClean="0"/>
+              <a:t>BLock</a:t>
             </a:r>
             <a:endParaRPr lang="en-US" dirty="0"/>
           </a:p>
@@ -7122,21 +7835,44 @@
           <a:p>
             <a:r>
               <a:rPr lang="en-US" smtClean="0"/>
-              <a:t>© 2015, EV3Lessons.com (last edit 2/28/15)</a:t>
-            </a:r>
+              <a:t>© 2015, EV3Lessons.com (last edit 11/02/15)</a:t>
+            </a:r>
+            <a:endParaRPr lang="en-US"/>
+          </a:p>
+        </p:txBody>
+      </p:sp>
+      <p:sp>
+        <p:nvSpPr>
+          <p:cNvPr id="5" name="Slide Number Placeholder 4"/>
+          <p:cNvSpPr>
+            <a:spLocks noGrp="1"/>
+          </p:cNvSpPr>
+          <p:nvPr>
+            <p:ph type="sldNum" sz="quarter" idx="12"/>
+          </p:nvPr>
+        </p:nvSpPr>
+        <p:spPr/>
+        <p:txBody>
+          <a:bodyPr/>
+          <a:lstStyle/>
+          <a:p>
+            <a:fld id="{4DBC7FC8-25FB-FC45-8177-2B991DA6778C}" type="slidenum">
+              <a:rPr lang="en-US" smtClean="0"/>
+              <a:t>9</a:t>
+            </a:fld>
             <a:endParaRPr lang="en-US"/>
           </a:p>
         </p:txBody>
       </p:sp>
       <p:pic>
         <p:nvPicPr>
-          <p:cNvPr id="5" name="Picture 4" descr="Screen Shot 2014-09-25 at 5.31.23 PM.png"/>
+          <p:cNvPr id="6" name="Picture 5" descr="Screen Clipping"/>
           <p:cNvPicPr>
             <a:picLocks noChangeAspect="1"/>
           </p:cNvPicPr>
           <p:nvPr/>
         </p:nvPicPr>
-        <p:blipFill>
+        <p:blipFill rotWithShape="1">
           <a:blip r:embed="rId2">
             <a:extLst>
               <a:ext uri="{28A0092B-C50C-407E-A947-70E740481C1C}">
@@ -7144,14 +7880,13 @@
               </a:ext>
             </a:extLst>
           </a:blip>
-          <a:stretch>
-            <a:fillRect/>
-          </a:stretch>
+          <a:srcRect t="23635" r="5146" b="41611"/>
+          <a:stretch/>
         </p:blipFill>
         <p:spPr>
           <a:xfrm>
-            <a:off x="372772" y="1291302"/>
-            <a:ext cx="8414327" cy="3650611"/>
+            <a:off x="396240" y="2712719"/>
+            <a:ext cx="8245474" cy="1747521"/>
           </a:xfrm>
           <a:prstGeom prst="rect">
             <a:avLst/>
@@ -7160,44 +7895,52 @@
       </p:pic>
       <p:sp>
         <p:nvSpPr>
-          <p:cNvPr id="3" name="Slide Number Placeholder 2"/>
-          <p:cNvSpPr>
-            <a:spLocks noGrp="1"/>
-          </p:cNvSpPr>
-          <p:nvPr>
-            <p:ph type="sldNum" sz="quarter" idx="12"/>
-          </p:nvPr>
-        </p:nvSpPr>
-        <p:spPr/>
-        <p:txBody>
-          <a:bodyPr/>
-          <a:lstStyle/>
-          <a:p>
-            <a:fld id="{4DBC7FC8-25FB-FC45-8177-2B991DA6778C}" type="slidenum">
-              <a:rPr lang="en-US" smtClean="0"/>
-              <a:t>9</a:t>
-            </a:fld>
-            <a:endParaRPr lang="en-US"/>
+          <p:cNvPr id="3" name="TextBox 2"/>
+          <p:cNvSpPr txBox="1"/>
+          <p:nvPr/>
+        </p:nvSpPr>
+        <p:spPr>
+          <a:xfrm>
+            <a:off x="528320" y="4704080"/>
+            <a:ext cx="7660640" cy="1200329"/>
+          </a:xfrm>
+          <a:prstGeom prst="rect">
+            <a:avLst/>
+          </a:prstGeom>
+          <a:noFill/>
+        </p:spPr>
+        <p:txBody>
+          <a:bodyPr wrap="square" rtlCol="0">
+            <a:spAutoFit/>
+          </a:bodyPr>
+          <a:lstStyle/>
+          <a:p>
+            <a:r>
+              <a:rPr lang="en-US" dirty="0" smtClean="0">
+                <a:solidFill>
+                  <a:srgbClr val="7030A0"/>
+                </a:solidFill>
+              </a:rPr>
+              <a:t>C. Wire the inputs in the grey block.  The degrees input connects to the Math Block. The power goes into the Move Steering Block’s power input.  The result of the Math Block is wired into the Move Steering Block’s degree input.</a:t>
+            </a:r>
+            <a:endParaRPr lang="en-US" dirty="0">
+              <a:solidFill>
+                <a:srgbClr val="7030A0"/>
+              </a:solidFill>
+            </a:endParaRPr>
           </a:p>
         </p:txBody>
       </p:sp>
     </p:spTree>
     <p:extLst>
       <p:ext uri="{BB962C8B-B14F-4D97-AF65-F5344CB8AC3E}">
-        <p14:creationId xmlns:p14="http://schemas.microsoft.com/office/powerpoint/2010/main" val="1066107082"/>
+        <p14:creationId xmlns:p14="http://schemas.microsoft.com/office/powerpoint/2010/main" val="1670237072"/>
       </p:ext>
     </p:extLst>
   </p:cSld>
   <p:clrMapOvr>
     <a:masterClrMapping/>
   </p:clrMapOvr>
-  <p:timing>
-    <p:tnLst>
-      <p:par>
-        <p:cTn id="1" dur="indefinite" restart="never" nodeType="tmRoot"/>
-      </p:par>
-    </p:tnLst>
-  </p:timing>
 </p:sld>
 </file>
 

--- a/translations/en-us/intermediate/TurnDegrees.pptx
+++ b/translations/en-us/intermediate/TurnDegrees.pptx
@@ -2,7 +2,7 @@
 <file path=ppt/presentation.xml><?xml version="1.0" encoding="utf-8"?>
 <p:presentation xmlns:a="http://schemas.openxmlformats.org/drawingml/2006/main" xmlns:r="http://schemas.openxmlformats.org/officeDocument/2006/relationships" xmlns:p="http://schemas.openxmlformats.org/presentationml/2006/main" showSpecialPlsOnTitleSld="0" saveSubsetFonts="1" autoCompressPictures="0">
   <p:sldMasterIdLst>
-    <p:sldMasterId id="2147483714" r:id="rId1"/>
+    <p:sldMasterId id="2147483726" r:id="rId1"/>
   </p:sldMasterIdLst>
   <p:notesMasterIdLst>
     <p:notesMasterId r:id="rId16"/>
@@ -11,7 +11,7 @@
     <p:handoutMasterId r:id="rId17"/>
   </p:handoutMasterIdLst>
   <p:sldIdLst>
-    <p:sldId id="370" r:id="rId2"/>
+    <p:sldId id="380" r:id="rId2"/>
     <p:sldId id="372" r:id="rId3"/>
     <p:sldId id="376" r:id="rId4"/>
     <p:sldId id="377" r:id="rId5"/>
@@ -224,7 +224,7 @@
           <a:p>
             <a:fld id="{E00FA3B4-5499-9244-86B5-B0871A9DDD84}" type="datetimeFigureOut">
               <a:rPr lang="en-US" smtClean="0"/>
-              <a:t>11/2/2015</a:t>
+              <a:t>11/13/15</a:t>
             </a:fld>
             <a:endParaRPr lang="en-US"/>
           </a:p>
@@ -390,7 +390,7 @@
           <a:p>
             <a:fld id="{FD3EFF1E-85A1-6640-AFB9-C38833E80A84}" type="datetimeFigureOut">
               <a:rPr lang="en-US" smtClean="0"/>
-              <a:t>11/2/2015</a:t>
+              <a:t>11/13/15</a:t>
             </a:fld>
             <a:endParaRPr lang="en-US"/>
           </a:p>
@@ -724,7 +724,7 @@
           <a:p>
             <a:fld id="{13967457-1E83-1040-AFF7-8D09C473DBD5}" type="slidenum">
               <a:rPr lang="en-US" smtClean="0"/>
-              <a:t>1</a:t>
+              <a:t>2</a:t>
             </a:fld>
             <a:endParaRPr lang="en-US"/>
           </a:p>
@@ -733,7 +733,7 @@
     </p:spTree>
     <p:extLst>
       <p:ext uri="{BB962C8B-B14F-4D97-AF65-F5344CB8AC3E}">
-        <p14:creationId xmlns:p14="http://schemas.microsoft.com/office/powerpoint/2010/main" val="747868400"/>
+        <p14:creationId xmlns:p14="http://schemas.microsoft.com/office/powerpoint/2010/main" val="1108472779"/>
       </p:ext>
     </p:extLst>
   </p:cSld>
@@ -808,90 +808,6 @@
           <a:p>
             <a:fld id="{13967457-1E83-1040-AFF7-8D09C473DBD5}" type="slidenum">
               <a:rPr lang="en-US" smtClean="0"/>
-              <a:t>2</a:t>
-            </a:fld>
-            <a:endParaRPr lang="en-US"/>
-          </a:p>
-        </p:txBody>
-      </p:sp>
-    </p:spTree>
-    <p:extLst>
-      <p:ext uri="{BB962C8B-B14F-4D97-AF65-F5344CB8AC3E}">
-        <p14:creationId xmlns:p14="http://schemas.microsoft.com/office/powerpoint/2010/main" val="1108472779"/>
-      </p:ext>
-    </p:extLst>
-  </p:cSld>
-  <p:clrMapOvr>
-    <a:masterClrMapping/>
-  </p:clrMapOvr>
-</p:notes>
-</file>
-
-<file path=ppt/notesSlides/notesSlide3.xml><?xml version="1.0" encoding="utf-8"?>
-<p:notes xmlns:a="http://schemas.openxmlformats.org/drawingml/2006/main" xmlns:r="http://schemas.openxmlformats.org/officeDocument/2006/relationships" xmlns:p="http://schemas.openxmlformats.org/presentationml/2006/main">
-  <p:cSld>
-    <p:spTree>
-      <p:nvGrpSpPr>
-        <p:cNvPr id="1" name=""/>
-        <p:cNvGrpSpPr/>
-        <p:nvPr/>
-      </p:nvGrpSpPr>
-      <p:grpSpPr>
-        <a:xfrm>
-          <a:off x="0" y="0"/>
-          <a:ext cx="0" cy="0"/>
-          <a:chOff x="0" y="0"/>
-          <a:chExt cx="0" cy="0"/>
-        </a:xfrm>
-      </p:grpSpPr>
-      <p:sp>
-        <p:nvSpPr>
-          <p:cNvPr id="2" name="Slide Image Placeholder 1"/>
-          <p:cNvSpPr>
-            <a:spLocks noGrp="1" noRot="1" noChangeAspect="1"/>
-          </p:cNvSpPr>
-          <p:nvPr>
-            <p:ph type="sldImg"/>
-          </p:nvPr>
-        </p:nvSpPr>
-        <p:spPr/>
-      </p:sp>
-      <p:sp>
-        <p:nvSpPr>
-          <p:cNvPr id="3" name="Notes Placeholder 2"/>
-          <p:cNvSpPr>
-            <a:spLocks noGrp="1"/>
-          </p:cNvSpPr>
-          <p:nvPr>
-            <p:ph type="body" idx="1"/>
-          </p:nvPr>
-        </p:nvSpPr>
-        <p:spPr/>
-        <p:txBody>
-          <a:bodyPr/>
-          <a:lstStyle/>
-          <a:p>
-            <a:endParaRPr lang="en-US"/>
-          </a:p>
-        </p:txBody>
-      </p:sp>
-      <p:sp>
-        <p:nvSpPr>
-          <p:cNvPr id="4" name="Slide Number Placeholder 3"/>
-          <p:cNvSpPr>
-            <a:spLocks noGrp="1"/>
-          </p:cNvSpPr>
-          <p:nvPr>
-            <p:ph type="sldNum" sz="quarter" idx="10"/>
-          </p:nvPr>
-        </p:nvSpPr>
-        <p:spPr/>
-        <p:txBody>
-          <a:bodyPr/>
-          <a:lstStyle/>
-          <a:p>
-            <a:fld id="{13967457-1E83-1040-AFF7-8D09C473DBD5}" type="slidenum">
-              <a:rPr lang="en-US" smtClean="0"/>
               <a:t>4</a:t>
             </a:fld>
             <a:endParaRPr lang="en-US"/>
@@ -911,7 +827,7 @@
 </p:notes>
 </file>
 
-<file path=ppt/notesSlides/notesSlide4.xml><?xml version="1.0" encoding="utf-8"?>
+<file path=ppt/notesSlides/notesSlide3.xml><?xml version="1.0" encoding="utf-8"?>
 <p:notes xmlns:a="http://schemas.openxmlformats.org/drawingml/2006/main" xmlns:r="http://schemas.openxmlformats.org/officeDocument/2006/relationships" xmlns:p="http://schemas.openxmlformats.org/presentationml/2006/main">
   <p:cSld>
     <p:spTree>
@@ -1014,256 +930,20 @@
       </p:grpSpPr>
       <p:sp>
         <p:nvSpPr>
-          <p:cNvPr id="2" name="Title 1"/>
-          <p:cNvSpPr>
-            <a:spLocks noGrp="1"/>
-          </p:cNvSpPr>
-          <p:nvPr>
-            <p:ph type="ctrTitle"/>
-          </p:nvPr>
+          <p:cNvPr id="7" name="Rectangle 6"/>
+          <p:cNvSpPr/>
+          <p:nvPr/>
         </p:nvSpPr>
         <p:spPr>
           <a:xfrm>
-            <a:off x="457200" y="228600"/>
-            <a:ext cx="7772400" cy="4571999"/>
-          </a:xfrm>
-        </p:spPr>
-        <p:txBody>
-          <a:bodyPr anchor="ctr">
-            <a:noAutofit/>
-          </a:bodyPr>
-          <a:lstStyle>
-            <a:lvl1pPr>
-              <a:lnSpc>
-                <a:spcPct val="100000"/>
-              </a:lnSpc>
-              <a:defRPr sz="8800" spc="-80" baseline="0">
-                <a:solidFill>
-                  <a:schemeClr val="tx1"/>
-                </a:solidFill>
-              </a:defRPr>
-            </a:lvl1pPr>
-          </a:lstStyle>
-          <a:p>
-            <a:r>
-              <a:rPr lang="en-US" smtClean="0"/>
-              <a:t>Click to edit Master title style</a:t>
-            </a:r>
-            <a:endParaRPr lang="en-US" dirty="0"/>
-          </a:p>
-        </p:txBody>
-      </p:sp>
-      <p:sp>
-        <p:nvSpPr>
-          <p:cNvPr id="3" name="Subtitle 2"/>
-          <p:cNvSpPr>
-            <a:spLocks noGrp="1"/>
-          </p:cNvSpPr>
-          <p:nvPr>
-            <p:ph type="subTitle" idx="1"/>
-          </p:nvPr>
-        </p:nvSpPr>
-        <p:spPr>
-          <a:xfrm>
-            <a:off x="457200" y="4800600"/>
-            <a:ext cx="6858000" cy="914400"/>
-          </a:xfrm>
-        </p:spPr>
-        <p:txBody>
-          <a:bodyPr/>
-          <a:lstStyle>
-            <a:lvl1pPr marL="0" indent="0" algn="l">
-              <a:buNone/>
-              <a:defRPr b="0" cap="all" spc="120" baseline="0">
-                <a:solidFill>
-                  <a:schemeClr val="tx2"/>
-                </a:solidFill>
-                <a:latin typeface="+mj-lt"/>
-              </a:defRPr>
-            </a:lvl1pPr>
-            <a:lvl2pPr marL="457200" indent="0" algn="ctr">
-              <a:buNone/>
-              <a:defRPr>
-                <a:solidFill>
-                  <a:schemeClr val="tx1">
-                    <a:tint val="75000"/>
-                  </a:schemeClr>
-                </a:solidFill>
-              </a:defRPr>
-            </a:lvl2pPr>
-            <a:lvl3pPr marL="914400" indent="0" algn="ctr">
-              <a:buNone/>
-              <a:defRPr>
-                <a:solidFill>
-                  <a:schemeClr val="tx1">
-                    <a:tint val="75000"/>
-                  </a:schemeClr>
-                </a:solidFill>
-              </a:defRPr>
-            </a:lvl3pPr>
-            <a:lvl4pPr marL="1371600" indent="0" algn="ctr">
-              <a:buNone/>
-              <a:defRPr>
-                <a:solidFill>
-                  <a:schemeClr val="tx1">
-                    <a:tint val="75000"/>
-                  </a:schemeClr>
-                </a:solidFill>
-              </a:defRPr>
-            </a:lvl4pPr>
-            <a:lvl5pPr marL="1828800" indent="0" algn="ctr">
-              <a:buNone/>
-              <a:defRPr>
-                <a:solidFill>
-                  <a:schemeClr val="tx1">
-                    <a:tint val="75000"/>
-                  </a:schemeClr>
-                </a:solidFill>
-              </a:defRPr>
-            </a:lvl5pPr>
-            <a:lvl6pPr marL="2286000" indent="0" algn="ctr">
-              <a:buNone/>
-              <a:defRPr>
-                <a:solidFill>
-                  <a:schemeClr val="tx1">
-                    <a:tint val="75000"/>
-                  </a:schemeClr>
-                </a:solidFill>
-              </a:defRPr>
-            </a:lvl6pPr>
-            <a:lvl7pPr marL="2743200" indent="0" algn="ctr">
-              <a:buNone/>
-              <a:defRPr>
-                <a:solidFill>
-                  <a:schemeClr val="tx1">
-                    <a:tint val="75000"/>
-                  </a:schemeClr>
-                </a:solidFill>
-              </a:defRPr>
-            </a:lvl7pPr>
-            <a:lvl8pPr marL="3200400" indent="0" algn="ctr">
-              <a:buNone/>
-              <a:defRPr>
-                <a:solidFill>
-                  <a:schemeClr val="tx1">
-                    <a:tint val="75000"/>
-                  </a:schemeClr>
-                </a:solidFill>
-              </a:defRPr>
-            </a:lvl8pPr>
-            <a:lvl9pPr marL="3657600" indent="0" algn="ctr">
-              <a:buNone/>
-              <a:defRPr>
-                <a:solidFill>
-                  <a:schemeClr val="tx1">
-                    <a:tint val="75000"/>
-                  </a:schemeClr>
-                </a:solidFill>
-              </a:defRPr>
-            </a:lvl9pPr>
-          </a:lstStyle>
-          <a:p>
-            <a:r>
-              <a:rPr lang="en-US" smtClean="0"/>
-              <a:t>Click to edit Master subtitle style</a:t>
-            </a:r>
-            <a:endParaRPr lang="en-US" dirty="0"/>
-          </a:p>
-        </p:txBody>
-      </p:sp>
-      <p:sp>
-        <p:nvSpPr>
-          <p:cNvPr id="4" name="Date Placeholder 3"/>
-          <p:cNvSpPr>
-            <a:spLocks noGrp="1"/>
-          </p:cNvSpPr>
-          <p:nvPr>
-            <p:ph type="dt" sz="half" idx="10"/>
-          </p:nvPr>
-        </p:nvSpPr>
-        <p:spPr/>
-        <p:txBody>
-          <a:bodyPr/>
-          <a:lstStyle/>
-          <a:p>
-            <a:fld id="{AE923CF0-CB60-4C7B-97E9-B9CB60A78D22}" type="datetime1">
-              <a:rPr lang="en-US" smtClean="0"/>
-              <a:t>11/2/2015</a:t>
-            </a:fld>
-            <a:endParaRPr lang="en-US"/>
-          </a:p>
-        </p:txBody>
-      </p:sp>
-      <p:sp>
-        <p:nvSpPr>
-          <p:cNvPr id="5" name="Footer Placeholder 4"/>
-          <p:cNvSpPr>
-            <a:spLocks noGrp="1"/>
-          </p:cNvSpPr>
-          <p:nvPr>
-            <p:ph type="ftr" sz="quarter" idx="11"/>
-          </p:nvPr>
-        </p:nvSpPr>
-        <p:spPr/>
-        <p:txBody>
-          <a:bodyPr/>
-          <a:lstStyle/>
-          <a:p>
-            <a:r>
-              <a:rPr lang="en-US" smtClean="0"/>
-              <a:t>© 2015, EV3Lessons.com (last edit 11/02/15)</a:t>
-            </a:r>
-            <a:endParaRPr lang="en-US"/>
-          </a:p>
-        </p:txBody>
-      </p:sp>
-      <p:sp>
-        <p:nvSpPr>
-          <p:cNvPr id="6" name="Slide Number Placeholder 5"/>
-          <p:cNvSpPr>
-            <a:spLocks noGrp="1"/>
-          </p:cNvSpPr>
-          <p:nvPr>
-            <p:ph type="sldNum" sz="quarter" idx="12"/>
-          </p:nvPr>
-        </p:nvSpPr>
-        <p:spPr/>
-        <p:txBody>
-          <a:bodyPr/>
-          <a:lstStyle>
-            <a:lvl1pPr>
-              <a:defRPr>
-                <a:solidFill>
-                  <a:schemeClr val="tx1"/>
-                </a:solidFill>
-              </a:defRPr>
-            </a:lvl1pPr>
-          </a:lstStyle>
-          <a:p>
-            <a:fld id="{4DBC7FC8-25FB-FC45-8177-2B991DA6778C}" type="slidenum">
-              <a:rPr lang="en-US" smtClean="0"/>
-              <a:t>‹#›</a:t>
-            </a:fld>
-            <a:endParaRPr lang="en-US"/>
-          </a:p>
-        </p:txBody>
-      </p:sp>
-      <p:sp>
-        <p:nvSpPr>
-          <p:cNvPr id="14" name="Rectangle 13"/>
-          <p:cNvSpPr/>
-          <p:nvPr userDrawn="1"/>
-        </p:nvSpPr>
-        <p:spPr>
-          <a:xfrm>
-            <a:off x="8996106" y="2895600"/>
-            <a:ext cx="147895" cy="3962400"/>
+            <a:off x="2382" y="6400800"/>
+            <a:ext cx="9141619" cy="457200"/>
           </a:xfrm>
           <a:prstGeom prst="rect">
             <a:avLst/>
           </a:prstGeom>
           <a:solidFill>
-            <a:srgbClr val="92D050"/>
+            <a:srgbClr val="0070C0"/>
           </a:solidFill>
           <a:ln>
             <a:noFill/>
@@ -1288,14 +968,278 @@
       </p:sp>
       <p:sp>
         <p:nvSpPr>
-          <p:cNvPr id="15" name="Rectangle 14"/>
+          <p:cNvPr id="2" name="Title 1"/>
+          <p:cNvSpPr>
+            <a:spLocks noGrp="1"/>
+          </p:cNvSpPr>
+          <p:nvPr>
+            <p:ph type="ctrTitle" hasCustomPrompt="1"/>
+          </p:nvPr>
+        </p:nvSpPr>
+        <p:spPr>
+          <a:xfrm>
+            <a:off x="373553" y="471740"/>
+            <a:ext cx="4857665" cy="2001435"/>
+          </a:xfrm>
+          <a:ln>
+            <a:noFill/>
+          </a:ln>
+        </p:spPr>
+        <p:txBody>
+          <a:bodyPr anchor="b">
+            <a:normAutofit/>
+          </a:bodyPr>
+          <a:lstStyle>
+            <a:lvl1pPr algn="l">
+              <a:lnSpc>
+                <a:spcPct val="85000"/>
+              </a:lnSpc>
+              <a:defRPr sz="5400" spc="-50" baseline="0">
+                <a:solidFill>
+                  <a:schemeClr val="tx1">
+                    <a:lumMod val="85000"/>
+                    <a:lumOff val="15000"/>
+                  </a:schemeClr>
+                </a:solidFill>
+              </a:defRPr>
+            </a:lvl1pPr>
+          </a:lstStyle>
+          <a:p>
+            <a:r>
+              <a:rPr lang="en-US" dirty="0" smtClean="0"/>
+              <a:t>INTERMEDIATE PROGRAMMING LESSON</a:t>
+            </a:r>
+            <a:endParaRPr lang="en-US" dirty="0"/>
+          </a:p>
+        </p:txBody>
+      </p:sp>
+      <p:sp>
+        <p:nvSpPr>
+          <p:cNvPr id="3" name="Subtitle 2"/>
+          <p:cNvSpPr>
+            <a:spLocks noGrp="1"/>
+          </p:cNvSpPr>
+          <p:nvPr>
+            <p:ph type="subTitle" idx="1"/>
+          </p:nvPr>
+        </p:nvSpPr>
+        <p:spPr>
+          <a:xfrm>
+            <a:off x="1548051" y="3452894"/>
+            <a:ext cx="6004883" cy="401411"/>
+          </a:xfrm>
+        </p:spPr>
+        <p:txBody>
+          <a:bodyPr lIns="91440" rIns="91440">
+            <a:normAutofit/>
+          </a:bodyPr>
+          <a:lstStyle>
+            <a:lvl1pPr marL="0" indent="0" algn="ctr">
+              <a:buNone/>
+              <a:defRPr sz="2400" cap="all" spc="200" baseline="0">
+                <a:solidFill>
+                  <a:schemeClr val="tx2"/>
+                </a:solidFill>
+                <a:latin typeface="+mj-lt"/>
+              </a:defRPr>
+            </a:lvl1pPr>
+            <a:lvl2pPr marL="457200" indent="0" algn="ctr">
+              <a:buNone/>
+              <a:defRPr sz="2400"/>
+            </a:lvl2pPr>
+            <a:lvl3pPr marL="914400" indent="0" algn="ctr">
+              <a:buNone/>
+              <a:defRPr sz="2400"/>
+            </a:lvl3pPr>
+            <a:lvl4pPr marL="1371600" indent="0" algn="ctr">
+              <a:buNone/>
+              <a:defRPr sz="2000"/>
+            </a:lvl4pPr>
+            <a:lvl5pPr marL="1828800" indent="0" algn="ctr">
+              <a:buNone/>
+              <a:defRPr sz="2000"/>
+            </a:lvl5pPr>
+            <a:lvl6pPr marL="2286000" indent="0" algn="ctr">
+              <a:buNone/>
+              <a:defRPr sz="2000"/>
+            </a:lvl6pPr>
+            <a:lvl7pPr marL="2743200" indent="0" algn="ctr">
+              <a:buNone/>
+              <a:defRPr sz="2000"/>
+            </a:lvl7pPr>
+            <a:lvl8pPr marL="3200400" indent="0" algn="ctr">
+              <a:buNone/>
+              <a:defRPr sz="2000"/>
+            </a:lvl8pPr>
+            <a:lvl9pPr marL="3657600" indent="0" algn="ctr">
+              <a:buNone/>
+              <a:defRPr sz="2000"/>
+            </a:lvl9pPr>
+          </a:lstStyle>
+          <a:p>
+            <a:r>
+              <a:rPr lang="en-US" dirty="0" smtClean="0"/>
+              <a:t>Click to edit Master subtitle style</a:t>
+            </a:r>
+            <a:endParaRPr lang="en-US" dirty="0"/>
+          </a:p>
+        </p:txBody>
+      </p:sp>
+      <p:sp>
+        <p:nvSpPr>
+          <p:cNvPr id="4" name="Date Placeholder 3"/>
+          <p:cNvSpPr>
+            <a:spLocks noGrp="1"/>
+          </p:cNvSpPr>
+          <p:nvPr>
+            <p:ph type="dt" sz="half" idx="10"/>
+          </p:nvPr>
+        </p:nvSpPr>
+        <p:spPr/>
+        <p:txBody>
+          <a:bodyPr/>
+          <a:lstStyle/>
+          <a:p>
+            <a:fld id="{6B13CFBD-0392-DF42-9C65-6D1DE0580181}" type="datetime1">
+              <a:rPr lang="en-US" smtClean="0"/>
+              <a:t>11/13/15</a:t>
+            </a:fld>
+            <a:endParaRPr lang="en-US"/>
+          </a:p>
+        </p:txBody>
+      </p:sp>
+      <p:sp>
+        <p:nvSpPr>
+          <p:cNvPr id="5" name="Footer Placeholder 4"/>
+          <p:cNvSpPr>
+            <a:spLocks noGrp="1"/>
+          </p:cNvSpPr>
+          <p:nvPr>
+            <p:ph type="ftr" sz="quarter" idx="11"/>
+          </p:nvPr>
+        </p:nvSpPr>
+        <p:spPr/>
+        <p:txBody>
+          <a:bodyPr/>
+          <a:lstStyle/>
+          <a:p>
+            <a:r>
+              <a:rPr lang="sk-SK" smtClean="0"/>
+              <a:t>© 2015 EV3Lessons.com, Last edit 11/13/2015</a:t>
+            </a:r>
+            <a:endParaRPr lang="en-US"/>
+          </a:p>
+        </p:txBody>
+      </p:sp>
+      <p:sp>
+        <p:nvSpPr>
+          <p:cNvPr id="6" name="Slide Number Placeholder 5"/>
+          <p:cNvSpPr>
+            <a:spLocks noGrp="1"/>
+          </p:cNvSpPr>
+          <p:nvPr>
+            <p:ph type="sldNum" sz="quarter" idx="12"/>
+          </p:nvPr>
+        </p:nvSpPr>
+        <p:spPr/>
+        <p:txBody>
+          <a:bodyPr/>
+          <a:lstStyle/>
+          <a:p>
+            <a:fld id="{7F5CE407-6216-4202-80E4-A30DC2F709B2}" type="slidenum">
+              <a:rPr lang="en-US" smtClean="0"/>
+              <a:t>‹#›</a:t>
+            </a:fld>
+            <a:endParaRPr lang="en-US"/>
+          </a:p>
+        </p:txBody>
+      </p:sp>
+      <p:cxnSp>
+        <p:nvCxnSpPr>
+          <p:cNvPr id="9" name="Straight Connector 8"/>
+          <p:cNvCxnSpPr/>
+          <p:nvPr/>
+        </p:nvCxnSpPr>
+        <p:spPr>
+          <a:xfrm>
+            <a:off x="905744" y="3854305"/>
+            <a:ext cx="7406640" cy="0"/>
+          </a:xfrm>
+          <a:prstGeom prst="line">
+            <a:avLst/>
+          </a:prstGeom>
+          <a:ln w="6350">
+            <a:solidFill>
+              <a:schemeClr val="tx1">
+                <a:lumMod val="50000"/>
+                <a:lumOff val="50000"/>
+              </a:schemeClr>
+            </a:solidFill>
+          </a:ln>
+        </p:spPr>
+        <p:style>
+          <a:lnRef idx="1">
+            <a:schemeClr val="accent1"/>
+          </a:lnRef>
+          <a:fillRef idx="0">
+            <a:schemeClr val="accent1"/>
+          </a:fillRef>
+          <a:effectRef idx="0">
+            <a:schemeClr val="accent1"/>
+          </a:effectRef>
+          <a:fontRef idx="minor">
+            <a:schemeClr val="tx1"/>
+          </a:fontRef>
+        </p:style>
+      </p:cxnSp>
+      <p:sp>
+        <p:nvSpPr>
+          <p:cNvPr id="10" name="Rectangle 9"/>
           <p:cNvSpPr/>
           <p:nvPr userDrawn="1"/>
         </p:nvSpPr>
         <p:spPr>
           <a:xfrm>
-            <a:off x="8959042" y="0"/>
-            <a:ext cx="184958" cy="2895600"/>
+            <a:off x="0" y="6334315"/>
+            <a:ext cx="4487333" cy="92382"/>
+          </a:xfrm>
+          <a:prstGeom prst="rect">
+            <a:avLst/>
+          </a:prstGeom>
+          <a:solidFill>
+            <a:srgbClr val="00B050"/>
+          </a:solidFill>
+          <a:ln>
+            <a:noFill/>
+          </a:ln>
+        </p:spPr>
+        <p:style>
+          <a:lnRef idx="2">
+            <a:schemeClr val="accent1">
+              <a:shade val="50000"/>
+            </a:schemeClr>
+          </a:lnRef>
+          <a:fillRef idx="1">
+            <a:schemeClr val="accent1"/>
+          </a:fillRef>
+          <a:effectRef idx="0">
+            <a:schemeClr val="accent1"/>
+          </a:effectRef>
+          <a:fontRef idx="minor">
+            <a:schemeClr val="lt1"/>
+          </a:fontRef>
+        </p:style>
+      </p:sp>
+      <p:sp>
+        <p:nvSpPr>
+          <p:cNvPr id="11" name="Rectangle 10"/>
+          <p:cNvSpPr/>
+          <p:nvPr userDrawn="1"/>
+        </p:nvSpPr>
+        <p:spPr>
+          <a:xfrm>
+            <a:off x="4487333" y="6334315"/>
+            <a:ext cx="4656667" cy="92382"/>
           </a:xfrm>
           <a:prstGeom prst="rect">
             <a:avLst/>
@@ -1326,43 +1270,115 @@
       </p:sp>
       <p:sp>
         <p:nvSpPr>
-          <p:cNvPr id="16" name="Rectangle 15"/>
-          <p:cNvSpPr/>
+          <p:cNvPr id="13" name="TextBox 12"/>
+          <p:cNvSpPr txBox="1"/>
           <p:nvPr userDrawn="1"/>
         </p:nvSpPr>
         <p:spPr>
           <a:xfrm>
-            <a:off x="8913670" y="-4618"/>
-            <a:ext cx="91440" cy="6862617"/>
+            <a:off x="1481621" y="5931894"/>
+            <a:ext cx="2391085" cy="369332"/>
           </a:xfrm>
           <a:prstGeom prst="rect">
             <a:avLst/>
           </a:prstGeom>
-          <a:solidFill>
-            <a:srgbClr val="0070C0"/>
-          </a:solidFill>
-          <a:ln>
-            <a:noFill/>
-          </a:ln>
+          <a:noFill/>
         </p:spPr>
-        <p:style>
-          <a:lnRef idx="2">
-            <a:schemeClr val="accent1">
-              <a:shade val="50000"/>
-            </a:schemeClr>
-          </a:lnRef>
-          <a:fillRef idx="1">
-            <a:schemeClr val="accent1"/>
-          </a:fillRef>
-          <a:effectRef idx="0">
-            <a:schemeClr val="accent1"/>
-          </a:effectRef>
-          <a:fontRef idx="minor">
-            <a:schemeClr val="lt1"/>
-          </a:fontRef>
-        </p:style>
-      </p:sp>
+        <p:txBody>
+          <a:bodyPr wrap="square" rtlCol="0">
+            <a:spAutoFit/>
+          </a:bodyPr>
+          <a:lstStyle/>
+          <a:p>
+            <a:r>
+              <a:rPr lang="en-US" dirty="0" smtClean="0"/>
+              <a:t>By </a:t>
+            </a:r>
+            <a:r>
+              <a:rPr lang="en-US" smtClean="0"/>
+              <a:t>Droids Robotics</a:t>
+            </a:r>
+            <a:endParaRPr lang="en-US"/>
+          </a:p>
+        </p:txBody>
+      </p:sp>
+      <p:pic>
+        <p:nvPicPr>
+          <p:cNvPr id="14" name="Picture 13"/>
+          <p:cNvPicPr>
+            <a:picLocks noChangeAspect="1"/>
+          </p:cNvPicPr>
+          <p:nvPr userDrawn="1"/>
+        </p:nvPicPr>
+        <p:blipFill>
+          <a:blip r:embed="rId2">
+            <a:extLst>
+              <a:ext uri="{28A0092B-C50C-407E-A947-70E740481C1C}">
+                <a14:useLocalDpi xmlns:a14="http://schemas.microsoft.com/office/drawing/2010/main" val="0"/>
+              </a:ext>
+            </a:extLst>
+          </a:blip>
+          <a:stretch>
+            <a:fillRect/>
+          </a:stretch>
+        </p:blipFill>
+        <p:spPr>
+          <a:xfrm>
+            <a:off x="164036" y="4938756"/>
+            <a:ext cx="1317585" cy="1260490"/>
+          </a:xfrm>
+          <a:prstGeom prst="rect">
+            <a:avLst/>
+          </a:prstGeom>
+        </p:spPr>
+      </p:pic>
+      <p:pic>
+        <p:nvPicPr>
+          <p:cNvPr id="15" name="Picture 14" descr="EV3Lessons.com"/>
+          <p:cNvPicPr>
+            <a:picLocks noChangeAspect="1" noChangeArrowheads="1"/>
+          </p:cNvPicPr>
+          <p:nvPr userDrawn="1"/>
+        </p:nvPicPr>
+        <p:blipFill>
+          <a:blip r:embed="rId3" cstate="email">
+            <a:extLst>
+              <a:ext uri="{28A0092B-C50C-407E-A947-70E740481C1C}">
+                <a14:useLocalDpi xmlns:a14="http://schemas.microsoft.com/office/drawing/2010/main" val="0"/>
+              </a:ext>
+            </a:extLst>
+          </a:blip>
+          <a:srcRect/>
+          <a:stretch>
+            <a:fillRect/>
+          </a:stretch>
+        </p:blipFill>
+        <p:spPr bwMode="auto">
+          <a:xfrm>
+            <a:off x="5422605" y="409394"/>
+            <a:ext cx="3487140" cy="1295224"/>
+          </a:xfrm>
+          <a:prstGeom prst="rect">
+            <a:avLst/>
+          </a:prstGeom>
+          <a:noFill/>
+          <a:extLst>
+            <a:ext uri="{909E8E84-426E-40dd-AFC4-6F175D3DCCD1}">
+              <a14:hiddenFill xmlns="" xmlns:a14="http://schemas.microsoft.com/office/drawing/2010/main">
+                <a:solidFill>
+                  <a:srgbClr val="FFFFFF"/>
+                </a:solidFill>
+              </a14:hiddenFill>
+            </a:ext>
+          </a:extLst>
+        </p:spPr>
+      </p:pic>
     </p:spTree>
+    <p:extLst>
+      <p:ext uri="{BB962C8B-B14F-4D97-AF65-F5344CB8AC3E}">
+        <p14:creationId xmlns:p14="http://schemas.microsoft.com/office/powerpoint/2010/main" val="838525872"/>
+      </p:ext>
+    </p:extLst>
   </p:cSld>
   <p:clrMapOvr>
     <a:masterClrMapping/>
@@ -1406,7 +1422,7 @@
               <a:rPr lang="en-US" smtClean="0"/>
               <a:t>Click to edit Master title style</a:t>
             </a:r>
-            <a:endParaRPr lang="en-US"/>
+            <a:endParaRPr lang="en-US" dirty="0"/>
           </a:p>
         </p:txBody>
       </p:sp>
@@ -1422,7 +1438,7 @@
         </p:nvSpPr>
         <p:spPr/>
         <p:txBody>
-          <a:bodyPr vert="eaVert"/>
+          <a:bodyPr vert="eaVert" lIns="45720" tIns="0" rIns="45720" bIns="0"/>
           <a:lstStyle/>
           <a:p>
             <a:pPr lvl="0"/>
@@ -1458,7 +1474,7 @@
               <a:rPr lang="en-US" smtClean="0"/>
               <a:t>Fifth level</a:t>
             </a:r>
-            <a:endParaRPr lang="en-US"/>
+            <a:endParaRPr lang="en-US" dirty="0"/>
           </a:p>
         </p:txBody>
       </p:sp>
@@ -1477,9 +1493,9 @@
           <a:bodyPr/>
           <a:lstStyle/>
           <a:p>
-            <a:fld id="{4705EFA9-4B69-4A67-BFCF-73D69EBB1C86}" type="datetime1">
-              <a:rPr lang="en-US" smtClean="0"/>
-              <a:t>11/2/2015</a:t>
+            <a:fld id="{BF0F175E-9EAC-E14B-B7AC-8C8F25EC1DAA}" type="datetime1">
+              <a:rPr lang="en-US" smtClean="0"/>
+              <a:t>11/13/15</a:t>
             </a:fld>
             <a:endParaRPr lang="en-US"/>
           </a:p>
@@ -1501,8 +1517,8 @@
           <a:lstStyle/>
           <a:p>
             <a:r>
-              <a:rPr lang="en-US" smtClean="0"/>
-              <a:t>© 2015, EV3Lessons.com (last edit 11/02/15)</a:t>
+              <a:rPr lang="sk-SK" smtClean="0"/>
+              <a:t>© 2015 EV3Lessons.com, Last edit 11/13/2015</a:t>
             </a:r>
             <a:endParaRPr lang="en-US"/>
           </a:p>
@@ -1523,7 +1539,7 @@
           <a:bodyPr/>
           <a:lstStyle/>
           <a:p>
-            <a:fld id="{4DBC7FC8-25FB-FC45-8177-2B991DA6778C}" type="slidenum">
+            <a:fld id="{4382A7F7-08BF-4252-8141-63FB96055BBB}" type="slidenum">
               <a:rPr lang="en-US" smtClean="0"/>
               <a:t>‹#›</a:t>
             </a:fld>
@@ -1532,6 +1548,11 @@
         </p:txBody>
       </p:sp>
     </p:spTree>
+    <p:extLst>
+      <p:ext uri="{BB962C8B-B14F-4D97-AF65-F5344CB8AC3E}">
+        <p14:creationId xmlns:p14="http://schemas.microsoft.com/office/powerpoint/2010/main" val="656100872"/>
+      </p:ext>
+    </p:extLst>
   </p:cSld>
   <p:clrMapOvr>
     <a:masterClrMapping/>
@@ -1540,7 +1561,7 @@
 </file>
 
 <file path=ppt/slideLayouts/slideLayout11.xml><?xml version="1.0" encoding="utf-8"?>
-<p:sldLayout xmlns:a="http://schemas.openxmlformats.org/drawingml/2006/main" xmlns:r="http://schemas.openxmlformats.org/officeDocument/2006/relationships" xmlns:p="http://schemas.openxmlformats.org/presentationml/2006/main" type="vertTitleAndTx" preserve="1">
+<p:sldLayout xmlns:a="http://schemas.openxmlformats.org/drawingml/2006/main" xmlns:r="http://schemas.openxmlformats.org/officeDocument/2006/relationships" xmlns:p="http://schemas.openxmlformats.org/presentationml/2006/main" showMasterSp="0" type="vertTitleAndTx" preserve="1">
   <p:cSld name="Vertical Title and Text">
     <p:spTree>
       <p:nvGrpSpPr>
@@ -1558,18 +1579,94 @@
       </p:grpSpPr>
       <p:sp>
         <p:nvSpPr>
-          <p:cNvPr id="2" name="Vertical Title 1"/>
-          <p:cNvSpPr>
-            <a:spLocks noGrp="1"/>
-          </p:cNvSpPr>
-          <p:nvPr>
-            <p:ph type="title" orient="vert"/>
-          </p:nvPr>
+          <p:cNvPr id="7" name="Rectangle 6"/>
+          <p:cNvSpPr/>
+          <p:nvPr/>
         </p:nvSpPr>
         <p:spPr>
           <a:xfrm>
-            <a:off x="6629400" y="274638"/>
-            <a:ext cx="2057400" cy="5851525"/>
+            <a:off x="2382" y="6400800"/>
+            <a:ext cx="9141619" cy="457200"/>
+          </a:xfrm>
+          <a:prstGeom prst="rect">
+            <a:avLst/>
+          </a:prstGeom>
+          <a:solidFill>
+            <a:schemeClr val="accent2"/>
+          </a:solidFill>
+          <a:ln>
+            <a:noFill/>
+          </a:ln>
+        </p:spPr>
+        <p:style>
+          <a:lnRef idx="2">
+            <a:schemeClr val="accent1">
+              <a:shade val="50000"/>
+            </a:schemeClr>
+          </a:lnRef>
+          <a:fillRef idx="1">
+            <a:schemeClr val="accent1"/>
+          </a:fillRef>
+          <a:effectRef idx="0">
+            <a:schemeClr val="accent1"/>
+          </a:effectRef>
+          <a:fontRef idx="minor">
+            <a:schemeClr val="lt1"/>
+          </a:fontRef>
+        </p:style>
+      </p:sp>
+      <p:sp>
+        <p:nvSpPr>
+          <p:cNvPr id="8" name="Rectangle 7"/>
+          <p:cNvSpPr/>
+          <p:nvPr/>
+        </p:nvSpPr>
+        <p:spPr>
+          <a:xfrm>
+            <a:off x="12" y="6334316"/>
+            <a:ext cx="9141619" cy="64008"/>
+          </a:xfrm>
+          <a:prstGeom prst="rect">
+            <a:avLst/>
+          </a:prstGeom>
+          <a:solidFill>
+            <a:schemeClr val="accent1"/>
+          </a:solidFill>
+          <a:ln>
+            <a:noFill/>
+          </a:ln>
+        </p:spPr>
+        <p:style>
+          <a:lnRef idx="2">
+            <a:schemeClr val="accent1">
+              <a:shade val="50000"/>
+            </a:schemeClr>
+          </a:lnRef>
+          <a:fillRef idx="1">
+            <a:schemeClr val="accent1"/>
+          </a:fillRef>
+          <a:effectRef idx="0">
+            <a:schemeClr val="accent1"/>
+          </a:effectRef>
+          <a:fontRef idx="minor">
+            <a:schemeClr val="lt1"/>
+          </a:fontRef>
+        </p:style>
+      </p:sp>
+      <p:sp>
+        <p:nvSpPr>
+          <p:cNvPr id="2" name="Vertical Title 1"/>
+          <p:cNvSpPr>
+            <a:spLocks noGrp="1"/>
+          </p:cNvSpPr>
+          <p:nvPr>
+            <p:ph type="title" orient="vert"/>
+          </p:nvPr>
+        </p:nvSpPr>
+        <p:spPr>
+          <a:xfrm>
+            <a:off x="6543675" y="414779"/>
+            <a:ext cx="1971675" cy="5757421"/>
           </a:xfrm>
         </p:spPr>
         <p:txBody>
@@ -1580,7 +1677,7 @@
               <a:rPr lang="en-US" smtClean="0"/>
               <a:t>Click to edit Master title style</a:t>
             </a:r>
-            <a:endParaRPr lang="en-US"/>
+            <a:endParaRPr lang="en-US" dirty="0"/>
           </a:p>
         </p:txBody>
       </p:sp>
@@ -1596,12 +1693,12 @@
         </p:nvSpPr>
         <p:spPr>
           <a:xfrm>
-            <a:off x="457200" y="274638"/>
-            <a:ext cx="6019800" cy="5851525"/>
+            <a:off x="628650" y="414779"/>
+            <a:ext cx="5800725" cy="5757420"/>
           </a:xfrm>
         </p:spPr>
         <p:txBody>
-          <a:bodyPr vert="eaVert"/>
+          <a:bodyPr vert="eaVert" lIns="45720" tIns="0" rIns="45720" bIns="0"/>
           <a:lstStyle/>
           <a:p>
             <a:pPr lvl="0"/>
@@ -1637,7 +1734,7 @@
               <a:rPr lang="en-US" smtClean="0"/>
               <a:t>Fifth level</a:t>
             </a:r>
-            <a:endParaRPr lang="en-US"/>
+            <a:endParaRPr lang="en-US" dirty="0"/>
           </a:p>
         </p:txBody>
       </p:sp>
@@ -1656,9 +1753,9 @@
           <a:bodyPr/>
           <a:lstStyle/>
           <a:p>
-            <a:fld id="{F425330F-2C79-43A3-8FB4-D3B1505F6C01}" type="datetime1">
-              <a:rPr lang="en-US" smtClean="0"/>
-              <a:t>11/2/2015</a:t>
+            <a:fld id="{ABE2FCFC-C57A-2442-884C-F5C58B3A2465}" type="datetime1">
+              <a:rPr lang="en-US" smtClean="0"/>
+              <a:t>11/13/15</a:t>
             </a:fld>
             <a:endParaRPr lang="en-US"/>
           </a:p>
@@ -1680,8 +1777,8 @@
           <a:lstStyle/>
           <a:p>
             <a:r>
-              <a:rPr lang="en-US" smtClean="0"/>
-              <a:t>© 2015, EV3Lessons.com (last edit 11/02/15)</a:t>
+              <a:rPr lang="sk-SK" smtClean="0"/>
+              <a:t>© 2015 EV3Lessons.com, Last edit 11/13/2015</a:t>
             </a:r>
             <a:endParaRPr lang="en-US"/>
           </a:p>
@@ -1702,7 +1799,7 @@
           <a:bodyPr/>
           <a:lstStyle/>
           <a:p>
-            <a:fld id="{4DBC7FC8-25FB-FC45-8177-2B991DA6778C}" type="slidenum">
+            <a:fld id="{4382A7F7-08BF-4252-8141-63FB96055BBB}" type="slidenum">
               <a:rPr lang="en-US" smtClean="0"/>
               <a:t>‹#›</a:t>
             </a:fld>
@@ -1711,6 +1808,11 @@
         </p:txBody>
       </p:sp>
     </p:spTree>
+    <p:extLst>
+      <p:ext uri="{BB962C8B-B14F-4D97-AF65-F5344CB8AC3E}">
+        <p14:creationId xmlns:p14="http://schemas.microsoft.com/office/powerpoint/2010/main" val="1077355249"/>
+      </p:ext>
+    </p:extLst>
   </p:cSld>
   <p:clrMapOvr>
     <a:masterClrMapping/>
@@ -1745,12 +1847,7 @@
             <p:ph type="title"/>
           </p:nvPr>
         </p:nvSpPr>
-        <p:spPr>
-          <a:xfrm>
-            <a:off x="457199" y="152718"/>
-            <a:ext cx="8245475" cy="1371600"/>
-          </a:xfrm>
-        </p:spPr>
+        <p:spPr/>
         <p:txBody>
           <a:bodyPr/>
           <a:lstStyle/>
@@ -1759,7 +1856,7 @@
               <a:rPr lang="en-US" smtClean="0"/>
               <a:t>Click to edit Master title style</a:t>
             </a:r>
-            <a:endParaRPr lang="en-US"/>
+            <a:endParaRPr lang="en-US" dirty="0"/>
           </a:p>
         </p:txBody>
       </p:sp>
@@ -1773,12 +1870,7 @@
             <p:ph idx="1"/>
           </p:nvPr>
         </p:nvSpPr>
-        <p:spPr>
-          <a:xfrm>
-            <a:off x="457200" y="1752600"/>
-            <a:ext cx="8245474" cy="4373563"/>
-          </a:xfrm>
-        </p:spPr>
+        <p:spPr/>
         <p:txBody>
           <a:bodyPr/>
           <a:lstStyle/>
@@ -1835,9 +1927,9 @@
           <a:bodyPr/>
           <a:lstStyle/>
           <a:p>
-            <a:fld id="{E9F371A7-56E1-4588-BBEC-E2428955CE10}" type="datetime1">
-              <a:rPr lang="en-US" smtClean="0"/>
-              <a:t>11/2/2015</a:t>
+            <a:fld id="{6964D4EB-A2A3-5D46-A2E3-B082D53C11C5}" type="datetime1">
+              <a:rPr lang="en-US" smtClean="0"/>
+              <a:t>11/13/15</a:t>
             </a:fld>
             <a:endParaRPr lang="en-US"/>
           </a:p>
@@ -1859,8 +1951,8 @@
           <a:lstStyle/>
           <a:p>
             <a:r>
-              <a:rPr lang="en-US" smtClean="0"/>
-              <a:t>© 2015, EV3Lessons.com (last edit 11/02/15)</a:t>
+              <a:rPr lang="sk-SK" smtClean="0"/>
+              <a:t>© 2015 EV3Lessons.com, Last edit 11/13/2015</a:t>
             </a:r>
             <a:endParaRPr lang="en-US"/>
           </a:p>
@@ -1881,7 +1973,7 @@
           <a:bodyPr/>
           <a:lstStyle/>
           <a:p>
-            <a:fld id="{4DBC7FC8-25FB-FC45-8177-2B991DA6778C}" type="slidenum">
+            <a:fld id="{4382A7F7-08BF-4252-8141-63FB96055BBB}" type="slidenum">
               <a:rPr lang="en-US" smtClean="0"/>
               <a:t>‹#›</a:t>
             </a:fld>
@@ -1890,6 +1982,11 @@
         </p:txBody>
       </p:sp>
     </p:spTree>
+    <p:extLst>
+      <p:ext uri="{BB962C8B-B14F-4D97-AF65-F5344CB8AC3E}">
+        <p14:creationId xmlns:p14="http://schemas.microsoft.com/office/powerpoint/2010/main" val="1081686942"/>
+      </p:ext>
+    </p:extLst>
   </p:cSld>
   <p:clrMapOvr>
     <a:masterClrMapping/>
@@ -1898,8 +1995,16 @@
 </file>
 
 <file path=ppt/slideLayouts/slideLayout3.xml><?xml version="1.0" encoding="utf-8"?>
-<p:sldLayout xmlns:a="http://schemas.openxmlformats.org/drawingml/2006/main" xmlns:r="http://schemas.openxmlformats.org/officeDocument/2006/relationships" xmlns:p="http://schemas.openxmlformats.org/presentationml/2006/main" type="secHead" preserve="1">
+<p:sldLayout xmlns:a="http://schemas.openxmlformats.org/drawingml/2006/main" xmlns:r="http://schemas.openxmlformats.org/officeDocument/2006/relationships" xmlns:p="http://schemas.openxmlformats.org/presentationml/2006/main" showMasterSp="0" type="secHead" preserve="1">
   <p:cSld name="Section Header">
+    <p:bg>
+      <p:bgPr>
+        <a:solidFill>
+          <a:schemeClr val="bg1"/>
+        </a:solidFill>
+        <a:effectLst/>
+      </p:bgPr>
+    </p:bg>
     <p:spTree>
       <p:nvGrpSpPr>
         <p:cNvPr id="1" name=""/>
@@ -1916,32 +2021,111 @@
       </p:grpSpPr>
       <p:sp>
         <p:nvSpPr>
-          <p:cNvPr id="2" name="Title 1"/>
-          <p:cNvSpPr>
-            <a:spLocks noGrp="1"/>
-          </p:cNvSpPr>
-          <p:nvPr>
-            <p:ph type="title"/>
-          </p:nvPr>
+          <p:cNvPr id="7" name="Rectangle 6"/>
+          <p:cNvSpPr/>
+          <p:nvPr/>
         </p:nvSpPr>
         <p:spPr>
           <a:xfrm>
-            <a:off x="457200" y="1447800"/>
-            <a:ext cx="7772400" cy="4321175"/>
+            <a:off x="2382" y="6400800"/>
+            <a:ext cx="9141619" cy="457200"/>
+          </a:xfrm>
+          <a:prstGeom prst="rect">
+            <a:avLst/>
+          </a:prstGeom>
+          <a:solidFill>
+            <a:schemeClr val="accent2"/>
+          </a:solidFill>
+          <a:ln>
+            <a:noFill/>
+          </a:ln>
+        </p:spPr>
+        <p:style>
+          <a:lnRef idx="2">
+            <a:schemeClr val="accent1">
+              <a:shade val="50000"/>
+            </a:schemeClr>
+          </a:lnRef>
+          <a:fillRef idx="1">
+            <a:schemeClr val="accent1"/>
+          </a:fillRef>
+          <a:effectRef idx="0">
+            <a:schemeClr val="accent1"/>
+          </a:effectRef>
+          <a:fontRef idx="minor">
+            <a:schemeClr val="lt1"/>
+          </a:fontRef>
+        </p:style>
+      </p:sp>
+      <p:sp>
+        <p:nvSpPr>
+          <p:cNvPr id="8" name="Rectangle 7"/>
+          <p:cNvSpPr/>
+          <p:nvPr/>
+        </p:nvSpPr>
+        <p:spPr>
+          <a:xfrm>
+            <a:off x="12" y="6334316"/>
+            <a:ext cx="9141619" cy="64008"/>
+          </a:xfrm>
+          <a:prstGeom prst="rect">
+            <a:avLst/>
+          </a:prstGeom>
+          <a:solidFill>
+            <a:schemeClr val="accent1"/>
+          </a:solidFill>
+          <a:ln>
+            <a:noFill/>
+          </a:ln>
+        </p:spPr>
+        <p:style>
+          <a:lnRef idx="2">
+            <a:schemeClr val="accent1">
+              <a:shade val="50000"/>
+            </a:schemeClr>
+          </a:lnRef>
+          <a:fillRef idx="1">
+            <a:schemeClr val="accent1"/>
+          </a:fillRef>
+          <a:effectRef idx="0">
+            <a:schemeClr val="accent1"/>
+          </a:effectRef>
+          <a:fontRef idx="minor">
+            <a:schemeClr val="lt1"/>
+          </a:fontRef>
+        </p:style>
+      </p:sp>
+      <p:sp>
+        <p:nvSpPr>
+          <p:cNvPr id="2" name="Title 1"/>
+          <p:cNvSpPr>
+            <a:spLocks noGrp="1"/>
+          </p:cNvSpPr>
+          <p:nvPr>
+            <p:ph type="title"/>
+          </p:nvPr>
+        </p:nvSpPr>
+        <p:spPr>
+          <a:xfrm>
+            <a:off x="822960" y="758952"/>
+            <a:ext cx="7543800" cy="3566160"/>
           </a:xfrm>
         </p:spPr>
         <p:txBody>
-          <a:bodyPr anchor="ctr">
-            <a:noAutofit/>
+          <a:bodyPr anchor="b" anchorCtr="0">
+            <a:normAutofit/>
           </a:bodyPr>
           <a:lstStyle>
-            <a:lvl1pPr algn="l">
+            <a:lvl1pPr>
               <a:lnSpc>
-                <a:spcPct val="100000"/>
+                <a:spcPct val="85000"/>
               </a:lnSpc>
-              <a:defRPr sz="8800" b="0" cap="all" spc="-80" baseline="0">
+              <a:defRPr sz="8000" b="0">
                 <a:solidFill>
-                  <a:schemeClr val="tx1"/>
+                  <a:schemeClr val="tx1">
+                    <a:lumMod val="85000"/>
+                    <a:lumOff val="15000"/>
+                  </a:schemeClr>
                 </a:solidFill>
               </a:defRPr>
             </a:lvl1pPr>
@@ -1967,16 +2151,18 @@
         </p:nvSpPr>
         <p:spPr>
           <a:xfrm>
-            <a:off x="457200" y="228601"/>
-            <a:ext cx="7772400" cy="1066800"/>
+            <a:off x="822960" y="4453128"/>
+            <a:ext cx="7543800" cy="1143000"/>
           </a:xfrm>
         </p:spPr>
         <p:txBody>
-          <a:bodyPr anchor="b"/>
+          <a:bodyPr lIns="91440" rIns="91440" anchor="t" anchorCtr="0">
+            <a:normAutofit/>
+          </a:bodyPr>
           <a:lstStyle>
             <a:lvl1pPr marL="0" indent="0">
               <a:buNone/>
-              <a:defRPr sz="2000" b="0" cap="all" spc="120" baseline="0">
+              <a:defRPr sz="2400" cap="all" spc="200" baseline="0">
                 <a:solidFill>
                   <a:schemeClr val="tx2"/>
                 </a:solidFill>
@@ -2075,7 +2261,7 @@
       </p:sp>
       <p:sp>
         <p:nvSpPr>
-          <p:cNvPr id="7" name="Date Placeholder 6"/>
+          <p:cNvPr id="4" name="Date Placeholder 3"/>
           <p:cNvSpPr>
             <a:spLocks noGrp="1"/>
           </p:cNvSpPr>
@@ -2088,9 +2274,9 @@
           <a:bodyPr/>
           <a:lstStyle/>
           <a:p>
-            <a:fld id="{BCD33F1B-FFDB-45E8-8142-3514A0AE8551}" type="datetime1">
-              <a:rPr lang="en-US" smtClean="0"/>
-              <a:t>11/2/2015</a:t>
+            <a:fld id="{719062A6-538C-914A-A4D7-9D77EAAE33AB}" type="datetime1">
+              <a:rPr lang="en-US" smtClean="0"/>
+              <a:t>11/13/15</a:t>
             </a:fld>
             <a:endParaRPr lang="en-US"/>
           </a:p>
@@ -2098,12 +2284,12 @@
       </p:sp>
       <p:sp>
         <p:nvSpPr>
-          <p:cNvPr id="8" name="Slide Number Placeholder 7"/>
-          <p:cNvSpPr>
-            <a:spLocks noGrp="1"/>
-          </p:cNvSpPr>
-          <p:nvPr>
-            <p:ph type="sldNum" sz="quarter" idx="11"/>
+          <p:cNvPr id="5" name="Footer Placeholder 4"/>
+          <p:cNvSpPr>
+            <a:spLocks noGrp="1"/>
+          </p:cNvSpPr>
+          <p:nvPr>
+            <p:ph type="ftr" sz="quarter" idx="11"/>
           </p:nvPr>
         </p:nvSpPr>
         <p:spPr/>
@@ -2111,7 +2297,30 @@
           <a:bodyPr/>
           <a:lstStyle/>
           <a:p>
-            <a:fld id="{4DBC7FC8-25FB-FC45-8177-2B991DA6778C}" type="slidenum">
+            <a:r>
+              <a:rPr lang="sk-SK" smtClean="0"/>
+              <a:t>© 2015 EV3Lessons.com, Last edit 11/13/2015</a:t>
+            </a:r>
+            <a:endParaRPr lang="en-US"/>
+          </a:p>
+        </p:txBody>
+      </p:sp>
+      <p:sp>
+        <p:nvSpPr>
+          <p:cNvPr id="6" name="Slide Number Placeholder 5"/>
+          <p:cNvSpPr>
+            <a:spLocks noGrp="1"/>
+          </p:cNvSpPr>
+          <p:nvPr>
+            <p:ph type="sldNum" sz="quarter" idx="12"/>
+          </p:nvPr>
+        </p:nvSpPr>
+        <p:spPr/>
+        <p:txBody>
+          <a:bodyPr/>
+          <a:lstStyle/>
+          <a:p>
+            <a:fld id="{162F1D00-BD13-4404-86B0-79703945A0A7}" type="slidenum">
               <a:rPr lang="en-US" smtClean="0"/>
               <a:t>‹#›</a:t>
             </a:fld>
@@ -2119,30 +2328,50 @@
           </a:p>
         </p:txBody>
       </p:sp>
-      <p:sp>
-        <p:nvSpPr>
-          <p:cNvPr id="9" name="Footer Placeholder 8"/>
-          <p:cNvSpPr>
-            <a:spLocks noGrp="1"/>
-          </p:cNvSpPr>
-          <p:nvPr>
-            <p:ph type="ftr" sz="quarter" idx="12"/>
-          </p:nvPr>
-        </p:nvSpPr>
-        <p:spPr/>
-        <p:txBody>
-          <a:bodyPr/>
-          <a:lstStyle/>
-          <a:p>
-            <a:r>
-              <a:rPr lang="en-US" smtClean="0"/>
-              <a:t>© 2015, EV3Lessons.com (last edit 11/02/15)</a:t>
-            </a:r>
-            <a:endParaRPr lang="en-US"/>
-          </a:p>
-        </p:txBody>
-      </p:sp>
+      <p:cxnSp>
+        <p:nvCxnSpPr>
+          <p:cNvPr id="9" name="Straight Connector 8"/>
+          <p:cNvCxnSpPr/>
+          <p:nvPr/>
+        </p:nvCxnSpPr>
+        <p:spPr>
+          <a:xfrm>
+            <a:off x="905744" y="4343400"/>
+            <a:ext cx="7406640" cy="0"/>
+          </a:xfrm>
+          <a:prstGeom prst="line">
+            <a:avLst/>
+          </a:prstGeom>
+          <a:ln w="6350">
+            <a:solidFill>
+              <a:schemeClr val="tx1">
+                <a:lumMod val="50000"/>
+                <a:lumOff val="50000"/>
+              </a:schemeClr>
+            </a:solidFill>
+          </a:ln>
+        </p:spPr>
+        <p:style>
+          <a:lnRef idx="1">
+            <a:schemeClr val="accent1"/>
+          </a:lnRef>
+          <a:fillRef idx="0">
+            <a:schemeClr val="accent1"/>
+          </a:fillRef>
+          <a:effectRef idx="0">
+            <a:schemeClr val="accent1"/>
+          </a:effectRef>
+          <a:fontRef idx="minor">
+            <a:schemeClr val="tx1"/>
+          </a:fontRef>
+        </p:style>
+      </p:cxnSp>
     </p:spTree>
+    <p:extLst>
+      <p:ext uri="{BB962C8B-B14F-4D97-AF65-F5344CB8AC3E}">
+        <p14:creationId xmlns:p14="http://schemas.microsoft.com/office/powerpoint/2010/main" val="1748106129"/>
+      </p:ext>
+    </p:extLst>
   </p:cSld>
   <p:clrMapOvr>
     <a:masterClrMapping/>
@@ -2169,7 +2398,7 @@
       </p:grpSpPr>
       <p:sp>
         <p:nvSpPr>
-          <p:cNvPr id="2" name="Title 1"/>
+          <p:cNvPr id="8" name="Title 7"/>
           <p:cNvSpPr>
             <a:spLocks noGrp="1"/>
           </p:cNvSpPr>
@@ -2179,8 +2408,8 @@
         </p:nvSpPr>
         <p:spPr>
           <a:xfrm>
-            <a:off x="457199" y="152718"/>
-            <a:ext cx="8245475" cy="1371600"/>
+            <a:off x="822960" y="286604"/>
+            <a:ext cx="7543800" cy="1450757"/>
           </a:xfrm>
         </p:spPr>
         <p:txBody>
@@ -2191,7 +2420,7 @@
               <a:rPr lang="en-US" smtClean="0"/>
               <a:t>Click to edit Master title style</a:t>
             </a:r>
-            <a:endParaRPr lang="en-US"/>
+            <a:endParaRPr lang="en-US" dirty="0"/>
           </a:p>
         </p:txBody>
       </p:sp>
@@ -2207,41 +2436,13 @@
         </p:nvSpPr>
         <p:spPr>
           <a:xfrm>
-            <a:off x="457200" y="1574800"/>
-            <a:ext cx="3877529" cy="4525963"/>
+            <a:off x="822960" y="1845734"/>
+            <a:ext cx="3703320" cy="4023360"/>
           </a:xfrm>
         </p:spPr>
         <p:txBody>
           <a:bodyPr/>
-          <a:lstStyle>
-            <a:lvl1pPr>
-              <a:defRPr sz="2800"/>
-            </a:lvl1pPr>
-            <a:lvl2pPr>
-              <a:defRPr sz="2400"/>
-            </a:lvl2pPr>
-            <a:lvl3pPr>
-              <a:defRPr sz="2000"/>
-            </a:lvl3pPr>
-            <a:lvl4pPr>
-              <a:defRPr sz="1800"/>
-            </a:lvl4pPr>
-            <a:lvl5pPr>
-              <a:defRPr sz="1800"/>
-            </a:lvl5pPr>
-            <a:lvl6pPr>
-              <a:defRPr sz="1800"/>
-            </a:lvl6pPr>
-            <a:lvl7pPr>
-              <a:defRPr sz="1800"/>
-            </a:lvl7pPr>
-            <a:lvl8pPr>
-              <a:defRPr sz="1800"/>
-            </a:lvl8pPr>
-            <a:lvl9pPr>
-              <a:defRPr sz="1800"/>
-            </a:lvl9pPr>
-          </a:lstStyle>
+          <a:lstStyle/>
           <a:p>
             <a:pPr lvl="0"/>
             <a:r>
@@ -2292,73 +2493,45 @@
         </p:nvSpPr>
         <p:spPr>
           <a:xfrm>
-            <a:off x="4886923" y="1574800"/>
-            <a:ext cx="3815751" cy="4525963"/>
+            <a:off x="4663440" y="1845736"/>
+            <a:ext cx="3703320" cy="4023359"/>
           </a:xfrm>
         </p:spPr>
         <p:txBody>
           <a:bodyPr/>
-          <a:lstStyle>
-            <a:lvl1pPr>
-              <a:defRPr sz="2800"/>
-            </a:lvl1pPr>
-            <a:lvl2pPr>
-              <a:defRPr sz="2400"/>
-            </a:lvl2pPr>
-            <a:lvl3pPr>
-              <a:defRPr sz="2000"/>
-            </a:lvl3pPr>
-            <a:lvl4pPr>
-              <a:defRPr sz="1800"/>
-            </a:lvl4pPr>
-            <a:lvl5pPr>
-              <a:defRPr sz="1800"/>
-            </a:lvl5pPr>
-            <a:lvl6pPr>
-              <a:defRPr sz="1800"/>
-            </a:lvl6pPr>
-            <a:lvl7pPr>
-              <a:defRPr sz="1800"/>
-            </a:lvl7pPr>
-            <a:lvl8pPr>
-              <a:defRPr sz="1800"/>
-            </a:lvl8pPr>
-            <a:lvl9pPr>
-              <a:defRPr sz="1800"/>
-            </a:lvl9pPr>
-          </a:lstStyle>
+          <a:lstStyle/>
           <a:p>
             <a:pPr lvl="0"/>
             <a:r>
-              <a:rPr lang="en-US" dirty="0" smtClean="0"/>
+              <a:rPr lang="en-US" smtClean="0"/>
               <a:t>Click to edit Master text styles</a:t>
             </a:r>
           </a:p>
           <a:p>
             <a:pPr lvl="1"/>
             <a:r>
-              <a:rPr lang="en-US" dirty="0" smtClean="0"/>
+              <a:rPr lang="en-US" smtClean="0"/>
               <a:t>Second level</a:t>
             </a:r>
           </a:p>
           <a:p>
             <a:pPr lvl="2"/>
             <a:r>
-              <a:rPr lang="en-US" dirty="0" smtClean="0"/>
+              <a:rPr lang="en-US" smtClean="0"/>
               <a:t>Third level</a:t>
             </a:r>
           </a:p>
           <a:p>
             <a:pPr lvl="3"/>
             <a:r>
-              <a:rPr lang="en-US" dirty="0" smtClean="0"/>
+              <a:rPr lang="en-US" smtClean="0"/>
               <a:t>Fourth level</a:t>
             </a:r>
           </a:p>
           <a:p>
             <a:pPr lvl="4"/>
             <a:r>
-              <a:rPr lang="en-US" dirty="0" smtClean="0"/>
+              <a:rPr lang="en-US" smtClean="0"/>
               <a:t>Fifth level</a:t>
             </a:r>
             <a:endParaRPr lang="en-US" dirty="0"/>
@@ -2380,9 +2553,9 @@
           <a:bodyPr/>
           <a:lstStyle/>
           <a:p>
-            <a:fld id="{E53379DA-4C0F-44D4-9710-A6C0D92B5F07}" type="datetime1">
-              <a:rPr lang="en-US" smtClean="0"/>
-              <a:t>11/2/2015</a:t>
+            <a:fld id="{FBA86DE5-4727-3C44-A125-458AC819E1C1}" type="datetime1">
+              <a:rPr lang="en-US" smtClean="0"/>
+              <a:t>11/13/15</a:t>
             </a:fld>
             <a:endParaRPr lang="en-US"/>
           </a:p>
@@ -2403,11 +2576,7 @@
           <a:bodyPr/>
           <a:lstStyle/>
           <a:p>
-            <a:r>
-              <a:rPr lang="en-US" smtClean="0"/>
-              <a:t>© 2015, EV3Lessons.com (last edit 11/02/15)</a:t>
-            </a:r>
-            <a:endParaRPr lang="en-US"/>
+            <a:endParaRPr lang="en-US" dirty="0"/>
           </a:p>
         </p:txBody>
       </p:sp>
@@ -2426,7 +2595,7 @@
           <a:bodyPr/>
           <a:lstStyle/>
           <a:p>
-            <a:fld id="{4DBC7FC8-25FB-FC45-8177-2B991DA6778C}" type="slidenum">
+            <a:fld id="{4382A7F7-08BF-4252-8141-63FB96055BBB}" type="slidenum">
               <a:rPr lang="en-US" smtClean="0"/>
               <a:t>‹#›</a:t>
             </a:fld>
@@ -2435,6 +2604,11 @@
         </p:txBody>
       </p:sp>
     </p:spTree>
+    <p:extLst>
+      <p:ext uri="{BB962C8B-B14F-4D97-AF65-F5344CB8AC3E}">
+        <p14:creationId xmlns:p14="http://schemas.microsoft.com/office/powerpoint/2010/main" val="1391939710"/>
+      </p:ext>
+    </p:extLst>
   </p:cSld>
   <p:clrMapOvr>
     <a:masterClrMapping/>
@@ -2461,59 +2635,59 @@
       </p:grpSpPr>
       <p:sp>
         <p:nvSpPr>
-          <p:cNvPr id="2" name="Title 1"/>
+          <p:cNvPr id="10" name="Title 9"/>
           <p:cNvSpPr>
             <a:spLocks noGrp="1"/>
           </p:cNvSpPr>
           <p:nvPr>
             <p:ph type="title"/>
-          </p:nvPr>
-        </p:nvSpPr>
-        <p:spPr/>
-        <p:txBody>
-          <a:bodyPr/>
-          <a:lstStyle>
-            <a:lvl1pPr>
-              <a:defRPr/>
-            </a:lvl1pPr>
-          </a:lstStyle>
-          <a:p>
-            <a:r>
-              <a:rPr lang="en-US" smtClean="0"/>
-              <a:t>Click to edit Master title style</a:t>
-            </a:r>
-            <a:endParaRPr lang="en-US"/>
-          </a:p>
-        </p:txBody>
-      </p:sp>
-      <p:sp>
-        <p:nvSpPr>
-          <p:cNvPr id="3" name="Text Placeholder 2"/>
-          <p:cNvSpPr>
-            <a:spLocks noGrp="1"/>
-          </p:cNvSpPr>
-          <p:nvPr>
-            <p:ph type="body" idx="1"/>
           </p:nvPr>
         </p:nvSpPr>
         <p:spPr>
           <a:xfrm>
-            <a:off x="1627632" y="1572768"/>
-            <a:ext cx="3291840" cy="639762"/>
+            <a:off x="822960" y="286604"/>
+            <a:ext cx="7543800" cy="1450757"/>
           </a:xfrm>
         </p:spPr>
         <p:txBody>
-          <a:bodyPr anchor="b">
-            <a:noAutofit/>
+          <a:bodyPr/>
+          <a:lstStyle/>
+          <a:p>
+            <a:r>
+              <a:rPr lang="en-US" smtClean="0"/>
+              <a:t>Click to edit Master title style</a:t>
+            </a:r>
+            <a:endParaRPr lang="en-US" dirty="0"/>
+          </a:p>
+        </p:txBody>
+      </p:sp>
+      <p:sp>
+        <p:nvSpPr>
+          <p:cNvPr id="3" name="Text Placeholder 2"/>
+          <p:cNvSpPr>
+            <a:spLocks noGrp="1"/>
+          </p:cNvSpPr>
+          <p:nvPr>
+            <p:ph type="body" idx="1"/>
+          </p:nvPr>
+        </p:nvSpPr>
+        <p:spPr>
+          <a:xfrm>
+            <a:off x="822960" y="1846052"/>
+            <a:ext cx="3703320" cy="736282"/>
+          </a:xfrm>
+        </p:spPr>
+        <p:txBody>
+          <a:bodyPr lIns="91440" rIns="91440" anchor="ctr">
+            <a:normAutofit/>
           </a:bodyPr>
           <a:lstStyle>
             <a:lvl1pPr marL="0" indent="0">
               <a:buNone/>
-              <a:defRPr sz="1800" b="0" cap="all" spc="100" baseline="0">
+              <a:defRPr sz="2000" b="0" cap="all" baseline="0">
                 <a:solidFill>
-                  <a:schemeClr val="tx1"/>
+                  <a:schemeClr val="tx2"/>
                 </a:solidFill>
-                <a:latin typeface="+mj-lt"/>
               </a:defRPr>
             </a:lvl1pPr>
             <a:lvl2pPr marL="457200" indent="0">
@@ -2570,41 +2744,13 @@
         </p:nvSpPr>
         <p:spPr>
           <a:xfrm>
-            <a:off x="1627632" y="2259366"/>
-            <a:ext cx="3291840" cy="3840480"/>
+            <a:off x="822960" y="2582334"/>
+            <a:ext cx="3703320" cy="3286760"/>
           </a:xfrm>
         </p:spPr>
         <p:txBody>
           <a:bodyPr/>
-          <a:lstStyle>
-            <a:lvl1pPr>
-              <a:defRPr sz="2400"/>
-            </a:lvl1pPr>
-            <a:lvl2pPr>
-              <a:defRPr sz="2000"/>
-            </a:lvl2pPr>
-            <a:lvl3pPr>
-              <a:defRPr sz="1800"/>
-            </a:lvl3pPr>
-            <a:lvl4pPr>
-              <a:defRPr sz="1600"/>
-            </a:lvl4pPr>
-            <a:lvl5pPr>
-              <a:defRPr sz="1600"/>
-            </a:lvl5pPr>
-            <a:lvl6pPr>
-              <a:defRPr sz="1600"/>
-            </a:lvl6pPr>
-            <a:lvl7pPr>
-              <a:defRPr sz="1600"/>
-            </a:lvl7pPr>
-            <a:lvl8pPr>
-              <a:defRPr sz="1600"/>
-            </a:lvl8pPr>
-            <a:lvl9pPr>
-              <a:defRPr sz="1600"/>
-            </a:lvl9pPr>
-          </a:lstStyle>
+          <a:lstStyle/>
           <a:p>
             <a:pPr lvl="0"/>
             <a:r>
@@ -2655,24 +2801,21 @@
         </p:nvSpPr>
         <p:spPr>
           <a:xfrm>
-            <a:off x="5093208" y="1572768"/>
-            <a:ext cx="3291840" cy="639762"/>
+            <a:off x="4663440" y="1846052"/>
+            <a:ext cx="3703320" cy="736282"/>
           </a:xfrm>
         </p:spPr>
         <p:txBody>
-          <a:bodyPr anchor="b">
-            <a:noAutofit/>
+          <a:bodyPr lIns="91440" rIns="91440" anchor="ctr">
+            <a:normAutofit/>
           </a:bodyPr>
           <a:lstStyle>
             <a:lvl1pPr marL="0" indent="0">
               <a:buNone/>
-              <a:defRPr lang="en-US" sz="1800" b="0" kern="1200" cap="all" spc="100" baseline="0" dirty="0" smtClean="0">
+              <a:defRPr sz="2000" b="0" cap="all" baseline="0">
                 <a:solidFill>
-                  <a:schemeClr val="tx1"/>
+                  <a:schemeClr val="tx2"/>
                 </a:solidFill>
-                <a:latin typeface="+mj-lt"/>
-                <a:ea typeface="+mn-ea"/>
-                <a:cs typeface="+mn-cs"/>
               </a:defRPr>
             </a:lvl1pPr>
             <a:lvl2pPr marL="457200" indent="0">
@@ -2709,13 +2852,7 @@
             </a:lvl9pPr>
           </a:lstStyle>
           <a:p>
-            <a:pPr marL="0" lvl="0" indent="0" algn="l" defTabSz="914400" rtl="0" eaLnBrk="1" latinLnBrk="0" hangingPunct="1">
-              <a:spcBef>
-                <a:spcPct val="20000"/>
-              </a:spcBef>
-              <a:buFont typeface="Arial" pitchFamily="34" charset="0"/>
-              <a:buNone/>
-            </a:pPr>
+            <a:pPr lvl="0"/>
             <a:r>
               <a:rPr lang="en-US" smtClean="0"/>
               <a:t>Click to edit Master text styles</a:t>
@@ -2735,41 +2872,13 @@
         </p:nvSpPr>
         <p:spPr>
           <a:xfrm>
-            <a:off x="5093208" y="2259366"/>
-            <a:ext cx="3291840" cy="3840480"/>
+            <a:off x="4663440" y="2582334"/>
+            <a:ext cx="3703320" cy="3286760"/>
           </a:xfrm>
         </p:spPr>
         <p:txBody>
           <a:bodyPr/>
-          <a:lstStyle>
-            <a:lvl1pPr>
-              <a:defRPr sz="2400"/>
-            </a:lvl1pPr>
-            <a:lvl2pPr>
-              <a:defRPr sz="2000"/>
-            </a:lvl2pPr>
-            <a:lvl3pPr>
-              <a:defRPr sz="1800"/>
-            </a:lvl3pPr>
-            <a:lvl4pPr>
-              <a:defRPr sz="1600"/>
-            </a:lvl4pPr>
-            <a:lvl5pPr>
-              <a:defRPr sz="1600"/>
-            </a:lvl5pPr>
-            <a:lvl6pPr>
-              <a:defRPr sz="1600"/>
-            </a:lvl6pPr>
-            <a:lvl7pPr>
-              <a:defRPr sz="1600"/>
-            </a:lvl7pPr>
-            <a:lvl8pPr>
-              <a:defRPr sz="1600"/>
-            </a:lvl8pPr>
-            <a:lvl9pPr>
-              <a:defRPr sz="1600"/>
-            </a:lvl9pPr>
-          </a:lstStyle>
+          <a:lstStyle/>
           <a:p>
             <a:pPr lvl="0"/>
             <a:r>
@@ -2823,9 +2932,9 @@
           <a:bodyPr/>
           <a:lstStyle/>
           <a:p>
-            <a:fld id="{78C8D720-C659-4EE8-9820-1EFABFCE3871}" type="datetime1">
-              <a:rPr lang="en-US" smtClean="0"/>
-              <a:t>11/2/2015</a:t>
+            <a:fld id="{18F252B0-687D-184F-B682-0021640A5D63}" type="datetime1">
+              <a:rPr lang="en-US" smtClean="0"/>
+              <a:t>11/13/15</a:t>
             </a:fld>
             <a:endParaRPr lang="en-US"/>
           </a:p>
@@ -2847,8 +2956,8 @@
           <a:lstStyle/>
           <a:p>
             <a:r>
-              <a:rPr lang="en-US" smtClean="0"/>
-              <a:t>© 2015, EV3Lessons.com (last edit 11/02/15)</a:t>
+              <a:rPr lang="sk-SK" smtClean="0"/>
+              <a:t>© 2015 EV3Lessons.com, Last edit 11/13/2015</a:t>
             </a:r>
             <a:endParaRPr lang="en-US"/>
           </a:p>
@@ -2869,7 +2978,7 @@
           <a:bodyPr/>
           <a:lstStyle/>
           <a:p>
-            <a:fld id="{4DBC7FC8-25FB-FC45-8177-2B991DA6778C}" type="slidenum">
+            <a:fld id="{4382A7F7-08BF-4252-8141-63FB96055BBB}" type="slidenum">
               <a:rPr lang="en-US" smtClean="0"/>
               <a:t>‹#›</a:t>
             </a:fld>
@@ -2878,6 +2987,11 @@
         </p:txBody>
       </p:sp>
     </p:spTree>
+    <p:extLst>
+      <p:ext uri="{BB962C8B-B14F-4D97-AF65-F5344CB8AC3E}">
+        <p14:creationId xmlns:p14="http://schemas.microsoft.com/office/powerpoint/2010/main" val="1464670300"/>
+      </p:ext>
+    </p:extLst>
   </p:cSld>
   <p:clrMapOvr>
     <a:masterClrMapping/>
@@ -2921,7 +3035,7 @@
               <a:rPr lang="en-US" smtClean="0"/>
               <a:t>Click to edit Master title style</a:t>
             </a:r>
-            <a:endParaRPr lang="en-US"/>
+            <a:endParaRPr lang="en-US" dirty="0"/>
           </a:p>
         </p:txBody>
       </p:sp>
@@ -2940,9 +3054,9 @@
           <a:bodyPr/>
           <a:lstStyle/>
           <a:p>
-            <a:fld id="{10043641-80DF-419A-AD50-6D94EF609967}" type="datetime1">
-              <a:rPr lang="en-US" smtClean="0"/>
-              <a:t>11/2/2015</a:t>
+            <a:fld id="{3457AD7A-12C8-EA48-9011-B2F46261DD98}" type="datetime1">
+              <a:rPr lang="en-US" smtClean="0"/>
+              <a:t>11/13/15</a:t>
             </a:fld>
             <a:endParaRPr lang="en-US"/>
           </a:p>
@@ -2964,8 +3078,8 @@
           <a:lstStyle/>
           <a:p>
             <a:r>
-              <a:rPr lang="en-US" smtClean="0"/>
-              <a:t>© 2015, EV3Lessons.com (last edit 11/02/15)</a:t>
+              <a:rPr lang="sk-SK" smtClean="0"/>
+              <a:t>© 2015 EV3Lessons.com, Last edit 11/13/2015</a:t>
             </a:r>
             <a:endParaRPr lang="en-US"/>
           </a:p>
@@ -2986,7 +3100,7 @@
           <a:bodyPr/>
           <a:lstStyle/>
           <a:p>
-            <a:fld id="{4DBC7FC8-25FB-FC45-8177-2B991DA6778C}" type="slidenum">
+            <a:fld id="{4382A7F7-08BF-4252-8141-63FB96055BBB}" type="slidenum">
               <a:rPr lang="en-US" smtClean="0"/>
               <a:t>‹#›</a:t>
             </a:fld>
@@ -2995,6 +3109,11 @@
         </p:txBody>
       </p:sp>
     </p:spTree>
+    <p:extLst>
+      <p:ext uri="{BB962C8B-B14F-4D97-AF65-F5344CB8AC3E}">
+        <p14:creationId xmlns:p14="http://schemas.microsoft.com/office/powerpoint/2010/main" val="1333561023"/>
+      </p:ext>
+    </p:extLst>
   </p:cSld>
   <p:clrMapOvr>
     <a:masterClrMapping/>
@@ -3003,7 +3122,7 @@
 </file>
 
 <file path=ppt/slideLayouts/slideLayout7.xml><?xml version="1.0" encoding="utf-8"?>
-<p:sldLayout xmlns:a="http://schemas.openxmlformats.org/drawingml/2006/main" xmlns:r="http://schemas.openxmlformats.org/officeDocument/2006/relationships" xmlns:p="http://schemas.openxmlformats.org/presentationml/2006/main" type="blank" preserve="1">
+<p:sldLayout xmlns:a="http://schemas.openxmlformats.org/drawingml/2006/main" xmlns:r="http://schemas.openxmlformats.org/officeDocument/2006/relationships" xmlns:p="http://schemas.openxmlformats.org/presentationml/2006/main" showMasterSp="0" type="blank" preserve="1">
   <p:cSld name="Blank">
     <p:spTree>
       <p:nvGrpSpPr>
@@ -3021,7 +3140,83 @@
       </p:grpSpPr>
       <p:sp>
         <p:nvSpPr>
-          <p:cNvPr id="2" name="Date Placeholder 1"/>
+          <p:cNvPr id="5" name="Rectangle 4"/>
+          <p:cNvSpPr/>
+          <p:nvPr/>
+        </p:nvSpPr>
+        <p:spPr>
+          <a:xfrm>
+            <a:off x="2382" y="6400800"/>
+            <a:ext cx="9141619" cy="457200"/>
+          </a:xfrm>
+          <a:prstGeom prst="rect">
+            <a:avLst/>
+          </a:prstGeom>
+          <a:solidFill>
+            <a:schemeClr val="accent2"/>
+          </a:solidFill>
+          <a:ln>
+            <a:noFill/>
+          </a:ln>
+        </p:spPr>
+        <p:style>
+          <a:lnRef idx="2">
+            <a:schemeClr val="accent1">
+              <a:shade val="50000"/>
+            </a:schemeClr>
+          </a:lnRef>
+          <a:fillRef idx="1">
+            <a:schemeClr val="accent1"/>
+          </a:fillRef>
+          <a:effectRef idx="0">
+            <a:schemeClr val="accent1"/>
+          </a:effectRef>
+          <a:fontRef idx="minor">
+            <a:schemeClr val="lt1"/>
+          </a:fontRef>
+        </p:style>
+      </p:sp>
+      <p:sp>
+        <p:nvSpPr>
+          <p:cNvPr id="6" name="Rectangle 5"/>
+          <p:cNvSpPr/>
+          <p:nvPr/>
+        </p:nvSpPr>
+        <p:spPr>
+          <a:xfrm>
+            <a:off x="12" y="6334316"/>
+            <a:ext cx="9141619" cy="64008"/>
+          </a:xfrm>
+          <a:prstGeom prst="rect">
+            <a:avLst/>
+          </a:prstGeom>
+          <a:solidFill>
+            <a:schemeClr val="accent1"/>
+          </a:solidFill>
+          <a:ln>
+            <a:noFill/>
+          </a:ln>
+        </p:spPr>
+        <p:style>
+          <a:lnRef idx="2">
+            <a:schemeClr val="accent1">
+              <a:shade val="50000"/>
+            </a:schemeClr>
+          </a:lnRef>
+          <a:fillRef idx="1">
+            <a:schemeClr val="accent1"/>
+          </a:fillRef>
+          <a:effectRef idx="0">
+            <a:schemeClr val="accent1"/>
+          </a:effectRef>
+          <a:fontRef idx="minor">
+            <a:schemeClr val="lt1"/>
+          </a:fontRef>
+        </p:style>
+      </p:sp>
+      <p:sp>
+        <p:nvSpPr>
+          <p:cNvPr id="7" name="Date Placeholder 6"/>
           <p:cNvSpPr>
             <a:spLocks noGrp="1"/>
           </p:cNvSpPr>
@@ -3034,9 +3229,9 @@
           <a:bodyPr/>
           <a:lstStyle/>
           <a:p>
-            <a:fld id="{8CF8CDBE-49F4-4255-B9EA-BAC4B9653F98}" type="datetime1">
-              <a:rPr lang="en-US" smtClean="0"/>
-              <a:t>11/2/2015</a:t>
+            <a:fld id="{77D3C5C7-2346-9A49-8660-921460E2744B}" type="datetime1">
+              <a:rPr lang="en-US" smtClean="0"/>
+              <a:t>11/13/15</a:t>
             </a:fld>
             <a:endParaRPr lang="en-US"/>
           </a:p>
@@ -3044,7 +3239,7 @@
       </p:sp>
       <p:sp>
         <p:nvSpPr>
-          <p:cNvPr id="3" name="Footer Placeholder 2"/>
+          <p:cNvPr id="8" name="Footer Placeholder 7"/>
           <p:cNvSpPr>
             <a:spLocks noGrp="1"/>
           </p:cNvSpPr>
@@ -3055,11 +3250,19 @@
         <p:spPr/>
         <p:txBody>
           <a:bodyPr/>
-          <a:lstStyle/>
-          <a:p>
-            <a:r>
-              <a:rPr lang="en-US" smtClean="0"/>
-              <a:t>© 2015, EV3Lessons.com (last edit 11/02/15)</a:t>
+          <a:lstStyle>
+            <a:lvl1pPr>
+              <a:defRPr>
+                <a:solidFill>
+                  <a:srgbClr val="FFFFFF"/>
+                </a:solidFill>
+              </a:defRPr>
+            </a:lvl1pPr>
+          </a:lstStyle>
+          <a:p>
+            <a:r>
+              <a:rPr lang="sk-SK" smtClean="0"/>
+              <a:t>© 2015 EV3Lessons.com, Last edit 11/13/2015</a:t>
             </a:r>
             <a:endParaRPr lang="en-US"/>
           </a:p>
@@ -3067,7 +3270,7 @@
       </p:sp>
       <p:sp>
         <p:nvSpPr>
-          <p:cNvPr id="4" name="Slide Number Placeholder 3"/>
+          <p:cNvPr id="9" name="Slide Number Placeholder 8"/>
           <p:cNvSpPr>
             <a:spLocks noGrp="1"/>
           </p:cNvSpPr>
@@ -3080,7 +3283,7 @@
           <a:bodyPr/>
           <a:lstStyle/>
           <a:p>
-            <a:fld id="{4DBC7FC8-25FB-FC45-8177-2B991DA6778C}" type="slidenum">
+            <a:fld id="{4382A7F7-08BF-4252-8141-63FB96055BBB}" type="slidenum">
               <a:rPr lang="en-US" smtClean="0"/>
               <a:t>‹#›</a:t>
             </a:fld>
@@ -3089,6 +3292,11 @@
         </p:txBody>
       </p:sp>
     </p:spTree>
+    <p:extLst>
+      <p:ext uri="{BB962C8B-B14F-4D97-AF65-F5344CB8AC3E}">
+        <p14:creationId xmlns:p14="http://schemas.microsoft.com/office/powerpoint/2010/main" val="685816178"/>
+      </p:ext>
+    </p:extLst>
   </p:cSld>
   <p:clrMapOvr>
     <a:masterClrMapping/>
@@ -3097,7 +3305,7 @@
 </file>
 
 <file path=ppt/slideLayouts/slideLayout8.xml><?xml version="1.0" encoding="utf-8"?>
-<p:sldLayout xmlns:a="http://schemas.openxmlformats.org/drawingml/2006/main" xmlns:r="http://schemas.openxmlformats.org/officeDocument/2006/relationships" xmlns:p="http://schemas.openxmlformats.org/presentationml/2006/main" type="objTx" preserve="1">
+<p:sldLayout xmlns:a="http://schemas.openxmlformats.org/drawingml/2006/main" xmlns:r="http://schemas.openxmlformats.org/officeDocument/2006/relationships" xmlns:p="http://schemas.openxmlformats.org/presentationml/2006/main" showMasterSp="0" type="objTx" preserve="1">
   <p:cSld name="Content with Caption">
     <p:spTree>
       <p:nvGrpSpPr>
@@ -3115,84 +3323,113 @@
       </p:grpSpPr>
       <p:sp>
         <p:nvSpPr>
-          <p:cNvPr id="3" name="Content Placeholder 2"/>
-          <p:cNvSpPr>
-            <a:spLocks noGrp="1"/>
-          </p:cNvSpPr>
-          <p:nvPr>
-            <p:ph idx="1"/>
-          </p:nvPr>
+          <p:cNvPr id="8" name="Rectangle 7"/>
+          <p:cNvSpPr/>
+          <p:nvPr/>
         </p:nvSpPr>
         <p:spPr>
           <a:xfrm>
-            <a:off x="3575050" y="1600200"/>
-            <a:ext cx="5111750" cy="4480560"/>
+            <a:off x="13" y="0"/>
+            <a:ext cx="3038093" cy="6858000"/>
+          </a:xfrm>
+          <a:prstGeom prst="rect">
+            <a:avLst/>
+          </a:prstGeom>
+          <a:solidFill>
+            <a:schemeClr val="accent2"/>
+          </a:solidFill>
+          <a:ln>
+            <a:noFill/>
+          </a:ln>
+        </p:spPr>
+        <p:style>
+          <a:lnRef idx="2">
+            <a:schemeClr val="accent1">
+              <a:shade val="50000"/>
+            </a:schemeClr>
+          </a:lnRef>
+          <a:fillRef idx="1">
+            <a:schemeClr val="accent1"/>
+          </a:fillRef>
+          <a:effectRef idx="0">
+            <a:schemeClr val="accent1"/>
+          </a:effectRef>
+          <a:fontRef idx="minor">
+            <a:schemeClr val="lt1"/>
+          </a:fontRef>
+        </p:style>
+      </p:sp>
+      <p:sp>
+        <p:nvSpPr>
+          <p:cNvPr id="9" name="Rectangle 8"/>
+          <p:cNvSpPr/>
+          <p:nvPr/>
+        </p:nvSpPr>
+        <p:spPr>
+          <a:xfrm>
+            <a:off x="3030053" y="0"/>
+            <a:ext cx="48006" cy="6858000"/>
+          </a:xfrm>
+          <a:prstGeom prst="rect">
+            <a:avLst/>
+          </a:prstGeom>
+          <a:solidFill>
+            <a:schemeClr val="accent1"/>
+          </a:solidFill>
+          <a:ln>
+            <a:noFill/>
+          </a:ln>
+        </p:spPr>
+        <p:style>
+          <a:lnRef idx="2">
+            <a:schemeClr val="accent1">
+              <a:shade val="50000"/>
+            </a:schemeClr>
+          </a:lnRef>
+          <a:fillRef idx="1">
+            <a:schemeClr val="accent1"/>
+          </a:fillRef>
+          <a:effectRef idx="0">
+            <a:schemeClr val="accent1"/>
+          </a:effectRef>
+          <a:fontRef idx="minor">
+            <a:schemeClr val="lt1"/>
+          </a:fontRef>
+        </p:style>
+      </p:sp>
+      <p:sp>
+        <p:nvSpPr>
+          <p:cNvPr id="2" name="Title 1"/>
+          <p:cNvSpPr>
+            <a:spLocks noGrp="1"/>
+          </p:cNvSpPr>
+          <p:nvPr>
+            <p:ph type="title"/>
+          </p:nvPr>
+        </p:nvSpPr>
+        <p:spPr>
+          <a:xfrm>
+            <a:off x="342900" y="594359"/>
+            <a:ext cx="2400300" cy="2286000"/>
           </a:xfrm>
         </p:spPr>
         <p:txBody>
-          <a:bodyPr/>
+          <a:bodyPr anchor="b">
+            <a:normAutofit/>
+          </a:bodyPr>
           <a:lstStyle>
             <a:lvl1pPr>
-              <a:defRPr sz="3200"/>
+              <a:defRPr sz="3600" b="0">
+                <a:solidFill>
+                  <a:srgbClr val="FFFFFF"/>
+                </a:solidFill>
+              </a:defRPr>
             </a:lvl1pPr>
-            <a:lvl2pPr>
-              <a:defRPr sz="2800"/>
-            </a:lvl2pPr>
-            <a:lvl3pPr>
-              <a:defRPr sz="2400"/>
-            </a:lvl3pPr>
-            <a:lvl4pPr>
-              <a:defRPr sz="2000"/>
-            </a:lvl4pPr>
-            <a:lvl5pPr>
-              <a:defRPr sz="2000"/>
-            </a:lvl5pPr>
-            <a:lvl6pPr>
-              <a:defRPr sz="2000"/>
-            </a:lvl6pPr>
-            <a:lvl7pPr>
-              <a:defRPr sz="2000"/>
-            </a:lvl7pPr>
-            <a:lvl8pPr>
-              <a:defRPr sz="2000"/>
-            </a:lvl8pPr>
-            <a:lvl9pPr>
-              <a:defRPr sz="2000"/>
-            </a:lvl9pPr>
           </a:lstStyle>
           <a:p>
-            <a:pPr lvl="0"/>
-            <a:r>
-              <a:rPr lang="en-US" smtClean="0"/>
-              <a:t>Click to edit Master text styles</a:t>
-            </a:r>
-          </a:p>
-          <a:p>
-            <a:pPr lvl="1"/>
-            <a:r>
-              <a:rPr lang="en-US" smtClean="0"/>
-              <a:t>Second level</a:t>
-            </a:r>
-          </a:p>
-          <a:p>
-            <a:pPr lvl="2"/>
-            <a:r>
-              <a:rPr lang="en-US" smtClean="0"/>
-              <a:t>Third level</a:t>
-            </a:r>
-          </a:p>
-          <a:p>
-            <a:pPr lvl="3"/>
-            <a:r>
-              <a:rPr lang="en-US" smtClean="0"/>
-              <a:t>Fourth level</a:t>
-            </a:r>
-          </a:p>
-          <a:p>
-            <a:pPr lvl="4"/>
-            <a:r>
-              <a:rPr lang="en-US" smtClean="0"/>
-              <a:t>Fifth level</a:t>
+            <a:r>
+              <a:rPr lang="en-US" smtClean="0"/>
+              <a:t>Click to edit Master title style</a:t>
             </a:r>
             <a:endParaRPr lang="en-US" dirty="0"/>
           </a:p>
@@ -3200,28 +3437,89 @@
       </p:sp>
       <p:sp>
         <p:nvSpPr>
-          <p:cNvPr id="4" name="Text Placeholder 3"/>
-          <p:cNvSpPr>
-            <a:spLocks noGrp="1"/>
-          </p:cNvSpPr>
-          <p:nvPr>
-            <p:ph type="body" sz="half" idx="2"/>
+          <p:cNvPr id="3" name="Content Placeholder 2"/>
+          <p:cNvSpPr>
+            <a:spLocks noGrp="1"/>
+          </p:cNvSpPr>
+          <p:nvPr>
+            <p:ph idx="1"/>
           </p:nvPr>
         </p:nvSpPr>
         <p:spPr>
           <a:xfrm>
-            <a:off x="457200" y="1600200"/>
-            <a:ext cx="3008313" cy="4480560"/>
+            <a:off x="3460237" y="731520"/>
+            <a:ext cx="5009393" cy="5257800"/>
           </a:xfrm>
         </p:spPr>
         <p:txBody>
-          <a:bodyPr>
+          <a:bodyPr/>
+          <a:lstStyle/>
+          <a:p>
+            <a:pPr lvl="0"/>
+            <a:r>
+              <a:rPr lang="en-US" smtClean="0"/>
+              <a:t>Click to edit Master text styles</a:t>
+            </a:r>
+          </a:p>
+          <a:p>
+            <a:pPr lvl="1"/>
+            <a:r>
+              <a:rPr lang="en-US" smtClean="0"/>
+              <a:t>Second level</a:t>
+            </a:r>
+          </a:p>
+          <a:p>
+            <a:pPr lvl="2"/>
+            <a:r>
+              <a:rPr lang="en-US" smtClean="0"/>
+              <a:t>Third level</a:t>
+            </a:r>
+          </a:p>
+          <a:p>
+            <a:pPr lvl="3"/>
+            <a:r>
+              <a:rPr lang="en-US" smtClean="0"/>
+              <a:t>Fourth level</a:t>
+            </a:r>
+          </a:p>
+          <a:p>
+            <a:pPr lvl="4"/>
+            <a:r>
+              <a:rPr lang="en-US" smtClean="0"/>
+              <a:t>Fifth level</a:t>
+            </a:r>
+            <a:endParaRPr lang="en-US" dirty="0"/>
+          </a:p>
+        </p:txBody>
+      </p:sp>
+      <p:sp>
+        <p:nvSpPr>
+          <p:cNvPr id="4" name="Text Placeholder 3"/>
+          <p:cNvSpPr>
+            <a:spLocks noGrp="1"/>
+          </p:cNvSpPr>
+          <p:nvPr>
+            <p:ph type="body" sz="half" idx="2"/>
+          </p:nvPr>
+        </p:nvSpPr>
+        <p:spPr>
+          <a:xfrm>
+            <a:off x="342900" y="2926080"/>
+            <a:ext cx="2400300" cy="3379124"/>
+          </a:xfrm>
+        </p:spPr>
+        <p:txBody>
+          <a:bodyPr lIns="91440" rIns="91440">
             <a:normAutofit/>
           </a:bodyPr>
           <a:lstStyle>
             <a:lvl1pPr marL="0" indent="0">
               <a:buNone/>
-              <a:defRPr sz="1600"/>
+              <a:defRPr sz="1500">
+                <a:solidFill>
+                  <a:srgbClr val="FFFFFF"/>
+                </a:solidFill>
+              </a:defRPr>
             </a:lvl1pPr>
             <a:lvl2pPr marL="457200" indent="0">
               <a:buNone/>
@@ -3275,14 +3573,23 @@
             <p:ph type="dt" sz="half" idx="10"/>
           </p:nvPr>
         </p:nvSpPr>
-        <p:spPr/>
+        <p:spPr>
+          <a:xfrm>
+            <a:off x="349134" y="6459786"/>
+            <a:ext cx="1963883" cy="365125"/>
+          </a:xfrm>
+        </p:spPr>
         <p:txBody>
           <a:bodyPr/>
-          <a:lstStyle/>
-          <a:p>
-            <a:fld id="{9866554A-94AB-4B6C-B088-D50C47B5E481}" type="datetime1">
-              <a:rPr lang="en-US" smtClean="0"/>
-              <a:t>11/2/2015</a:t>
+          <a:lstStyle>
+            <a:lvl1pPr algn="l">
+              <a:defRPr/>
+            </a:lvl1pPr>
+          </a:lstStyle>
+          <a:p>
+            <a:fld id="{E5A27797-1683-ED47-A74A-6DEBEDA39DC8}" type="datetime1">
+              <a:rPr lang="en-US" smtClean="0"/>
+              <a:t>11/13/15</a:t>
             </a:fld>
             <a:endParaRPr lang="en-US"/>
           </a:p>
@@ -3298,35 +3605,56 @@
             <p:ph type="ftr" sz="quarter" idx="11"/>
           </p:nvPr>
         </p:nvSpPr>
+        <p:spPr>
+          <a:xfrm>
+            <a:off x="3600450" y="6459786"/>
+            <a:ext cx="3486150" cy="365125"/>
+          </a:xfrm>
+        </p:spPr>
+        <p:txBody>
+          <a:bodyPr/>
+          <a:lstStyle>
+            <a:lvl1pPr algn="l">
+              <a:defRPr>
+                <a:solidFill>
+                  <a:schemeClr val="tx2"/>
+                </a:solidFill>
+              </a:defRPr>
+            </a:lvl1pPr>
+          </a:lstStyle>
+          <a:p>
+            <a:r>
+              <a:rPr lang="sk-SK" smtClean="0"/>
+              <a:t>© 2015 EV3Lessons.com, Last edit 11/13/2015</a:t>
+            </a:r>
+            <a:endParaRPr lang="en-US"/>
+          </a:p>
+        </p:txBody>
+      </p:sp>
+      <p:sp>
+        <p:nvSpPr>
+          <p:cNvPr id="7" name="Slide Number Placeholder 6"/>
+          <p:cNvSpPr>
+            <a:spLocks noGrp="1"/>
+          </p:cNvSpPr>
+          <p:nvPr>
+            <p:ph type="sldNum" sz="quarter" idx="12"/>
+          </p:nvPr>
+        </p:nvSpPr>
         <p:spPr/>
         <p:txBody>
           <a:bodyPr/>
-          <a:lstStyle/>
-          <a:p>
-            <a:r>
-              <a:rPr lang="en-US" smtClean="0"/>
-              <a:t>© 2015, EV3Lessons.com (last edit 11/02/15)</a:t>
-            </a:r>
-            <a:endParaRPr lang="en-US"/>
-          </a:p>
-        </p:txBody>
-      </p:sp>
-      <p:sp>
-        <p:nvSpPr>
-          <p:cNvPr id="7" name="Slide Number Placeholder 6"/>
-          <p:cNvSpPr>
-            <a:spLocks noGrp="1"/>
-          </p:cNvSpPr>
-          <p:nvPr>
-            <p:ph type="sldNum" sz="quarter" idx="12"/>
-          </p:nvPr>
-        </p:nvSpPr>
-        <p:spPr/>
-        <p:txBody>
-          <a:bodyPr/>
-          <a:lstStyle/>
-          <a:p>
-            <a:fld id="{4DBC7FC8-25FB-FC45-8177-2B991DA6778C}" type="slidenum">
+          <a:lstStyle>
+            <a:lvl1pPr>
+              <a:defRPr>
+                <a:solidFill>
+                  <a:schemeClr val="tx2"/>
+                </a:solidFill>
+              </a:defRPr>
+            </a:lvl1pPr>
+          </a:lstStyle>
+          <a:p>
+            <a:fld id="{7F5CE407-6216-4202-80E4-A30DC2F709B2}" type="slidenum">
               <a:rPr lang="en-US" smtClean="0"/>
               <a:t>‹#›</a:t>
             </a:fld>
@@ -3334,30 +3662,12 @@
           </a:p>
         </p:txBody>
       </p:sp>
-      <p:sp>
-        <p:nvSpPr>
-          <p:cNvPr id="8" name="Title 7"/>
-          <p:cNvSpPr>
-            <a:spLocks noGrp="1"/>
-          </p:cNvSpPr>
-          <p:nvPr>
-            <p:ph type="title"/>
-          </p:nvPr>
-        </p:nvSpPr>
-        <p:spPr/>
-        <p:txBody>
-          <a:bodyPr/>
-          <a:lstStyle/>
-          <a:p>
-            <a:r>
-              <a:rPr lang="en-US" smtClean="0"/>
-              <a:t>Click to edit Master title style</a:t>
-            </a:r>
-            <a:endParaRPr lang="en-US"/>
-          </a:p>
-        </p:txBody>
-      </p:sp>
     </p:spTree>
+    <p:extLst>
+      <p:ext uri="{BB962C8B-B14F-4D97-AF65-F5344CB8AC3E}">
+        <p14:creationId xmlns:p14="http://schemas.microsoft.com/office/powerpoint/2010/main" val="272558601"/>
+      </p:ext>
+    </p:extLst>
   </p:cSld>
   <p:clrMapOvr>
     <a:masterClrMapping/>
@@ -3384,20 +3694,20 @@
       </p:grpSpPr>
       <p:sp>
         <p:nvSpPr>
-          <p:cNvPr id="9" name="Rectangle 8"/>
+          <p:cNvPr id="8" name="Rectangle 7"/>
           <p:cNvSpPr/>
           <p:nvPr/>
         </p:nvSpPr>
         <p:spPr>
           <a:xfrm>
-            <a:off x="9001124" y="4846320"/>
-            <a:ext cx="142876" cy="2011680"/>
+            <a:off x="0" y="4953000"/>
+            <a:ext cx="9141619" cy="1905000"/>
           </a:xfrm>
           <a:prstGeom prst="rect">
             <a:avLst/>
           </a:prstGeom>
           <a:solidFill>
-            <a:schemeClr val="tx2"/>
+            <a:schemeClr val="accent2"/>
           </a:solidFill>
           <a:ln>
             <a:noFill/>
@@ -3419,42 +3729,115 @@
             <a:schemeClr val="lt1"/>
           </a:fontRef>
         </p:style>
-        <p:txBody>
-          <a:bodyPr rtlCol="0" anchor="ctr"/>
-          <a:lstStyle/>
-          <a:p>
-            <a:pPr algn="ctr"/>
-            <a:endParaRPr lang="en-US"/>
-          </a:p>
-        </p:txBody>
-      </p:sp>
-      <p:sp>
-        <p:nvSpPr>
-          <p:cNvPr id="3" name="Picture Placeholder 2"/>
-          <p:cNvSpPr>
-            <a:spLocks noGrp="1"/>
-          </p:cNvSpPr>
-          <p:nvPr>
-            <p:ph type="pic" idx="1"/>
-          </p:nvPr>
+      </p:sp>
+      <p:sp>
+        <p:nvSpPr>
+          <p:cNvPr id="9" name="Rectangle 8"/>
+          <p:cNvSpPr/>
+          <p:nvPr/>
         </p:nvSpPr>
         <p:spPr>
           <a:xfrm>
-            <a:off x="-1" y="0"/>
-            <a:ext cx="9000877" cy="4846320"/>
+            <a:off x="12" y="4915076"/>
+            <a:ext cx="9141619" cy="64008"/>
           </a:xfrm>
+          <a:prstGeom prst="rect">
+            <a:avLst/>
+          </a:prstGeom>
           <a:solidFill>
-            <a:schemeClr val="bg1">
-              <a:lumMod val="75000"/>
+            <a:schemeClr val="accent1"/>
+          </a:solidFill>
+          <a:ln>
+            <a:noFill/>
+          </a:ln>
+        </p:spPr>
+        <p:style>
+          <a:lnRef idx="2">
+            <a:schemeClr val="accent1">
+              <a:shade val="50000"/>
             </a:schemeClr>
-          </a:solidFill>
+          </a:lnRef>
+          <a:fillRef idx="1">
+            <a:schemeClr val="accent1"/>
+          </a:fillRef>
+          <a:effectRef idx="0">
+            <a:schemeClr val="accent1"/>
+          </a:effectRef>
+          <a:fontRef idx="minor">
+            <a:schemeClr val="lt1"/>
+          </a:fontRef>
+        </p:style>
+      </p:sp>
+      <p:sp>
+        <p:nvSpPr>
+          <p:cNvPr id="2" name="Title 1"/>
+          <p:cNvSpPr>
+            <a:spLocks noGrp="1"/>
+          </p:cNvSpPr>
+          <p:nvPr>
+            <p:ph type="title"/>
+          </p:nvPr>
+        </p:nvSpPr>
+        <p:spPr>
+          <a:xfrm>
+            <a:off x="822960" y="5074920"/>
+            <a:ext cx="7589520" cy="822960"/>
+          </a:xfrm>
         </p:spPr>
         <p:txBody>
-          <a:bodyPr/>
+          <a:bodyPr tIns="0" bIns="0" anchor="b">
+            <a:noAutofit/>
+          </a:bodyPr>
+          <a:lstStyle>
+            <a:lvl1pPr>
+              <a:defRPr sz="3600" b="0">
+                <a:solidFill>
+                  <a:srgbClr val="FFFFFF"/>
+                </a:solidFill>
+              </a:defRPr>
+            </a:lvl1pPr>
+          </a:lstStyle>
+          <a:p>
+            <a:r>
+              <a:rPr lang="en-US" smtClean="0"/>
+              <a:t>Click to edit Master title style</a:t>
+            </a:r>
+            <a:endParaRPr lang="en-US" dirty="0"/>
+          </a:p>
+        </p:txBody>
+      </p:sp>
+      <p:sp>
+        <p:nvSpPr>
+          <p:cNvPr id="3" name="Picture Placeholder 2"/>
+          <p:cNvSpPr>
+            <a:spLocks noGrp="1" noChangeAspect="1"/>
+          </p:cNvSpPr>
+          <p:nvPr>
+            <p:ph type="pic" idx="1"/>
+          </p:nvPr>
+        </p:nvSpPr>
+        <p:spPr>
+          <a:xfrm>
+            <a:off x="12" y="0"/>
+            <a:ext cx="9143989" cy="4915076"/>
+          </a:xfrm>
+          <a:blipFill>
+            <a:blip r:embed="rId2"/>
+            <a:stretch>
+              <a:fillRect/>
+            </a:stretch>
+          </a:blipFill>
+        </p:spPr>
+        <p:txBody>
+          <a:bodyPr lIns="457200" tIns="457200" anchor="t"/>
           <a:lstStyle>
             <a:lvl1pPr marL="0" indent="0">
               <a:buNone/>
-              <a:defRPr sz="3200"/>
+              <a:defRPr sz="3200">
+                <a:solidFill>
+                  <a:schemeClr val="bg1"/>
+                </a:solidFill>
+              </a:defRPr>
             </a:lvl1pPr>
             <a:lvl2pPr marL="457200" indent="0">
               <a:buNone/>
@@ -3494,7 +3877,7 @@
               <a:rPr lang="en-US" smtClean="0"/>
               <a:t>Drag picture to placeholder or click icon to add</a:t>
             </a:r>
-            <a:endParaRPr lang="en-US"/>
+            <a:endParaRPr lang="en-US" dirty="0"/>
           </a:p>
         </p:txBody>
       </p:sp>
@@ -3510,16 +3893,28 @@
         </p:nvSpPr>
         <p:spPr>
           <a:xfrm>
-            <a:off x="457200" y="5715000"/>
-            <a:ext cx="8153400" cy="457200"/>
+            <a:off x="822959" y="5907024"/>
+            <a:ext cx="7589520" cy="594360"/>
           </a:xfrm>
         </p:spPr>
         <p:txBody>
-          <a:bodyPr/>
+          <a:bodyPr lIns="91440" tIns="0" rIns="91440" bIns="0">
+            <a:normAutofit/>
+          </a:bodyPr>
           <a:lstStyle>
             <a:lvl1pPr marL="0" indent="0">
+              <a:spcBef>
+                <a:spcPts val="0"/>
+              </a:spcBef>
+              <a:spcAft>
+                <a:spcPts val="600"/>
+              </a:spcAft>
               <a:buNone/>
-              <a:defRPr sz="1600"/>
+              <a:defRPr sz="1500">
+                <a:solidFill>
+                  <a:srgbClr val="FFFFFF"/>
+                </a:solidFill>
+              </a:defRPr>
             </a:lvl1pPr>
             <a:lvl2pPr marL="457200" indent="0">
               <a:buNone/>
@@ -3578,9 +3973,9 @@
           <a:bodyPr/>
           <a:lstStyle/>
           <a:p>
-            <a:fld id="{91527C36-FED2-4929-9127-7964448B9E1F}" type="datetime1">
-              <a:rPr lang="en-US" smtClean="0"/>
-              <a:t>11/2/2015</a:t>
+            <a:fld id="{9F9CFCDA-76FF-C942-8304-6FF0EF7EF019}" type="datetime1">
+              <a:rPr lang="en-US" smtClean="0"/>
+              <a:t>11/13/15</a:t>
             </a:fld>
             <a:endParaRPr lang="en-US"/>
           </a:p>
@@ -3602,8 +3997,8 @@
           <a:lstStyle/>
           <a:p>
             <a:r>
-              <a:rPr lang="en-US" smtClean="0"/>
-              <a:t>© 2015, EV3Lessons.com (last edit 11/02/15)</a:t>
+              <a:rPr lang="sk-SK" smtClean="0"/>
+              <a:t>© 2015 EV3Lessons.com, Last edit 11/13/2015</a:t>
             </a:r>
             <a:endParaRPr lang="en-US"/>
           </a:p>
@@ -3622,17 +4017,9 @@
         <p:spPr/>
         <p:txBody>
           <a:bodyPr/>
-          <a:lstStyle>
-            <a:lvl1pPr>
-              <a:defRPr>
-                <a:solidFill>
-                  <a:schemeClr val="tx1"/>
-                </a:solidFill>
-              </a:defRPr>
-            </a:lvl1pPr>
-          </a:lstStyle>
-          <a:p>
-            <a:fld id="{4DBC7FC8-25FB-FC45-8177-2B991DA6778C}" type="slidenum">
+          <a:lstStyle/>
+          <a:p>
+            <a:fld id="{4382A7F7-08BF-4252-8141-63FB96055BBB}" type="slidenum">
               <a:rPr lang="en-US" smtClean="0"/>
               <a:t>‹#›</a:t>
             </a:fld>
@@ -3640,56 +4027,97 @@
           </a:p>
         </p:txBody>
       </p:sp>
-      <p:sp>
-        <p:nvSpPr>
-          <p:cNvPr id="8" name="Title 7"/>
-          <p:cNvSpPr>
-            <a:spLocks noGrp="1"/>
-          </p:cNvSpPr>
-          <p:nvPr>
-            <p:ph type="title"/>
-          </p:nvPr>
+    </p:spTree>
+    <p:extLst>
+      <p:ext uri="{BB962C8B-B14F-4D97-AF65-F5344CB8AC3E}">
+        <p14:creationId xmlns:p14="http://schemas.microsoft.com/office/powerpoint/2010/main" val="1105816164"/>
+      </p:ext>
+    </p:extLst>
+  </p:cSld>
+  <p:clrMapOvr>
+    <a:masterClrMapping/>
+  </p:clrMapOvr>
+</p:sldLayout>
+</file>
+
+<file path=ppt/slideMasters/slideMaster1.xml><?xml version="1.0" encoding="utf-8"?>
+<p:sldMaster xmlns:a="http://schemas.openxmlformats.org/drawingml/2006/main" xmlns:r="http://schemas.openxmlformats.org/officeDocument/2006/relationships" xmlns:p="http://schemas.openxmlformats.org/presentationml/2006/main" preserve="1">
+  <p:cSld>
+    <p:bg>
+      <p:bgRef idx="1001">
+        <a:schemeClr val="bg1"/>
+      </p:bgRef>
+    </p:bg>
+    <p:spTree>
+      <p:nvGrpSpPr>
+        <p:cNvPr id="1" name=""/>
+        <p:cNvGrpSpPr/>
+        <p:nvPr/>
+      </p:nvGrpSpPr>
+      <p:grpSpPr>
+        <a:xfrm>
+          <a:off x="0" y="0"/>
+          <a:ext cx="0" cy="0"/>
+          <a:chOff x="0" y="0"/>
+          <a:chExt cx="0" cy="0"/>
+        </a:xfrm>
+      </p:grpSpPr>
+      <p:sp>
+        <p:nvSpPr>
+          <p:cNvPr id="7" name="Rectangle 6"/>
+          <p:cNvSpPr/>
+          <p:nvPr/>
         </p:nvSpPr>
         <p:spPr>
           <a:xfrm>
-            <a:off x="457200" y="4953000"/>
-            <a:ext cx="8153400" cy="762000"/>
-          </a:xfrm>
-        </p:spPr>
-        <p:txBody>
-          <a:bodyPr anchor="t">
-            <a:normAutofit/>
-          </a:bodyPr>
-          <a:lstStyle>
-            <a:lvl1pPr>
-              <a:defRPr sz="3200"/>
-            </a:lvl1pPr>
-          </a:lstStyle>
-          <a:p>
-            <a:r>
-              <a:rPr lang="en-US" smtClean="0"/>
-              <a:t>Click to edit Master title style</a:t>
-            </a:r>
-            <a:endParaRPr lang="en-US" dirty="0"/>
-          </a:p>
-        </p:txBody>
-      </p:sp>
-      <p:sp>
-        <p:nvSpPr>
-          <p:cNvPr id="10" name="Rectangle 9"/>
-          <p:cNvSpPr/>
-          <p:nvPr/>
-        </p:nvSpPr>
-        <p:spPr>
-          <a:xfrm>
-            <a:off x="9001124" y="0"/>
-            <a:ext cx="142876" cy="4846320"/>
+            <a:off x="0" y="6400800"/>
+            <a:ext cx="9144001" cy="457200"/>
           </a:xfrm>
           <a:prstGeom prst="rect">
             <a:avLst/>
           </a:prstGeom>
           <a:solidFill>
-            <a:schemeClr val="tx1"/>
+            <a:srgbClr val="0070C0"/>
+          </a:solidFill>
+          <a:ln>
+            <a:solidFill>
+              <a:srgbClr val="0070C0"/>
+            </a:solidFill>
+          </a:ln>
+        </p:spPr>
+        <p:style>
+          <a:lnRef idx="2">
+            <a:schemeClr val="accent1">
+              <a:shade val="50000"/>
+            </a:schemeClr>
+          </a:lnRef>
+          <a:fillRef idx="1">
+            <a:schemeClr val="accent1"/>
+          </a:fillRef>
+          <a:effectRef idx="0">
+            <a:schemeClr val="accent1"/>
+          </a:effectRef>
+          <a:fontRef idx="minor">
+            <a:schemeClr val="lt1"/>
+          </a:fontRef>
+        </p:style>
+      </p:sp>
+      <p:sp>
+        <p:nvSpPr>
+          <p:cNvPr id="9" name="Rectangle 8"/>
+          <p:cNvSpPr/>
+          <p:nvPr/>
+        </p:nvSpPr>
+        <p:spPr>
+          <a:xfrm>
+            <a:off x="0" y="6334315"/>
+            <a:ext cx="4487333" cy="92382"/>
+          </a:xfrm>
+          <a:prstGeom prst="rect">
+            <a:avLst/>
+          </a:prstGeom>
+          <a:solidFill>
+            <a:srgbClr val="00B050"/>
           </a:solidFill>
           <a:ln>
             <a:noFill/>
@@ -3711,45 +4139,7 @@
             <a:schemeClr val="lt1"/>
           </a:fontRef>
         </p:style>
-        <p:txBody>
-          <a:bodyPr rtlCol="0" anchor="ctr"/>
-          <a:lstStyle/>
-          <a:p>
-            <a:pPr algn="ctr"/>
-            <a:endParaRPr lang="en-US"/>
-          </a:p>
-        </p:txBody>
-      </p:sp>
-    </p:spTree>
-  </p:cSld>
-  <p:clrMapOvr>
-    <a:masterClrMapping/>
-  </p:clrMapOvr>
-</p:sldLayout>
-</file>
-
-<file path=ppt/slideMasters/slideMaster1.xml><?xml version="1.0" encoding="utf-8"?>
-<p:sldMaster xmlns:a="http://schemas.openxmlformats.org/drawingml/2006/main" xmlns:r="http://schemas.openxmlformats.org/officeDocument/2006/relationships" xmlns:p="http://schemas.openxmlformats.org/presentationml/2006/main">
-  <p:cSld>
-    <p:bg>
-      <p:bgRef idx="1001">
-        <a:schemeClr val="bg1"/>
-      </p:bgRef>
-    </p:bg>
-    <p:spTree>
-      <p:nvGrpSpPr>
-        <p:cNvPr id="1" name=""/>
-        <p:cNvGrpSpPr/>
-        <p:nvPr/>
-      </p:nvGrpSpPr>
-      <p:grpSpPr>
-        <a:xfrm>
-          <a:off x="0" y="0"/>
-          <a:ext cx="0" cy="0"/>
-          <a:chOff x="0" y="0"/>
-          <a:chExt cx="0" cy="0"/>
-        </a:xfrm>
-      </p:grpSpPr>
+      </p:sp>
       <p:sp>
         <p:nvSpPr>
           <p:cNvPr id="2" name="Title Placeholder 1"/>
@@ -3762,21 +4152,21 @@
         </p:nvSpPr>
         <p:spPr>
           <a:xfrm>
-            <a:off x="457199" y="152718"/>
-            <a:ext cx="8245475" cy="1371600"/>
+            <a:off x="227874" y="287088"/>
+            <a:ext cx="8596812" cy="874055"/>
           </a:xfrm>
           <a:prstGeom prst="rect">
             <a:avLst/>
           </a:prstGeom>
         </p:spPr>
         <p:txBody>
-          <a:bodyPr vert="horz" lIns="91440" tIns="45720" rIns="91440" bIns="45720" rtlCol="0" anchor="t" anchorCtr="0">
+          <a:bodyPr vert="horz" lIns="91440" tIns="45720" rIns="91440" bIns="45720" rtlCol="0" anchor="b">
             <a:normAutofit/>
           </a:bodyPr>
           <a:lstStyle/>
           <a:p>
             <a:r>
-              <a:rPr lang="en-US" dirty="0" smtClean="0"/>
+              <a:rPr lang="en-US" smtClean="0"/>
               <a:t>Click to edit Master title style</a:t>
             </a:r>
             <a:endParaRPr lang="en-US" dirty="0"/>
@@ -3795,15 +4185,15 @@
         </p:nvSpPr>
         <p:spPr>
           <a:xfrm>
-            <a:off x="457200" y="1752600"/>
-            <a:ext cx="8245474" cy="4373563"/>
+            <a:off x="227874" y="1505616"/>
+            <a:ext cx="8596811" cy="4654528"/>
           </a:xfrm>
           <a:prstGeom prst="rect">
             <a:avLst/>
           </a:prstGeom>
         </p:spPr>
         <p:txBody>
-          <a:bodyPr vert="horz" lIns="91440" tIns="45720" rIns="91440" bIns="45720" rtlCol="0">
+          <a:bodyPr vert="horz" lIns="0" tIns="45720" rIns="0" bIns="45720" rtlCol="0">
             <a:normAutofit/>
           </a:bodyPr>
           <a:lstStyle/>
@@ -3857,30 +4247,30 @@
         </p:nvSpPr>
         <p:spPr>
           <a:xfrm>
-            <a:off x="457200" y="6172201"/>
-            <a:ext cx="3429000" cy="304800"/>
+            <a:off x="822961" y="6459786"/>
+            <a:ext cx="1854203" cy="365125"/>
           </a:xfrm>
           <a:prstGeom prst="rect">
             <a:avLst/>
           </a:prstGeom>
         </p:spPr>
         <p:txBody>
-          <a:bodyPr vert="horz" lIns="91440" tIns="45720" rIns="91440" bIns="0" rtlCol="0" anchor="b"/>
+          <a:bodyPr vert="horz" lIns="91440" tIns="45720" rIns="91440" bIns="45720" rtlCol="0" anchor="ctr"/>
           <a:lstStyle>
             <a:lvl1pPr algn="l">
-              <a:defRPr sz="1000">
+              <a:defRPr sz="900">
                 <a:solidFill>
-                  <a:schemeClr val="tx1"/>
+                  <a:srgbClr val="FFFFFF"/>
                 </a:solidFill>
               </a:defRPr>
             </a:lvl1pPr>
           </a:lstStyle>
           <a:p>
-            <a:fld id="{7644706D-55FC-4799-9DA6-17652D7ABD2A}" type="datetime1">
-              <a:rPr lang="en-US" smtClean="0"/>
-              <a:t>11/2/2015</a:t>
+            <a:fld id="{0604F77D-FCB8-A946-86A9-D14BD65D0D3D}" type="datetime1">
+              <a:rPr lang="en-US" smtClean="0"/>
+              <a:t>11/13/15</a:t>
             </a:fld>
-            <a:endParaRPr lang="en-US"/>
+            <a:endParaRPr lang="en-US" dirty="0"/>
           </a:p>
         </p:txBody>
       </p:sp>
@@ -3896,30 +4286,30 @@
         </p:nvSpPr>
         <p:spPr>
           <a:xfrm>
-            <a:off x="457200" y="6492875"/>
-            <a:ext cx="3429000" cy="283845"/>
+            <a:off x="2764639" y="6459786"/>
+            <a:ext cx="3617103" cy="365125"/>
           </a:xfrm>
           <a:prstGeom prst="rect">
             <a:avLst/>
           </a:prstGeom>
         </p:spPr>
         <p:txBody>
-          <a:bodyPr vert="horz" lIns="91440" tIns="45720" rIns="91440" bIns="45720" rtlCol="0" anchor="t"/>
+          <a:bodyPr vert="horz" lIns="91440" tIns="45720" rIns="91440" bIns="45720" rtlCol="0" anchor="ctr"/>
           <a:lstStyle>
-            <a:lvl1pPr algn="l">
-              <a:defRPr sz="1000">
+            <a:lvl1pPr algn="ctr">
+              <a:defRPr sz="900" cap="all" baseline="0">
                 <a:solidFill>
-                  <a:schemeClr val="tx1"/>
+                  <a:srgbClr val="FFFFFF"/>
                 </a:solidFill>
               </a:defRPr>
             </a:lvl1pPr>
           </a:lstStyle>
           <a:p>
             <a:r>
-              <a:rPr lang="en-US" smtClean="0"/>
-              <a:t>© 2015, EV3Lessons.com (last edit 11/02/15)</a:t>
-            </a:r>
-            <a:endParaRPr lang="en-US"/>
+              <a:rPr lang="sk-SK" smtClean="0"/>
+              <a:t>© 2015 EV3Lessons.com, Last edit 11/13/2015</a:t>
+            </a:r>
+            <a:endParaRPr lang="en-US" dirty="0"/>
           </a:p>
         </p:txBody>
       </p:sp>
@@ -3935,8 +4325,8 @@
         </p:nvSpPr>
         <p:spPr>
           <a:xfrm>
-            <a:off x="8343263" y="6417660"/>
-            <a:ext cx="657861" cy="365125"/>
+            <a:off x="7425344" y="6459786"/>
+            <a:ext cx="984019" cy="365125"/>
           </a:xfrm>
           <a:prstGeom prst="rect">
             <a:avLst/>
@@ -3945,16 +4335,16 @@
         <p:txBody>
           <a:bodyPr vert="horz" lIns="91440" tIns="45720" rIns="91440" bIns="45720" rtlCol="0" anchor="ctr"/>
           <a:lstStyle>
-            <a:lvl1pPr algn="l">
-              <a:defRPr sz="2400" b="1">
+            <a:lvl1pPr algn="r">
+              <a:defRPr sz="1050">
                 <a:solidFill>
-                  <a:schemeClr val="tx2"/>
+                  <a:srgbClr val="FFFFFF"/>
                 </a:solidFill>
               </a:defRPr>
             </a:lvl1pPr>
           </a:lstStyle>
           <a:p>
-            <a:fld id="{4DBC7FC8-25FB-FC45-8177-2B991DA6778C}" type="slidenum">
+            <a:fld id="{4382A7F7-08BF-4252-8141-63FB96055BBB}" type="slidenum">
               <a:rPr lang="en-US" smtClean="0"/>
               <a:t>‹#›</a:t>
             </a:fld>
@@ -3962,54 +4352,54 @@
           </a:p>
         </p:txBody>
       </p:sp>
-      <p:sp>
-        <p:nvSpPr>
-          <p:cNvPr id="9" name="Rectangle 8"/>
-          <p:cNvSpPr/>
-          <p:nvPr userDrawn="1"/>
-        </p:nvSpPr>
+      <p:cxnSp>
+        <p:nvCxnSpPr>
+          <p:cNvPr id="10" name="Straight Connector 9"/>
+          <p:cNvCxnSpPr/>
+          <p:nvPr/>
+        </p:nvCxnSpPr>
         <p:spPr>
-          <a:xfrm>
-            <a:off x="8996106" y="2895600"/>
-            <a:ext cx="147895" cy="3962400"/>
+          <a:xfrm flipV="1">
+            <a:off x="227874" y="1335314"/>
+            <a:ext cx="8596811" cy="1"/>
           </a:xfrm>
-          <a:prstGeom prst="rect">
+          <a:prstGeom prst="line">
             <a:avLst/>
           </a:prstGeom>
-          <a:solidFill>
-            <a:srgbClr val="92D050"/>
-          </a:solidFill>
-          <a:ln>
-            <a:noFill/>
+          <a:ln w="6350">
+            <a:solidFill>
+              <a:schemeClr val="tx1">
+                <a:lumMod val="50000"/>
+                <a:lumOff val="50000"/>
+              </a:schemeClr>
+            </a:solidFill>
           </a:ln>
         </p:spPr>
         <p:style>
-          <a:lnRef idx="2">
-            <a:schemeClr val="accent1">
-              <a:shade val="50000"/>
-            </a:schemeClr>
+          <a:lnRef idx="1">
+            <a:schemeClr val="accent1"/>
           </a:lnRef>
-          <a:fillRef idx="1">
+          <a:fillRef idx="0">
             <a:schemeClr val="accent1"/>
           </a:fillRef>
           <a:effectRef idx="0">
             <a:schemeClr val="accent1"/>
           </a:effectRef>
           <a:fontRef idx="minor">
-            <a:schemeClr val="lt1"/>
+            <a:schemeClr val="tx1"/>
           </a:fontRef>
         </p:style>
-      </p:sp>
-      <p:sp>
-        <p:nvSpPr>
-          <p:cNvPr id="10" name="Rectangle 9"/>
+      </p:cxnSp>
+      <p:sp>
+        <p:nvSpPr>
+          <p:cNvPr id="11" name="Rectangle 10"/>
           <p:cNvSpPr/>
           <p:nvPr userDrawn="1"/>
         </p:nvSpPr>
         <p:spPr>
           <a:xfrm>
-            <a:off x="8959042" y="0"/>
-            <a:ext cx="184958" cy="2895600"/>
+            <a:off x="4487333" y="6334315"/>
+            <a:ext cx="4656667" cy="92382"/>
           </a:xfrm>
           <a:prstGeom prst="rect">
             <a:avLst/>
@@ -4038,71 +4428,44 @@
           </a:fontRef>
         </p:style>
       </p:sp>
-      <p:sp>
-        <p:nvSpPr>
-          <p:cNvPr id="11" name="Rectangle 10"/>
-          <p:cNvSpPr/>
-          <p:nvPr userDrawn="1"/>
-        </p:nvSpPr>
-        <p:spPr>
-          <a:xfrm>
-            <a:off x="8913670" y="-4618"/>
-            <a:ext cx="91440" cy="6862617"/>
-          </a:xfrm>
-          <a:prstGeom prst="rect">
-            <a:avLst/>
-          </a:prstGeom>
-          <a:solidFill>
-            <a:srgbClr val="0070C0"/>
-          </a:solidFill>
-          <a:ln>
-            <a:noFill/>
-          </a:ln>
-        </p:spPr>
-        <p:style>
-          <a:lnRef idx="2">
-            <a:schemeClr val="accent1">
-              <a:shade val="50000"/>
-            </a:schemeClr>
-          </a:lnRef>
-          <a:fillRef idx="1">
-            <a:schemeClr val="accent1"/>
-          </a:fillRef>
-          <a:effectRef idx="0">
-            <a:schemeClr val="accent1"/>
-          </a:effectRef>
-          <a:fontRef idx="minor">
-            <a:schemeClr val="lt1"/>
-          </a:fontRef>
-        </p:style>
-      </p:sp>
     </p:spTree>
+    <p:extLst>
+      <p:ext uri="{BB962C8B-B14F-4D97-AF65-F5344CB8AC3E}">
+        <p14:creationId xmlns:p14="http://schemas.microsoft.com/office/powerpoint/2010/main" val="594636891"/>
+      </p:ext>
+    </p:extLst>
   </p:cSld>
   <p:clrMap bg1="lt1" tx1="dk1" bg2="lt2" tx2="dk2" accent1="accent1" accent2="accent2" accent3="accent3" accent4="accent4" accent5="accent5" accent6="accent6" hlink="hlink" folHlink="folHlink"/>
   <p:sldLayoutIdLst>
-    <p:sldLayoutId id="2147483715" r:id="rId1"/>
-    <p:sldLayoutId id="2147483716" r:id="rId2"/>
-    <p:sldLayoutId id="2147483717" r:id="rId3"/>
-    <p:sldLayoutId id="2147483718" r:id="rId4"/>
-    <p:sldLayoutId id="2147483719" r:id="rId5"/>
-    <p:sldLayoutId id="2147483720" r:id="rId6"/>
-    <p:sldLayoutId id="2147483721" r:id="rId7"/>
-    <p:sldLayoutId id="2147483722" r:id="rId8"/>
-    <p:sldLayoutId id="2147483723" r:id="rId9"/>
-    <p:sldLayoutId id="2147483724" r:id="rId10"/>
-    <p:sldLayoutId id="2147483725" r:id="rId11"/>
+    <p:sldLayoutId id="2147483727" r:id="rId1"/>
+    <p:sldLayoutId id="2147483728" r:id="rId2"/>
+    <p:sldLayoutId id="2147483729" r:id="rId3"/>
+    <p:sldLayoutId id="2147483730" r:id="rId4"/>
+    <p:sldLayoutId id="2147483731" r:id="rId5"/>
+    <p:sldLayoutId id="2147483732" r:id="rId6"/>
+    <p:sldLayoutId id="2147483733" r:id="rId7"/>
+    <p:sldLayoutId id="2147483734" r:id="rId8"/>
+    <p:sldLayoutId id="2147483735" r:id="rId9"/>
+    <p:sldLayoutId id="2147483736" r:id="rId10"/>
+    <p:sldLayoutId id="2147483737" r:id="rId11"/>
   </p:sldLayoutIdLst>
   <p:hf hdr="0" dt="0"/>
   <p:txStyles>
     <p:titleStyle>
       <a:lvl1pPr algn="l" defTabSz="914400" rtl="0" eaLnBrk="1" latinLnBrk="0" hangingPunct="1">
+        <a:lnSpc>
+          <a:spcPct val="85000"/>
+        </a:lnSpc>
         <a:spcBef>
           <a:spcPct val="0"/>
         </a:spcBef>
         <a:buNone/>
-        <a:defRPr sz="3600" kern="1200" cap="all" spc="-60" baseline="0">
+        <a:defRPr sz="4800" kern="1200" spc="-50" baseline="0">
           <a:solidFill>
-            <a:schemeClr val="tx2"/>
+            <a:schemeClr val="tx1">
+              <a:lumMod val="75000"/>
+              <a:lumOff val="25000"/>
+            </a:schemeClr>
           </a:solidFill>
           <a:latin typeface="+mj-lt"/>
           <a:ea typeface="+mj-ea"/>
@@ -4111,162 +4474,244 @@
       </a:lvl1pPr>
     </p:titleStyle>
     <p:bodyStyle>
-      <a:lvl1pPr marL="0" indent="0" algn="l" defTabSz="914400" rtl="0" eaLnBrk="1" latinLnBrk="0" hangingPunct="1">
+      <a:lvl1pPr marL="91440" indent="-91440" algn="l" defTabSz="914400" rtl="0" eaLnBrk="1" latinLnBrk="0" hangingPunct="1">
+        <a:lnSpc>
+          <a:spcPct val="90000"/>
+        </a:lnSpc>
         <a:spcBef>
-          <a:spcPct val="20000"/>
+          <a:spcPts val="1200"/>
         </a:spcBef>
         <a:spcAft>
-          <a:spcPts val="600"/>
+          <a:spcPts val="200"/>
         </a:spcAft>
-        <a:buFont typeface="Arial" pitchFamily="34" charset="0"/>
-        <a:buNone/>
-        <a:defRPr sz="2000" b="1" kern="1200">
+        <a:buClr>
+          <a:schemeClr val="accent1"/>
+        </a:buClr>
+        <a:buSzPct val="100000"/>
+        <a:buFont typeface="Calibri" panose="020F0502020204030204" pitchFamily="34" charset="0"/>
+        <a:buChar char=" "/>
+        <a:defRPr sz="2000" kern="1200">
           <a:solidFill>
-            <a:schemeClr val="tx1"/>
+            <a:schemeClr val="tx1">
+              <a:lumMod val="75000"/>
+              <a:lumOff val="25000"/>
+            </a:schemeClr>
           </a:solidFill>
           <a:latin typeface="+mn-lt"/>
           <a:ea typeface="+mn-ea"/>
           <a:cs typeface="+mn-cs"/>
         </a:defRPr>
       </a:lvl1pPr>
-      <a:lvl2pPr marL="457200" indent="-182880" algn="l" defTabSz="914400" rtl="0" eaLnBrk="1" latinLnBrk="0" hangingPunct="1">
+      <a:lvl2pPr marL="384048" indent="-182880" algn="l" defTabSz="914400" rtl="0" eaLnBrk="1" latinLnBrk="0" hangingPunct="1">
+        <a:lnSpc>
+          <a:spcPct val="90000"/>
+        </a:lnSpc>
         <a:spcBef>
-          <a:spcPct val="20000"/>
+          <a:spcPts val="200"/>
         </a:spcBef>
+        <a:spcAft>
+          <a:spcPts val="400"/>
+        </a:spcAft>
         <a:buClr>
-          <a:schemeClr val="tx2"/>
+          <a:schemeClr val="accent1"/>
         </a:buClr>
-        <a:buFont typeface="Arial" pitchFamily="34" charset="0"/>
-        <a:buChar char="•"/>
-        <a:defRPr sz="2000" kern="1200">
+        <a:buFont typeface="Calibri" pitchFamily="34" charset="0"/>
+        <a:buChar char="◦"/>
+        <a:defRPr sz="1800" kern="1200">
           <a:solidFill>
-            <a:schemeClr val="tx1"/>
+            <a:schemeClr val="tx1">
+              <a:lumMod val="75000"/>
+              <a:lumOff val="25000"/>
+            </a:schemeClr>
           </a:solidFill>
           <a:latin typeface="+mn-lt"/>
           <a:ea typeface="+mn-ea"/>
           <a:cs typeface="+mn-cs"/>
         </a:defRPr>
       </a:lvl2pPr>
-      <a:lvl3pPr marL="1143000" indent="-228600" algn="l" defTabSz="914400" rtl="0" eaLnBrk="1" latinLnBrk="0" hangingPunct="1">
+      <a:lvl3pPr marL="566928" indent="-182880" algn="l" defTabSz="914400" rtl="0" eaLnBrk="1" latinLnBrk="0" hangingPunct="1">
+        <a:lnSpc>
+          <a:spcPct val="90000"/>
+        </a:lnSpc>
         <a:spcBef>
-          <a:spcPct val="20000"/>
+          <a:spcPts val="200"/>
         </a:spcBef>
+        <a:spcAft>
+          <a:spcPts val="400"/>
+        </a:spcAft>
         <a:buClr>
-          <a:schemeClr val="tx2"/>
+          <a:schemeClr val="accent1"/>
         </a:buClr>
-        <a:buFont typeface="Arial" pitchFamily="34" charset="0"/>
-        <a:buChar char="•"/>
-        <a:defRPr sz="1800" kern="1200">
+        <a:buFont typeface="Calibri" pitchFamily="34" charset="0"/>
+        <a:buChar char="◦"/>
+        <a:defRPr sz="1400" kern="1200">
           <a:solidFill>
-            <a:schemeClr val="tx1"/>
+            <a:schemeClr val="tx1">
+              <a:lumMod val="75000"/>
+              <a:lumOff val="25000"/>
+            </a:schemeClr>
           </a:solidFill>
           <a:latin typeface="+mn-lt"/>
           <a:ea typeface="+mn-ea"/>
           <a:cs typeface="+mn-cs"/>
         </a:defRPr>
       </a:lvl3pPr>
-      <a:lvl4pPr marL="1600200" indent="-228600" algn="l" defTabSz="914400" rtl="0" eaLnBrk="1" latinLnBrk="0" hangingPunct="1">
+      <a:lvl4pPr marL="749808" indent="-182880" algn="l" defTabSz="914400" rtl="0" eaLnBrk="1" latinLnBrk="0" hangingPunct="1">
+        <a:lnSpc>
+          <a:spcPct val="90000"/>
+        </a:lnSpc>
         <a:spcBef>
-          <a:spcPct val="20000"/>
+          <a:spcPts val="200"/>
         </a:spcBef>
+        <a:spcAft>
+          <a:spcPts val="400"/>
+        </a:spcAft>
         <a:buClr>
-          <a:schemeClr val="tx2"/>
+          <a:schemeClr val="accent1"/>
         </a:buClr>
-        <a:buFont typeface="Arial" pitchFamily="34" charset="0"/>
-        <a:buChar char="•"/>
-        <a:defRPr sz="1800" kern="1200">
+        <a:buFont typeface="Calibri" pitchFamily="34" charset="0"/>
+        <a:buChar char="◦"/>
+        <a:defRPr sz="1400" kern="1200">
           <a:solidFill>
-            <a:schemeClr val="tx1"/>
+            <a:schemeClr val="tx1">
+              <a:lumMod val="75000"/>
+              <a:lumOff val="25000"/>
+            </a:schemeClr>
           </a:solidFill>
           <a:latin typeface="+mn-lt"/>
           <a:ea typeface="+mn-ea"/>
           <a:cs typeface="+mn-cs"/>
         </a:defRPr>
       </a:lvl4pPr>
-      <a:lvl5pPr marL="2057400" indent="-228600" algn="l" defTabSz="914400" rtl="0" eaLnBrk="1" latinLnBrk="0" hangingPunct="1">
+      <a:lvl5pPr marL="932688" indent="-182880" algn="l" defTabSz="914400" rtl="0" eaLnBrk="1" latinLnBrk="0" hangingPunct="1">
+        <a:lnSpc>
+          <a:spcPct val="90000"/>
+        </a:lnSpc>
         <a:spcBef>
-          <a:spcPct val="20000"/>
+          <a:spcPts val="200"/>
         </a:spcBef>
+        <a:spcAft>
+          <a:spcPts val="400"/>
+        </a:spcAft>
         <a:buClr>
-          <a:schemeClr val="tx2"/>
+          <a:schemeClr val="accent1"/>
         </a:buClr>
-        <a:buFont typeface="Arial" pitchFamily="34" charset="0"/>
-        <a:buChar char="•"/>
-        <a:defRPr sz="1800" kern="1200" baseline="0">
+        <a:buFont typeface="Calibri" pitchFamily="34" charset="0"/>
+        <a:buChar char="◦"/>
+        <a:defRPr sz="1400" kern="1200">
           <a:solidFill>
-            <a:schemeClr val="tx1"/>
+            <a:schemeClr val="tx1">
+              <a:lumMod val="75000"/>
+              <a:lumOff val="25000"/>
+            </a:schemeClr>
           </a:solidFill>
           <a:latin typeface="+mn-lt"/>
           <a:ea typeface="+mn-ea"/>
           <a:cs typeface="+mn-cs"/>
         </a:defRPr>
       </a:lvl5pPr>
-      <a:lvl6pPr marL="2514600" indent="-228600" algn="l" defTabSz="914400" rtl="0" eaLnBrk="1" latinLnBrk="0" hangingPunct="1">
+      <a:lvl6pPr marL="1100000" indent="-228600" algn="l" defTabSz="914400" rtl="0" eaLnBrk="1" latinLnBrk="0" hangingPunct="1">
+        <a:lnSpc>
+          <a:spcPct val="90000"/>
+        </a:lnSpc>
         <a:spcBef>
-          <a:spcPct val="20000"/>
+          <a:spcPts val="200"/>
         </a:spcBef>
+        <a:spcAft>
+          <a:spcPts val="400"/>
+        </a:spcAft>
         <a:buClr>
-          <a:schemeClr val="tx2"/>
+          <a:schemeClr val="accent1"/>
         </a:buClr>
-        <a:buFont typeface="Arial" pitchFamily="34" charset="0"/>
-        <a:buChar char="•"/>
-        <a:defRPr sz="1600" kern="1200">
+        <a:buFont typeface="Calibri" pitchFamily="34" charset="0"/>
+        <a:buChar char="◦"/>
+        <a:defRPr sz="1400" kern="1200">
           <a:solidFill>
-            <a:schemeClr val="tx1"/>
+            <a:schemeClr val="tx1">
+              <a:lumMod val="75000"/>
+              <a:lumOff val="25000"/>
+            </a:schemeClr>
           </a:solidFill>
           <a:latin typeface="+mn-lt"/>
           <a:ea typeface="+mn-ea"/>
           <a:cs typeface="+mn-cs"/>
         </a:defRPr>
       </a:lvl6pPr>
-      <a:lvl7pPr marL="2971800" indent="-228600" algn="l" defTabSz="914400" rtl="0" eaLnBrk="1" latinLnBrk="0" hangingPunct="1">
+      <a:lvl7pPr marL="1300000" indent="-228600" algn="l" defTabSz="914400" rtl="0" eaLnBrk="1" latinLnBrk="0" hangingPunct="1">
+        <a:lnSpc>
+          <a:spcPct val="90000"/>
+        </a:lnSpc>
         <a:spcBef>
-          <a:spcPct val="20000"/>
+          <a:spcPts val="200"/>
         </a:spcBef>
+        <a:spcAft>
+          <a:spcPts val="400"/>
+        </a:spcAft>
         <a:buClr>
-          <a:schemeClr val="tx2"/>
+          <a:schemeClr val="accent1"/>
         </a:buClr>
-        <a:buFont typeface="Arial" pitchFamily="34" charset="0"/>
-        <a:buChar char="•"/>
-        <a:defRPr sz="1600" kern="1200">
+        <a:buFont typeface="Calibri" pitchFamily="34" charset="0"/>
+        <a:buChar char="◦"/>
+        <a:defRPr sz="1400" kern="1200">
           <a:solidFill>
-            <a:schemeClr val="tx1"/>
+            <a:schemeClr val="tx1">
+              <a:lumMod val="75000"/>
+              <a:lumOff val="25000"/>
+            </a:schemeClr>
           </a:solidFill>
           <a:latin typeface="+mn-lt"/>
           <a:ea typeface="+mn-ea"/>
           <a:cs typeface="+mn-cs"/>
         </a:defRPr>
       </a:lvl7pPr>
-      <a:lvl8pPr marL="3429000" indent="-228600" algn="l" defTabSz="914400" rtl="0" eaLnBrk="1" latinLnBrk="0" hangingPunct="1">
+      <a:lvl8pPr marL="1500000" indent="-228600" algn="l" defTabSz="914400" rtl="0" eaLnBrk="1" latinLnBrk="0" hangingPunct="1">
+        <a:lnSpc>
+          <a:spcPct val="90000"/>
+        </a:lnSpc>
         <a:spcBef>
-          <a:spcPct val="20000"/>
+          <a:spcPts val="200"/>
         </a:spcBef>
+        <a:spcAft>
+          <a:spcPts val="400"/>
+        </a:spcAft>
         <a:buClr>
-          <a:schemeClr val="tx2"/>
+          <a:schemeClr val="accent1"/>
         </a:buClr>
-        <a:buFont typeface="Arial" pitchFamily="34" charset="0"/>
-        <a:buChar char="•"/>
-        <a:defRPr sz="1600" kern="1200">
+        <a:buFont typeface="Calibri" pitchFamily="34" charset="0"/>
+        <a:buChar char="◦"/>
+        <a:defRPr sz="1400" kern="1200">
           <a:solidFill>
-            <a:schemeClr val="tx1"/>
+            <a:schemeClr val="tx1">
+              <a:lumMod val="75000"/>
+              <a:lumOff val="25000"/>
+            </a:schemeClr>
           </a:solidFill>
           <a:latin typeface="+mn-lt"/>
           <a:ea typeface="+mn-ea"/>
           <a:cs typeface="+mn-cs"/>
         </a:defRPr>
       </a:lvl8pPr>
-      <a:lvl9pPr marL="3886200" indent="-228600" algn="l" defTabSz="914400" rtl="0" eaLnBrk="1" latinLnBrk="0" hangingPunct="1">
+      <a:lvl9pPr marL="1700000" indent="-228600" algn="l" defTabSz="914400" rtl="0" eaLnBrk="1" latinLnBrk="0" hangingPunct="1">
+        <a:lnSpc>
+          <a:spcPct val="90000"/>
+        </a:lnSpc>
         <a:spcBef>
-          <a:spcPct val="20000"/>
+          <a:spcPts val="200"/>
         </a:spcBef>
+        <a:spcAft>
+          <a:spcPts val="400"/>
+        </a:spcAft>
         <a:buClr>
-          <a:schemeClr val="tx2"/>
+          <a:schemeClr val="accent1"/>
         </a:buClr>
-        <a:buFont typeface="Arial" pitchFamily="34" charset="0"/>
-        <a:buChar char="•"/>
-        <a:defRPr sz="1600" kern="1200">
+        <a:buFont typeface="Calibri" pitchFamily="34" charset="0"/>
+        <a:buChar char="◦"/>
+        <a:defRPr sz="1400" kern="1200">
           <a:solidFill>
-            <a:schemeClr val="tx1"/>
+            <a:schemeClr val="tx1">
+              <a:lumMod val="75000"/>
+              <a:lumOff val="25000"/>
+            </a:schemeClr>
           </a:solidFill>
           <a:latin typeface="+mn-lt"/>
           <a:ea typeface="+mn-ea"/>
@@ -4400,202 +4845,56 @@
             <p:ph type="ctrTitle"/>
           </p:nvPr>
         </p:nvSpPr>
-        <p:spPr>
-          <a:xfrm>
-            <a:off x="402305" y="311631"/>
-            <a:ext cx="4182799" cy="1923569"/>
-          </a:xfrm>
-        </p:spPr>
-        <p:txBody>
-          <a:bodyPr/>
-          <a:lstStyle/>
-          <a:p>
-            <a:pPr algn="ctr"/>
-            <a:r>
-              <a:rPr lang="en-US" sz="3200" dirty="0" smtClean="0"/>
-              <a:t>INTERMEDIATE PROGRAMMING</a:t>
-            </a:r>
-            <a:r>
-              <a:rPr lang="en-US" sz="4000" dirty="0" smtClean="0"/>
-              <a:t/>
-            </a:r>
-            <a:br>
-              <a:rPr lang="en-US" sz="4000" dirty="0" smtClean="0"/>
-            </a:br>
-            <a:r>
-              <a:rPr lang="en-US" sz="3200" dirty="0" smtClean="0"/>
-              <a:t>Lesson</a:t>
-            </a:r>
-            <a:endParaRPr lang="en-US" sz="3200" dirty="0"/>
-          </a:p>
-        </p:txBody>
-      </p:sp>
-      <p:sp>
-        <p:nvSpPr>
-          <p:cNvPr id="7" name="TextBox 6"/>
-          <p:cNvSpPr txBox="1"/>
-          <p:nvPr/>
-        </p:nvSpPr>
-        <p:spPr>
-          <a:xfrm>
-            <a:off x="1650339" y="6062377"/>
-            <a:ext cx="4750545" cy="400110"/>
-          </a:xfrm>
-          <a:prstGeom prst="rect">
-            <a:avLst/>
-          </a:prstGeom>
-          <a:noFill/>
-        </p:spPr>
-        <p:txBody>
-          <a:bodyPr wrap="square" rtlCol="0">
-            <a:spAutoFit/>
+        <p:spPr/>
+        <p:txBody>
+          <a:bodyPr>
+            <a:normAutofit fontScale="90000"/>
           </a:bodyPr>
           <a:lstStyle/>
           <a:p>
             <a:r>
-              <a:rPr lang="en-US" sz="2000" dirty="0" smtClean="0"/>
-              <a:t>By: Droids Robotics</a:t>
-            </a:r>
-          </a:p>
-        </p:txBody>
-      </p:sp>
-      <p:sp>
-        <p:nvSpPr>
-          <p:cNvPr id="4" name="TextBox 3"/>
-          <p:cNvSpPr txBox="1"/>
-          <p:nvPr/>
-        </p:nvSpPr>
-        <p:spPr>
-          <a:xfrm>
-            <a:off x="550088" y="2713113"/>
-            <a:ext cx="8187512" cy="954107"/>
-          </a:xfrm>
-          <a:prstGeom prst="rect">
-            <a:avLst/>
-          </a:prstGeom>
-          <a:noFill/>
-        </p:spPr>
-        <p:txBody>
-          <a:bodyPr wrap="square" rtlCol="0">
-            <a:spAutoFit/>
+              <a:rPr lang="en-US" dirty="0" smtClean="0"/>
+              <a:t>INTERMEDIATE PROGRAMMING LESSON</a:t>
+            </a:r>
+            <a:endParaRPr lang="en-US" dirty="0"/>
+          </a:p>
+        </p:txBody>
+      </p:sp>
+      <p:sp>
+        <p:nvSpPr>
+          <p:cNvPr id="3" name="Subtitle 2"/>
+          <p:cNvSpPr>
+            <a:spLocks noGrp="1"/>
+          </p:cNvSpPr>
+          <p:nvPr>
+            <p:ph type="subTitle" idx="1"/>
+          </p:nvPr>
+        </p:nvSpPr>
+        <p:spPr/>
+        <p:txBody>
+          <a:bodyPr>
+            <a:normAutofit lnSpcReduction="10000"/>
           </a:bodyPr>
           <a:lstStyle/>
           <a:p>
             <a:r>
-              <a:rPr lang="en-US" sz="2800" dirty="0" err="1" smtClean="0">
-                <a:solidFill>
-                  <a:srgbClr val="FF0000"/>
-                </a:solidFill>
-              </a:rPr>
-              <a:t>Turn_Degrees</a:t>
-            </a:r>
-            <a:r>
-              <a:rPr lang="en-US" sz="2800" dirty="0" smtClean="0">
-                <a:solidFill>
-                  <a:srgbClr val="FF0000"/>
-                </a:solidFill>
-              </a:rPr>
-              <a:t> My Block</a:t>
-            </a:r>
-            <a:endParaRPr lang="en-US" sz="2800" dirty="0">
-              <a:solidFill>
-                <a:srgbClr val="FF0000"/>
-              </a:solidFill>
-            </a:endParaRPr>
-          </a:p>
-          <a:p>
-            <a:endParaRPr lang="en-US" sz="2800" dirty="0"/>
-          </a:p>
-        </p:txBody>
-      </p:sp>
-      <p:pic>
-        <p:nvPicPr>
-          <p:cNvPr id="1026" name="Picture 2" descr="EV3Lessons.com"/>
-          <p:cNvPicPr>
-            <a:picLocks noChangeAspect="1" noChangeArrowheads="1"/>
-          </p:cNvPicPr>
-          <p:nvPr/>
-        </p:nvPicPr>
-        <p:blipFill>
-          <a:blip r:embed="rId3">
-            <a:extLst>
-              <a:ext uri="{28A0092B-C50C-407E-A947-70E740481C1C}">
-                <a14:useLocalDpi xmlns:a14="http://schemas.microsoft.com/office/drawing/2010/main" val="0"/>
-              </a:ext>
-            </a:extLst>
-          </a:blip>
-          <a:srcRect/>
-          <a:stretch>
-            <a:fillRect/>
-          </a:stretch>
-        </p:blipFill>
-        <p:spPr bwMode="auto">
-          <a:xfrm>
-            <a:off x="4585105" y="436041"/>
-            <a:ext cx="4231698" cy="1571774"/>
-          </a:xfrm>
-          <a:prstGeom prst="rect">
-            <a:avLst/>
-          </a:prstGeom>
-          <a:noFill/>
-          <a:extLst>
-            <a:ext uri="{909E8E84-426E-40DD-AFC4-6F175D3DCCD1}">
-              <a14:hiddenFill xmlns:a14="http://schemas.microsoft.com/office/drawing/2010/main">
-                <a:solidFill>
-                  <a:srgbClr val="FFFFFF"/>
-                </a:solidFill>
-              </a14:hiddenFill>
-            </a:ext>
-          </a:extLst>
-        </p:spPr>
-      </p:pic>
-      <p:pic>
-        <p:nvPicPr>
-          <p:cNvPr id="8" name="Picture 7"/>
-          <p:cNvPicPr>
-            <a:picLocks noChangeAspect="1"/>
-          </p:cNvPicPr>
-          <p:nvPr/>
-        </p:nvPicPr>
-        <p:blipFill>
-          <a:blip r:embed="rId4">
-            <a:extLst>
-              <a:ext uri="{28A0092B-C50C-407E-A947-70E740481C1C}">
-                <a14:useLocalDpi xmlns:a14="http://schemas.microsoft.com/office/drawing/2010/main" val="0"/>
-              </a:ext>
-            </a:extLst>
-          </a:blip>
-          <a:stretch>
-            <a:fillRect/>
-          </a:stretch>
-        </p:blipFill>
-        <p:spPr>
-          <a:xfrm>
-            <a:off x="402305" y="5241747"/>
-            <a:ext cx="1286881" cy="1231116"/>
-          </a:xfrm>
-          <a:prstGeom prst="rect">
-            <a:avLst/>
-          </a:prstGeom>
-        </p:spPr>
-      </p:pic>
+              <a:rPr lang="en-US" dirty="0" smtClean="0"/>
+              <a:t>TURN_DEGREES My BLOCK</a:t>
+            </a:r>
+            <a:endParaRPr lang="en-US" dirty="0"/>
+          </a:p>
+        </p:txBody>
+      </p:sp>
     </p:spTree>
     <p:extLst>
       <p:ext uri="{BB962C8B-B14F-4D97-AF65-F5344CB8AC3E}">
-        <p14:creationId xmlns:p14="http://schemas.microsoft.com/office/powerpoint/2010/main" val="2378793980"/>
+        <p14:creationId xmlns:p14="http://schemas.microsoft.com/office/powerpoint/2010/main" val="692260914"/>
       </p:ext>
     </p:extLst>
   </p:cSld>
   <p:clrMapOvr>
     <a:masterClrMapping/>
   </p:clrMapOvr>
-  <p:timing>
-    <p:tnLst>
-      <p:par>
-        <p:cTn id="1" dur="indefinite" restart="never" nodeType="tmRoot"/>
-      </p:par>
-    </p:tnLst>
-  </p:timing>
 </p:sld>
 </file>
 
@@ -4633,15 +4932,19 @@
           <a:p>
             <a:r>
               <a:rPr lang="en-US" dirty="0" smtClean="0"/>
-              <a:t>Step 3b: </a:t>
+              <a:t>Step </a:t>
+            </a:r>
+            <a:r>
+              <a:rPr lang="en-US" dirty="0" smtClean="0"/>
+              <a:t>3B: </a:t>
             </a:r>
             <a:r>
               <a:rPr lang="en-US" dirty="0" err="1" smtClean="0"/>
-              <a:t>Turn_DEGREES</a:t>
+              <a:t>Turn_Degrees</a:t>
             </a:r>
             <a:r>
               <a:rPr lang="en-US" dirty="0" smtClean="0"/>
-              <a:t> MY </a:t>
+              <a:t> My </a:t>
             </a:r>
             <a:r>
               <a:rPr lang="en-US" dirty="0" err="1" smtClean="0"/>
@@ -4776,12 +5079,22 @@
         </p:nvSpPr>
         <p:spPr/>
         <p:txBody>
-          <a:bodyPr/>
+          <a:bodyPr>
+            <a:normAutofit/>
+          </a:bodyPr>
           <a:lstStyle/>
           <a:p>
             <a:r>
               <a:rPr lang="en-US" dirty="0" smtClean="0"/>
-              <a:t>STEP 3B: A look inside: </a:t>
+              <a:t>STEP 3B: </a:t>
+            </a:r>
+            <a:r>
+              <a:rPr lang="en-US" dirty="0" smtClean="0"/>
+              <a:t>Inside</a:t>
+            </a:r>
+            <a:r>
+              <a:rPr lang="en-US" dirty="0" smtClean="0"/>
+              <a:t> </a:t>
             </a:r>
             <a:r>
               <a:rPr lang="en-US" dirty="0" err="1" smtClean="0"/>
@@ -4789,7 +5102,11 @@
             </a:r>
             <a:r>
               <a:rPr lang="en-US" dirty="0" smtClean="0"/>
-              <a:t> right</a:t>
+              <a:t> </a:t>
+            </a:r>
+            <a:r>
+              <a:rPr lang="en-US" dirty="0" smtClean="0"/>
+              <a:t>Right</a:t>
             </a:r>
             <a:endParaRPr lang="en-US" dirty="0"/>
           </a:p>
@@ -4912,12 +5229,18 @@
         </p:nvSpPr>
         <p:spPr/>
         <p:txBody>
-          <a:bodyPr/>
+          <a:bodyPr>
+            <a:normAutofit/>
+          </a:bodyPr>
           <a:lstStyle/>
           <a:p>
             <a:r>
               <a:rPr lang="en-US" dirty="0" smtClean="0"/>
-              <a:t>STEP 3B: A look inside: </a:t>
+              <a:t>STEP 3B: </a:t>
+            </a:r>
+            <a:r>
+              <a:rPr lang="en-US" dirty="0" smtClean="0"/>
+              <a:t>Inside </a:t>
             </a:r>
             <a:r>
               <a:rPr lang="en-US" dirty="0" err="1" smtClean="0"/>
@@ -4925,7 +5248,11 @@
             </a:r>
             <a:r>
               <a:rPr lang="en-US" dirty="0" smtClean="0"/>
-              <a:t> left</a:t>
+              <a:t> </a:t>
+            </a:r>
+            <a:r>
+              <a:rPr lang="en-US" dirty="0" smtClean="0"/>
+              <a:t>left</a:t>
             </a:r>
             <a:endParaRPr lang="en-US" dirty="0"/>
           </a:p>
@@ -5053,7 +5380,7 @@
           <a:p>
             <a:r>
               <a:rPr lang="en-US" dirty="0" smtClean="0"/>
-              <a:t>DISCUSSION</a:t>
+              <a:t>Discussion</a:t>
             </a:r>
             <a:endParaRPr lang="en-US" dirty="0"/>
           </a:p>
@@ -5069,97 +5396,61 @@
             <p:ph idx="1"/>
           </p:nvPr>
         </p:nvSpPr>
-        <p:spPr>
-          <a:xfrm>
-            <a:off x="457200" y="1244600"/>
-            <a:ext cx="8245474" cy="4965700"/>
-          </a:xfrm>
-        </p:spPr>
-        <p:txBody>
-          <a:bodyPr>
-            <a:normAutofit lnSpcReduction="10000"/>
-          </a:bodyPr>
-          <a:lstStyle/>
-          <a:p>
-            <a:r>
-              <a:rPr lang="en-US" dirty="0" smtClean="0"/>
-              <a:t>Why is a </a:t>
-            </a:r>
-            <a:r>
-              <a:rPr lang="en-US" dirty="0" err="1" smtClean="0"/>
-              <a:t>Turn_Degree</a:t>
-            </a:r>
-            <a:r>
-              <a:rPr lang="en-US" dirty="0" smtClean="0"/>
-              <a:t> My Block useful?</a:t>
+        <p:spPr/>
+        <p:txBody>
+          <a:bodyPr/>
+          <a:lstStyle/>
+          <a:p>
+            <a:r>
+              <a:rPr lang="en-US" smtClean="0"/>
+              <a:t>Why is a Turn_Degree My Block useful?</a:t>
             </a:r>
           </a:p>
           <a:p>
             <a:pPr lvl="1"/>
             <a:r>
-              <a:rPr lang="en-US" b="0" dirty="0" smtClean="0"/>
+              <a:rPr lang="en-US" smtClean="0"/>
               <a:t>You can measure turns using a protractor and input this number into your turn block</a:t>
             </a:r>
           </a:p>
           <a:p>
             <a:pPr lvl="1"/>
-            <a:endParaRPr lang="en-US" b="0" dirty="0"/>
-          </a:p>
-          <a:p>
-            <a:r>
-              <a:rPr lang="en-US" dirty="0" smtClean="0"/>
-              <a:t>Will changing the inputs in one copy of </a:t>
-            </a:r>
-            <a:r>
-              <a:rPr lang="en-US" dirty="0" err="1" smtClean="0"/>
-              <a:t>Turn_Degrees</a:t>
-            </a:r>
-            <a:r>
-              <a:rPr lang="en-US" dirty="0" smtClean="0"/>
-              <a:t> impact another copy of it?</a:t>
+            <a:endParaRPr lang="en-US" smtClean="0"/>
+          </a:p>
+          <a:p>
+            <a:r>
+              <a:rPr lang="en-US" smtClean="0"/>
+              <a:t>Will changing the inputs in one copy of Turn_Degrees impact another copy of it?</a:t>
             </a:r>
           </a:p>
           <a:p>
             <a:pPr lvl="1"/>
             <a:r>
-              <a:rPr lang="en-US" dirty="0" smtClean="0"/>
+              <a:rPr lang="en-US" smtClean="0"/>
               <a:t>No. That is exactly why a My Block is useful.  You can use the same block multiple times, each time using a different number for power and degrees (or any other parameter you set up).</a:t>
+            </a:r>
+          </a:p>
+          <a:p>
+            <a:pPr lvl="1"/>
+            <a:endParaRPr lang="en-US" smtClean="0"/>
+          </a:p>
+          <a:p>
+            <a:r>
+              <a:rPr lang="en-US" smtClean="0"/>
+              <a:t>Can you alter a My Block after it is made?</a:t>
+            </a:r>
+          </a:p>
+          <a:p>
+            <a:pPr lvl="1"/>
+            <a:r>
+              <a:rPr lang="en-US" smtClean="0"/>
+              <a:t>You can change any of the contents, but not the grey blocks (input and output parameters).  If you need to make changes to the parameters, you must remake your My Block.</a:t>
             </a:r>
           </a:p>
           <a:p>
             <a:pPr lvl="1"/>
             <a:endParaRPr lang="en-US" dirty="0"/>
           </a:p>
-          <a:p>
-            <a:r>
-              <a:rPr lang="en-US" dirty="0"/>
-              <a:t>Can you alter a My Block after it is made?</a:t>
-            </a:r>
-          </a:p>
-          <a:p>
-            <a:pPr lvl="1"/>
-            <a:r>
-              <a:rPr lang="en-US" dirty="0"/>
-              <a:t>You can change any of the contents, but not the grey blocks (input and output parameters).  </a:t>
-            </a:r>
-            <a:r>
-              <a:rPr lang="en-US" dirty="0" smtClean="0"/>
-              <a:t>If you need to make changes to the parameters, you must </a:t>
-            </a:r>
-            <a:r>
-              <a:rPr lang="en-US" dirty="0"/>
-              <a:t>remake your My </a:t>
-            </a:r>
-            <a:r>
-              <a:rPr lang="en-US" dirty="0" smtClean="0"/>
-              <a:t>Block.</a:t>
-            </a:r>
-            <a:endParaRPr lang="en-US" dirty="0"/>
-          </a:p>
-          <a:p>
-            <a:pPr lvl="1"/>
-            <a:endParaRPr lang="en-US" dirty="0"/>
-          </a:p>
         </p:txBody>
       </p:sp>
       <p:sp>
@@ -5202,6 +5493,7 @@
           <a:p>
             <a:fld id="{4DBC7FC8-25FB-FC45-8177-2B991DA6778C}" type="slidenum">
               <a:rPr lang="en-US" smtClean="0"/>
+              <a:pPr/>
               <a:t>13</a:t>
             </a:fld>
             <a:endParaRPr lang="en-US"/>
@@ -5254,8 +5546,8 @@
           <a:lstStyle/>
           <a:p>
             <a:r>
-              <a:rPr lang="en-US" smtClean="0"/>
-              <a:t>CREDITS</a:t>
+              <a:rPr lang="en-US" dirty="0" smtClean="0"/>
+              <a:t>Credits</a:t>
             </a:r>
             <a:endParaRPr lang="en-US" dirty="0"/>
           </a:p>
@@ -5278,7 +5570,23 @@
           <a:p>
             <a:r>
               <a:rPr lang="en-US" dirty="0" smtClean="0"/>
-              <a:t>This tutorial was created by Sanjay Seshan and Arvind Seshan from Droids Robotics.</a:t>
+              <a:t>This tutorial was created by Sanjay </a:t>
+            </a:r>
+            <a:r>
+              <a:rPr lang="en-US" dirty="0" err="1" smtClean="0"/>
+              <a:t>Seshan</a:t>
+            </a:r>
+            <a:r>
+              <a:rPr lang="en-US" dirty="0" smtClean="0"/>
+              <a:t> and Arvind </a:t>
+            </a:r>
+            <a:r>
+              <a:rPr lang="en-US" dirty="0" err="1" smtClean="0"/>
+              <a:t>Seshan</a:t>
+            </a:r>
+            <a:r>
+              <a:rPr lang="en-US" dirty="0" smtClean="0"/>
+              <a:t> from Droids Robotics.</a:t>
             </a:r>
           </a:p>
           <a:p>
@@ -5339,18 +5647,10 @@
             <a:spLocks noGrp="1"/>
           </p:cNvSpPr>
           <p:nvPr>
-            <p:ph type="sldNum" sz="quarter" idx="4294967295"/>
-          </p:nvPr>
-        </p:nvSpPr>
-        <p:spPr>
-          <a:xfrm>
-            <a:off x="8477026" y="6358106"/>
-            <a:ext cx="666974" cy="365125"/>
-          </a:xfrm>
-          <a:prstGeom prst="rect">
-            <a:avLst/>
-          </a:prstGeom>
-        </p:spPr>
+            <p:ph type="sldNum" sz="quarter" idx="12"/>
+          </p:nvPr>
+        </p:nvSpPr>
+        <p:spPr/>
         <p:txBody>
           <a:bodyPr/>
           <a:lstStyle/>
@@ -5815,7 +6115,7 @@
           <a:p>
             <a:r>
               <a:rPr lang="en-US" dirty="0" smtClean="0"/>
-              <a:t>LESSON OBJECTIVES</a:t>
+              <a:t>Lesson Objectives</a:t>
             </a:r>
             <a:endParaRPr lang="en-US" dirty="0"/>
           </a:p>
@@ -5874,17 +6174,9 @@
             </a:r>
           </a:p>
           <a:p>
-            <a:pPr marL="457200" indent="-457200">
-              <a:buFont typeface="+mj-lt"/>
-              <a:buAutoNum type="arabicPeriod"/>
-            </a:pPr>
-            <a:endParaRPr lang="en-US" dirty="0"/>
-          </a:p>
-          <a:p>
-            <a:pPr marL="457200" indent="-457200">
-              <a:buFont typeface="+mj-lt"/>
-              <a:buAutoNum type="arabicPeriod"/>
-            </a:pPr>
+            <a:endParaRPr lang="en-US" dirty="0" smtClean="0"/>
+          </a:p>
+          <a:p>
             <a:endParaRPr lang="en-US" dirty="0" smtClean="0"/>
           </a:p>
           <a:p>
@@ -5936,6 +6228,7 @@
           <a:p>
             <a:fld id="{4DBC7FC8-25FB-FC45-8177-2B991DA6778C}" type="slidenum">
               <a:rPr lang="en-US" smtClean="0"/>
+              <a:pPr/>
               <a:t>2</a:t>
             </a:fld>
             <a:endParaRPr lang="en-US"/>
@@ -6037,14 +6330,131 @@
         </p:nvSpPr>
         <p:spPr/>
         <p:txBody>
+          <a:bodyPr>
+            <a:normAutofit/>
+          </a:bodyPr>
+          <a:lstStyle/>
+          <a:p>
+            <a:r>
+              <a:rPr lang="en-US" dirty="0" smtClean="0"/>
+              <a:t>Rotation vs. </a:t>
+            </a:r>
+            <a:r>
+              <a:rPr lang="en-US" dirty="0" err="1" smtClean="0"/>
+              <a:t>Protactor</a:t>
+            </a:r>
+            <a:r>
+              <a:rPr lang="en-US" dirty="0" smtClean="0"/>
+              <a:t> Degrees</a:t>
+            </a:r>
+            <a:endParaRPr lang="en-US" dirty="0"/>
+          </a:p>
+        </p:txBody>
+      </p:sp>
+      <p:sp>
+        <p:nvSpPr>
+          <p:cNvPr id="27" name="Content Placeholder 2"/>
+          <p:cNvSpPr>
+            <a:spLocks noGrp="1"/>
+          </p:cNvSpPr>
+          <p:nvPr>
+            <p:ph idx="1"/>
+          </p:nvPr>
+        </p:nvSpPr>
+        <p:spPr>
+          <a:xfrm>
+            <a:off x="237383" y="4273579"/>
+            <a:ext cx="8242737" cy="407974"/>
+          </a:xfrm>
+        </p:spPr>
+        <p:txBody>
+          <a:bodyPr>
+            <a:noAutofit/>
+          </a:bodyPr>
+          <a:lstStyle/>
+          <a:p>
+            <a:pPr marL="342900" indent="-342900">
+              <a:buFont typeface="Arial" panose="020B0604020202020204" pitchFamily="34" charset="0"/>
+              <a:buChar char="•"/>
+            </a:pPr>
+            <a:r>
+              <a:rPr lang="en-US" sz="1800" smtClean="0"/>
+              <a:t>Just like Move_CM, you can also create a My Block for turns. In Move Centimeters, we had to figure out how much the robot wheels rotate for one CM.</a:t>
+            </a:r>
+          </a:p>
+          <a:p>
+            <a:pPr marL="342900" indent="-342900">
+              <a:buFont typeface="Arial" panose="020B0604020202020204" pitchFamily="34" charset="0"/>
+              <a:buChar char="•"/>
+            </a:pPr>
+            <a:r>
+              <a:rPr lang="en-US" sz="1800" smtClean="0"/>
+              <a:t>To make a </a:t>
+            </a:r>
+            <a:r>
+              <a:rPr lang="en-US" sz="1800" smtClean="0">
+                <a:cs typeface="Courier"/>
+              </a:rPr>
+              <a:t>Turn Degrees</a:t>
+            </a:r>
+            <a:r>
+              <a:rPr lang="en-US" sz="1800" smtClean="0">
+                <a:latin typeface="Courier"/>
+                <a:cs typeface="Courier"/>
+              </a:rPr>
+              <a:t> </a:t>
+            </a:r>
+            <a:r>
+              <a:rPr lang="en-US" sz="1800" smtClean="0"/>
+              <a:t>My Block, you have to figure out how much your rotation sensor on the motor turns for one degree on a protractor. </a:t>
+            </a:r>
+            <a:endParaRPr lang="en-US" sz="1800" dirty="0" smtClean="0"/>
+          </a:p>
+        </p:txBody>
+      </p:sp>
+      <p:sp>
+        <p:nvSpPr>
+          <p:cNvPr id="6" name="Footer Placeholder 5"/>
+          <p:cNvSpPr>
+            <a:spLocks noGrp="1"/>
+          </p:cNvSpPr>
+          <p:nvPr>
+            <p:ph type="ftr" sz="quarter" idx="11"/>
+          </p:nvPr>
+        </p:nvSpPr>
+        <p:spPr/>
+        <p:txBody>
           <a:bodyPr/>
           <a:lstStyle/>
           <a:p>
             <a:r>
-              <a:rPr lang="en-US" dirty="0" smtClean="0"/>
-              <a:t>ROTATION DEGREES vs PROTRACTOR DEGREES</a:t>
-            </a:r>
-            <a:endParaRPr lang="en-US" dirty="0"/>
+              <a:rPr lang="en-US" smtClean="0"/>
+              <a:t>© 2015, EV3Lessons.com (last edit 11/02/15)</a:t>
+            </a:r>
+            <a:endParaRPr lang="en-US"/>
+          </a:p>
+        </p:txBody>
+      </p:sp>
+      <p:sp>
+        <p:nvSpPr>
+          <p:cNvPr id="7" name="Slide Number Placeholder 6"/>
+          <p:cNvSpPr>
+            <a:spLocks noGrp="1"/>
+          </p:cNvSpPr>
+          <p:nvPr>
+            <p:ph type="sldNum" sz="quarter" idx="12"/>
+          </p:nvPr>
+        </p:nvSpPr>
+        <p:spPr/>
+        <p:txBody>
+          <a:bodyPr/>
+          <a:lstStyle/>
+          <a:p>
+            <a:fld id="{4DBC7FC8-25FB-FC45-8177-2B991DA6778C}" type="slidenum">
+              <a:rPr lang="en-US" smtClean="0"/>
+              <a:t>3</a:t>
+            </a:fld>
+            <a:endParaRPr lang="en-US"/>
           </a:p>
         </p:txBody>
       </p:sp>
@@ -6250,52 +6660,6 @@
           <a:lstStyle/>
           <a:p>
             <a:pPr algn="ctr"/>
-            <a:endParaRPr lang="en-US"/>
-          </a:p>
-        </p:txBody>
-      </p:sp>
-      <p:sp>
-        <p:nvSpPr>
-          <p:cNvPr id="6" name="Footer Placeholder 5"/>
-          <p:cNvSpPr>
-            <a:spLocks noGrp="1"/>
-          </p:cNvSpPr>
-          <p:nvPr>
-            <p:ph type="ftr" sz="quarter" idx="11"/>
-          </p:nvPr>
-        </p:nvSpPr>
-        <p:spPr/>
-        <p:txBody>
-          <a:bodyPr/>
-          <a:lstStyle/>
-          <a:p>
-            <a:r>
-              <a:rPr lang="en-US" smtClean="0"/>
-              <a:t>© 2015, EV3Lessons.com (last edit 11/02/15)</a:t>
-            </a:r>
-            <a:endParaRPr lang="en-US"/>
-          </a:p>
-        </p:txBody>
-      </p:sp>
-      <p:sp>
-        <p:nvSpPr>
-          <p:cNvPr id="7" name="Slide Number Placeholder 6"/>
-          <p:cNvSpPr>
-            <a:spLocks noGrp="1"/>
-          </p:cNvSpPr>
-          <p:nvPr>
-            <p:ph type="sldNum" sz="quarter" idx="12"/>
-          </p:nvPr>
-        </p:nvSpPr>
-        <p:spPr/>
-        <p:txBody>
-          <a:bodyPr/>
-          <a:lstStyle/>
-          <a:p>
-            <a:fld id="{4DBC7FC8-25FB-FC45-8177-2B991DA6778C}" type="slidenum">
-              <a:rPr lang="en-US" smtClean="0"/>
-              <a:t>3</a:t>
-            </a:fld>
             <a:endParaRPr lang="en-US"/>
           </a:p>
         </p:txBody>
@@ -6576,74 +6940,6 @@
           </p:txBody>
         </p:sp>
       </p:grpSp>
-      <p:sp>
-        <p:nvSpPr>
-          <p:cNvPr id="27" name="Content Placeholder 2"/>
-          <p:cNvSpPr>
-            <a:spLocks noGrp="1"/>
-          </p:cNvSpPr>
-          <p:nvPr>
-            <p:ph idx="1"/>
-          </p:nvPr>
-        </p:nvSpPr>
-        <p:spPr>
-          <a:xfrm>
-            <a:off x="237383" y="4273579"/>
-            <a:ext cx="8242737" cy="407974"/>
-          </a:xfrm>
-        </p:spPr>
-        <p:txBody>
-          <a:bodyPr>
-            <a:noAutofit/>
-          </a:bodyPr>
-          <a:lstStyle/>
-          <a:p>
-            <a:pPr marL="342900" indent="-342900">
-              <a:buFont typeface="Arial" panose="020B0604020202020204" pitchFamily="34" charset="0"/>
-              <a:buChar char="•"/>
-            </a:pPr>
-            <a:r>
-              <a:rPr lang="en-US" sz="1800" dirty="0" smtClean="0"/>
-              <a:t>Just like </a:t>
-            </a:r>
-            <a:r>
-              <a:rPr lang="en-US" sz="1800" dirty="0" err="1" smtClean="0"/>
-              <a:t>Move_CM</a:t>
-            </a:r>
-            <a:r>
-              <a:rPr lang="en-US" sz="1800" dirty="0" smtClean="0"/>
-              <a:t>, you can also create a My Block for turns. In Move Centimeters, we had to figure out how much the robot wheels rotate for one CM.</a:t>
-            </a:r>
-          </a:p>
-          <a:p>
-            <a:pPr marL="342900" indent="-342900">
-              <a:buFont typeface="Arial" panose="020B0604020202020204" pitchFamily="34" charset="0"/>
-              <a:buChar char="•"/>
-            </a:pPr>
-            <a:r>
-              <a:rPr lang="en-US" sz="1800" dirty="0" smtClean="0"/>
-              <a:t>To make a </a:t>
-            </a:r>
-            <a:r>
-              <a:rPr lang="en-US" sz="1800" dirty="0" smtClean="0">
-                <a:cs typeface="Courier"/>
-              </a:rPr>
-              <a:t>Turn Degrees</a:t>
-            </a:r>
-            <a:r>
-              <a:rPr lang="en-US" sz="1800" dirty="0">
-                <a:latin typeface="Courier"/>
-                <a:cs typeface="Courier"/>
-              </a:rPr>
-              <a:t> </a:t>
-            </a:r>
-            <a:r>
-              <a:rPr lang="en-US" sz="1800" dirty="0" smtClean="0"/>
-              <a:t>My Block, you have to figure out how much your rotation sensor on the motor turns for one degree on a protractor. </a:t>
-            </a:r>
-          </a:p>
-        </p:txBody>
-      </p:sp>
     </p:spTree>
     <p:extLst>
       <p:ext uri="{BB962C8B-B14F-4D97-AF65-F5344CB8AC3E}">
@@ -6701,34 +6997,6 @@
         </p:nvSpPr>
         <p:spPr/>
         <p:txBody>
-          <a:bodyPr/>
-          <a:lstStyle/>
-          <a:p>
-            <a:r>
-              <a:rPr lang="en-US" dirty="0" smtClean="0"/>
-              <a:t>TURN_DEGREES IN THREE EASY STEPS</a:t>
-            </a:r>
-            <a:endParaRPr lang="en-US" dirty="0"/>
-          </a:p>
-        </p:txBody>
-      </p:sp>
-      <p:sp>
-        <p:nvSpPr>
-          <p:cNvPr id="3" name="Content Placeholder 2"/>
-          <p:cNvSpPr>
-            <a:spLocks noGrp="1"/>
-          </p:cNvSpPr>
-          <p:nvPr>
-            <p:ph idx="1"/>
-          </p:nvPr>
-        </p:nvSpPr>
-        <p:spPr>
-          <a:xfrm>
-            <a:off x="457200" y="1550884"/>
-            <a:ext cx="7940842" cy="4373563"/>
-          </a:xfrm>
-        </p:spPr>
-        <p:txBody>
           <a:bodyPr>
             <a:normAutofit/>
           </a:bodyPr>
@@ -6736,6 +7004,36 @@
           <a:p>
             <a:r>
               <a:rPr lang="en-US" dirty="0" smtClean="0"/>
+              <a:t>Turn Degrees in 3 Easy Steps</a:t>
+            </a:r>
+            <a:endParaRPr lang="en-US" dirty="0"/>
+          </a:p>
+        </p:txBody>
+      </p:sp>
+      <p:sp>
+        <p:nvSpPr>
+          <p:cNvPr id="3" name="Content Placeholder 2"/>
+          <p:cNvSpPr>
+            <a:spLocks noGrp="1"/>
+          </p:cNvSpPr>
+          <p:nvPr>
+            <p:ph idx="1"/>
+          </p:nvPr>
+        </p:nvSpPr>
+        <p:spPr>
+          <a:xfrm>
+            <a:off x="227874" y="1552353"/>
+            <a:ext cx="8170168" cy="4372094"/>
+          </a:xfrm>
+        </p:spPr>
+        <p:txBody>
+          <a:bodyPr>
+            <a:normAutofit/>
+          </a:bodyPr>
+          <a:lstStyle/>
+          <a:p>
+            <a:r>
+              <a:rPr lang="en-US" b="1" dirty="0" smtClean="0"/>
               <a:t>STEP 1: </a:t>
             </a:r>
             <a:r>
@@ -6768,7 +7066,7 @@
           </a:p>
           <a:p>
             <a:r>
-              <a:rPr lang="en-US" dirty="0" smtClean="0"/>
+              <a:rPr lang="en-US" b="1" dirty="0" smtClean="0"/>
               <a:t>STEP 2: </a:t>
             </a:r>
             <a:r>
@@ -6781,7 +7079,7 @@
           </a:p>
           <a:p>
             <a:r>
-              <a:rPr lang="en-US" dirty="0" smtClean="0"/>
+              <a:rPr lang="en-US" b="1" dirty="0" smtClean="0"/>
               <a:t>STEP 3: </a:t>
             </a:r>
             <a:r>
@@ -6901,16 +7199,26 @@
         </p:nvSpPr>
         <p:spPr/>
         <p:txBody>
-          <a:bodyPr/>
-          <a:lstStyle/>
-          <a:p>
-            <a:r>
-              <a:rPr lang="en-US" dirty="0" err="1" smtClean="0"/>
-              <a:t>STEp</a:t>
-            </a:r>
+          <a:bodyPr>
+            <a:normAutofit fontScale="90000"/>
+          </a:bodyPr>
+          <a:lstStyle/>
+          <a:p>
             <a:r>
               <a:rPr lang="en-US" dirty="0" smtClean="0"/>
-              <a:t> 1A: Measuring the Rotation Sensor</a:t>
+              <a:t>Step 1A: </a:t>
+            </a:r>
+            <a:r>
+              <a:rPr lang="en-US" dirty="0" smtClean="0"/>
+              <a:t>Measuring </a:t>
+            </a:r>
+            <a:r>
+              <a:rPr lang="en-US" dirty="0" smtClean="0"/>
+              <a:t>Rotation </a:t>
+            </a:r>
+            <a:r>
+              <a:rPr lang="en-US" dirty="0" smtClean="0"/>
+              <a:t>Sensor</a:t>
             </a:r>
             <a:endParaRPr lang="en-US" dirty="0"/>
           </a:p>
@@ -6929,7 +7237,7 @@
         <p:spPr/>
         <p:txBody>
           <a:bodyPr>
-            <a:normAutofit fontScale="92500" lnSpcReduction="10000"/>
+            <a:normAutofit/>
           </a:bodyPr>
           <a:lstStyle/>
           <a:p>
@@ -7142,12 +7450,22 @@
         </p:nvSpPr>
         <p:spPr/>
         <p:txBody>
-          <a:bodyPr/>
+          <a:bodyPr>
+            <a:normAutofit/>
+          </a:bodyPr>
           <a:lstStyle/>
           <a:p>
             <a:r>
               <a:rPr lang="en-US" dirty="0" smtClean="0"/>
-              <a:t>Step 1B: TURN THE ROBOT 1 degree</a:t>
+              <a:t>Step 1B: </a:t>
+            </a:r>
+            <a:r>
+              <a:rPr lang="en-US" dirty="0" smtClean="0"/>
+              <a:t>Turn the Robot 1 </a:t>
+            </a:r>
+            <a:r>
+              <a:rPr lang="en-US" dirty="0" smtClean="0"/>
+              <a:t>degree</a:t>
             </a:r>
             <a:endParaRPr lang="en-US" dirty="0"/>
           </a:p>
@@ -7279,13 +7597,17 @@
         <p:spPr/>
         <p:txBody>
           <a:bodyPr>
-            <a:normAutofit fontScale="90000"/>
+            <a:normAutofit/>
           </a:bodyPr>
           <a:lstStyle/>
           <a:p>
             <a:r>
               <a:rPr lang="en-US" dirty="0" smtClean="0"/>
-              <a:t>Step 2: CREATE a PROTRACTOR DEGREE TO MOTOR DEGREE CALULATOR</a:t>
+              <a:t>Step 2: </a:t>
+            </a:r>
+            <a:r>
+              <a:rPr lang="en-US" dirty="0" smtClean="0"/>
+              <a:t>Protractor to Motor Degree</a:t>
             </a:r>
             <a:endParaRPr lang="en-US" dirty="0"/>
           </a:p>
@@ -7413,19 +7735,14 @@
             <p:ph type="title"/>
           </p:nvPr>
         </p:nvSpPr>
-        <p:spPr>
-          <a:xfrm>
-            <a:off x="457199" y="152718"/>
-            <a:ext cx="8402321" cy="1371600"/>
-          </a:xfrm>
-        </p:spPr>
+        <p:spPr/>
         <p:txBody>
           <a:bodyPr/>
           <a:lstStyle/>
           <a:p>
             <a:r>
               <a:rPr lang="en-US" dirty="0" smtClean="0"/>
-              <a:t>Step 3a: SET Up the MY BLOCK</a:t>
+              <a:t>Step 3A: Set up My Block</a:t>
             </a:r>
             <a:endParaRPr lang="en-US" dirty="0"/>
           </a:p>
@@ -7455,8 +7772,8 @@
         </p:blipFill>
         <p:spPr>
           <a:xfrm>
-            <a:off x="4721556" y="2912811"/>
-            <a:ext cx="3981118" cy="3504849"/>
+            <a:off x="5331644" y="3531732"/>
+            <a:ext cx="3042959" cy="2678924"/>
           </a:xfrm>
         </p:spPr>
       </p:pic>
@@ -7500,6 +7817,7 @@
           <a:p>
             <a:fld id="{4DBC7FC8-25FB-FC45-8177-2B991DA6778C}" type="slidenum">
               <a:rPr lang="en-US" smtClean="0"/>
+              <a:pPr/>
               <a:t>8</a:t>
             </a:fld>
             <a:endParaRPr lang="en-US"/>
@@ -7514,8 +7832,8 @@
         </p:nvSpPr>
         <p:spPr>
           <a:xfrm>
-            <a:off x="343948" y="1325461"/>
-            <a:ext cx="3298411" cy="4524315"/>
+            <a:off x="269728" y="1626891"/>
+            <a:ext cx="3298411" cy="4247317"/>
           </a:xfrm>
           <a:prstGeom prst="rect">
             <a:avLst/>
@@ -7551,9 +7869,6 @@
                 <a:srgbClr val="0070C0"/>
               </a:solidFill>
             </a:endParaRPr>
-          </a:p>
-          <a:p>
-            <a:endParaRPr lang="en-US" dirty="0"/>
           </a:p>
           <a:p>
             <a:endParaRPr lang="en-US" dirty="0" smtClean="0"/>
@@ -7631,7 +7946,7 @@
         </p:blipFill>
         <p:spPr>
           <a:xfrm>
-            <a:off x="3886200" y="1403861"/>
+            <a:off x="3896832" y="2004528"/>
             <a:ext cx="4816474" cy="1180754"/>
           </a:xfrm>
           <a:prstGeom prst="rect">
@@ -7647,7 +7962,7 @@
         </p:nvSpPr>
         <p:spPr>
           <a:xfrm>
-            <a:off x="4721556" y="1249680"/>
+            <a:off x="4732188" y="1850347"/>
             <a:ext cx="3858564" cy="1441615"/>
           </a:xfrm>
           <a:prstGeom prst="rect">
@@ -7693,7 +8008,7 @@
         </p:nvSpPr>
         <p:spPr>
           <a:xfrm>
-            <a:off x="4082967" y="942514"/>
+            <a:off x="4093599" y="1543181"/>
             <a:ext cx="457200" cy="461665"/>
           </a:xfrm>
           <a:prstGeom prst="rect">
@@ -7731,7 +8046,7 @@
         </p:nvSpPr>
         <p:spPr>
           <a:xfrm>
-            <a:off x="4323962" y="3070067"/>
+            <a:off x="5103044" y="3750550"/>
             <a:ext cx="457200" cy="461665"/>
           </a:xfrm>
           <a:prstGeom prst="rect">
@@ -7808,11 +8123,7 @@
           <a:p>
             <a:r>
               <a:rPr lang="en-US" dirty="0" smtClean="0"/>
-              <a:t>STEP 3A: Wire the Inputs in your New My </a:t>
-            </a:r>
-            <a:r>
-              <a:rPr lang="en-US" dirty="0" err="1" smtClean="0"/>
-              <a:t>BLock</a:t>
+              <a:t>STEP 3A: Wire the Inputs</a:t>
             </a:r>
             <a:endParaRPr lang="en-US" dirty="0"/>
           </a:p>
@@ -7858,6 +8169,7 @@
           <a:p>
             <a:fld id="{4DBC7FC8-25FB-FC45-8177-2B991DA6778C}" type="slidenum">
               <a:rPr lang="en-US" smtClean="0"/>
+              <a:pPr/>
               <a:t>9</a:t>
             </a:fld>
             <a:endParaRPr lang="en-US"/>
@@ -7945,58 +8257,58 @@
 </file>
 
 <file path=ppt/theme/theme1.xml><?xml version="1.0" encoding="utf-8"?>
-<a:theme xmlns:a="http://schemas.openxmlformats.org/drawingml/2006/main" name="Essential">
+<a:theme xmlns:a="http://schemas.openxmlformats.org/drawingml/2006/main" name="Retrospect">
   <a:themeElements>
-    <a:clrScheme name="Essential">
+    <a:clrScheme name="Blue II">
       <a:dk1>
-        <a:srgbClr val="000000"/>
+        <a:sysClr val="windowText" lastClr="000000"/>
       </a:dk1>
       <a:lt1>
-        <a:srgbClr val="FFFFFF"/>
+        <a:sysClr val="window" lastClr="FFFFFF"/>
       </a:lt1>
       <a:dk2>
-        <a:srgbClr val="D1282E"/>
+        <a:srgbClr val="335B74"/>
       </a:dk2>
       <a:lt2>
-        <a:srgbClr val="C8C8B1"/>
+        <a:srgbClr val="DFE3E5"/>
       </a:lt2>
       <a:accent1>
-        <a:srgbClr val="7A7A7A"/>
+        <a:srgbClr val="1CADE4"/>
       </a:accent1>
       <a:accent2>
-        <a:srgbClr val="F5C201"/>
+        <a:srgbClr val="2683C6"/>
       </a:accent2>
       <a:accent3>
-        <a:srgbClr val="526DB0"/>
+        <a:srgbClr val="27CED7"/>
       </a:accent3>
       <a:accent4>
-        <a:srgbClr val="989AAC"/>
+        <a:srgbClr val="42BA97"/>
       </a:accent4>
       <a:accent5>
-        <a:srgbClr val="DC5924"/>
+        <a:srgbClr val="3E8853"/>
       </a:accent5>
       <a:accent6>
-        <a:srgbClr val="B4B392"/>
+        <a:srgbClr val="62A39F"/>
       </a:accent6>
       <a:hlink>
-        <a:srgbClr val="CC9900"/>
+        <a:srgbClr val="6EAC1C"/>
       </a:hlink>
       <a:folHlink>
-        <a:srgbClr val="969696"/>
+        <a:srgbClr val="B26B02"/>
       </a:folHlink>
     </a:clrScheme>
-    <a:fontScheme name="Essential">
+    <a:fontScheme name="Retrospect">
       <a:majorFont>
-        <a:latin typeface="Arial Black"/>
+        <a:latin typeface="Calibri Light" panose="020F0302020204030204"/>
         <a:ea typeface=""/>
         <a:cs typeface=""/>
         <a:font script="Jpan" typeface="ＭＳ Ｐゴシック"/>
-        <a:font script="Hang" typeface="HY견고딕"/>
-        <a:font script="Hans" typeface="微软雅黑"/>
-        <a:font script="Hant" typeface="微軟正黑體"/>
-        <a:font script="Arab" typeface="Tahoma"/>
-        <a:font script="Hebr" typeface="Tahoma"/>
-        <a:font script="Thai" typeface="Tahoma"/>
+        <a:font script="Hang" typeface="맑은 고딕"/>
+        <a:font script="Hans" typeface="宋体"/>
+        <a:font script="Hant" typeface="新細明體"/>
+        <a:font script="Arab" typeface="Times New Roman"/>
+        <a:font script="Hebr" typeface="Times New Roman"/>
+        <a:font script="Thai" typeface="Angsana New"/>
         <a:font script="Ethi" typeface="Nyala"/>
         <a:font script="Beng" typeface="Vrinda"/>
         <a:font script="Gujr" typeface="Shruti"/>
@@ -8022,13 +8334,13 @@
         <a:font script="Geor" typeface="Sylfaen"/>
       </a:majorFont>
       <a:minorFont>
-        <a:latin typeface="Arial"/>
+        <a:latin typeface="Calibri" panose="020F0502020204030204"/>
         <a:ea typeface=""/>
         <a:cs typeface=""/>
         <a:font script="Jpan" typeface="ＭＳ Ｐゴシック"/>
-        <a:font script="Hang" typeface="돋움"/>
-        <a:font script="Hans" typeface="黑体"/>
-        <a:font script="Hant" typeface="微軟正黑體"/>
+        <a:font script="Hang" typeface="맑은 고딕"/>
+        <a:font script="Hans" typeface="宋体"/>
+        <a:font script="Hant" typeface="新細明體"/>
         <a:font script="Arab" typeface="Arial"/>
         <a:font script="Hebr" typeface="Arial"/>
         <a:font script="Thai" typeface="Cordia New"/>
@@ -8057,7 +8369,7 @@
         <a:font script="Geor" typeface="Sylfaen"/>
       </a:minorFont>
     </a:fontScheme>
-    <a:fmtScheme name="Essential">
+    <a:fmtScheme name="Retrospect">
       <a:fillStyleLst>
         <a:solidFill>
           <a:schemeClr val="phClr"/>
@@ -8066,48 +8378,77 @@
           <a:gsLst>
             <a:gs pos="0">
               <a:schemeClr val="phClr">
-                <a:tint val="60000"/>
-                <a:satMod val="250000"/>
+                <a:tint val="65000"/>
+                <a:shade val="92000"/>
+                <a:satMod val="130000"/>
               </a:schemeClr>
             </a:gs>
-            <a:gs pos="35000">
+            <a:gs pos="45000">
               <a:schemeClr val="phClr">
-                <a:tint val="47000"/>
-                <a:satMod val="275000"/>
+                <a:tint val="60000"/>
+                <a:shade val="99000"/>
+                <a:satMod val="120000"/>
               </a:schemeClr>
             </a:gs>
             <a:gs pos="100000">
               <a:schemeClr val="phClr">
-                <a:tint val="25000"/>
-                <a:satMod val="300000"/>
+                <a:tint val="55000"/>
+                <a:satMod val="140000"/>
               </a:schemeClr>
             </a:gs>
           </a:gsLst>
-          <a:lin ang="16200000" scaled="1"/>
+          <a:path path="circle">
+            <a:fillToRect l="100000" t="100000" r="100000" b="100000"/>
+          </a:path>
         </a:gradFill>
-        <a:solidFill>
-          <a:schemeClr val="phClr">
-            <a:satMod val="110000"/>
-          </a:schemeClr>
-        </a:solidFill>
+        <a:gradFill rotWithShape="1">
+          <a:gsLst>
+            <a:gs pos="0">
+              <a:schemeClr val="phClr">
+                <a:shade val="85000"/>
+                <a:satMod val="130000"/>
+              </a:schemeClr>
+            </a:gs>
+            <a:gs pos="34000">
+              <a:schemeClr val="phClr">
+                <a:shade val="87000"/>
+                <a:satMod val="125000"/>
+              </a:schemeClr>
+            </a:gs>
+            <a:gs pos="70000">
+              <a:schemeClr val="phClr">
+                <a:tint val="100000"/>
+                <a:shade val="90000"/>
+                <a:satMod val="130000"/>
+              </a:schemeClr>
+            </a:gs>
+            <a:gs pos="100000">
+              <a:schemeClr val="phClr">
+                <a:tint val="100000"/>
+                <a:shade val="100000"/>
+                <a:satMod val="110000"/>
+              </a:schemeClr>
+            </a:gs>
+          </a:gsLst>
+          <a:path path="circle">
+            <a:fillToRect l="100000" t="100000" r="100000" b="100000"/>
+          </a:path>
+        </a:gradFill>
       </a:fillStyleLst>
       <a:lnStyleLst>
         <a:ln w="12700" cap="flat" cmpd="sng" algn="ctr">
-          <a:solidFill>
-            <a:schemeClr val="phClr">
-              <a:shade val="95000"/>
-              <a:satMod val="105000"/>
-            </a:schemeClr>
-          </a:solidFill>
-          <a:prstDash val="solid"/>
-        </a:ln>
-        <a:ln w="28575" cap="flat" cmpd="sng" algn="ctr">
           <a:solidFill>
             <a:schemeClr val="phClr"/>
           </a:solidFill>
           <a:prstDash val="solid"/>
         </a:ln>
-        <a:ln w="41275" cap="flat" cmpd="sng" algn="ctr">
+        <a:ln w="15875" cap="flat" cmpd="sng" algn="ctr">
+          <a:solidFill>
+            <a:schemeClr val="phClr"/>
+          </a:solidFill>
+          <a:prstDash val="solid"/>
+        </a:ln>
+        <a:ln w="25400" cap="flat" cmpd="sng" algn="ctr">
           <a:solidFill>
             <a:schemeClr val="phClr"/>
           </a:solidFill>
@@ -8120,16 +8461,16 @@
         </a:effectStyle>
         <a:effectStyle>
           <a:effectLst>
-            <a:outerShdw blurRad="39999" dist="23000" algn="bl" rotWithShape="0">
+            <a:outerShdw blurRad="38100" dist="25400" dir="2700000" algn="br" rotWithShape="0">
               <a:srgbClr val="000000">
-                <a:alpha val="40000"/>
+                <a:alpha val="60000"/>
               </a:srgbClr>
             </a:outerShdw>
           </a:effectLst>
         </a:effectStyle>
         <a:effectStyle>
           <a:effectLst>
-            <a:outerShdw blurRad="38100" dist="19050" algn="bl" rotWithShape="0">
+            <a:outerShdw blurRad="44450" dist="25400" dir="2700000" algn="br" rotWithShape="0">
               <a:srgbClr val="000000">
                 <a:alpha val="60000"/>
               </a:srgbClr>
@@ -8139,10 +8480,12 @@
             <a:camera prst="orthographicFront">
               <a:rot lat="0" lon="0" rev="0"/>
             </a:camera>
-            <a:lightRig rig="balanced" dir="l"/>
+            <a:lightRig rig="threePt" dir="t">
+              <a:rot lat="0" lon="0" rev="19800000"/>
+            </a:lightRig>
           </a:scene3d>
-          <a:sp3d prstMaterial="plastic">
-            <a:bevelT w="38100" h="31750"/>
+          <a:sp3d prstMaterial="flat">
+            <a:bevelT w="25400" h="31750"/>
           </a:sp3d>
         </a:effectStyle>
       </a:effectStyleLst>
@@ -8150,50 +8493,49 @@
         <a:solidFill>
           <a:schemeClr val="phClr"/>
         </a:solidFill>
-        <a:blipFill rotWithShape="1">
-          <a:blip xmlns:r="http://schemas.openxmlformats.org/officeDocument/2006/relationships" r:embed="rId1">
-            <a:duotone>
-              <a:schemeClr val="phClr">
-                <a:tint val="96000"/>
-              </a:schemeClr>
-              <a:schemeClr val="phClr">
-                <a:shade val="94000"/>
-              </a:schemeClr>
-            </a:duotone>
-          </a:blip>
-          <a:tile tx="0" ty="0" sx="100000" sy="100000" flip="none" algn="tl"/>
-        </a:blipFill>
+        <a:solidFill>
+          <a:schemeClr val="phClr">
+            <a:tint val="90000"/>
+            <a:shade val="97000"/>
+            <a:satMod val="130000"/>
+          </a:schemeClr>
+        </a:solidFill>
         <a:gradFill rotWithShape="1">
           <a:gsLst>
             <a:gs pos="0">
               <a:schemeClr val="phClr">
-                <a:tint val="84000"/>
-                <a:satMod val="110000"/>
+                <a:tint val="96000"/>
+                <a:shade val="99000"/>
+                <a:satMod val="140000"/>
               </a:schemeClr>
             </a:gs>
-            <a:gs pos="44000">
+            <a:gs pos="65000">
               <a:schemeClr val="phClr">
-                <a:tint val="93000"/>
-                <a:satMod val="115000"/>
+                <a:tint val="100000"/>
+                <a:shade val="80000"/>
+                <a:satMod val="130000"/>
               </a:schemeClr>
             </a:gs>
             <a:gs pos="100000">
               <a:schemeClr val="phClr">
                 <a:tint val="100000"/>
-                <a:shade val="59000"/>
+                <a:shade val="48000"/>
                 <a:satMod val="120000"/>
               </a:schemeClr>
             </a:gs>
           </a:gsLst>
-          <a:path path="circle">
-            <a:fillToRect l="40000" t="60000" r="60000" b="40000"/>
-          </a:path>
+          <a:lin ang="16200000" scaled="0"/>
         </a:gradFill>
       </a:bgFillStyleLst>
     </a:fmtScheme>
   </a:themeElements>
   <a:objectDefaults/>
   <a:extraClrSchemeLst/>
+  <a:extLst>
+    <a:ext uri="{05A4C25C-085E-4340-85A3-A5531E510DB2}">
+      <thm15:themeFamily xmlns:thm15="http://schemas.microsoft.com/office/thememl/2012/main" name="Retrospect" id="{5F128B03-DCCA-4EEB-AB3B-CF2899314A46}" vid="{3F1AAB62-24C6-49D2-8E01-B56FAC9A3DCD}"/>
+    </a:ext>
+  </a:extLst>
 </a:theme>
 </file>
 

--- a/translations/en-us/intermediate/TurnDegrees.pptx
+++ b/translations/en-us/intermediate/TurnDegrees.pptx
@@ -224,7 +224,7 @@
           <a:p>
             <a:fld id="{E00FA3B4-5499-9244-86B5-B0871A9DDD84}" type="datetimeFigureOut">
               <a:rPr lang="en-US" smtClean="0"/>
-              <a:t>11/13/15</a:t>
+              <a:t>7/6/2016</a:t>
             </a:fld>
             <a:endParaRPr lang="en-US"/>
           </a:p>
@@ -390,7 +390,7 @@
           <a:p>
             <a:fld id="{FD3EFF1E-85A1-6640-AFB9-C38833E80A84}" type="datetimeFigureOut">
               <a:rPr lang="en-US" smtClean="0"/>
-              <a:t>11/13/15</a:t>
+              <a:t>7/6/2016</a:t>
             </a:fld>
             <a:endParaRPr lang="en-US"/>
           </a:p>
@@ -454,38 +454,37 @@
           <a:p>
             <a:pPr lvl="0"/>
             <a:r>
-              <a:rPr lang="en-US" smtClean="0"/>
+              <a:rPr lang="en-US"/>
               <a:t>Click to edit Master text styles</a:t>
             </a:r>
           </a:p>
           <a:p>
             <a:pPr lvl="1"/>
             <a:r>
-              <a:rPr lang="en-US" smtClean="0"/>
+              <a:rPr lang="en-US"/>
               <a:t>Second level</a:t>
             </a:r>
           </a:p>
           <a:p>
             <a:pPr lvl="2"/>
             <a:r>
-              <a:rPr lang="en-US" smtClean="0"/>
+              <a:rPr lang="en-US"/>
               <a:t>Third level</a:t>
             </a:r>
           </a:p>
           <a:p>
             <a:pPr lvl="3"/>
             <a:r>
-              <a:rPr lang="en-US" smtClean="0"/>
+              <a:rPr lang="en-US"/>
               <a:t>Fourth level</a:t>
             </a:r>
           </a:p>
           <a:p>
             <a:pPr lvl="4"/>
             <a:r>
-              <a:rPr lang="en-US" smtClean="0"/>
+              <a:rPr lang="en-US"/>
               <a:t>Fifth level</a:t>
             </a:r>
-            <a:endParaRPr lang="en-US"/>
           </a:p>
         </p:txBody>
       </p:sp>
@@ -978,15 +977,15 @@
         </p:nvSpPr>
         <p:spPr>
           <a:xfrm>
-            <a:off x="373553" y="471740"/>
-            <a:ext cx="4857665" cy="2001435"/>
+            <a:off x="196279" y="154094"/>
+            <a:ext cx="3853207" cy="1870649"/>
           </a:xfrm>
           <a:ln>
             <a:noFill/>
           </a:ln>
         </p:spPr>
         <p:txBody>
-          <a:bodyPr anchor="b">
+          <a:bodyPr anchor="ctr">
             <a:normAutofit/>
           </a:bodyPr>
           <a:lstStyle>
@@ -994,7 +993,7 @@
               <a:lnSpc>
                 <a:spcPct val="85000"/>
               </a:lnSpc>
-              <a:defRPr sz="5400" spc="-50" baseline="0">
+              <a:defRPr sz="4000" spc="-50" baseline="0">
                 <a:solidFill>
                   <a:schemeClr val="tx1">
                     <a:lumMod val="85000"/>
@@ -1006,10 +1005,9 @@
           </a:lstStyle>
           <a:p>
             <a:r>
-              <a:rPr lang="en-US" dirty="0" smtClean="0"/>
+              <a:rPr lang="en-US" dirty="0"/>
               <a:t>INTERMEDIATE PROGRAMMING LESSON</a:t>
             </a:r>
-            <a:endParaRPr lang="en-US" dirty="0"/>
           </a:p>
         </p:txBody>
       </p:sp>
@@ -1078,10 +1076,9 @@
           </a:lstStyle>
           <a:p>
             <a:r>
-              <a:rPr lang="en-US" dirty="0" smtClean="0"/>
+              <a:rPr lang="en-US" dirty="0"/>
               <a:t>Click to edit Master subtitle style</a:t>
             </a:r>
-            <a:endParaRPr lang="en-US" dirty="0"/>
           </a:p>
         </p:txBody>
       </p:sp>
@@ -1100,9 +1097,9 @@
           <a:bodyPr/>
           <a:lstStyle/>
           <a:p>
-            <a:fld id="{6B13CFBD-0392-DF42-9C65-6D1DE0580181}" type="datetime1">
+            <a:fld id="{46F1CA96-F7F5-4450-AA67-F23C6323C171}" type="datetime1">
               <a:rPr lang="en-US" smtClean="0"/>
-              <a:t>11/13/15</a:t>
+              <a:t>7/6/2016</a:t>
             </a:fld>
             <a:endParaRPr lang="en-US"/>
           </a:p>
@@ -1124,10 +1121,9 @@
           <a:lstStyle/>
           <a:p>
             <a:r>
-              <a:rPr lang="sk-SK" smtClean="0"/>
-              <a:t>© 2015 EV3Lessons.com, Last edit 11/13/2015</a:t>
-            </a:r>
-            <a:endParaRPr lang="en-US"/>
+              <a:rPr lang="en-US"/>
+              <a:t>Copytight © 2015 EV3Lessons.com, Last edit 7/06/2016</a:t>
+            </a:r>
           </a:p>
         </p:txBody>
       </p:sp>
@@ -1270,14 +1266,14 @@
       </p:sp>
       <p:sp>
         <p:nvSpPr>
-          <p:cNvPr id="13" name="TextBox 12"/>
+          <p:cNvPr id="8" name="TextBox 7"/>
           <p:cNvSpPr txBox="1"/>
           <p:nvPr userDrawn="1"/>
         </p:nvSpPr>
         <p:spPr>
           <a:xfrm>
-            <a:off x="1481621" y="5931894"/>
-            <a:ext cx="2391085" cy="369332"/>
+            <a:off x="2363695" y="3959525"/>
+            <a:ext cx="4373593" cy="369332"/>
           </a:xfrm>
           <a:prstGeom prst="rect">
             <a:avLst/>
@@ -1290,58 +1286,35 @@
           </a:bodyPr>
           <a:lstStyle/>
           <a:p>
-            <a:r>
-              <a:rPr lang="en-US" dirty="0" smtClean="0"/>
-              <a:t>By </a:t>
-            </a:r>
-            <a:r>
-              <a:rPr lang="en-US" smtClean="0"/>
-              <a:t>Droids Robotics</a:t>
-            </a:r>
-            <a:endParaRPr lang="en-US"/>
+            <a:pPr algn="ctr"/>
+            <a:r>
+              <a:rPr lang="en-US" dirty="0">
+                <a:latin typeface="+mj-lt"/>
+              </a:rPr>
+              <a:t>By</a:t>
+            </a:r>
+            <a:r>
+              <a:rPr lang="en-US" baseline="0" dirty="0">
+                <a:latin typeface="+mj-lt"/>
+              </a:rPr>
+              <a:t> Sanjay and Arvind Seshan</a:t>
+            </a:r>
+            <a:endParaRPr lang="en-US" dirty="0">
+              <a:latin typeface="+mj-lt"/>
+            </a:endParaRPr>
           </a:p>
         </p:txBody>
       </p:sp>
       <p:pic>
         <p:nvPicPr>
-          <p:cNvPr id="14" name="Picture 13"/>
-          <p:cNvPicPr>
-            <a:picLocks noChangeAspect="1"/>
-          </p:cNvPicPr>
-          <p:nvPr userDrawn="1"/>
-        </p:nvPicPr>
-        <p:blipFill>
-          <a:blip r:embed="rId2">
-            <a:extLst>
-              <a:ext uri="{28A0092B-C50C-407E-A947-70E740481C1C}">
-                <a14:useLocalDpi xmlns:a14="http://schemas.microsoft.com/office/drawing/2010/main" val="0"/>
-              </a:ext>
-            </a:extLst>
-          </a:blip>
-          <a:stretch>
-            <a:fillRect/>
-          </a:stretch>
-        </p:blipFill>
-        <p:spPr>
-          <a:xfrm>
-            <a:off x="164036" y="4938756"/>
-            <a:ext cx="1317585" cy="1260490"/>
-          </a:xfrm>
-          <a:prstGeom prst="rect">
-            <a:avLst/>
-          </a:prstGeom>
-        </p:spPr>
-      </p:pic>
-      <p:pic>
-        <p:nvPicPr>
-          <p:cNvPr id="15" name="Picture 14" descr="EV3Lessons.com"/>
+          <p:cNvPr id="1026" name="Picture 2" descr="EV3Lessons.com"/>
           <p:cNvPicPr>
             <a:picLocks noChangeAspect="1" noChangeArrowheads="1"/>
           </p:cNvPicPr>
           <p:nvPr userDrawn="1"/>
         </p:nvPicPr>
         <p:blipFill>
-          <a:blip r:embed="rId3" cstate="email">
+          <a:blip r:embed="rId2">
             <a:extLst>
               <a:ext uri="{28A0092B-C50C-407E-A947-70E740481C1C}">
                 <a14:useLocalDpi xmlns:a14="http://schemas.microsoft.com/office/drawing/2010/main" val="0"/>
@@ -1355,16 +1328,16 @@
         </p:blipFill>
         <p:spPr bwMode="auto">
           <a:xfrm>
-            <a:off x="5422605" y="409394"/>
-            <a:ext cx="3487140" cy="1295224"/>
+            <a:off x="3955687" y="139554"/>
+            <a:ext cx="5075507" cy="1885189"/>
           </a:xfrm>
           <a:prstGeom prst="rect">
             <a:avLst/>
           </a:prstGeom>
           <a:noFill/>
           <a:extLst>
-            <a:ext uri="{909E8E84-426E-40dd-AFC4-6F175D3DCCD1}">
-              <a14:hiddenFill xmlns="" xmlns:a14="http://schemas.microsoft.com/office/drawing/2010/main">
+            <a:ext uri="{909E8E84-426E-40DD-AFC4-6F175D3DCCD1}">
+              <a14:hiddenFill xmlns:a14="http://schemas.microsoft.com/office/drawing/2010/main">
                 <a:solidFill>
                   <a:srgbClr val="FFFFFF"/>
                 </a:solidFill>
@@ -1419,83 +1392,83 @@
           <a:lstStyle/>
           <a:p>
             <a:r>
+              <a:rPr lang="en-US"/>
+              <a:t>Click to edit Master title style</a:t>
+            </a:r>
+            <a:endParaRPr lang="en-US" dirty="0"/>
+          </a:p>
+        </p:txBody>
+      </p:sp>
+      <p:sp>
+        <p:nvSpPr>
+          <p:cNvPr id="3" name="Vertical Text Placeholder 2"/>
+          <p:cNvSpPr>
+            <a:spLocks noGrp="1"/>
+          </p:cNvSpPr>
+          <p:nvPr>
+            <p:ph type="body" orient="vert" idx="1"/>
+          </p:nvPr>
+        </p:nvSpPr>
+        <p:spPr/>
+        <p:txBody>
+          <a:bodyPr vert="eaVert" lIns="45720" tIns="0" rIns="45720" bIns="0"/>
+          <a:lstStyle/>
+          <a:p>
+            <a:pPr lvl="0"/>
+            <a:r>
+              <a:rPr lang="en-US"/>
+              <a:t>Click to edit Master text styles</a:t>
+            </a:r>
+          </a:p>
+          <a:p>
+            <a:pPr lvl="1"/>
+            <a:r>
+              <a:rPr lang="en-US"/>
+              <a:t>Second level</a:t>
+            </a:r>
+          </a:p>
+          <a:p>
+            <a:pPr lvl="2"/>
+            <a:r>
+              <a:rPr lang="en-US"/>
+              <a:t>Third level</a:t>
+            </a:r>
+          </a:p>
+          <a:p>
+            <a:pPr lvl="3"/>
+            <a:r>
+              <a:rPr lang="en-US"/>
+              <a:t>Fourth level</a:t>
+            </a:r>
+          </a:p>
+          <a:p>
+            <a:pPr lvl="4"/>
+            <a:r>
+              <a:rPr lang="en-US"/>
+              <a:t>Fifth level</a:t>
+            </a:r>
+            <a:endParaRPr lang="en-US" dirty="0"/>
+          </a:p>
+        </p:txBody>
+      </p:sp>
+      <p:sp>
+        <p:nvSpPr>
+          <p:cNvPr id="4" name="Date Placeholder 3"/>
+          <p:cNvSpPr>
+            <a:spLocks noGrp="1"/>
+          </p:cNvSpPr>
+          <p:nvPr>
+            <p:ph type="dt" sz="half" idx="10"/>
+          </p:nvPr>
+        </p:nvSpPr>
+        <p:spPr/>
+        <p:txBody>
+          <a:bodyPr/>
+          <a:lstStyle/>
+          <a:p>
+            <a:fld id="{88CF452C-4332-4F8F-B901-E0AFA15A8CA6}" type="datetime1">
               <a:rPr lang="en-US" smtClean="0"/>
-              <a:t>Click to edit Master title style</a:t>
-            </a:r>
-            <a:endParaRPr lang="en-US" dirty="0"/>
-          </a:p>
-        </p:txBody>
-      </p:sp>
-      <p:sp>
-        <p:nvSpPr>
-          <p:cNvPr id="3" name="Vertical Text Placeholder 2"/>
-          <p:cNvSpPr>
-            <a:spLocks noGrp="1"/>
-          </p:cNvSpPr>
-          <p:nvPr>
-            <p:ph type="body" orient="vert" idx="1"/>
-          </p:nvPr>
-        </p:nvSpPr>
-        <p:spPr/>
-        <p:txBody>
-          <a:bodyPr vert="eaVert" lIns="45720" tIns="0" rIns="45720" bIns="0"/>
-          <a:lstStyle/>
-          <a:p>
-            <a:pPr lvl="0"/>
-            <a:r>
-              <a:rPr lang="en-US" smtClean="0"/>
-              <a:t>Click to edit Master text styles</a:t>
-            </a:r>
-          </a:p>
-          <a:p>
-            <a:pPr lvl="1"/>
-            <a:r>
-              <a:rPr lang="en-US" smtClean="0"/>
-              <a:t>Second level</a:t>
-            </a:r>
-          </a:p>
-          <a:p>
-            <a:pPr lvl="2"/>
-            <a:r>
-              <a:rPr lang="en-US" smtClean="0"/>
-              <a:t>Third level</a:t>
-            </a:r>
-          </a:p>
-          <a:p>
-            <a:pPr lvl="3"/>
-            <a:r>
-              <a:rPr lang="en-US" smtClean="0"/>
-              <a:t>Fourth level</a:t>
-            </a:r>
-          </a:p>
-          <a:p>
-            <a:pPr lvl="4"/>
-            <a:r>
-              <a:rPr lang="en-US" smtClean="0"/>
-              <a:t>Fifth level</a:t>
-            </a:r>
-            <a:endParaRPr lang="en-US" dirty="0"/>
-          </a:p>
-        </p:txBody>
-      </p:sp>
-      <p:sp>
-        <p:nvSpPr>
-          <p:cNvPr id="4" name="Date Placeholder 3"/>
-          <p:cNvSpPr>
-            <a:spLocks noGrp="1"/>
-          </p:cNvSpPr>
-          <p:nvPr>
-            <p:ph type="dt" sz="half" idx="10"/>
-          </p:nvPr>
-        </p:nvSpPr>
-        <p:spPr/>
-        <p:txBody>
-          <a:bodyPr/>
-          <a:lstStyle/>
-          <a:p>
-            <a:fld id="{BF0F175E-9EAC-E14B-B7AC-8C8F25EC1DAA}" type="datetime1">
-              <a:rPr lang="en-US" smtClean="0"/>
-              <a:t>11/13/15</a:t>
+              <a:t>7/6/2016</a:t>
             </a:fld>
             <a:endParaRPr lang="en-US"/>
           </a:p>
@@ -1517,10 +1490,9 @@
           <a:lstStyle/>
           <a:p>
             <a:r>
-              <a:rPr lang="sk-SK" smtClean="0"/>
-              <a:t>© 2015 EV3Lessons.com, Last edit 11/13/2015</a:t>
-            </a:r>
-            <a:endParaRPr lang="en-US"/>
+              <a:rPr lang="en-US"/>
+              <a:t>Copytight © 2015 EV3Lessons.com, Last edit 7/06/2016</a:t>
+            </a:r>
           </a:p>
         </p:txBody>
       </p:sp>
@@ -1674,7 +1646,7 @@
           <a:lstStyle/>
           <a:p>
             <a:r>
-              <a:rPr lang="en-US" smtClean="0"/>
+              <a:rPr lang="en-US"/>
               <a:t>Click to edit Master title style</a:t>
             </a:r>
             <a:endParaRPr lang="en-US" dirty="0"/>
@@ -1703,59 +1675,59 @@
           <a:p>
             <a:pPr lvl="0"/>
             <a:r>
+              <a:rPr lang="en-US"/>
+              <a:t>Click to edit Master text styles</a:t>
+            </a:r>
+          </a:p>
+          <a:p>
+            <a:pPr lvl="1"/>
+            <a:r>
+              <a:rPr lang="en-US"/>
+              <a:t>Second level</a:t>
+            </a:r>
+          </a:p>
+          <a:p>
+            <a:pPr lvl="2"/>
+            <a:r>
+              <a:rPr lang="en-US"/>
+              <a:t>Third level</a:t>
+            </a:r>
+          </a:p>
+          <a:p>
+            <a:pPr lvl="3"/>
+            <a:r>
+              <a:rPr lang="en-US"/>
+              <a:t>Fourth level</a:t>
+            </a:r>
+          </a:p>
+          <a:p>
+            <a:pPr lvl="4"/>
+            <a:r>
+              <a:rPr lang="en-US"/>
+              <a:t>Fifth level</a:t>
+            </a:r>
+            <a:endParaRPr lang="en-US" dirty="0"/>
+          </a:p>
+        </p:txBody>
+      </p:sp>
+      <p:sp>
+        <p:nvSpPr>
+          <p:cNvPr id="4" name="Date Placeholder 3"/>
+          <p:cNvSpPr>
+            <a:spLocks noGrp="1"/>
+          </p:cNvSpPr>
+          <p:nvPr>
+            <p:ph type="dt" sz="half" idx="10"/>
+          </p:nvPr>
+        </p:nvSpPr>
+        <p:spPr/>
+        <p:txBody>
+          <a:bodyPr/>
+          <a:lstStyle/>
+          <a:p>
+            <a:fld id="{026562F4-F930-48B2-8F08-5101C8FD13DD}" type="datetime1">
               <a:rPr lang="en-US" smtClean="0"/>
-              <a:t>Click to edit Master text styles</a:t>
-            </a:r>
-          </a:p>
-          <a:p>
-            <a:pPr lvl="1"/>
-            <a:r>
-              <a:rPr lang="en-US" smtClean="0"/>
-              <a:t>Second level</a:t>
-            </a:r>
-          </a:p>
-          <a:p>
-            <a:pPr lvl="2"/>
-            <a:r>
-              <a:rPr lang="en-US" smtClean="0"/>
-              <a:t>Third level</a:t>
-            </a:r>
-          </a:p>
-          <a:p>
-            <a:pPr lvl="3"/>
-            <a:r>
-              <a:rPr lang="en-US" smtClean="0"/>
-              <a:t>Fourth level</a:t>
-            </a:r>
-          </a:p>
-          <a:p>
-            <a:pPr lvl="4"/>
-            <a:r>
-              <a:rPr lang="en-US" smtClean="0"/>
-              <a:t>Fifth level</a:t>
-            </a:r>
-            <a:endParaRPr lang="en-US" dirty="0"/>
-          </a:p>
-        </p:txBody>
-      </p:sp>
-      <p:sp>
-        <p:nvSpPr>
-          <p:cNvPr id="4" name="Date Placeholder 3"/>
-          <p:cNvSpPr>
-            <a:spLocks noGrp="1"/>
-          </p:cNvSpPr>
-          <p:nvPr>
-            <p:ph type="dt" sz="half" idx="10"/>
-          </p:nvPr>
-        </p:nvSpPr>
-        <p:spPr/>
-        <p:txBody>
-          <a:bodyPr/>
-          <a:lstStyle/>
-          <a:p>
-            <a:fld id="{ABE2FCFC-C57A-2442-884C-F5C58B3A2465}" type="datetime1">
-              <a:rPr lang="en-US" smtClean="0"/>
-              <a:t>11/13/15</a:t>
+              <a:t>7/6/2016</a:t>
             </a:fld>
             <a:endParaRPr lang="en-US"/>
           </a:p>
@@ -1777,10 +1749,9 @@
           <a:lstStyle/>
           <a:p>
             <a:r>
-              <a:rPr lang="sk-SK" smtClean="0"/>
-              <a:t>© 2015 EV3Lessons.com, Last edit 11/13/2015</a:t>
-            </a:r>
-            <a:endParaRPr lang="en-US"/>
+              <a:rPr lang="en-US"/>
+              <a:t>Copytight © 2015 EV3Lessons.com, Last edit 7/06/2016</a:t>
+            </a:r>
           </a:p>
         </p:txBody>
       </p:sp>
@@ -1853,83 +1824,83 @@
           <a:lstStyle/>
           <a:p>
             <a:r>
+              <a:rPr lang="en-US"/>
+              <a:t>Click to edit Master title style</a:t>
+            </a:r>
+            <a:endParaRPr lang="en-US" dirty="0"/>
+          </a:p>
+        </p:txBody>
+      </p:sp>
+      <p:sp>
+        <p:nvSpPr>
+          <p:cNvPr id="3" name="Content Placeholder 2"/>
+          <p:cNvSpPr>
+            <a:spLocks noGrp="1"/>
+          </p:cNvSpPr>
+          <p:nvPr>
+            <p:ph idx="1"/>
+          </p:nvPr>
+        </p:nvSpPr>
+        <p:spPr/>
+        <p:txBody>
+          <a:bodyPr/>
+          <a:lstStyle/>
+          <a:p>
+            <a:pPr lvl="0"/>
+            <a:r>
+              <a:rPr lang="en-US"/>
+              <a:t>Click to edit Master text styles</a:t>
+            </a:r>
+          </a:p>
+          <a:p>
+            <a:pPr lvl="1"/>
+            <a:r>
+              <a:rPr lang="en-US"/>
+              <a:t>Second level</a:t>
+            </a:r>
+          </a:p>
+          <a:p>
+            <a:pPr lvl="2"/>
+            <a:r>
+              <a:rPr lang="en-US"/>
+              <a:t>Third level</a:t>
+            </a:r>
+          </a:p>
+          <a:p>
+            <a:pPr lvl="3"/>
+            <a:r>
+              <a:rPr lang="en-US"/>
+              <a:t>Fourth level</a:t>
+            </a:r>
+          </a:p>
+          <a:p>
+            <a:pPr lvl="4"/>
+            <a:r>
+              <a:rPr lang="en-US"/>
+              <a:t>Fifth level</a:t>
+            </a:r>
+            <a:endParaRPr lang="en-US" dirty="0"/>
+          </a:p>
+        </p:txBody>
+      </p:sp>
+      <p:sp>
+        <p:nvSpPr>
+          <p:cNvPr id="4" name="Date Placeholder 3"/>
+          <p:cNvSpPr>
+            <a:spLocks noGrp="1"/>
+          </p:cNvSpPr>
+          <p:nvPr>
+            <p:ph type="dt" sz="half" idx="10"/>
+          </p:nvPr>
+        </p:nvSpPr>
+        <p:spPr/>
+        <p:txBody>
+          <a:bodyPr/>
+          <a:lstStyle/>
+          <a:p>
+            <a:fld id="{4F274BF6-B5E0-4E33-88B4-30B984A98114}" type="datetime1">
               <a:rPr lang="en-US" smtClean="0"/>
-              <a:t>Click to edit Master title style</a:t>
-            </a:r>
-            <a:endParaRPr lang="en-US" dirty="0"/>
-          </a:p>
-        </p:txBody>
-      </p:sp>
-      <p:sp>
-        <p:nvSpPr>
-          <p:cNvPr id="3" name="Content Placeholder 2"/>
-          <p:cNvSpPr>
-            <a:spLocks noGrp="1"/>
-          </p:cNvSpPr>
-          <p:nvPr>
-            <p:ph idx="1"/>
-          </p:nvPr>
-        </p:nvSpPr>
-        <p:spPr/>
-        <p:txBody>
-          <a:bodyPr/>
-          <a:lstStyle/>
-          <a:p>
-            <a:pPr lvl="0"/>
-            <a:r>
-              <a:rPr lang="en-US" smtClean="0"/>
-              <a:t>Click to edit Master text styles</a:t>
-            </a:r>
-          </a:p>
-          <a:p>
-            <a:pPr lvl="1"/>
-            <a:r>
-              <a:rPr lang="en-US" smtClean="0"/>
-              <a:t>Second level</a:t>
-            </a:r>
-          </a:p>
-          <a:p>
-            <a:pPr lvl="2"/>
-            <a:r>
-              <a:rPr lang="en-US" smtClean="0"/>
-              <a:t>Third level</a:t>
-            </a:r>
-          </a:p>
-          <a:p>
-            <a:pPr lvl="3"/>
-            <a:r>
-              <a:rPr lang="en-US" smtClean="0"/>
-              <a:t>Fourth level</a:t>
-            </a:r>
-          </a:p>
-          <a:p>
-            <a:pPr lvl="4"/>
-            <a:r>
-              <a:rPr lang="en-US" smtClean="0"/>
-              <a:t>Fifth level</a:t>
-            </a:r>
-            <a:endParaRPr lang="en-US" dirty="0"/>
-          </a:p>
-        </p:txBody>
-      </p:sp>
-      <p:sp>
-        <p:nvSpPr>
-          <p:cNvPr id="4" name="Date Placeholder 3"/>
-          <p:cNvSpPr>
-            <a:spLocks noGrp="1"/>
-          </p:cNvSpPr>
-          <p:nvPr>
-            <p:ph type="dt" sz="half" idx="10"/>
-          </p:nvPr>
-        </p:nvSpPr>
-        <p:spPr/>
-        <p:txBody>
-          <a:bodyPr/>
-          <a:lstStyle/>
-          <a:p>
-            <a:fld id="{6964D4EB-A2A3-5D46-A2E3-B082D53C11C5}" type="datetime1">
-              <a:rPr lang="en-US" smtClean="0"/>
-              <a:t>11/13/15</a:t>
+              <a:t>7/6/2016</a:t>
             </a:fld>
             <a:endParaRPr lang="en-US"/>
           </a:p>
@@ -1951,10 +1922,9 @@
           <a:lstStyle/>
           <a:p>
             <a:r>
-              <a:rPr lang="sk-SK" smtClean="0"/>
-              <a:t>© 2015 EV3Lessons.com, Last edit 11/13/2015</a:t>
-            </a:r>
-            <a:endParaRPr lang="en-US"/>
+              <a:rPr lang="en-US"/>
+              <a:t>Copytight © 2015 EV3Lessons.com, Last edit 7/06/2016</a:t>
+            </a:r>
           </a:p>
         </p:txBody>
       </p:sp>
@@ -2132,7 +2102,7 @@
           </a:lstStyle>
           <a:p>
             <a:r>
-              <a:rPr lang="en-US" smtClean="0"/>
+              <a:rPr lang="en-US"/>
               <a:t>Click to edit Master title style</a:t>
             </a:r>
             <a:endParaRPr lang="en-US" dirty="0"/>
@@ -2253,30 +2223,30 @@
           <a:p>
             <a:pPr lvl="0"/>
             <a:r>
+              <a:rPr lang="en-US"/>
+              <a:t>Click to edit Master text styles</a:t>
+            </a:r>
+          </a:p>
+        </p:txBody>
+      </p:sp>
+      <p:sp>
+        <p:nvSpPr>
+          <p:cNvPr id="4" name="Date Placeholder 3"/>
+          <p:cNvSpPr>
+            <a:spLocks noGrp="1"/>
+          </p:cNvSpPr>
+          <p:nvPr>
+            <p:ph type="dt" sz="half" idx="10"/>
+          </p:nvPr>
+        </p:nvSpPr>
+        <p:spPr/>
+        <p:txBody>
+          <a:bodyPr/>
+          <a:lstStyle/>
+          <a:p>
+            <a:fld id="{2F87EBEE-BD41-494A-9F8C-5B297A07FECD}" type="datetime1">
               <a:rPr lang="en-US" smtClean="0"/>
-              <a:t>Click to edit Master text styles</a:t>
-            </a:r>
-          </a:p>
-        </p:txBody>
-      </p:sp>
-      <p:sp>
-        <p:nvSpPr>
-          <p:cNvPr id="4" name="Date Placeholder 3"/>
-          <p:cNvSpPr>
-            <a:spLocks noGrp="1"/>
-          </p:cNvSpPr>
-          <p:nvPr>
-            <p:ph type="dt" sz="half" idx="10"/>
-          </p:nvPr>
-        </p:nvSpPr>
-        <p:spPr/>
-        <p:txBody>
-          <a:bodyPr/>
-          <a:lstStyle/>
-          <a:p>
-            <a:fld id="{719062A6-538C-914A-A4D7-9D77EAAE33AB}" type="datetime1">
-              <a:rPr lang="en-US" smtClean="0"/>
-              <a:t>11/13/15</a:t>
+              <a:t>7/6/2016</a:t>
             </a:fld>
             <a:endParaRPr lang="en-US"/>
           </a:p>
@@ -2298,10 +2268,9 @@
           <a:lstStyle/>
           <a:p>
             <a:r>
-              <a:rPr lang="sk-SK" smtClean="0"/>
-              <a:t>© 2015 EV3Lessons.com, Last edit 11/13/2015</a:t>
-            </a:r>
-            <a:endParaRPr lang="en-US"/>
+              <a:rPr lang="en-US"/>
+              <a:t>Copytight © 2015 EV3Lessons.com, Last edit 7/06/2016</a:t>
+            </a:r>
           </a:p>
         </p:txBody>
       </p:sp>
@@ -2417,7 +2386,7 @@
           <a:lstStyle/>
           <a:p>
             <a:r>
-              <a:rPr lang="en-US" smtClean="0"/>
+              <a:rPr lang="en-US"/>
               <a:t>Click to edit Master title style</a:t>
             </a:r>
             <a:endParaRPr lang="en-US" dirty="0"/>
@@ -2446,35 +2415,35 @@
           <a:p>
             <a:pPr lvl="0"/>
             <a:r>
-              <a:rPr lang="en-US" smtClean="0"/>
+              <a:rPr lang="en-US"/>
               <a:t>Click to edit Master text styles</a:t>
             </a:r>
           </a:p>
           <a:p>
             <a:pPr lvl="1"/>
             <a:r>
-              <a:rPr lang="en-US" smtClean="0"/>
+              <a:rPr lang="en-US"/>
               <a:t>Second level</a:t>
             </a:r>
           </a:p>
           <a:p>
             <a:pPr lvl="2"/>
             <a:r>
-              <a:rPr lang="en-US" smtClean="0"/>
+              <a:rPr lang="en-US"/>
               <a:t>Third level</a:t>
             </a:r>
           </a:p>
           <a:p>
             <a:pPr lvl="3"/>
             <a:r>
-              <a:rPr lang="en-US" smtClean="0"/>
+              <a:rPr lang="en-US"/>
               <a:t>Fourth level</a:t>
             </a:r>
           </a:p>
           <a:p>
             <a:pPr lvl="4"/>
             <a:r>
-              <a:rPr lang="en-US" smtClean="0"/>
+              <a:rPr lang="en-US"/>
               <a:t>Fifth level</a:t>
             </a:r>
             <a:endParaRPr lang="en-US" dirty="0"/>
@@ -2503,59 +2472,59 @@
           <a:p>
             <a:pPr lvl="0"/>
             <a:r>
+              <a:rPr lang="en-US"/>
+              <a:t>Click to edit Master text styles</a:t>
+            </a:r>
+          </a:p>
+          <a:p>
+            <a:pPr lvl="1"/>
+            <a:r>
+              <a:rPr lang="en-US"/>
+              <a:t>Second level</a:t>
+            </a:r>
+          </a:p>
+          <a:p>
+            <a:pPr lvl="2"/>
+            <a:r>
+              <a:rPr lang="en-US"/>
+              <a:t>Third level</a:t>
+            </a:r>
+          </a:p>
+          <a:p>
+            <a:pPr lvl="3"/>
+            <a:r>
+              <a:rPr lang="en-US"/>
+              <a:t>Fourth level</a:t>
+            </a:r>
+          </a:p>
+          <a:p>
+            <a:pPr lvl="4"/>
+            <a:r>
+              <a:rPr lang="en-US"/>
+              <a:t>Fifth level</a:t>
+            </a:r>
+            <a:endParaRPr lang="en-US" dirty="0"/>
+          </a:p>
+        </p:txBody>
+      </p:sp>
+      <p:sp>
+        <p:nvSpPr>
+          <p:cNvPr id="5" name="Date Placeholder 4"/>
+          <p:cNvSpPr>
+            <a:spLocks noGrp="1"/>
+          </p:cNvSpPr>
+          <p:nvPr>
+            <p:ph type="dt" sz="half" idx="10"/>
+          </p:nvPr>
+        </p:nvSpPr>
+        <p:spPr/>
+        <p:txBody>
+          <a:bodyPr/>
+          <a:lstStyle/>
+          <a:p>
+            <a:fld id="{7A8FE672-4374-4D41-99F7-ABB934DABBC0}" type="datetime1">
               <a:rPr lang="en-US" smtClean="0"/>
-              <a:t>Click to edit Master text styles</a:t>
-            </a:r>
-          </a:p>
-          <a:p>
-            <a:pPr lvl="1"/>
-            <a:r>
-              <a:rPr lang="en-US" smtClean="0"/>
-              <a:t>Second level</a:t>
-            </a:r>
-          </a:p>
-          <a:p>
-            <a:pPr lvl="2"/>
-            <a:r>
-              <a:rPr lang="en-US" smtClean="0"/>
-              <a:t>Third level</a:t>
-            </a:r>
-          </a:p>
-          <a:p>
-            <a:pPr lvl="3"/>
-            <a:r>
-              <a:rPr lang="en-US" smtClean="0"/>
-              <a:t>Fourth level</a:t>
-            </a:r>
-          </a:p>
-          <a:p>
-            <a:pPr lvl="4"/>
-            <a:r>
-              <a:rPr lang="en-US" smtClean="0"/>
-              <a:t>Fifth level</a:t>
-            </a:r>
-            <a:endParaRPr lang="en-US" dirty="0"/>
-          </a:p>
-        </p:txBody>
-      </p:sp>
-      <p:sp>
-        <p:nvSpPr>
-          <p:cNvPr id="5" name="Date Placeholder 4"/>
-          <p:cNvSpPr>
-            <a:spLocks noGrp="1"/>
-          </p:cNvSpPr>
-          <p:nvPr>
-            <p:ph type="dt" sz="half" idx="10"/>
-          </p:nvPr>
-        </p:nvSpPr>
-        <p:spPr/>
-        <p:txBody>
-          <a:bodyPr/>
-          <a:lstStyle/>
-          <a:p>
-            <a:fld id="{FBA86DE5-4727-3C44-A125-458AC819E1C1}" type="datetime1">
-              <a:rPr lang="en-US" smtClean="0"/>
-              <a:t>11/13/15</a:t>
+              <a:t>7/6/2016</a:t>
             </a:fld>
             <a:endParaRPr lang="en-US"/>
           </a:p>
@@ -2576,6 +2545,10 @@
           <a:bodyPr/>
           <a:lstStyle/>
           <a:p>
+            <a:r>
+              <a:rPr lang="en-US"/>
+              <a:t>Copytight © 2015 EV3Lessons.com, Last edit 7/06/2016</a:t>
+            </a:r>
             <a:endParaRPr lang="en-US" dirty="0"/>
           </a:p>
         </p:txBody>
@@ -2654,7 +2627,7 @@
           <a:lstStyle/>
           <a:p>
             <a:r>
-              <a:rPr lang="en-US" smtClean="0"/>
+              <a:rPr lang="en-US"/>
               <a:t>Click to edit Master title style</a:t>
             </a:r>
             <a:endParaRPr lang="en-US" dirty="0"/>
@@ -2726,7 +2699,7 @@
           <a:p>
             <a:pPr lvl="0"/>
             <a:r>
-              <a:rPr lang="en-US" smtClean="0"/>
+              <a:rPr lang="en-US"/>
               <a:t>Click to edit Master text styles</a:t>
             </a:r>
           </a:p>
@@ -2754,35 +2727,35 @@
           <a:p>
             <a:pPr lvl="0"/>
             <a:r>
-              <a:rPr lang="en-US" smtClean="0"/>
+              <a:rPr lang="en-US"/>
               <a:t>Click to edit Master text styles</a:t>
             </a:r>
           </a:p>
           <a:p>
             <a:pPr lvl="1"/>
             <a:r>
-              <a:rPr lang="en-US" smtClean="0"/>
+              <a:rPr lang="en-US"/>
               <a:t>Second level</a:t>
             </a:r>
           </a:p>
           <a:p>
             <a:pPr lvl="2"/>
             <a:r>
-              <a:rPr lang="en-US" smtClean="0"/>
+              <a:rPr lang="en-US"/>
               <a:t>Third level</a:t>
             </a:r>
           </a:p>
           <a:p>
             <a:pPr lvl="3"/>
             <a:r>
-              <a:rPr lang="en-US" smtClean="0"/>
+              <a:rPr lang="en-US"/>
               <a:t>Fourth level</a:t>
             </a:r>
           </a:p>
           <a:p>
             <a:pPr lvl="4"/>
             <a:r>
-              <a:rPr lang="en-US" smtClean="0"/>
+              <a:rPr lang="en-US"/>
               <a:t>Fifth level</a:t>
             </a:r>
             <a:endParaRPr lang="en-US" dirty="0"/>
@@ -2854,7 +2827,7 @@
           <a:p>
             <a:pPr lvl="0"/>
             <a:r>
-              <a:rPr lang="en-US" smtClean="0"/>
+              <a:rPr lang="en-US"/>
               <a:t>Click to edit Master text styles</a:t>
             </a:r>
           </a:p>
@@ -2882,59 +2855,59 @@
           <a:p>
             <a:pPr lvl="0"/>
             <a:r>
+              <a:rPr lang="en-US"/>
+              <a:t>Click to edit Master text styles</a:t>
+            </a:r>
+          </a:p>
+          <a:p>
+            <a:pPr lvl="1"/>
+            <a:r>
+              <a:rPr lang="en-US"/>
+              <a:t>Second level</a:t>
+            </a:r>
+          </a:p>
+          <a:p>
+            <a:pPr lvl="2"/>
+            <a:r>
+              <a:rPr lang="en-US"/>
+              <a:t>Third level</a:t>
+            </a:r>
+          </a:p>
+          <a:p>
+            <a:pPr lvl="3"/>
+            <a:r>
+              <a:rPr lang="en-US"/>
+              <a:t>Fourth level</a:t>
+            </a:r>
+          </a:p>
+          <a:p>
+            <a:pPr lvl="4"/>
+            <a:r>
+              <a:rPr lang="en-US"/>
+              <a:t>Fifth level</a:t>
+            </a:r>
+            <a:endParaRPr lang="en-US" dirty="0"/>
+          </a:p>
+        </p:txBody>
+      </p:sp>
+      <p:sp>
+        <p:nvSpPr>
+          <p:cNvPr id="7" name="Date Placeholder 6"/>
+          <p:cNvSpPr>
+            <a:spLocks noGrp="1"/>
+          </p:cNvSpPr>
+          <p:nvPr>
+            <p:ph type="dt" sz="half" idx="10"/>
+          </p:nvPr>
+        </p:nvSpPr>
+        <p:spPr/>
+        <p:txBody>
+          <a:bodyPr/>
+          <a:lstStyle/>
+          <a:p>
+            <a:fld id="{85AA0DB4-F60B-4BD5-B8A8-00E710ABF236}" type="datetime1">
               <a:rPr lang="en-US" smtClean="0"/>
-              <a:t>Click to edit Master text styles</a:t>
-            </a:r>
-          </a:p>
-          <a:p>
-            <a:pPr lvl="1"/>
-            <a:r>
-              <a:rPr lang="en-US" smtClean="0"/>
-              <a:t>Second level</a:t>
-            </a:r>
-          </a:p>
-          <a:p>
-            <a:pPr lvl="2"/>
-            <a:r>
-              <a:rPr lang="en-US" smtClean="0"/>
-              <a:t>Third level</a:t>
-            </a:r>
-          </a:p>
-          <a:p>
-            <a:pPr lvl="3"/>
-            <a:r>
-              <a:rPr lang="en-US" smtClean="0"/>
-              <a:t>Fourth level</a:t>
-            </a:r>
-          </a:p>
-          <a:p>
-            <a:pPr lvl="4"/>
-            <a:r>
-              <a:rPr lang="en-US" smtClean="0"/>
-              <a:t>Fifth level</a:t>
-            </a:r>
-            <a:endParaRPr lang="en-US" dirty="0"/>
-          </a:p>
-        </p:txBody>
-      </p:sp>
-      <p:sp>
-        <p:nvSpPr>
-          <p:cNvPr id="7" name="Date Placeholder 6"/>
-          <p:cNvSpPr>
-            <a:spLocks noGrp="1"/>
-          </p:cNvSpPr>
-          <p:nvPr>
-            <p:ph type="dt" sz="half" idx="10"/>
-          </p:nvPr>
-        </p:nvSpPr>
-        <p:spPr/>
-        <p:txBody>
-          <a:bodyPr/>
-          <a:lstStyle/>
-          <a:p>
-            <a:fld id="{18F252B0-687D-184F-B682-0021640A5D63}" type="datetime1">
-              <a:rPr lang="en-US" smtClean="0"/>
-              <a:t>11/13/15</a:t>
+              <a:t>7/6/2016</a:t>
             </a:fld>
             <a:endParaRPr lang="en-US"/>
           </a:p>
@@ -2956,10 +2929,9 @@
           <a:lstStyle/>
           <a:p>
             <a:r>
-              <a:rPr lang="sk-SK" smtClean="0"/>
-              <a:t>© 2015 EV3Lessons.com, Last edit 11/13/2015</a:t>
-            </a:r>
-            <a:endParaRPr lang="en-US"/>
+              <a:rPr lang="en-US"/>
+              <a:t>Copytight © 2015 EV3Lessons.com, Last edit 7/06/2016</a:t>
+            </a:r>
           </a:p>
         </p:txBody>
       </p:sp>
@@ -3032,31 +3004,31 @@
           <a:lstStyle/>
           <a:p>
             <a:r>
+              <a:rPr lang="en-US"/>
+              <a:t>Click to edit Master title style</a:t>
+            </a:r>
+            <a:endParaRPr lang="en-US" dirty="0"/>
+          </a:p>
+        </p:txBody>
+      </p:sp>
+      <p:sp>
+        <p:nvSpPr>
+          <p:cNvPr id="3" name="Date Placeholder 2"/>
+          <p:cNvSpPr>
+            <a:spLocks noGrp="1"/>
+          </p:cNvSpPr>
+          <p:nvPr>
+            <p:ph type="dt" sz="half" idx="10"/>
+          </p:nvPr>
+        </p:nvSpPr>
+        <p:spPr/>
+        <p:txBody>
+          <a:bodyPr/>
+          <a:lstStyle/>
+          <a:p>
+            <a:fld id="{AE188BA8-3ED6-4503-8C0B-AA31365582B0}" type="datetime1">
               <a:rPr lang="en-US" smtClean="0"/>
-              <a:t>Click to edit Master title style</a:t>
-            </a:r>
-            <a:endParaRPr lang="en-US" dirty="0"/>
-          </a:p>
-        </p:txBody>
-      </p:sp>
-      <p:sp>
-        <p:nvSpPr>
-          <p:cNvPr id="3" name="Date Placeholder 2"/>
-          <p:cNvSpPr>
-            <a:spLocks noGrp="1"/>
-          </p:cNvSpPr>
-          <p:nvPr>
-            <p:ph type="dt" sz="half" idx="10"/>
-          </p:nvPr>
-        </p:nvSpPr>
-        <p:spPr/>
-        <p:txBody>
-          <a:bodyPr/>
-          <a:lstStyle/>
-          <a:p>
-            <a:fld id="{3457AD7A-12C8-EA48-9011-B2F46261DD98}" type="datetime1">
-              <a:rPr lang="en-US" smtClean="0"/>
-              <a:t>11/13/15</a:t>
+              <a:t>7/6/2016</a:t>
             </a:fld>
             <a:endParaRPr lang="en-US"/>
           </a:p>
@@ -3078,10 +3050,9 @@
           <a:lstStyle/>
           <a:p>
             <a:r>
-              <a:rPr lang="sk-SK" smtClean="0"/>
-              <a:t>© 2015 EV3Lessons.com, Last edit 11/13/2015</a:t>
-            </a:r>
-            <a:endParaRPr lang="en-US"/>
+              <a:rPr lang="en-US"/>
+              <a:t>Copytight © 2015 EV3Lessons.com, Last edit 7/06/2016</a:t>
+            </a:r>
           </a:p>
         </p:txBody>
       </p:sp>
@@ -3229,9 +3200,9 @@
           <a:bodyPr/>
           <a:lstStyle/>
           <a:p>
-            <a:fld id="{77D3C5C7-2346-9A49-8660-921460E2744B}" type="datetime1">
+            <a:fld id="{CEC8BAA4-AD7A-4D31-A9E4-F27E9A899606}" type="datetime1">
               <a:rPr lang="en-US" smtClean="0"/>
-              <a:t>11/13/15</a:t>
+              <a:t>7/6/2016</a:t>
             </a:fld>
             <a:endParaRPr lang="en-US"/>
           </a:p>
@@ -3261,10 +3232,9 @@
           </a:lstStyle>
           <a:p>
             <a:r>
-              <a:rPr lang="sk-SK" smtClean="0"/>
-              <a:t>© 2015 EV3Lessons.com, Last edit 11/13/2015</a:t>
-            </a:r>
-            <a:endParaRPr lang="en-US"/>
+              <a:rPr lang="en-US"/>
+              <a:t>Copytight © 2015 EV3Lessons.com, Last edit 7/06/2016</a:t>
+            </a:r>
           </a:p>
         </p:txBody>
       </p:sp>
@@ -3428,7 +3398,7 @@
           </a:lstStyle>
           <a:p>
             <a:r>
-              <a:rPr lang="en-US" smtClean="0"/>
+              <a:rPr lang="en-US"/>
               <a:t>Click to edit Master title style</a:t>
             </a:r>
             <a:endParaRPr lang="en-US" dirty="0"/>
@@ -3457,35 +3427,35 @@
           <a:p>
             <a:pPr lvl="0"/>
             <a:r>
-              <a:rPr lang="en-US" smtClean="0"/>
+              <a:rPr lang="en-US"/>
               <a:t>Click to edit Master text styles</a:t>
             </a:r>
           </a:p>
           <a:p>
             <a:pPr lvl="1"/>
             <a:r>
-              <a:rPr lang="en-US" smtClean="0"/>
+              <a:rPr lang="en-US"/>
               <a:t>Second level</a:t>
             </a:r>
           </a:p>
           <a:p>
             <a:pPr lvl="2"/>
             <a:r>
-              <a:rPr lang="en-US" smtClean="0"/>
+              <a:rPr lang="en-US"/>
               <a:t>Third level</a:t>
             </a:r>
           </a:p>
           <a:p>
             <a:pPr lvl="3"/>
             <a:r>
-              <a:rPr lang="en-US" smtClean="0"/>
+              <a:rPr lang="en-US"/>
               <a:t>Fourth level</a:t>
             </a:r>
           </a:p>
           <a:p>
             <a:pPr lvl="4"/>
             <a:r>
-              <a:rPr lang="en-US" smtClean="0"/>
+              <a:rPr lang="en-US"/>
               <a:t>Fifth level</a:t>
             </a:r>
             <a:endParaRPr lang="en-US" dirty="0"/>
@@ -3557,7 +3527,7 @@
           <a:p>
             <a:pPr lvl="0"/>
             <a:r>
-              <a:rPr lang="en-US" smtClean="0"/>
+              <a:rPr lang="en-US"/>
               <a:t>Click to edit Master text styles</a:t>
             </a:r>
           </a:p>
@@ -3587,9 +3557,9 @@
             </a:lvl1pPr>
           </a:lstStyle>
           <a:p>
-            <a:fld id="{E5A27797-1683-ED47-A74A-6DEBEDA39DC8}" type="datetime1">
+            <a:fld id="{B34B1068-CABE-4310-A773-68C0EC4D8FF6}" type="datetime1">
               <a:rPr lang="en-US" smtClean="0"/>
-              <a:t>11/13/15</a:t>
+              <a:t>7/6/2016</a:t>
             </a:fld>
             <a:endParaRPr lang="en-US"/>
           </a:p>
@@ -3624,10 +3594,9 @@
           </a:lstStyle>
           <a:p>
             <a:r>
-              <a:rPr lang="sk-SK" smtClean="0"/>
-              <a:t>© 2015 EV3Lessons.com, Last edit 11/13/2015</a:t>
-            </a:r>
-            <a:endParaRPr lang="en-US"/>
+              <a:rPr lang="en-US"/>
+              <a:t>Copytight © 2015 EV3Lessons.com, Last edit 7/06/2016</a:t>
+            </a:r>
           </a:p>
         </p:txBody>
       </p:sp>
@@ -3799,7 +3768,7 @@
           </a:lstStyle>
           <a:p>
             <a:r>
-              <a:rPr lang="en-US" smtClean="0"/>
+              <a:rPr lang="en-US"/>
               <a:t>Click to edit Master title style</a:t>
             </a:r>
             <a:endParaRPr lang="en-US" dirty="0"/>
@@ -3874,7 +3843,7 @@
           </a:lstStyle>
           <a:p>
             <a:r>
-              <a:rPr lang="en-US" smtClean="0"/>
+              <a:rPr lang="en-US"/>
               <a:t>Drag picture to placeholder or click icon to add</a:t>
             </a:r>
             <a:endParaRPr lang="en-US" dirty="0"/>
@@ -3952,30 +3921,30 @@
           <a:p>
             <a:pPr lvl="0"/>
             <a:r>
+              <a:rPr lang="en-US"/>
+              <a:t>Click to edit Master text styles</a:t>
+            </a:r>
+          </a:p>
+        </p:txBody>
+      </p:sp>
+      <p:sp>
+        <p:nvSpPr>
+          <p:cNvPr id="5" name="Date Placeholder 4"/>
+          <p:cNvSpPr>
+            <a:spLocks noGrp="1"/>
+          </p:cNvSpPr>
+          <p:nvPr>
+            <p:ph type="dt" sz="half" idx="10"/>
+          </p:nvPr>
+        </p:nvSpPr>
+        <p:spPr/>
+        <p:txBody>
+          <a:bodyPr/>
+          <a:lstStyle/>
+          <a:p>
+            <a:fld id="{393882DE-AC00-4C46-AAD3-E98D54C29A5A}" type="datetime1">
               <a:rPr lang="en-US" smtClean="0"/>
-              <a:t>Click to edit Master text styles</a:t>
-            </a:r>
-          </a:p>
-        </p:txBody>
-      </p:sp>
-      <p:sp>
-        <p:nvSpPr>
-          <p:cNvPr id="5" name="Date Placeholder 4"/>
-          <p:cNvSpPr>
-            <a:spLocks noGrp="1"/>
-          </p:cNvSpPr>
-          <p:nvPr>
-            <p:ph type="dt" sz="half" idx="10"/>
-          </p:nvPr>
-        </p:nvSpPr>
-        <p:spPr/>
-        <p:txBody>
-          <a:bodyPr/>
-          <a:lstStyle/>
-          <a:p>
-            <a:fld id="{9F9CFCDA-76FF-C942-8304-6FF0EF7EF019}" type="datetime1">
-              <a:rPr lang="en-US" smtClean="0"/>
-              <a:t>11/13/15</a:t>
+              <a:t>7/6/2016</a:t>
             </a:fld>
             <a:endParaRPr lang="en-US"/>
           </a:p>
@@ -3997,10 +3966,9 @@
           <a:lstStyle/>
           <a:p>
             <a:r>
-              <a:rPr lang="sk-SK" smtClean="0"/>
-              <a:t>© 2015 EV3Lessons.com, Last edit 11/13/2015</a:t>
-            </a:r>
-            <a:endParaRPr lang="en-US"/>
+              <a:rPr lang="en-US"/>
+              <a:t>Copytight © 2015 EV3Lessons.com, Last edit 7/06/2016</a:t>
+            </a:r>
           </a:p>
         </p:txBody>
       </p:sp>
@@ -4166,7 +4134,7 @@
           <a:lstStyle/>
           <a:p>
             <a:r>
-              <a:rPr lang="en-US" smtClean="0"/>
+              <a:rPr lang="en-US"/>
               <a:t>Click to edit Master title style</a:t>
             </a:r>
             <a:endParaRPr lang="en-US" dirty="0"/>
@@ -4200,35 +4168,35 @@
           <a:p>
             <a:pPr lvl="0"/>
             <a:r>
-              <a:rPr lang="en-US" smtClean="0"/>
+              <a:rPr lang="en-US"/>
               <a:t>Click to edit Master text styles</a:t>
             </a:r>
           </a:p>
           <a:p>
             <a:pPr lvl="1"/>
             <a:r>
-              <a:rPr lang="en-US" smtClean="0"/>
+              <a:rPr lang="en-US"/>
               <a:t>Second level</a:t>
             </a:r>
           </a:p>
           <a:p>
             <a:pPr lvl="2"/>
             <a:r>
-              <a:rPr lang="en-US" smtClean="0"/>
+              <a:rPr lang="en-US"/>
               <a:t>Third level</a:t>
             </a:r>
           </a:p>
           <a:p>
             <a:pPr lvl="3"/>
             <a:r>
-              <a:rPr lang="en-US" smtClean="0"/>
+              <a:rPr lang="en-US"/>
               <a:t>Fourth level</a:t>
             </a:r>
           </a:p>
           <a:p>
             <a:pPr lvl="4"/>
             <a:r>
-              <a:rPr lang="en-US" smtClean="0"/>
+              <a:rPr lang="en-US"/>
               <a:t>Fifth level</a:t>
             </a:r>
             <a:endParaRPr lang="en-US" dirty="0"/>
@@ -4266,9 +4234,9 @@
             </a:lvl1pPr>
           </a:lstStyle>
           <a:p>
-            <a:fld id="{0604F77D-FCB8-A946-86A9-D14BD65D0D3D}" type="datetime1">
+            <a:fld id="{B7AF7AE0-EED9-40AF-B6D0-DC08009B30FD}" type="datetime1">
               <a:rPr lang="en-US" smtClean="0"/>
-              <a:t>11/13/15</a:t>
+              <a:t>7/6/2016</a:t>
             </a:fld>
             <a:endParaRPr lang="en-US" dirty="0"/>
           </a:p>
@@ -4306,8 +4274,8 @@
           </a:lstStyle>
           <a:p>
             <a:r>
-              <a:rPr lang="sk-SK" smtClean="0"/>
-              <a:t>© 2015 EV3Lessons.com, Last edit 11/13/2015</a:t>
+              <a:rPr lang="en-US"/>
+              <a:t>Copytight © 2015 EV3Lessons.com, Last edit 7/06/2016</a:t>
             </a:r>
             <a:endParaRPr lang="en-US" dirty="0"/>
           </a:p>
@@ -4848,15 +4816,14 @@
         <p:spPr/>
         <p:txBody>
           <a:bodyPr>
-            <a:normAutofit fontScale="90000"/>
+            <a:normAutofit/>
           </a:bodyPr>
           <a:lstStyle/>
           <a:p>
             <a:r>
-              <a:rPr lang="en-US" dirty="0" smtClean="0"/>
+              <a:rPr lang="en-US" dirty="0"/>
               <a:t>INTERMEDIATE PROGRAMMING LESSON</a:t>
             </a:r>
-            <a:endParaRPr lang="en-US" dirty="0"/>
           </a:p>
         </p:txBody>
       </p:sp>
@@ -4878,10 +4845,9 @@
           <a:lstStyle/>
           <a:p>
             <a:r>
-              <a:rPr lang="en-US" dirty="0" smtClean="0"/>
-              <a:t>TURN_DEGREES My BLOCK</a:t>
-            </a:r>
-            <a:endParaRPr lang="en-US" dirty="0"/>
+              <a:rPr lang="en-US" dirty="0"/>
+              <a:t>TURNING My BLOCK</a:t>
+            </a:r>
           </a:p>
         </p:txBody>
       </p:sp>
@@ -4931,23 +4897,19 @@
           <a:lstStyle/>
           <a:p>
             <a:r>
-              <a:rPr lang="en-US" dirty="0" smtClean="0"/>
-              <a:t>Step </a:t>
-            </a:r>
-            <a:r>
-              <a:rPr lang="en-US" dirty="0" smtClean="0"/>
-              <a:t>3B: </a:t>
-            </a:r>
-            <a:r>
-              <a:rPr lang="en-US" dirty="0" err="1" smtClean="0"/>
+              <a:rPr lang="en-US" dirty="0"/>
+              <a:t>Step 3B: </a:t>
+            </a:r>
+            <a:r>
+              <a:rPr lang="en-US" dirty="0" err="1"/>
               <a:t>Turn_Degrees</a:t>
             </a:r>
             <a:r>
-              <a:rPr lang="en-US" dirty="0" smtClean="0"/>
+              <a:rPr lang="en-US" dirty="0"/>
               <a:t> My </a:t>
             </a:r>
             <a:r>
-              <a:rPr lang="en-US" dirty="0" err="1" smtClean="0"/>
+              <a:rPr lang="en-US" dirty="0" err="1"/>
               <a:t>BLock</a:t>
             </a:r>
             <a:endParaRPr lang="en-US" dirty="0"/>
@@ -4970,10 +4932,9 @@
           <a:lstStyle/>
           <a:p>
             <a:r>
-              <a:rPr lang="en-US" smtClean="0"/>
-              <a:t>© 2015, EV3Lessons.com (last edit 11/02/15)</a:t>
-            </a:r>
-            <a:endParaRPr lang="en-US"/>
+              <a:rPr lang="en-US"/>
+              <a:t>Copytight © 2015 EV3Lessons.com, Last edit 7/06/2016</a:t>
+            </a:r>
           </a:p>
         </p:txBody>
       </p:sp>
@@ -5040,13 +5001,6 @@
   <p:clrMapOvr>
     <a:masterClrMapping/>
   </p:clrMapOvr>
-  <p:timing>
-    <p:tnLst>
-      <p:par>
-        <p:cTn id="1" dur="indefinite" restart="never" nodeType="tmRoot"/>
-      </p:par>
-    </p:tnLst>
-  </p:timing>
 </p:sld>
 </file>
 
@@ -5085,30 +5039,17 @@
           <a:lstStyle/>
           <a:p>
             <a:r>
-              <a:rPr lang="en-US" dirty="0" smtClean="0"/>
-              <a:t>STEP 3B: </a:t>
-            </a:r>
-            <a:r>
-              <a:rPr lang="en-US" dirty="0" smtClean="0"/>
-              <a:t>Inside</a:t>
-            </a:r>
-            <a:r>
-              <a:rPr lang="en-US" dirty="0" smtClean="0"/>
-              <a:t> </a:t>
-            </a:r>
-            <a:r>
-              <a:rPr lang="en-US" dirty="0" err="1" smtClean="0"/>
+              <a:rPr lang="en-US" dirty="0"/>
+              <a:t>STEP 3B: Inside </a:t>
+            </a:r>
+            <a:r>
+              <a:rPr lang="en-US" dirty="0" err="1"/>
               <a:t>Turn_degrees</a:t>
             </a:r>
             <a:r>
-              <a:rPr lang="en-US" dirty="0" smtClean="0"/>
-              <a:t> </a:t>
-            </a:r>
-            <a:r>
-              <a:rPr lang="en-US" dirty="0" smtClean="0"/>
-              <a:t>Right</a:t>
-            </a:r>
-            <a:endParaRPr lang="en-US" dirty="0"/>
+              <a:rPr lang="en-US" dirty="0"/>
+              <a:t> Right</a:t>
+            </a:r>
           </a:p>
         </p:txBody>
       </p:sp>
@@ -5128,10 +5069,9 @@
           <a:lstStyle/>
           <a:p>
             <a:r>
-              <a:rPr lang="en-US" smtClean="0"/>
-              <a:t>© 2015, EV3Lessons.com (last edit 11/02/15)</a:t>
-            </a:r>
-            <a:endParaRPr lang="en-US"/>
+              <a:rPr lang="en-US"/>
+              <a:t>Copytight © 2015 EV3Lessons.com, Last edit 7/06/2016</a:t>
+            </a:r>
           </a:p>
         </p:txBody>
       </p:sp>
@@ -5235,26 +5175,17 @@
           <a:lstStyle/>
           <a:p>
             <a:r>
-              <a:rPr lang="en-US" dirty="0" smtClean="0"/>
-              <a:t>STEP 3B: </a:t>
-            </a:r>
-            <a:r>
-              <a:rPr lang="en-US" dirty="0" smtClean="0"/>
-              <a:t>Inside </a:t>
-            </a:r>
-            <a:r>
-              <a:rPr lang="en-US" dirty="0" err="1" smtClean="0"/>
+              <a:rPr lang="en-US" dirty="0"/>
+              <a:t>STEP 3B: Inside </a:t>
+            </a:r>
+            <a:r>
+              <a:rPr lang="en-US" dirty="0" err="1"/>
               <a:t>Turn_degrees</a:t>
             </a:r>
             <a:r>
-              <a:rPr lang="en-US" dirty="0" smtClean="0"/>
-              <a:t> </a:t>
-            </a:r>
-            <a:r>
-              <a:rPr lang="en-US" dirty="0" smtClean="0"/>
-              <a:t>left</a:t>
-            </a:r>
-            <a:endParaRPr lang="en-US" dirty="0"/>
+              <a:rPr lang="en-US" dirty="0"/>
+              <a:t> left</a:t>
+            </a:r>
           </a:p>
         </p:txBody>
       </p:sp>
@@ -5274,10 +5205,9 @@
           <a:lstStyle/>
           <a:p>
             <a:r>
-              <a:rPr lang="en-US" smtClean="0"/>
-              <a:t>© 2015, EV3Lessons.com (last edit 11/02/15)</a:t>
-            </a:r>
-            <a:endParaRPr lang="en-US"/>
+              <a:rPr lang="en-US"/>
+              <a:t>Copytight © 2015 EV3Lessons.com, Last edit 7/06/2016</a:t>
+            </a:r>
           </a:p>
         </p:txBody>
       </p:sp>
@@ -5379,10 +5309,9 @@
           <a:lstStyle/>
           <a:p>
             <a:r>
-              <a:rPr lang="en-US" dirty="0" smtClean="0"/>
+              <a:rPr lang="en-US" dirty="0"/>
               <a:t>Discussion</a:t>
             </a:r>
-            <a:endParaRPr lang="en-US" dirty="0"/>
           </a:p>
         </p:txBody>
       </p:sp>
@@ -5402,48 +5331,48 @@
           <a:lstStyle/>
           <a:p>
             <a:r>
-              <a:rPr lang="en-US" smtClean="0"/>
+              <a:rPr lang="en-US"/>
               <a:t>Why is a Turn_Degree My Block useful?</a:t>
             </a:r>
           </a:p>
           <a:p>
             <a:pPr lvl="1"/>
             <a:r>
-              <a:rPr lang="en-US" smtClean="0"/>
+              <a:rPr lang="en-US"/>
               <a:t>You can measure turns using a protractor and input this number into your turn block</a:t>
             </a:r>
           </a:p>
           <a:p>
             <a:pPr lvl="1"/>
-            <a:endParaRPr lang="en-US" smtClean="0"/>
-          </a:p>
-          <a:p>
-            <a:r>
-              <a:rPr lang="en-US" smtClean="0"/>
+            <a:endParaRPr lang="en-US"/>
+          </a:p>
+          <a:p>
+            <a:r>
+              <a:rPr lang="en-US"/>
               <a:t>Will changing the inputs in one copy of Turn_Degrees impact another copy of it?</a:t>
             </a:r>
           </a:p>
           <a:p>
             <a:pPr lvl="1"/>
             <a:r>
-              <a:rPr lang="en-US" smtClean="0"/>
+              <a:rPr lang="en-US"/>
               <a:t>No. That is exactly why a My Block is useful.  You can use the same block multiple times, each time using a different number for power and degrees (or any other parameter you set up).</a:t>
             </a:r>
           </a:p>
           <a:p>
             <a:pPr lvl="1"/>
-            <a:endParaRPr lang="en-US" smtClean="0"/>
-          </a:p>
-          <a:p>
-            <a:r>
-              <a:rPr lang="en-US" smtClean="0"/>
+            <a:endParaRPr lang="en-US"/>
+          </a:p>
+          <a:p>
+            <a:r>
+              <a:rPr lang="en-US"/>
               <a:t>Can you alter a My Block after it is made?</a:t>
             </a:r>
           </a:p>
           <a:p>
             <a:pPr lvl="1"/>
             <a:r>
-              <a:rPr lang="en-US" smtClean="0"/>
+              <a:rPr lang="en-US"/>
               <a:t>You can change any of the contents, but not the grey blocks (input and output parameters).  If you need to make changes to the parameters, you must remake your My Block.</a:t>
             </a:r>
           </a:p>
@@ -5469,10 +5398,9 @@
           <a:lstStyle/>
           <a:p>
             <a:r>
-              <a:rPr lang="en-US" smtClean="0"/>
-              <a:t>© 2015, EV3Lessons.com (last edit 11/02/15)</a:t>
-            </a:r>
-            <a:endParaRPr lang="en-US"/>
+              <a:rPr lang="en-US"/>
+              <a:t>Copytight © 2015 EV3Lessons.com, Last edit 7/06/2016</a:t>
+            </a:r>
           </a:p>
         </p:txBody>
       </p:sp>
@@ -5546,10 +5474,9 @@
           <a:lstStyle/>
           <a:p>
             <a:r>
-              <a:rPr lang="en-US" dirty="0" smtClean="0"/>
+              <a:rPr lang="en-US" dirty="0"/>
               <a:t>Credits</a:t>
             </a:r>
-            <a:endParaRPr lang="en-US" dirty="0"/>
           </a:p>
         </p:txBody>
       </p:sp>
@@ -5569,52 +5496,16 @@
           <a:lstStyle/>
           <a:p>
             <a:r>
-              <a:rPr lang="en-US" dirty="0" smtClean="0"/>
-              <a:t>This tutorial was created by Sanjay </a:t>
-            </a:r>
-            <a:r>
-              <a:rPr lang="en-US" dirty="0" err="1" smtClean="0"/>
-              <a:t>Seshan</a:t>
-            </a:r>
-            <a:r>
-              <a:rPr lang="en-US" dirty="0" smtClean="0"/>
-              <a:t> and Arvind </a:t>
-            </a:r>
-            <a:r>
-              <a:rPr lang="en-US" dirty="0" err="1" smtClean="0"/>
-              <a:t>Seshan</a:t>
-            </a:r>
-            <a:r>
-              <a:rPr lang="en-US" dirty="0" smtClean="0"/>
-              <a:t> from Droids Robotics.</a:t>
-            </a:r>
-          </a:p>
-          <a:p>
-            <a:r>
-              <a:rPr lang="en-US" dirty="0" smtClean="0"/>
+              <a:rPr lang="en-US" dirty="0"/>
+              <a:t>This tutorial was created by Sanjay Seshan and Arvind Seshan</a:t>
+            </a:r>
+          </a:p>
+          <a:p>
+            <a:r>
+              <a:rPr lang="en-US" dirty="0"/>
               <a:t>More lessons are available at www.ev3lessons.com</a:t>
             </a:r>
           </a:p>
-          <a:p>
-            <a:r>
-              <a:rPr lang="en-US" dirty="0" smtClean="0"/>
-              <a:t>Author’s Email: </a:t>
-            </a:r>
-            <a:r>
-              <a:rPr lang="en-US" dirty="0" smtClean="0">
-                <a:hlinkClick r:id="rId3"/>
-              </a:rPr>
-              <a:t>team@droidsrobotics.org</a:t>
-            </a:r>
-            <a:r>
-              <a:rPr lang="en-US" dirty="0" smtClean="0"/>
-              <a:t/>
-            </a:r>
-            <a:br>
-              <a:rPr lang="en-US" dirty="0" smtClean="0"/>
-            </a:br>
-            <a:endParaRPr lang="en-US" dirty="0" smtClean="0"/>
-          </a:p>
         </p:txBody>
       </p:sp>
       <p:sp>
@@ -5633,8 +5524,8 @@
           <a:lstStyle/>
           <a:p>
             <a:r>
-              <a:rPr lang="en-US" smtClean="0"/>
-              <a:t>© 2015, EV3Lessons.com (last edit 11/02/15)</a:t>
+              <a:rPr lang="en-US"/>
+              <a:t>Copytight © 2015 EV3Lessons.com, Last edit 7/06/2016</a:t>
             </a:r>
             <a:endParaRPr lang="en-US" dirty="0"/>
           </a:p>
@@ -5862,7 +5753,7 @@
               <a:tabLst/>
             </a:pPr>
             <a:r>
-              <a:rPr kumimoji="0" lang="en-US" altLang="en-US" sz="2000" b="0" i="0" u="none" strike="noStrike" cap="none" normalizeH="0" baseline="0" dirty="0" smtClean="0">
+              <a:rPr kumimoji="0" lang="en-US" altLang="en-US" sz="2000" b="0" i="0" u="none" strike="noStrike" cap="none" normalizeH="0" baseline="0" dirty="0">
                 <a:ln>
                   <a:noFill/>
                 </a:ln>
@@ -5874,20 +5765,8 @@
               </a:rPr>
               <a:t>                         </a:t>
             </a:r>
-            <a:r>
-              <a:rPr kumimoji="0" lang="en-US" altLang="en-US" sz="1600" b="0" i="0" u="none" strike="noStrike" cap="none" normalizeH="0" baseline="0" dirty="0" smtClean="0">
-                <a:ln>
-                  <a:noFill/>
-                </a:ln>
-                <a:solidFill>
-                  <a:schemeClr val="tx1"/>
-                </a:solidFill>
-                <a:effectLst/>
-              </a:rPr>
-              <a:t/>
-            </a:r>
             <a:br>
-              <a:rPr kumimoji="0" lang="en-US" altLang="en-US" sz="1600" b="0" i="0" u="none" strike="noStrike" cap="none" normalizeH="0" baseline="0" dirty="0" smtClean="0">
+              <a:rPr kumimoji="0" lang="en-US" altLang="en-US" sz="1600" b="0" i="0" u="none" strike="noStrike" cap="none" normalizeH="0" baseline="0" dirty="0">
                 <a:ln>
                   <a:noFill/>
                 </a:ln>
@@ -5898,7 +5777,7 @@
               </a:rPr>
             </a:br>
             <a:r>
-              <a:rPr kumimoji="0" lang="en-US" altLang="en-US" sz="2000" b="0" i="0" u="none" strike="noStrike" cap="none" normalizeH="0" baseline="0" dirty="0" smtClean="0">
+              <a:rPr kumimoji="0" lang="en-US" altLang="en-US" sz="2000" b="0" i="0" u="none" strike="noStrike" cap="none" normalizeH="0" baseline="0" dirty="0">
                 <a:ln>
                   <a:noFill/>
                 </a:ln>
@@ -5911,7 +5790,7 @@
               <a:t>This work is licensed under a </a:t>
             </a:r>
             <a:r>
-              <a:rPr kumimoji="0" lang="en-US" altLang="en-US" sz="2000" b="0" i="0" u="none" strike="noStrike" cap="none" normalizeH="0" baseline="0" dirty="0" smtClean="0">
+              <a:rPr kumimoji="0" lang="en-US" altLang="en-US" sz="2000" b="0" i="0" u="none" strike="noStrike" cap="none" normalizeH="0" baseline="0" dirty="0">
                 <a:ln>
                   <a:noFill/>
                 </a:ln>
@@ -5920,12 +5799,12 @@
                 </a:solidFill>
                 <a:effectLst/>
                 <a:latin typeface="Helvetica Neue"/>
-                <a:hlinkClick r:id="rId4"/>
+                <a:hlinkClick r:id="rId3"/>
               </a:rPr>
               <a:t>Creative Commons Attribution-</a:t>
             </a:r>
             <a:r>
-              <a:rPr kumimoji="0" lang="en-US" altLang="en-US" sz="2000" b="0" i="0" u="none" strike="noStrike" cap="none" normalizeH="0" baseline="0" dirty="0" err="1" smtClean="0">
+              <a:rPr kumimoji="0" lang="en-US" altLang="en-US" sz="2000" b="0" i="0" u="none" strike="noStrike" cap="none" normalizeH="0" baseline="0" dirty="0" err="1">
                 <a:ln>
                   <a:noFill/>
                 </a:ln>
@@ -5934,12 +5813,12 @@
                 </a:solidFill>
                 <a:effectLst/>
                 <a:latin typeface="Helvetica Neue"/>
-                <a:hlinkClick r:id="rId4"/>
+                <a:hlinkClick r:id="rId3"/>
               </a:rPr>
               <a:t>NonCommercial</a:t>
             </a:r>
             <a:r>
-              <a:rPr kumimoji="0" lang="en-US" altLang="en-US" sz="2000" b="0" i="0" u="none" strike="noStrike" cap="none" normalizeH="0" baseline="0" dirty="0" smtClean="0">
+              <a:rPr kumimoji="0" lang="en-US" altLang="en-US" sz="2000" b="0" i="0" u="none" strike="noStrike" cap="none" normalizeH="0" baseline="0" dirty="0">
                 <a:ln>
                   <a:noFill/>
                 </a:ln>
@@ -5948,12 +5827,12 @@
                 </a:solidFill>
                 <a:effectLst/>
                 <a:latin typeface="Helvetica Neue"/>
-                <a:hlinkClick r:id="rId4"/>
+                <a:hlinkClick r:id="rId3"/>
               </a:rPr>
               <a:t>-</a:t>
             </a:r>
             <a:r>
-              <a:rPr kumimoji="0" lang="en-US" altLang="en-US" sz="2000" b="0" i="0" u="none" strike="noStrike" cap="none" normalizeH="0" baseline="0" dirty="0" err="1" smtClean="0">
+              <a:rPr kumimoji="0" lang="en-US" altLang="en-US" sz="2000" b="0" i="0" u="none" strike="noStrike" cap="none" normalizeH="0" baseline="0" dirty="0" err="1">
                 <a:ln>
                   <a:noFill/>
                 </a:ln>
@@ -5962,12 +5841,12 @@
                 </a:solidFill>
                 <a:effectLst/>
                 <a:latin typeface="Helvetica Neue"/>
-                <a:hlinkClick r:id="rId4"/>
+                <a:hlinkClick r:id="rId3"/>
               </a:rPr>
               <a:t>ShareAlike</a:t>
             </a:r>
             <a:r>
-              <a:rPr kumimoji="0" lang="en-US" altLang="en-US" sz="2000" b="0" i="0" u="none" strike="noStrike" cap="none" normalizeH="0" baseline="0" dirty="0" smtClean="0">
+              <a:rPr kumimoji="0" lang="en-US" altLang="en-US" sz="2000" b="0" i="0" u="none" strike="noStrike" cap="none" normalizeH="0" baseline="0" dirty="0">
                 <a:ln>
                   <a:noFill/>
                 </a:ln>
@@ -5976,12 +5855,12 @@
                 </a:solidFill>
                 <a:effectLst/>
                 <a:latin typeface="Helvetica Neue"/>
-                <a:hlinkClick r:id="rId4"/>
+                <a:hlinkClick r:id="rId3"/>
               </a:rPr>
               <a:t> 4.0 International License</a:t>
             </a:r>
             <a:r>
-              <a:rPr kumimoji="0" lang="en-US" altLang="en-US" sz="2000" b="0" i="0" u="none" strike="noStrike" cap="none" normalizeH="0" baseline="0" dirty="0" smtClean="0">
+              <a:rPr kumimoji="0" lang="en-US" altLang="en-US" sz="2000" b="0" i="0" u="none" strike="noStrike" cap="none" normalizeH="0" baseline="0" dirty="0">
                 <a:ln>
                   <a:noFill/>
                 </a:ln>
@@ -5994,7 +5873,7 @@
               <a:t>.</a:t>
             </a:r>
             <a:r>
-              <a:rPr kumimoji="0" lang="en-US" altLang="en-US" sz="1600" b="0" i="0" u="none" strike="noStrike" cap="none" normalizeH="0" baseline="0" dirty="0" smtClean="0">
+              <a:rPr kumimoji="0" lang="en-US" altLang="en-US" sz="1600" b="0" i="0" u="none" strike="noStrike" cap="none" normalizeH="0" baseline="0" dirty="0">
                 <a:ln>
                   <a:noFill/>
                 </a:ln>
@@ -6005,7 +5884,7 @@
               </a:rPr>
               <a:t> </a:t>
             </a:r>
-            <a:endParaRPr kumimoji="0" lang="en-US" altLang="en-US" sz="2000" b="0" i="0" u="none" strike="noStrike" cap="none" normalizeH="0" baseline="0" dirty="0" smtClean="0">
+            <a:endParaRPr kumimoji="0" lang="en-US" altLang="en-US" sz="2000" b="0" i="0" u="none" strike="noStrike" cap="none" normalizeH="0" baseline="0" dirty="0">
               <a:ln>
                 <a:noFill/>
               </a:ln>
@@ -6021,7 +5900,7 @@
       <p:pic>
         <p:nvPicPr>
           <p:cNvPr id="2050" name="Picture 2" descr="Creative Commons License">
-            <a:hlinkClick r:id="rId4"/>
+            <a:hlinkClick r:id="rId3"/>
           </p:cNvPr>
           <p:cNvPicPr>
             <a:picLocks noChangeAspect="1" noChangeArrowheads="1"/>
@@ -6029,7 +5908,7 @@
           <p:nvPr/>
         </p:nvPicPr>
         <p:blipFill>
-          <a:blip r:embed="rId5">
+          <a:blip r:embed="rId4">
             <a:extLst>
               <a:ext uri="{28A0092B-C50C-407E-A947-70E740481C1C}">
                 <a14:useLocalDpi xmlns:a14="http://schemas.microsoft.com/office/drawing/2010/main" val="0"/>
@@ -6071,13 +5950,6 @@
   <p:clrMapOvr>
     <a:masterClrMapping/>
   </p:clrMapOvr>
-  <p:timing>
-    <p:tnLst>
-      <p:par>
-        <p:cTn id="1" dur="indefinite" restart="never" nodeType="tmRoot"/>
-      </p:par>
-    </p:tnLst>
-  </p:timing>
 </p:sld>
 </file>
 
@@ -6114,10 +5986,9 @@
           <a:lstStyle/>
           <a:p>
             <a:r>
-              <a:rPr lang="en-US" dirty="0" smtClean="0"/>
+              <a:rPr lang="en-US" dirty="0"/>
               <a:t>Lesson Objectives</a:t>
             </a:r>
-            <a:endParaRPr lang="en-US" dirty="0"/>
           </a:p>
         </p:txBody>
       </p:sp>
@@ -6141,7 +6012,7 @@
               <a:buAutoNum type="arabicPeriod"/>
             </a:pPr>
             <a:r>
-              <a:rPr lang="en-US" dirty="0" smtClean="0"/>
+              <a:rPr lang="en-US" dirty="0"/>
               <a:t>Create a useful My Block</a:t>
             </a:r>
           </a:p>
@@ -6151,7 +6022,7 @@
               <a:buAutoNum type="arabicPeriod"/>
             </a:pPr>
             <a:r>
-              <a:rPr lang="en-US" dirty="0" smtClean="0"/>
+              <a:rPr lang="en-US" dirty="0"/>
               <a:t>Learn to make a My Block that will take inputs based on measurements with a protractor</a:t>
             </a:r>
           </a:p>
@@ -6161,31 +6032,22 @@
               <a:buAutoNum type="arabicPeriod"/>
             </a:pPr>
             <a:r>
-              <a:rPr lang="en-US" dirty="0" smtClean="0"/>
-              <a:t>Make a </a:t>
-            </a:r>
-            <a:r>
-              <a:rPr lang="en-US" dirty="0" err="1" smtClean="0"/>
-              <a:t>Turn_Degrees</a:t>
-            </a:r>
-            <a:r>
-              <a:rPr lang="en-US" dirty="0" smtClean="0"/>
-              <a:t> My Block</a:t>
-            </a:r>
-          </a:p>
-          <a:p>
-            <a:endParaRPr lang="en-US" dirty="0" smtClean="0"/>
-          </a:p>
-          <a:p>
-            <a:endParaRPr lang="en-US" dirty="0" smtClean="0"/>
-          </a:p>
-          <a:p>
-            <a:r>
-              <a:rPr lang="en-US" dirty="0" smtClean="0"/>
-              <a:t>Prerequisites: Turning, My Blocks with Inputs and Outputs, Data Wires, Math Blocks. Port View</a:t>
-            </a:r>
+              <a:rPr lang="en-US" dirty="0"/>
+              <a:t>Make a Turning My Block</a:t>
+            </a:r>
+          </a:p>
+          <a:p>
             <a:endParaRPr lang="en-US" dirty="0"/>
           </a:p>
+          <a:p>
+            <a:endParaRPr lang="en-US" dirty="0"/>
+          </a:p>
+          <a:p>
+            <a:r>
+              <a:rPr lang="en-US" dirty="0"/>
+              <a:t>Prerequisites: Turning, My Blocks with Inputs and Outputs, Data Wires, Math Blocks, Port View</a:t>
+            </a:r>
+          </a:p>
         </p:txBody>
       </p:sp>
       <p:sp>
@@ -6204,10 +6066,9 @@
           <a:lstStyle/>
           <a:p>
             <a:r>
-              <a:rPr lang="en-US" smtClean="0"/>
-              <a:t>© 2015, EV3Lessons.com (last edit 11/02/15)</a:t>
-            </a:r>
-            <a:endParaRPr lang="en-US"/>
+              <a:rPr lang="en-US"/>
+              <a:t>Copytight © 2015 EV3Lessons.com, Last edit 7/06/2016</a:t>
+            </a:r>
           </a:p>
         </p:txBody>
       </p:sp>
@@ -6336,18 +6197,17 @@
           <a:lstStyle/>
           <a:p>
             <a:r>
-              <a:rPr lang="en-US" dirty="0" smtClean="0"/>
+              <a:rPr lang="en-US" dirty="0"/>
               <a:t>Rotation vs. </a:t>
             </a:r>
             <a:r>
-              <a:rPr lang="en-US" dirty="0" err="1" smtClean="0"/>
+              <a:rPr lang="en-US" dirty="0" err="1"/>
               <a:t>Protactor</a:t>
             </a:r>
             <a:r>
-              <a:rPr lang="en-US" dirty="0" smtClean="0"/>
+              <a:rPr lang="en-US" dirty="0"/>
               <a:t> Degrees</a:t>
             </a:r>
-            <a:endParaRPr lang="en-US" dirty="0"/>
           </a:p>
         </p:txBody>
       </p:sp>
@@ -6378,7 +6238,7 @@
               <a:buChar char="•"/>
             </a:pPr>
             <a:r>
-              <a:rPr lang="en-US" sz="1800" smtClean="0"/>
+              <a:rPr lang="en-US" sz="1800"/>
               <a:t>Just like Move_CM, you can also create a My Block for turns. In Move Centimeters, we had to figure out how much the robot wheels rotate for one CM.</a:t>
             </a:r>
           </a:p>
@@ -6388,27 +6248,27 @@
               <a:buChar char="•"/>
             </a:pPr>
             <a:r>
-              <a:rPr lang="en-US" sz="1800" smtClean="0"/>
+              <a:rPr lang="en-US" sz="1800"/>
               <a:t>To make a </a:t>
             </a:r>
             <a:r>
-              <a:rPr lang="en-US" sz="1800" smtClean="0">
+              <a:rPr lang="en-US" sz="1800">
                 <a:cs typeface="Courier"/>
               </a:rPr>
               <a:t>Turn Degrees</a:t>
             </a:r>
             <a:r>
-              <a:rPr lang="en-US" sz="1800" smtClean="0">
+              <a:rPr lang="en-US" sz="1800">
                 <a:latin typeface="Courier"/>
                 <a:cs typeface="Courier"/>
               </a:rPr>
               <a:t> </a:t>
             </a:r>
             <a:r>
-              <a:rPr lang="en-US" sz="1800" smtClean="0"/>
+              <a:rPr lang="en-US" sz="1800"/>
               <a:t>My Block, you have to figure out how much your rotation sensor on the motor turns for one degree on a protractor. </a:t>
             </a:r>
-            <a:endParaRPr lang="en-US" sz="1800" dirty="0" smtClean="0"/>
+            <a:endParaRPr lang="en-US" sz="1800" dirty="0"/>
           </a:p>
         </p:txBody>
       </p:sp>
@@ -6428,10 +6288,9 @@
           <a:lstStyle/>
           <a:p>
             <a:r>
-              <a:rPr lang="en-US" smtClean="0"/>
-              <a:t>© 2015, EV3Lessons.com (last edit 11/02/15)</a:t>
-            </a:r>
-            <a:endParaRPr lang="en-US"/>
+              <a:rPr lang="en-US"/>
+              <a:t>Copytight © 2015 EV3Lessons.com, Last edit 7/06/2016</a:t>
+            </a:r>
           </a:p>
         </p:txBody>
       </p:sp>
@@ -6522,22 +6381,17 @@
           <a:lstStyle/>
           <a:p>
             <a:r>
-              <a:rPr lang="en-US" dirty="0" smtClean="0"/>
+              <a:rPr lang="en-US" dirty="0"/>
               <a:t>45 degree turn by the robot in the real world can be measured with a protractor. </a:t>
             </a:r>
             <a:r>
-              <a:rPr lang="en-US" b="1" dirty="0" smtClean="0">
+              <a:rPr lang="en-US" b="1" dirty="0">
                 <a:solidFill>
                   <a:srgbClr val="0000FF"/>
                 </a:solidFill>
               </a:rPr>
               <a:t>We call this protractor degrees.</a:t>
             </a:r>
-            <a:endParaRPr lang="en-US" b="1" dirty="0">
-              <a:solidFill>
-                <a:srgbClr val="0000FF"/>
-              </a:solidFill>
-            </a:endParaRPr>
           </a:p>
         </p:txBody>
       </p:sp>
@@ -6600,22 +6454,17 @@
           <a:lstStyle/>
           <a:p>
             <a:r>
-              <a:rPr lang="en-US" dirty="0" smtClean="0"/>
+              <a:rPr lang="en-US" dirty="0"/>
               <a:t>You can use the EV3 to measure how much your wheel turns. </a:t>
             </a:r>
             <a:r>
-              <a:rPr lang="en-US" b="1" dirty="0" smtClean="0">
+              <a:rPr lang="en-US" b="1" dirty="0">
                 <a:solidFill>
                   <a:srgbClr val="008000"/>
                 </a:solidFill>
               </a:rPr>
               <a:t>We call this rotation degrees.</a:t>
             </a:r>
-            <a:endParaRPr lang="en-US" b="1" dirty="0">
-              <a:solidFill>
-                <a:srgbClr val="008000"/>
-              </a:solidFill>
-            </a:endParaRPr>
           </a:p>
         </p:txBody>
       </p:sp>
@@ -6950,21 +6799,6 @@
   <p:clrMapOvr>
     <a:masterClrMapping/>
   </p:clrMapOvr>
-  <mc:AlternateContent xmlns:mc="http://schemas.openxmlformats.org/markup-compatibility/2006" xmlns:p14="http://schemas.microsoft.com/office/powerpoint/2010/main">
-    <mc:Choice Requires="p14">
-      <p:transition spd="slow" p14:dur="2000"/>
-    </mc:Choice>
-    <mc:Fallback xmlns="">
-      <p:transition spd="slow"/>
-    </mc:Fallback>
-  </mc:AlternateContent>
-  <p:timing>
-    <p:tnLst>
-      <p:par>
-        <p:cTn id="1" dur="indefinite" restart="never" nodeType="tmRoot"/>
-      </p:par>
-    </p:tnLst>
-  </p:timing>
 </p:sld>
 </file>
 
@@ -7003,10 +6837,9 @@
           <a:lstStyle/>
           <a:p>
             <a:r>
-              <a:rPr lang="en-US" dirty="0" smtClean="0"/>
+              <a:rPr lang="en-US" dirty="0"/>
               <a:t>Turn Degrees in 3 Easy Steps</a:t>
             </a:r>
-            <a:endParaRPr lang="en-US" dirty="0"/>
           </a:p>
         </p:txBody>
       </p:sp>
@@ -7033,32 +6866,24 @@
           <a:lstStyle/>
           <a:p>
             <a:r>
-              <a:rPr lang="en-US" b="1" dirty="0" smtClean="0"/>
+              <a:rPr lang="en-US" b="1" dirty="0"/>
               <a:t>STEP 1: </a:t>
             </a:r>
             <a:r>
-              <a:rPr lang="en-US" b="0" dirty="0" smtClean="0"/>
+              <a:rPr lang="en-US" b="0" dirty="0"/>
               <a:t>How many rotation degrees does the robot turn for every 1 protractor degree?</a:t>
             </a:r>
           </a:p>
           <a:p>
             <a:r>
               <a:rPr lang="en-US" b="0" dirty="0"/>
-              <a:t>	</a:t>
-            </a:r>
-            <a:r>
-              <a:rPr lang="en-US" b="0" dirty="0" smtClean="0"/>
-              <a:t>STEP 1A: Rotation Sensor Measurement</a:t>
+              <a:t>	STEP 1A: Rotation Sensor Measurement</a:t>
             </a:r>
           </a:p>
           <a:p>
             <a:r>
               <a:rPr lang="en-US" b="0" dirty="0"/>
-              <a:t>	</a:t>
-            </a:r>
-            <a:r>
-              <a:rPr lang="en-US" b="0" dirty="0" smtClean="0"/>
-              <a:t>STEP 1B: Program the robot to turn 1 protractor degree</a:t>
+              <a:t>	STEP 1B: Program the robot to turn 1 protractor degree</a:t>
             </a:r>
           </a:p>
           <a:p>
@@ -7066,11 +6891,11 @@
           </a:p>
           <a:p>
             <a:r>
-              <a:rPr lang="en-US" b="1" dirty="0" smtClean="0"/>
+              <a:rPr lang="en-US" b="1" dirty="0"/>
               <a:t>STEP 2: </a:t>
             </a:r>
             <a:r>
-              <a:rPr lang="en-US" b="0" dirty="0" smtClean="0"/>
+              <a:rPr lang="en-US" b="0" dirty="0"/>
               <a:t>Add a Math Block to convert protractor degrees to rotation degrees.</a:t>
             </a:r>
           </a:p>
@@ -7079,19 +6904,19 @@
           </a:p>
           <a:p>
             <a:r>
-              <a:rPr lang="en-US" b="1" dirty="0" smtClean="0"/>
+              <a:rPr lang="en-US" b="1" dirty="0"/>
               <a:t>STEP 3: </a:t>
             </a:r>
             <a:r>
-              <a:rPr lang="en-US" b="0" dirty="0" smtClean="0"/>
+              <a:rPr lang="en-US" b="0" dirty="0"/>
               <a:t>Create a </a:t>
             </a:r>
             <a:r>
-              <a:rPr lang="en-US" b="0" dirty="0" err="1" smtClean="0"/>
+              <a:rPr lang="en-US" b="0" dirty="0" err="1"/>
               <a:t>Turn_Degrees</a:t>
             </a:r>
             <a:r>
-              <a:rPr lang="en-US" b="0" dirty="0" smtClean="0"/>
+              <a:rPr lang="en-US" b="0" dirty="0"/>
               <a:t> My Block with 2 inputs (power and degrees)</a:t>
             </a:r>
           </a:p>
@@ -7120,10 +6945,9 @@
           <a:lstStyle/>
           <a:p>
             <a:r>
-              <a:rPr lang="en-US" smtClean="0"/>
-              <a:t>© 2015, EV3Lessons.com (last edit 11/02/15)</a:t>
-            </a:r>
-            <a:endParaRPr lang="en-US"/>
+              <a:rPr lang="en-US"/>
+              <a:t>Copytight © 2015 EV3Lessons.com, Last edit 7/06/2016</a:t>
+            </a:r>
           </a:p>
         </p:txBody>
       </p:sp>
@@ -7160,13 +6984,6 @@
   <p:clrMapOvr>
     <a:masterClrMapping/>
   </p:clrMapOvr>
-  <p:timing>
-    <p:tnLst>
-      <p:par>
-        <p:cTn id="1" dur="indefinite" restart="never" nodeType="tmRoot"/>
-      </p:par>
-    </p:tnLst>
-  </p:timing>
 </p:sld>
 </file>
 
@@ -7205,22 +7022,9 @@
           <a:lstStyle/>
           <a:p>
             <a:r>
-              <a:rPr lang="en-US" dirty="0" smtClean="0"/>
-              <a:t>Step 1A: </a:t>
-            </a:r>
-            <a:r>
-              <a:rPr lang="en-US" dirty="0" smtClean="0"/>
-              <a:t>Measuring </a:t>
-            </a:r>
-            <a:r>
-              <a:rPr lang="en-US" dirty="0" smtClean="0"/>
-              <a:t>Rotation </a:t>
-            </a:r>
-            <a:r>
-              <a:rPr lang="en-US" dirty="0" smtClean="0"/>
-              <a:t>Sensor</a:t>
-            </a:r>
-            <a:endParaRPr lang="en-US" dirty="0"/>
+              <a:rPr lang="en-US" dirty="0"/>
+              <a:t>Step 1A: Measuring Rotation Sensor</a:t>
+            </a:r>
           </a:p>
         </p:txBody>
       </p:sp>
@@ -7242,81 +7046,65 @@
           <a:lstStyle/>
           <a:p>
             <a:r>
-              <a:rPr lang="en-US" dirty="0" smtClean="0"/>
+              <a:rPr lang="en-US" dirty="0"/>
               <a:t>Calculate how many motor degrees are in 1 protractor degree</a:t>
             </a:r>
           </a:p>
           <a:p>
             <a:pPr lvl="1"/>
             <a:r>
-              <a:rPr lang="en-US" dirty="0" smtClean="0"/>
+              <a:rPr lang="en-US" dirty="0"/>
               <a:t>Go to Port View and pick the rotation sensor on your motor</a:t>
             </a:r>
           </a:p>
           <a:p>
             <a:pPr lvl="1"/>
             <a:r>
-              <a:rPr lang="en-US" dirty="0" smtClean="0"/>
-              <a:t>Hold one wheel in place and only turn the other wheel (Pivot Turn). </a:t>
-            </a:r>
-            <a:r>
               <a:rPr lang="en-US" dirty="0"/>
-              <a:t>Turn the robot any number of degrees you choose.</a:t>
-            </a:r>
-            <a:r>
-              <a:rPr lang="en-US" dirty="0" smtClean="0"/>
-              <a:t> Make sure the wheels don’t slip when you do this.</a:t>
+              <a:t>Hold one wheel in place and only turn the other wheel (Pivot Turn). Turn the robot any number of degrees you choose. Make sure the wheels don’t slip when you do this.</a:t>
             </a:r>
           </a:p>
           <a:p>
             <a:pPr lvl="1"/>
             <a:r>
-              <a:rPr lang="en-US" dirty="0" smtClean="0"/>
+              <a:rPr lang="en-US" dirty="0"/>
               <a:t>Look at the Motor Degree value and divide by the number of protractor degrees you turned.</a:t>
             </a:r>
           </a:p>
           <a:p>
             <a:pPr lvl="1"/>
             <a:r>
-              <a:rPr lang="en-US" dirty="0" smtClean="0"/>
-              <a:t>This is the number of rotation </a:t>
-            </a:r>
-            <a:r>
               <a:rPr lang="en-US" dirty="0"/>
-              <a:t>d</a:t>
-            </a:r>
-            <a:r>
-              <a:rPr lang="en-US" dirty="0" smtClean="0"/>
-              <a:t>egrees in 1 protractor degree.</a:t>
-            </a:r>
-          </a:p>
-          <a:p>
-            <a:endParaRPr lang="en-US" dirty="0" smtClean="0"/>
-          </a:p>
-          <a:p>
-            <a:r>
-              <a:rPr lang="en-US" dirty="0" smtClean="0"/>
+              <a:t>This is the number of rotation degrees in 1 protractor degree.</a:t>
+            </a:r>
+          </a:p>
+          <a:p>
+            <a:endParaRPr lang="en-US" dirty="0"/>
+          </a:p>
+          <a:p>
+            <a:r>
+              <a:rPr lang="en-US" dirty="0"/>
               <a:t>An example using Droid Bot </a:t>
             </a:r>
           </a:p>
           <a:p>
             <a:pPr lvl="1"/>
             <a:r>
-              <a:rPr lang="en-US" dirty="0" smtClean="0"/>
+              <a:rPr lang="en-US" dirty="0"/>
               <a:t>Robot was turned 90 protractor degrees</a:t>
             </a:r>
           </a:p>
           <a:p>
             <a:pPr lvl="1"/>
             <a:r>
-              <a:rPr lang="en-US" dirty="0" smtClean="0"/>
+              <a:rPr lang="en-US" dirty="0"/>
               <a:t>Using Port View, the motor moved 330 degrees</a:t>
             </a:r>
           </a:p>
           <a:p>
             <a:pPr lvl="1"/>
             <a:r>
-              <a:rPr lang="en-US" dirty="0" smtClean="0"/>
+              <a:rPr lang="en-US" dirty="0"/>
               <a:t>330 motor degrees/90 protractor degrees = 3.7</a:t>
             </a:r>
           </a:p>
@@ -7338,10 +7126,9 @@
           <a:lstStyle/>
           <a:p>
             <a:r>
-              <a:rPr lang="en-US" smtClean="0"/>
-              <a:t>© 2015, EV3Lessons.com (last edit 11/02/15)</a:t>
-            </a:r>
-            <a:endParaRPr lang="en-US"/>
+              <a:rPr lang="en-US"/>
+              <a:t>Copytight © 2015 EV3Lessons.com, Last edit 7/06/2016</a:t>
+            </a:r>
           </a:p>
         </p:txBody>
       </p:sp>
@@ -7403,21 +7190,6 @@
   <p:clrMapOvr>
     <a:masterClrMapping/>
   </p:clrMapOvr>
-  <mc:AlternateContent xmlns:mc="http://schemas.openxmlformats.org/markup-compatibility/2006" xmlns:p14="http://schemas.microsoft.com/office/powerpoint/2010/main">
-    <mc:Choice Requires="p14">
-      <p:transition spd="slow" p14:dur="2000"/>
-    </mc:Choice>
-    <mc:Fallback xmlns="">
-      <p:transition xmlns:p14="http://schemas.microsoft.com/office/powerpoint/2010/main" spd="slow"/>
-    </mc:Fallback>
-  </mc:AlternateContent>
-  <p:timing>
-    <p:tnLst>
-      <p:par>
-        <p:cTn id="1" dur="indefinite" restart="never" nodeType="tmRoot"/>
-      </p:par>
-    </p:tnLst>
-  </p:timing>
 </p:sld>
 </file>
 
@@ -7456,18 +7228,9 @@
           <a:lstStyle/>
           <a:p>
             <a:r>
-              <a:rPr lang="en-US" dirty="0" smtClean="0"/>
-              <a:t>Step 1B: </a:t>
-            </a:r>
-            <a:r>
-              <a:rPr lang="en-US" dirty="0" smtClean="0"/>
-              <a:t>Turn the Robot 1 </a:t>
-            </a:r>
-            <a:r>
-              <a:rPr lang="en-US" dirty="0" smtClean="0"/>
-              <a:t>degree</a:t>
-            </a:r>
-            <a:endParaRPr lang="en-US" dirty="0"/>
+              <a:rPr lang="en-US" dirty="0"/>
+              <a:t>Step 1B: Turn the Robot 1 Degree</a:t>
+            </a:r>
           </a:p>
         </p:txBody>
       </p:sp>
@@ -7487,10 +7250,9 @@
           <a:lstStyle/>
           <a:p>
             <a:r>
-              <a:rPr lang="en-US" smtClean="0"/>
-              <a:t>© 2015, EV3Lessons.com (last edit 11/02/15)</a:t>
-            </a:r>
-            <a:endParaRPr lang="en-US"/>
+              <a:rPr lang="en-US"/>
+              <a:t>Copytight © 2015 EV3Lessons.com, Last edit 7/06/2016</a:t>
+            </a:r>
           </a:p>
         </p:txBody>
       </p:sp>
@@ -7557,13 +7319,6 @@
   <p:clrMapOvr>
     <a:masterClrMapping/>
   </p:clrMapOvr>
-  <p:timing>
-    <p:tnLst>
-      <p:par>
-        <p:cTn id="1" dur="indefinite" restart="never" nodeType="tmRoot"/>
-      </p:par>
-    </p:tnLst>
-  </p:timing>
 </p:sld>
 </file>
 
@@ -7602,14 +7357,9 @@
           <a:lstStyle/>
           <a:p>
             <a:r>
-              <a:rPr lang="en-US" dirty="0" smtClean="0"/>
-              <a:t>Step 2: </a:t>
-            </a:r>
-            <a:r>
-              <a:rPr lang="en-US" dirty="0" smtClean="0"/>
-              <a:t>Protractor to Motor Degree</a:t>
-            </a:r>
-            <a:endParaRPr lang="en-US" dirty="0"/>
+              <a:rPr lang="en-US" dirty="0"/>
+              <a:t>Step 2: Protractor to Motor Degree</a:t>
+            </a:r>
           </a:p>
         </p:txBody>
       </p:sp>
@@ -7629,10 +7379,9 @@
           <a:lstStyle/>
           <a:p>
             <a:r>
-              <a:rPr lang="en-US" smtClean="0"/>
-              <a:t>© 2015, EV3Lessons.com (last edit 11/02/15)</a:t>
-            </a:r>
-            <a:endParaRPr lang="en-US"/>
+              <a:rPr lang="en-US"/>
+              <a:t>Copytight © 2015 EV3Lessons.com, Last edit 7/06/2016</a:t>
+            </a:r>
           </a:p>
         </p:txBody>
       </p:sp>
@@ -7698,13 +7447,6 @@
   <p:clrMapOvr>
     <a:masterClrMapping/>
   </p:clrMapOvr>
-  <p:timing>
-    <p:tnLst>
-      <p:par>
-        <p:cTn id="1" dur="indefinite" restart="never" nodeType="tmRoot"/>
-      </p:par>
-    </p:tnLst>
-  </p:timing>
 </p:sld>
 </file>
 
@@ -7741,10 +7483,9 @@
           <a:lstStyle/>
           <a:p>
             <a:r>
-              <a:rPr lang="en-US" dirty="0" smtClean="0"/>
+              <a:rPr lang="en-US" dirty="0"/>
               <a:t>Step 3A: Set up My Block</a:t>
             </a:r>
-            <a:endParaRPr lang="en-US" dirty="0"/>
           </a:p>
         </p:txBody>
       </p:sp>
@@ -7793,10 +7534,9 @@
           <a:lstStyle/>
           <a:p>
             <a:r>
-              <a:rPr lang="en-US" smtClean="0"/>
-              <a:t>© 2015, EV3Lessons.com (last edit 11/02/15)</a:t>
-            </a:r>
-            <a:endParaRPr lang="en-US"/>
+              <a:rPr lang="en-US"/>
+              <a:t>Copytight © 2015 EV3Lessons.com, Last edit 7/06/2016</a:t>
+            </a:r>
           </a:p>
         </p:txBody>
       </p:sp>
@@ -7851,7 +7591,7 @@
               <a:buChar char="•"/>
             </a:pPr>
             <a:r>
-              <a:rPr lang="en-US" dirty="0" smtClean="0">
+              <a:rPr lang="en-US" dirty="0">
                 <a:solidFill>
                   <a:srgbClr val="0070C0"/>
                 </a:solidFill>
@@ -7871,10 +7611,10 @@
             </a:endParaRPr>
           </a:p>
           <a:p>
-            <a:endParaRPr lang="en-US" dirty="0" smtClean="0"/>
-          </a:p>
-          <a:p>
-            <a:endParaRPr lang="en-US" dirty="0" smtClean="0"/>
+            <a:endParaRPr lang="en-US" dirty="0"/>
+          </a:p>
+          <a:p>
+            <a:endParaRPr lang="en-US" dirty="0"/>
           </a:p>
           <a:p>
             <a:pPr marL="285750" indent="-285750">
@@ -7887,23 +7627,8 @@
                   <a:srgbClr val="00B050"/>
                 </a:solidFill>
               </a:rPr>
-              <a:t>B</a:t>
-            </a:r>
-            <a:r>
-              <a:rPr lang="en-US" dirty="0" smtClean="0">
-                <a:solidFill>
-                  <a:srgbClr val="00B050"/>
-                </a:solidFill>
-              </a:rPr>
-              <a:t>. Create two inputs: one for degrees and one for power. Both inputs should be setup as numeric inputs</a:t>
-            </a:r>
-          </a:p>
-          <a:p>
-            <a:pPr marL="285750" indent="-285750">
-              <a:buFont typeface="Arial" panose="020B0604020202020204" pitchFamily="34" charset="0"/>
-              <a:buChar char="•"/>
-            </a:pPr>
-            <a:endParaRPr lang="en-US" dirty="0" smtClean="0"/>
+              <a:t>B. Create two inputs: one for degrees and one for power. Both inputs should be setup as numeric inputs</a:t>
+            </a:r>
           </a:p>
           <a:p>
             <a:pPr marL="285750" indent="-285750">
@@ -7917,11 +7642,17 @@
               <a:buFont typeface="Arial" panose="020B0604020202020204" pitchFamily="34" charset="0"/>
               <a:buChar char="•"/>
             </a:pPr>
-            <a:r>
-              <a:rPr lang="en-US" i="1" dirty="0" smtClean="0"/>
+            <a:endParaRPr lang="en-US" dirty="0"/>
+          </a:p>
+          <a:p>
+            <a:pPr marL="285750" indent="-285750">
+              <a:buFont typeface="Arial" panose="020B0604020202020204" pitchFamily="34" charset="0"/>
+              <a:buChar char="•"/>
+            </a:pPr>
+            <a:r>
+              <a:rPr lang="en-US" i="1" dirty="0"/>
               <a:t>Refer to the My Blocks with Inputs &amp; Outputs lesson if you need help setting up the My Block</a:t>
             </a:r>
-            <a:endParaRPr lang="en-US" i="1" dirty="0"/>
           </a:p>
         </p:txBody>
       </p:sp>
@@ -8023,18 +7754,13 @@
           <a:lstStyle/>
           <a:p>
             <a:r>
-              <a:rPr lang="en-US" sz="2400" b="1" dirty="0" smtClean="0">
+              <a:rPr lang="en-US" sz="2400" b="1" dirty="0">
                 <a:solidFill>
                   <a:srgbClr val="0070C0"/>
                 </a:solidFill>
               </a:rPr>
               <a:t>A</a:t>
             </a:r>
-            <a:endParaRPr lang="en-US" sz="2400" b="1" dirty="0">
-              <a:solidFill>
-                <a:srgbClr val="0070C0"/>
-              </a:solidFill>
-            </a:endParaRPr>
           </a:p>
         </p:txBody>
       </p:sp>
@@ -8061,18 +7787,13 @@
           <a:lstStyle/>
           <a:p>
             <a:r>
-              <a:rPr lang="en-US" sz="2400" b="1" dirty="0" smtClean="0">
+              <a:rPr lang="en-US" sz="2400" b="1" dirty="0">
                 <a:solidFill>
                   <a:srgbClr val="00B050"/>
                 </a:solidFill>
               </a:rPr>
               <a:t>B</a:t>
             </a:r>
-            <a:endParaRPr lang="en-US" sz="2400" b="1" dirty="0">
-              <a:solidFill>
-                <a:srgbClr val="00B050"/>
-              </a:solidFill>
-            </a:endParaRPr>
           </a:p>
         </p:txBody>
       </p:sp>
@@ -8122,10 +7843,9 @@
           <a:lstStyle/>
           <a:p>
             <a:r>
-              <a:rPr lang="en-US" dirty="0" smtClean="0"/>
+              <a:rPr lang="en-US" dirty="0"/>
               <a:t>STEP 3A: Wire the Inputs</a:t>
             </a:r>
-            <a:endParaRPr lang="en-US" dirty="0"/>
           </a:p>
         </p:txBody>
       </p:sp>
@@ -8145,10 +7865,9 @@
           <a:lstStyle/>
           <a:p>
             <a:r>
-              <a:rPr lang="en-US" smtClean="0"/>
-              <a:t>© 2015, EV3Lessons.com (last edit 11/02/15)</a:t>
-            </a:r>
-            <a:endParaRPr lang="en-US"/>
+              <a:rPr lang="en-US"/>
+              <a:t>Copytight © 2015 EV3Lessons.com, Last edit 7/06/2016</a:t>
+            </a:r>
           </a:p>
         </p:txBody>
       </p:sp>
@@ -8228,18 +7947,13 @@
           <a:lstStyle/>
           <a:p>
             <a:r>
-              <a:rPr lang="en-US" dirty="0" smtClean="0">
+              <a:rPr lang="en-US" dirty="0">
                 <a:solidFill>
                   <a:srgbClr val="7030A0"/>
                 </a:solidFill>
               </a:rPr>
               <a:t>C. Wire the inputs in the grey block.  The degrees input connects to the Math Block. The power goes into the Move Steering Block’s power input.  The result of the Math Block is wired into the Move Steering Block’s degree input.</a:t>
             </a:r>
-            <a:endParaRPr lang="en-US" dirty="0">
-              <a:solidFill>
-                <a:srgbClr val="7030A0"/>
-              </a:solidFill>
-            </a:endParaRPr>
           </a:p>
         </p:txBody>
       </p:sp>

--- a/translations/en-us/intermediate/TurnDegrees.pptx
+++ b/translations/en-us/intermediate/TurnDegrees.pptx
@@ -224,7 +224,7 @@
           <a:p>
             <a:fld id="{E00FA3B4-5499-9244-86B5-B0871A9DDD84}" type="datetimeFigureOut">
               <a:rPr lang="en-US" smtClean="0"/>
-              <a:t>7/6/2016</a:t>
+              <a:t>7/19/16</a:t>
             </a:fld>
             <a:endParaRPr lang="en-US"/>
           </a:p>
@@ -390,7 +390,7 @@
           <a:p>
             <a:fld id="{FD3EFF1E-85A1-6640-AFB9-C38833E80A84}" type="datetimeFigureOut">
               <a:rPr lang="en-US" smtClean="0"/>
-              <a:t>7/6/2016</a:t>
+              <a:t>7/19/16</a:t>
             </a:fld>
             <a:endParaRPr lang="en-US"/>
           </a:p>
@@ -1099,7 +1099,7 @@
           <a:p>
             <a:fld id="{46F1CA96-F7F5-4450-AA67-F23C6323C171}" type="datetime1">
               <a:rPr lang="en-US" smtClean="0"/>
-              <a:t>7/6/2016</a:t>
+              <a:t>7/19/16</a:t>
             </a:fld>
             <a:endParaRPr lang="en-US"/>
           </a:p>
@@ -1468,7 +1468,7 @@
           <a:p>
             <a:fld id="{88CF452C-4332-4F8F-B901-E0AFA15A8CA6}" type="datetime1">
               <a:rPr lang="en-US" smtClean="0"/>
-              <a:t>7/6/2016</a:t>
+              <a:t>7/19/16</a:t>
             </a:fld>
             <a:endParaRPr lang="en-US"/>
           </a:p>
@@ -1727,7 +1727,7 @@
           <a:p>
             <a:fld id="{026562F4-F930-48B2-8F08-5101C8FD13DD}" type="datetime1">
               <a:rPr lang="en-US" smtClean="0"/>
-              <a:t>7/6/2016</a:t>
+              <a:t>7/19/16</a:t>
             </a:fld>
             <a:endParaRPr lang="en-US"/>
           </a:p>
@@ -1900,7 +1900,7 @@
           <a:p>
             <a:fld id="{4F274BF6-B5E0-4E33-88B4-30B984A98114}" type="datetime1">
               <a:rPr lang="en-US" smtClean="0"/>
-              <a:t>7/6/2016</a:t>
+              <a:t>7/19/16</a:t>
             </a:fld>
             <a:endParaRPr lang="en-US"/>
           </a:p>
@@ -2246,7 +2246,7 @@
           <a:p>
             <a:fld id="{2F87EBEE-BD41-494A-9F8C-5B297A07FECD}" type="datetime1">
               <a:rPr lang="en-US" smtClean="0"/>
-              <a:t>7/6/2016</a:t>
+              <a:t>7/19/16</a:t>
             </a:fld>
             <a:endParaRPr lang="en-US"/>
           </a:p>
@@ -2524,7 +2524,7 @@
           <a:p>
             <a:fld id="{7A8FE672-4374-4D41-99F7-ABB934DABBC0}" type="datetime1">
               <a:rPr lang="en-US" smtClean="0"/>
-              <a:t>7/6/2016</a:t>
+              <a:t>7/19/16</a:t>
             </a:fld>
             <a:endParaRPr lang="en-US"/>
           </a:p>
@@ -2907,7 +2907,7 @@
           <a:p>
             <a:fld id="{85AA0DB4-F60B-4BD5-B8A8-00E710ABF236}" type="datetime1">
               <a:rPr lang="en-US" smtClean="0"/>
-              <a:t>7/6/2016</a:t>
+              <a:t>7/19/16</a:t>
             </a:fld>
             <a:endParaRPr lang="en-US"/>
           </a:p>
@@ -3028,7 +3028,7 @@
           <a:p>
             <a:fld id="{AE188BA8-3ED6-4503-8C0B-AA31365582B0}" type="datetime1">
               <a:rPr lang="en-US" smtClean="0"/>
-              <a:t>7/6/2016</a:t>
+              <a:t>7/19/16</a:t>
             </a:fld>
             <a:endParaRPr lang="en-US"/>
           </a:p>
@@ -3202,7 +3202,7 @@
           <a:p>
             <a:fld id="{CEC8BAA4-AD7A-4D31-A9E4-F27E9A899606}" type="datetime1">
               <a:rPr lang="en-US" smtClean="0"/>
-              <a:t>7/6/2016</a:t>
+              <a:t>7/19/16</a:t>
             </a:fld>
             <a:endParaRPr lang="en-US"/>
           </a:p>
@@ -3559,7 +3559,7 @@
           <a:p>
             <a:fld id="{B34B1068-CABE-4310-A773-68C0EC4D8FF6}" type="datetime1">
               <a:rPr lang="en-US" smtClean="0"/>
-              <a:t>7/6/2016</a:t>
+              <a:t>7/19/16</a:t>
             </a:fld>
             <a:endParaRPr lang="en-US"/>
           </a:p>
@@ -3944,7 +3944,7 @@
           <a:p>
             <a:fld id="{393882DE-AC00-4C46-AAD3-E98D54C29A5A}" type="datetime1">
               <a:rPr lang="en-US" smtClean="0"/>
-              <a:t>7/6/2016</a:t>
+              <a:t>7/19/16</a:t>
             </a:fld>
             <a:endParaRPr lang="en-US"/>
           </a:p>
@@ -4236,7 +4236,7 @@
           <a:p>
             <a:fld id="{B7AF7AE0-EED9-40AF-B6D0-DC08009B30FD}" type="datetime1">
               <a:rPr lang="en-US" smtClean="0"/>
-              <a:t>7/6/2016</a:t>
+              <a:t>7/19/16</a:t>
             </a:fld>
             <a:endParaRPr lang="en-US" dirty="0"/>
           </a:p>
@@ -4851,6 +4851,35 @@
           </a:p>
         </p:txBody>
       </p:sp>
+      <p:pic>
+        <p:nvPicPr>
+          <p:cNvPr id="4" name="Picture 3"/>
+          <p:cNvPicPr>
+            <a:picLocks noChangeAspect="1"/>
+          </p:cNvPicPr>
+          <p:nvPr/>
+        </p:nvPicPr>
+        <p:blipFill rotWithShape="1">
+          <a:blip r:embed="rId2">
+            <a:extLst>
+              <a:ext uri="{28A0092B-C50C-407E-A947-70E740481C1C}">
+                <a14:useLocalDpi xmlns:a14="http://schemas.microsoft.com/office/drawing/2010/main" val="0"/>
+              </a:ext>
+            </a:extLst>
+          </a:blip>
+          <a:srcRect l="4523" t="17619" r="3095" b="25000"/>
+          <a:stretch/>
+        </p:blipFill>
+        <p:spPr>
+          <a:xfrm>
+            <a:off x="3711108" y="4592409"/>
+            <a:ext cx="1700816" cy="1056435"/>
+          </a:xfrm>
+          <a:prstGeom prst="rect">
+            <a:avLst/>
+          </a:prstGeom>
+        </p:spPr>
+      </p:pic>
     </p:spTree>
     <p:extLst>
       <p:ext uri="{BB962C8B-B14F-4D97-AF65-F5344CB8AC3E}">
@@ -5764,6 +5793,18 @@
                 <a:latin typeface="Helvetica Neue"/>
               </a:rPr>
               <a:t>                         </a:t>
+            </a:r>
+            <a:r>
+              <a:rPr kumimoji="0" lang="en-US" altLang="en-US" sz="1600" b="0" i="0" u="none" strike="noStrike" cap="none" normalizeH="0" baseline="0" dirty="0">
+                <a:ln>
+                  <a:noFill/>
+                </a:ln>
+                <a:solidFill>
+                  <a:schemeClr val="tx1"/>
+                </a:solidFill>
+                <a:effectLst/>
+              </a:rPr>
+              <a:t/>
             </a:r>
             <a:br>
               <a:rPr kumimoji="0" lang="en-US" altLang="en-US" sz="1600" b="0" i="0" u="none" strike="noStrike" cap="none" normalizeH="0" baseline="0" dirty="0">
